--- a/Time-Card/ДОКУМЕНТЫ/МАТЕРИАЛ СТАТЬИ/#65-SyncESMC - an ITU-T G.781 Multi-Clock ESMC Implementation.pptx
+++ b/Time-Card/ДОКУМЕНТЫ/МАТЕРИАЛ СТАТЬИ/#65-SyncESMC - an ITU-T G.781 Multi-Clock ESMC Implementation.pptx
@@ -2,10 +2,10 @@
 <file path=ppt/presentation.xml><?xml version="1.0" encoding="utf-8"?>
 <p:presentation xmlns:a="http://schemas.openxmlformats.org/drawingml/2006/main" xmlns:r="http://schemas.openxmlformats.org/officeDocument/2006/relationships" xmlns:p="http://schemas.openxmlformats.org/presentationml/2006/main" strictFirstAndLastChars="0" embedTrueTypeFonts="1" saveSubsetFonts="1" autoCompressPictures="0">
   <p:sldMasterIdLst>
-    <p:sldMasterId id="2147483648" r:id="rId1"/>
+    <p:sldMasterId id="2147483654" r:id="rId1"/>
   </p:sldMasterIdLst>
   <p:notesMasterIdLst>
-    <p:notesMasterId r:id="rId24"/>
+    <p:notesMasterId r:id="rId22"/>
   </p:notesMasterIdLst>
   <p:sldIdLst>
     <p:sldId id="256" r:id="rId2"/>
@@ -28,250 +28,115 @@
     <p:sldId id="273" r:id="rId19"/>
     <p:sldId id="274" r:id="rId20"/>
     <p:sldId id="275" r:id="rId21"/>
-    <p:sldId id="276" r:id="rId22"/>
-    <p:sldId id="277" r:id="rId23"/>
   </p:sldIdLst>
   <p:sldSz cx="12192000" cy="6858000"/>
   <p:notesSz cx="6858000" cy="9144000"/>
   <p:embeddedFontLst>
     <p:embeddedFont>
       <p:font typeface="Calibri" panose="020F0502020204030204" pitchFamily="34" charset="0"/>
-      <p:regular r:id="rId25"/>
-      <p:bold r:id="rId26"/>
-      <p:italic r:id="rId27"/>
-      <p:boldItalic r:id="rId28"/>
+      <p:regular r:id="rId23"/>
+      <p:bold r:id="rId24"/>
+      <p:italic r:id="rId25"/>
+      <p:boldItalic r:id="rId26"/>
     </p:embeddedFont>
     <p:embeddedFont>
-      <p:font typeface="Courgette" panose="020B0604020202020204" charset="0"/>
-      <p:regular r:id="rId29"/>
+      <p:font typeface="Calibri Light" panose="020F0302020204030204" pitchFamily="34" charset="0"/>
+      <p:regular r:id="rId27"/>
+      <p:italic r:id="rId28"/>
     </p:embeddedFont>
   </p:embeddedFontLst>
   <p:defaultTextStyle>
-    <a:defPPr marR="0" lvl="0" algn="l" rtl="0">
-      <a:lnSpc>
-        <a:spcPct val="100000"/>
-      </a:lnSpc>
-      <a:spcBef>
-        <a:spcPts val="0"/>
-      </a:spcBef>
-      <a:spcAft>
-        <a:spcPts val="0"/>
-      </a:spcAft>
+    <a:defPPr>
+      <a:defRPr lang="ru-RU"/>
     </a:defPPr>
-    <a:lvl1pPr marR="0" lvl="0" algn="l" rtl="0">
-      <a:lnSpc>
-        <a:spcPct val="100000"/>
-      </a:lnSpc>
-      <a:spcBef>
-        <a:spcPts val="0"/>
-      </a:spcBef>
-      <a:spcAft>
-        <a:spcPts val="0"/>
-      </a:spcAft>
-      <a:buClr>
-        <a:srgbClr val="000000"/>
-      </a:buClr>
-      <a:buFont typeface="Arial"/>
-      <a:defRPr sz="1400" b="0" i="0" u="none" strike="noStrike" cap="none">
+    <a:lvl1pPr marL="0" algn="l" defTabSz="914400" rtl="0" eaLnBrk="1" latinLnBrk="0" hangingPunct="1">
+      <a:defRPr sz="1800" kern="1200">
         <a:solidFill>
-          <a:srgbClr val="000000"/>
+          <a:schemeClr val="tx1"/>
         </a:solidFill>
-        <a:latin typeface="Arial"/>
-        <a:ea typeface="Arial"/>
-        <a:cs typeface="Arial"/>
-        <a:sym typeface="Arial"/>
+        <a:latin typeface="+mn-lt"/>
+        <a:ea typeface="+mn-ea"/>
+        <a:cs typeface="+mn-cs"/>
       </a:defRPr>
     </a:lvl1pPr>
-    <a:lvl2pPr marR="0" lvl="1" algn="l" rtl="0">
-      <a:lnSpc>
-        <a:spcPct val="100000"/>
-      </a:lnSpc>
-      <a:spcBef>
-        <a:spcPts val="0"/>
-      </a:spcBef>
-      <a:spcAft>
-        <a:spcPts val="0"/>
-      </a:spcAft>
-      <a:buClr>
-        <a:srgbClr val="000000"/>
-      </a:buClr>
-      <a:buFont typeface="Arial"/>
-      <a:defRPr sz="1400" b="0" i="0" u="none" strike="noStrike" cap="none">
+    <a:lvl2pPr marL="457200" algn="l" defTabSz="914400" rtl="0" eaLnBrk="1" latinLnBrk="0" hangingPunct="1">
+      <a:defRPr sz="1800" kern="1200">
         <a:solidFill>
-          <a:srgbClr val="000000"/>
+          <a:schemeClr val="tx1"/>
         </a:solidFill>
-        <a:latin typeface="Arial"/>
-        <a:ea typeface="Arial"/>
-        <a:cs typeface="Arial"/>
-        <a:sym typeface="Arial"/>
+        <a:latin typeface="+mn-lt"/>
+        <a:ea typeface="+mn-ea"/>
+        <a:cs typeface="+mn-cs"/>
       </a:defRPr>
     </a:lvl2pPr>
-    <a:lvl3pPr marR="0" lvl="2" algn="l" rtl="0">
-      <a:lnSpc>
-        <a:spcPct val="100000"/>
-      </a:lnSpc>
-      <a:spcBef>
-        <a:spcPts val="0"/>
-      </a:spcBef>
-      <a:spcAft>
-        <a:spcPts val="0"/>
-      </a:spcAft>
-      <a:buClr>
-        <a:srgbClr val="000000"/>
-      </a:buClr>
-      <a:buFont typeface="Arial"/>
-      <a:defRPr sz="1400" b="0" i="0" u="none" strike="noStrike" cap="none">
+    <a:lvl3pPr marL="914400" algn="l" defTabSz="914400" rtl="0" eaLnBrk="1" latinLnBrk="0" hangingPunct="1">
+      <a:defRPr sz="1800" kern="1200">
         <a:solidFill>
-          <a:srgbClr val="000000"/>
+          <a:schemeClr val="tx1"/>
         </a:solidFill>
-        <a:latin typeface="Arial"/>
-        <a:ea typeface="Arial"/>
-        <a:cs typeface="Arial"/>
-        <a:sym typeface="Arial"/>
+        <a:latin typeface="+mn-lt"/>
+        <a:ea typeface="+mn-ea"/>
+        <a:cs typeface="+mn-cs"/>
       </a:defRPr>
     </a:lvl3pPr>
-    <a:lvl4pPr marR="0" lvl="3" algn="l" rtl="0">
-      <a:lnSpc>
-        <a:spcPct val="100000"/>
-      </a:lnSpc>
-      <a:spcBef>
-        <a:spcPts val="0"/>
-      </a:spcBef>
-      <a:spcAft>
-        <a:spcPts val="0"/>
-      </a:spcAft>
-      <a:buClr>
-        <a:srgbClr val="000000"/>
-      </a:buClr>
-      <a:buFont typeface="Arial"/>
-      <a:defRPr sz="1400" b="0" i="0" u="none" strike="noStrike" cap="none">
+    <a:lvl4pPr marL="1371600" algn="l" defTabSz="914400" rtl="0" eaLnBrk="1" latinLnBrk="0" hangingPunct="1">
+      <a:defRPr sz="1800" kern="1200">
         <a:solidFill>
-          <a:srgbClr val="000000"/>
+          <a:schemeClr val="tx1"/>
         </a:solidFill>
-        <a:latin typeface="Arial"/>
-        <a:ea typeface="Arial"/>
-        <a:cs typeface="Arial"/>
-        <a:sym typeface="Arial"/>
+        <a:latin typeface="+mn-lt"/>
+        <a:ea typeface="+mn-ea"/>
+        <a:cs typeface="+mn-cs"/>
       </a:defRPr>
     </a:lvl4pPr>
-    <a:lvl5pPr marR="0" lvl="4" algn="l" rtl="0">
-      <a:lnSpc>
-        <a:spcPct val="100000"/>
-      </a:lnSpc>
-      <a:spcBef>
-        <a:spcPts val="0"/>
-      </a:spcBef>
-      <a:spcAft>
-        <a:spcPts val="0"/>
-      </a:spcAft>
-      <a:buClr>
-        <a:srgbClr val="000000"/>
-      </a:buClr>
-      <a:buFont typeface="Arial"/>
-      <a:defRPr sz="1400" b="0" i="0" u="none" strike="noStrike" cap="none">
+    <a:lvl5pPr marL="1828800" algn="l" defTabSz="914400" rtl="0" eaLnBrk="1" latinLnBrk="0" hangingPunct="1">
+      <a:defRPr sz="1800" kern="1200">
         <a:solidFill>
-          <a:srgbClr val="000000"/>
+          <a:schemeClr val="tx1"/>
         </a:solidFill>
-        <a:latin typeface="Arial"/>
-        <a:ea typeface="Arial"/>
-        <a:cs typeface="Arial"/>
-        <a:sym typeface="Arial"/>
+        <a:latin typeface="+mn-lt"/>
+        <a:ea typeface="+mn-ea"/>
+        <a:cs typeface="+mn-cs"/>
       </a:defRPr>
     </a:lvl5pPr>
-    <a:lvl6pPr marR="0" lvl="5" algn="l" rtl="0">
-      <a:lnSpc>
-        <a:spcPct val="100000"/>
-      </a:lnSpc>
-      <a:spcBef>
-        <a:spcPts val="0"/>
-      </a:spcBef>
-      <a:spcAft>
-        <a:spcPts val="0"/>
-      </a:spcAft>
-      <a:buClr>
-        <a:srgbClr val="000000"/>
-      </a:buClr>
-      <a:buFont typeface="Arial"/>
-      <a:defRPr sz="1400" b="0" i="0" u="none" strike="noStrike" cap="none">
+    <a:lvl6pPr marL="2286000" algn="l" defTabSz="914400" rtl="0" eaLnBrk="1" latinLnBrk="0" hangingPunct="1">
+      <a:defRPr sz="1800" kern="1200">
         <a:solidFill>
-          <a:srgbClr val="000000"/>
+          <a:schemeClr val="tx1"/>
         </a:solidFill>
-        <a:latin typeface="Arial"/>
-        <a:ea typeface="Arial"/>
-        <a:cs typeface="Arial"/>
-        <a:sym typeface="Arial"/>
+        <a:latin typeface="+mn-lt"/>
+        <a:ea typeface="+mn-ea"/>
+        <a:cs typeface="+mn-cs"/>
       </a:defRPr>
     </a:lvl6pPr>
-    <a:lvl7pPr marR="0" lvl="6" algn="l" rtl="0">
-      <a:lnSpc>
-        <a:spcPct val="100000"/>
-      </a:lnSpc>
-      <a:spcBef>
-        <a:spcPts val="0"/>
-      </a:spcBef>
-      <a:spcAft>
-        <a:spcPts val="0"/>
-      </a:spcAft>
-      <a:buClr>
-        <a:srgbClr val="000000"/>
-      </a:buClr>
-      <a:buFont typeface="Arial"/>
-      <a:defRPr sz="1400" b="0" i="0" u="none" strike="noStrike" cap="none">
+    <a:lvl7pPr marL="2743200" algn="l" defTabSz="914400" rtl="0" eaLnBrk="1" latinLnBrk="0" hangingPunct="1">
+      <a:defRPr sz="1800" kern="1200">
         <a:solidFill>
-          <a:srgbClr val="000000"/>
+          <a:schemeClr val="tx1"/>
         </a:solidFill>
-        <a:latin typeface="Arial"/>
-        <a:ea typeface="Arial"/>
-        <a:cs typeface="Arial"/>
-        <a:sym typeface="Arial"/>
+        <a:latin typeface="+mn-lt"/>
+        <a:ea typeface="+mn-ea"/>
+        <a:cs typeface="+mn-cs"/>
       </a:defRPr>
     </a:lvl7pPr>
-    <a:lvl8pPr marR="0" lvl="7" algn="l" rtl="0">
-      <a:lnSpc>
-        <a:spcPct val="100000"/>
-      </a:lnSpc>
-      <a:spcBef>
-        <a:spcPts val="0"/>
-      </a:spcBef>
-      <a:spcAft>
-        <a:spcPts val="0"/>
-      </a:spcAft>
-      <a:buClr>
-        <a:srgbClr val="000000"/>
-      </a:buClr>
-      <a:buFont typeface="Arial"/>
-      <a:defRPr sz="1400" b="0" i="0" u="none" strike="noStrike" cap="none">
+    <a:lvl8pPr marL="3200400" algn="l" defTabSz="914400" rtl="0" eaLnBrk="1" latinLnBrk="0" hangingPunct="1">
+      <a:defRPr sz="1800" kern="1200">
         <a:solidFill>
-          <a:srgbClr val="000000"/>
+          <a:schemeClr val="tx1"/>
         </a:solidFill>
-        <a:latin typeface="Arial"/>
-        <a:ea typeface="Arial"/>
-        <a:cs typeface="Arial"/>
-        <a:sym typeface="Arial"/>
+        <a:latin typeface="+mn-lt"/>
+        <a:ea typeface="+mn-ea"/>
+        <a:cs typeface="+mn-cs"/>
       </a:defRPr>
     </a:lvl8pPr>
-    <a:lvl9pPr marR="0" lvl="8" algn="l" rtl="0">
-      <a:lnSpc>
-        <a:spcPct val="100000"/>
-      </a:lnSpc>
-      <a:spcBef>
-        <a:spcPts val="0"/>
-      </a:spcBef>
-      <a:spcAft>
-        <a:spcPts val="0"/>
-      </a:spcAft>
-      <a:buClr>
-        <a:srgbClr val="000000"/>
-      </a:buClr>
-      <a:buFont typeface="Arial"/>
-      <a:defRPr sz="1400" b="0" i="0" u="none" strike="noStrike" cap="none">
+    <a:lvl9pPr marL="3657600" algn="l" defTabSz="914400" rtl="0" eaLnBrk="1" latinLnBrk="0" hangingPunct="1">
+      <a:defRPr sz="1800" kern="1200">
         <a:solidFill>
-          <a:srgbClr val="000000"/>
+          <a:schemeClr val="tx1"/>
         </a:solidFill>
-        <a:latin typeface="Arial"/>
-        <a:ea typeface="Arial"/>
-        <a:cs typeface="Arial"/>
-        <a:sym typeface="Arial"/>
+        <a:latin typeface="+mn-lt"/>
+        <a:ea typeface="+mn-ea"/>
+        <a:cs typeface="+mn-cs"/>
       </a:defRPr>
     </a:lvl9pPr>
   </p:defaultTextStyle>
@@ -296,7 +161,7 @@
       </p15:sldGuideLst>
     </p:ext>
     <p:ext uri="GoogleSlidesCustomDataVersion2">
-      <go:slidesCustomData xmlns:go="http://customooxmlschemas.google.com/" xmlns:ahyp="http://schemas.microsoft.com/office/drawing/2018/hyperlinkcolor" xmlns:p15="http://schemas.microsoft.com/office/powerpoint/2012/main" xmlns:p14="http://schemas.microsoft.com/office/powerpoint/2010/main" xmlns:com="http://schemas.openxmlformats.org/drawingml/2006/compatibility" xmlns:pvml="urn:schemas-microsoft-com:office:powerpoint" xmlns:v="urn:schemas-microsoft-com:vml" xmlns:o="urn:schemas-microsoft-com:office:office" xmlns:dgm="http://schemas.openxmlformats.org/drawingml/2006/diagram" xmlns:c="http://schemas.openxmlformats.org/drawingml/2006/chart" xmlns:mv="urn:schemas-microsoft-com:mac:vml" xmlns:mc="http://schemas.openxmlformats.org/markup-compatibility/2006" xmlns="" r:id="rId30" roundtripDataSignature="AMtx7miTBu1ULPuT3dlB6yz1A+ak4y09TQ=="/>
+      <go:slidesCustomData xmlns="" xmlns:mc="http://schemas.openxmlformats.org/markup-compatibility/2006" xmlns:mv="urn:schemas-microsoft-com:mac:vml" xmlns:c="http://schemas.openxmlformats.org/drawingml/2006/chart" xmlns:dgm="http://schemas.openxmlformats.org/drawingml/2006/diagram" xmlns:o="urn:schemas-microsoft-com:office:office" xmlns:v="urn:schemas-microsoft-com:vml" xmlns:pvml="urn:schemas-microsoft-com:office:powerpoint" xmlns:com="http://schemas.openxmlformats.org/drawingml/2006/compatibility" xmlns:p14="http://schemas.microsoft.com/office/powerpoint/2010/main" xmlns:p15="http://schemas.microsoft.com/office/powerpoint/2012/main" xmlns:ahyp="http://schemas.microsoft.com/office/drawing/2018/hyperlinkcolor" xmlns:go="http://customooxmlschemas.google.com/" r:id="rId30" roundtripDataSignature="AMtx7miTBu1ULPuT3dlB6yz1A+ak4y09TQ=="/>
     </p:ext>
   </p:extLst>
 </p:presentation>
@@ -3567,306 +3432,6 @@
 </p:notes>
 </file>
 
-<file path=ppt/notesSlides/notesSlide21.xml><?xml version="1.0" encoding="utf-8"?>
-<p:notes xmlns:a="http://schemas.openxmlformats.org/drawingml/2006/main" xmlns:r="http://schemas.openxmlformats.org/officeDocument/2006/relationships" xmlns:p="http://schemas.openxmlformats.org/presentationml/2006/main" showMasterSp="0" showMasterPhAnim="0">
-  <p:cSld>
-    <p:spTree>
-      <p:nvGrpSpPr>
-        <p:cNvPr id="1" name="Shape 302"/>
-        <p:cNvGrpSpPr/>
-        <p:nvPr/>
-      </p:nvGrpSpPr>
-      <p:grpSpPr>
-        <a:xfrm>
-          <a:off x="0" y="0"/>
-          <a:ext cx="0" cy="0"/>
-          <a:chOff x="0" y="0"/>
-          <a:chExt cx="0" cy="0"/>
-        </a:xfrm>
-      </p:grpSpPr>
-      <p:sp>
-        <p:nvSpPr>
-          <p:cNvPr id="303" name="Google Shape;303;p42:notes"/>
-          <p:cNvSpPr txBox="1">
-            <a:spLocks noGrp="1"/>
-          </p:cNvSpPr>
-          <p:nvPr>
-            <p:ph type="body" idx="1"/>
-          </p:nvPr>
-        </p:nvSpPr>
-        <p:spPr>
-          <a:xfrm>
-            <a:off x="685800" y="4400550"/>
-            <a:ext cx="5486400" cy="3600450"/>
-          </a:xfrm>
-          <a:prstGeom prst="rect">
-            <a:avLst/>
-          </a:prstGeom>
-        </p:spPr>
-        <p:txBody>
-          <a:bodyPr spcFirstLastPara="1" wrap="square" lIns="91425" tIns="45700" rIns="91425" bIns="45700" anchor="t" anchorCtr="0">
-            <a:noAutofit/>
-          </a:bodyPr>
-          <a:lstStyle/>
-          <a:p>
-            <a:pPr marL="0" lvl="0" indent="0" algn="l" rtl="0">
-              <a:spcBef>
-                <a:spcPts val="0"/>
-              </a:spcBef>
-              <a:spcAft>
-                <a:spcPts val="0"/>
-              </a:spcAft>
-              <a:buNone/>
-            </a:pPr>
-            <a:endParaRPr/>
-          </a:p>
-        </p:txBody>
-      </p:sp>
-      <p:sp>
-        <p:nvSpPr>
-          <p:cNvPr id="304" name="Google Shape;304;p42:notes"/>
-          <p:cNvSpPr>
-            <a:spLocks noGrp="1" noRot="1" noChangeAspect="1"/>
-          </p:cNvSpPr>
-          <p:nvPr>
-            <p:ph type="sldImg" idx="2"/>
-          </p:nvPr>
-        </p:nvSpPr>
-        <p:spPr>
-          <a:xfrm>
-            <a:off x="685800" y="1143000"/>
-            <a:ext cx="5486400" cy="3086100"/>
-          </a:xfrm>
-          <a:custGeom>
-            <a:avLst/>
-            <a:gdLst/>
-            <a:ahLst/>
-            <a:cxnLst/>
-            <a:rect l="l" t="t" r="r" b="b"/>
-            <a:pathLst>
-              <a:path w="120000" h="120000" extrusionOk="0">
-                <a:moveTo>
-                  <a:pt x="0" y="0"/>
-                </a:moveTo>
-                <a:lnTo>
-                  <a:pt x="120000" y="0"/>
-                </a:lnTo>
-                <a:lnTo>
-                  <a:pt x="120000" y="120000"/>
-                </a:lnTo>
-                <a:lnTo>
-                  <a:pt x="0" y="120000"/>
-                </a:lnTo>
-                <a:close/>
-              </a:path>
-            </a:pathLst>
-          </a:custGeom>
-        </p:spPr>
-      </p:sp>
-    </p:spTree>
-  </p:cSld>
-  <p:clrMapOvr>
-    <a:masterClrMapping/>
-  </p:clrMapOvr>
-</p:notes>
-</file>
-
-<file path=ppt/notesSlides/notesSlide22.xml><?xml version="1.0" encoding="utf-8"?>
-<p:notes xmlns:a="http://schemas.openxmlformats.org/drawingml/2006/main" xmlns:r="http://schemas.openxmlformats.org/officeDocument/2006/relationships" xmlns:p="http://schemas.openxmlformats.org/presentationml/2006/main" showMasterSp="0" showMasterPhAnim="0">
-  <p:cSld>
-    <p:spTree>
-      <p:nvGrpSpPr>
-        <p:cNvPr id="1" name="Shape 308"/>
-        <p:cNvGrpSpPr/>
-        <p:nvPr/>
-      </p:nvGrpSpPr>
-      <p:grpSpPr>
-        <a:xfrm>
-          <a:off x="0" y="0"/>
-          <a:ext cx="0" cy="0"/>
-          <a:chOff x="0" y="0"/>
-          <a:chExt cx="0" cy="0"/>
-        </a:xfrm>
-      </p:grpSpPr>
-      <p:sp>
-        <p:nvSpPr>
-          <p:cNvPr id="309" name="Google Shape;309;p43:notes"/>
-          <p:cNvSpPr>
-            <a:spLocks noGrp="1" noRot="1" noChangeAspect="1"/>
-          </p:cNvSpPr>
-          <p:nvPr>
-            <p:ph type="sldImg" idx="2"/>
-          </p:nvPr>
-        </p:nvSpPr>
-        <p:spPr>
-          <a:xfrm>
-            <a:off x="685800" y="1143000"/>
-            <a:ext cx="5486400" cy="3086100"/>
-          </a:xfrm>
-          <a:custGeom>
-            <a:avLst/>
-            <a:gdLst/>
-            <a:ahLst/>
-            <a:cxnLst/>
-            <a:rect l="l" t="t" r="r" b="b"/>
-            <a:pathLst>
-              <a:path w="120000" h="120000" extrusionOk="0">
-                <a:moveTo>
-                  <a:pt x="0" y="0"/>
-                </a:moveTo>
-                <a:lnTo>
-                  <a:pt x="120000" y="0"/>
-                </a:lnTo>
-                <a:lnTo>
-                  <a:pt x="120000" y="120000"/>
-                </a:lnTo>
-                <a:lnTo>
-                  <a:pt x="0" y="120000"/>
-                </a:lnTo>
-                <a:close/>
-              </a:path>
-            </a:pathLst>
-          </a:custGeom>
-          <a:noFill/>
-          <a:ln w="12700" cap="flat" cmpd="sng">
-            <a:solidFill>
-              <a:srgbClr val="000000"/>
-            </a:solidFill>
-            <a:prstDash val="solid"/>
-            <a:round/>
-            <a:headEnd type="none" w="sm" len="sm"/>
-            <a:tailEnd type="none" w="sm" len="sm"/>
-          </a:ln>
-        </p:spPr>
-      </p:sp>
-      <p:sp>
-        <p:nvSpPr>
-          <p:cNvPr id="310" name="Google Shape;310;p43:notes"/>
-          <p:cNvSpPr txBox="1">
-            <a:spLocks noGrp="1"/>
-          </p:cNvSpPr>
-          <p:nvPr>
-            <p:ph type="body" idx="1"/>
-          </p:nvPr>
-        </p:nvSpPr>
-        <p:spPr>
-          <a:xfrm>
-            <a:off x="685800" y="4400550"/>
-            <a:ext cx="5486400" cy="3600450"/>
-          </a:xfrm>
-          <a:prstGeom prst="rect">
-            <a:avLst/>
-          </a:prstGeom>
-          <a:noFill/>
-          <a:ln>
-            <a:noFill/>
-          </a:ln>
-        </p:spPr>
-        <p:txBody>
-          <a:bodyPr spcFirstLastPara="1" wrap="square" lIns="91425" tIns="45700" rIns="91425" bIns="45700" anchor="t" anchorCtr="0">
-            <a:noAutofit/>
-          </a:bodyPr>
-          <a:lstStyle/>
-          <a:p>
-            <a:pPr marL="457200" marR="0" lvl="0" indent="-228600" algn="l" rtl="0">
-              <a:lnSpc>
-                <a:spcPct val="100000"/>
-              </a:lnSpc>
-              <a:spcBef>
-                <a:spcPts val="0"/>
-              </a:spcBef>
-              <a:spcAft>
-                <a:spcPts val="0"/>
-              </a:spcAft>
-              <a:buClr>
-                <a:srgbClr val="000000"/>
-              </a:buClr>
-              <a:buSzPts val="1400"/>
-              <a:buFont typeface="Arial"/>
-              <a:buNone/>
-            </a:pPr>
-            <a:endParaRPr/>
-          </a:p>
-        </p:txBody>
-      </p:sp>
-      <p:sp>
-        <p:nvSpPr>
-          <p:cNvPr id="311" name="Google Shape;311;p43:notes"/>
-          <p:cNvSpPr txBox="1">
-            <a:spLocks noGrp="1"/>
-          </p:cNvSpPr>
-          <p:nvPr>
-            <p:ph type="sldNum" idx="12"/>
-          </p:nvPr>
-        </p:nvSpPr>
-        <p:spPr>
-          <a:xfrm>
-            <a:off x="3884613" y="8685213"/>
-            <a:ext cx="2971800" cy="458787"/>
-          </a:xfrm>
-          <a:prstGeom prst="rect">
-            <a:avLst/>
-          </a:prstGeom>
-          <a:noFill/>
-          <a:ln>
-            <a:noFill/>
-          </a:ln>
-        </p:spPr>
-        <p:txBody>
-          <a:bodyPr spcFirstLastPara="1" wrap="square" lIns="91425" tIns="45700" rIns="91425" bIns="45700" anchor="b" anchorCtr="0">
-            <a:noAutofit/>
-          </a:bodyPr>
-          <a:lstStyle/>
-          <a:p>
-            <a:pPr marL="0" marR="0" lvl="0" indent="0" algn="r" rtl="0">
-              <a:lnSpc>
-                <a:spcPct val="100000"/>
-              </a:lnSpc>
-              <a:spcBef>
-                <a:spcPts val="0"/>
-              </a:spcBef>
-              <a:spcAft>
-                <a:spcPts val="0"/>
-              </a:spcAft>
-              <a:buClr>
-                <a:srgbClr val="000000"/>
-              </a:buClr>
-              <a:buSzPts val="1200"/>
-              <a:buFont typeface="Arial"/>
-              <a:buNone/>
-            </a:pPr>
-            <a:fld id="{00000000-1234-1234-1234-123412341234}" type="slidenum">
-              <a:rPr lang="en-US" sz="1200" b="0" i="0" u="none" strike="noStrike" cap="none">
-                <a:solidFill>
-                  <a:schemeClr val="dk1"/>
-                </a:solidFill>
-                <a:latin typeface="Calibri"/>
-                <a:ea typeface="Calibri"/>
-                <a:cs typeface="Calibri"/>
-                <a:sym typeface="Calibri"/>
-              </a:rPr>
-              <a:t>22</a:t>
-            </a:fld>
-            <a:endParaRPr sz="1200" b="0" i="0" u="none" strike="noStrike" cap="none">
-              <a:solidFill>
-                <a:schemeClr val="dk1"/>
-              </a:solidFill>
-              <a:latin typeface="Calibri"/>
-              <a:ea typeface="Calibri"/>
-              <a:cs typeface="Calibri"/>
-              <a:sym typeface="Calibri"/>
-            </a:endParaRPr>
-          </a:p>
-        </p:txBody>
-      </p:sp>
-    </p:spTree>
-  </p:cSld>
-  <p:clrMapOvr>
-    <a:masterClrMapping/>
-  </p:clrMapOvr>
-</p:notes>
-</file>
-
 <file path=ppt/notesSlides/notesSlide3.xml><?xml version="1.0" encoding="utf-8"?>
 <p:notes xmlns:a="http://schemas.openxmlformats.org/drawingml/2006/main" xmlns:r="http://schemas.openxmlformats.org/officeDocument/2006/relationships" xmlns:p="http://schemas.openxmlformats.org/presentationml/2006/main" showMasterSp="0" showMasterPhAnim="0">
   <p:cSld>
@@ -4596,6 +4161,662 @@
 </file>
 
 <file path=ppt/slideLayouts/slideLayout1.xml><?xml version="1.0" encoding="utf-8"?>
+<p:sldLayout xmlns:a="http://schemas.openxmlformats.org/drawingml/2006/main" xmlns:r="http://schemas.openxmlformats.org/officeDocument/2006/relationships" xmlns:p="http://schemas.openxmlformats.org/presentationml/2006/main" type="title" preserve="1">
+  <p:cSld name="Титульный слайд">
+    <p:spTree>
+      <p:nvGrpSpPr>
+        <p:cNvPr id="1" name=""/>
+        <p:cNvGrpSpPr/>
+        <p:nvPr/>
+      </p:nvGrpSpPr>
+      <p:grpSpPr>
+        <a:xfrm>
+          <a:off x="0" y="0"/>
+          <a:ext cx="0" cy="0"/>
+          <a:chOff x="0" y="0"/>
+          <a:chExt cx="0" cy="0"/>
+        </a:xfrm>
+      </p:grpSpPr>
+      <p:sp>
+        <p:nvSpPr>
+          <p:cNvPr id="2" name="Заголовок 1">
+            <a:extLst>
+              <a:ext uri="{FF2B5EF4-FFF2-40B4-BE49-F238E27FC236}">
+                <a16:creationId xmlns:a16="http://schemas.microsoft.com/office/drawing/2014/main" id="{9805156B-6385-4B32-97EE-F0010DFA4320}"/>
+              </a:ext>
+            </a:extLst>
+          </p:cNvPr>
+          <p:cNvSpPr>
+            <a:spLocks noGrp="1"/>
+          </p:cNvSpPr>
+          <p:nvPr>
+            <p:ph type="ctrTitle"/>
+          </p:nvPr>
+        </p:nvSpPr>
+        <p:spPr>
+          <a:xfrm>
+            <a:off x="1524000" y="1122363"/>
+            <a:ext cx="9144000" cy="2387600"/>
+          </a:xfrm>
+        </p:spPr>
+        <p:txBody>
+          <a:bodyPr anchor="b"/>
+          <a:lstStyle>
+            <a:lvl1pPr algn="ctr">
+              <a:defRPr sz="6000"/>
+            </a:lvl1pPr>
+          </a:lstStyle>
+          <a:p>
+            <a:r>
+              <a:rPr lang="ru-RU"/>
+              <a:t>Образец заголовка</a:t>
+            </a:r>
+          </a:p>
+        </p:txBody>
+      </p:sp>
+      <p:sp>
+        <p:nvSpPr>
+          <p:cNvPr id="3" name="Подзаголовок 2">
+            <a:extLst>
+              <a:ext uri="{FF2B5EF4-FFF2-40B4-BE49-F238E27FC236}">
+                <a16:creationId xmlns:a16="http://schemas.microsoft.com/office/drawing/2014/main" id="{1E64E6D8-435C-4538-95B6-28C3F4A012F3}"/>
+              </a:ext>
+            </a:extLst>
+          </p:cNvPr>
+          <p:cNvSpPr>
+            <a:spLocks noGrp="1"/>
+          </p:cNvSpPr>
+          <p:nvPr>
+            <p:ph type="subTitle" idx="1"/>
+          </p:nvPr>
+        </p:nvSpPr>
+        <p:spPr>
+          <a:xfrm>
+            <a:off x="1524000" y="3602038"/>
+            <a:ext cx="9144000" cy="1655762"/>
+          </a:xfrm>
+        </p:spPr>
+        <p:txBody>
+          <a:bodyPr/>
+          <a:lstStyle>
+            <a:lvl1pPr marL="0" indent="0" algn="ctr">
+              <a:buNone/>
+              <a:defRPr sz="2400"/>
+            </a:lvl1pPr>
+            <a:lvl2pPr marL="457200" indent="0" algn="ctr">
+              <a:buNone/>
+              <a:defRPr sz="2000"/>
+            </a:lvl2pPr>
+            <a:lvl3pPr marL="914400" indent="0" algn="ctr">
+              <a:buNone/>
+              <a:defRPr sz="1800"/>
+            </a:lvl3pPr>
+            <a:lvl4pPr marL="1371600" indent="0" algn="ctr">
+              <a:buNone/>
+              <a:defRPr sz="1600"/>
+            </a:lvl4pPr>
+            <a:lvl5pPr marL="1828800" indent="0" algn="ctr">
+              <a:buNone/>
+              <a:defRPr sz="1600"/>
+            </a:lvl5pPr>
+            <a:lvl6pPr marL="2286000" indent="0" algn="ctr">
+              <a:buNone/>
+              <a:defRPr sz="1600"/>
+            </a:lvl6pPr>
+            <a:lvl7pPr marL="2743200" indent="0" algn="ctr">
+              <a:buNone/>
+              <a:defRPr sz="1600"/>
+            </a:lvl7pPr>
+            <a:lvl8pPr marL="3200400" indent="0" algn="ctr">
+              <a:buNone/>
+              <a:defRPr sz="1600"/>
+            </a:lvl8pPr>
+            <a:lvl9pPr marL="3657600" indent="0" algn="ctr">
+              <a:buNone/>
+              <a:defRPr sz="1600"/>
+            </a:lvl9pPr>
+          </a:lstStyle>
+          <a:p>
+            <a:r>
+              <a:rPr lang="ru-RU"/>
+              <a:t>Образец подзаголовка</a:t>
+            </a:r>
+          </a:p>
+        </p:txBody>
+      </p:sp>
+      <p:sp>
+        <p:nvSpPr>
+          <p:cNvPr id="4" name="Дата 3">
+            <a:extLst>
+              <a:ext uri="{FF2B5EF4-FFF2-40B4-BE49-F238E27FC236}">
+                <a16:creationId xmlns:a16="http://schemas.microsoft.com/office/drawing/2014/main" id="{B3B9C41B-0DDC-4443-AC37-7B7BC19A12FA}"/>
+              </a:ext>
+            </a:extLst>
+          </p:cNvPr>
+          <p:cNvSpPr>
+            <a:spLocks noGrp="1"/>
+          </p:cNvSpPr>
+          <p:nvPr>
+            <p:ph type="dt" sz="half" idx="10"/>
+          </p:nvPr>
+        </p:nvSpPr>
+        <p:spPr/>
+        <p:txBody>
+          <a:bodyPr/>
+          <a:lstStyle/>
+          <a:p>
+            <a:fld id="{A1276BF3-0615-4C23-85FE-653C1A8C5BC2}" type="datetimeFigureOut">
+              <a:rPr lang="ru-RU" smtClean="0"/>
+              <a:t>13.06.2024</a:t>
+            </a:fld>
+            <a:endParaRPr lang="ru-RU"/>
+          </a:p>
+        </p:txBody>
+      </p:sp>
+      <p:sp>
+        <p:nvSpPr>
+          <p:cNvPr id="5" name="Нижний колонтитул 4">
+            <a:extLst>
+              <a:ext uri="{FF2B5EF4-FFF2-40B4-BE49-F238E27FC236}">
+                <a16:creationId xmlns:a16="http://schemas.microsoft.com/office/drawing/2014/main" id="{196C4EB1-DB47-4317-85E4-9E39A5A9951F}"/>
+              </a:ext>
+            </a:extLst>
+          </p:cNvPr>
+          <p:cNvSpPr>
+            <a:spLocks noGrp="1"/>
+          </p:cNvSpPr>
+          <p:nvPr>
+            <p:ph type="ftr" sz="quarter" idx="11"/>
+          </p:nvPr>
+        </p:nvSpPr>
+        <p:spPr/>
+        <p:txBody>
+          <a:bodyPr/>
+          <a:lstStyle/>
+          <a:p>
+            <a:endParaRPr lang="ru-RU"/>
+          </a:p>
+        </p:txBody>
+      </p:sp>
+      <p:sp>
+        <p:nvSpPr>
+          <p:cNvPr id="6" name="Номер слайда 5">
+            <a:extLst>
+              <a:ext uri="{FF2B5EF4-FFF2-40B4-BE49-F238E27FC236}">
+                <a16:creationId xmlns:a16="http://schemas.microsoft.com/office/drawing/2014/main" id="{2AE77414-D865-40C0-8375-782F05971A9C}"/>
+              </a:ext>
+            </a:extLst>
+          </p:cNvPr>
+          <p:cNvSpPr>
+            <a:spLocks noGrp="1"/>
+          </p:cNvSpPr>
+          <p:nvPr>
+            <p:ph type="sldNum" sz="quarter" idx="12"/>
+          </p:nvPr>
+        </p:nvSpPr>
+        <p:spPr/>
+        <p:txBody>
+          <a:bodyPr/>
+          <a:lstStyle/>
+          <a:p>
+            <a:pPr marL="0" lvl="0" indent="0" algn="r" rtl="0">
+              <a:spcBef>
+                <a:spcPts val="0"/>
+              </a:spcBef>
+              <a:spcAft>
+                <a:spcPts val="0"/>
+              </a:spcAft>
+              <a:buNone/>
+            </a:pPr>
+            <a:fld id="{00000000-1234-1234-1234-123412341234}" type="slidenum">
+              <a:rPr lang="en-US" smtClean="0"/>
+              <a:t>‹#›</a:t>
+            </a:fld>
+            <a:endParaRPr lang="en-US"/>
+          </a:p>
+        </p:txBody>
+      </p:sp>
+    </p:spTree>
+    <p:extLst>
+      <p:ext uri="{BB962C8B-B14F-4D97-AF65-F5344CB8AC3E}">
+        <p14:creationId xmlns:p14="http://schemas.microsoft.com/office/powerpoint/2010/main" val="3486763015"/>
+      </p:ext>
+    </p:extLst>
+  </p:cSld>
+  <p:clrMapOvr>
+    <a:masterClrMapping/>
+  </p:clrMapOvr>
+  <p:hf sldNum="0" hdr="0" ftr="0" dt="0"/>
+</p:sldLayout>
+</file>
+
+<file path=ppt/slideLayouts/slideLayout10.xml><?xml version="1.0" encoding="utf-8"?>
+<p:sldLayout xmlns:a="http://schemas.openxmlformats.org/drawingml/2006/main" xmlns:r="http://schemas.openxmlformats.org/officeDocument/2006/relationships" xmlns:p="http://schemas.openxmlformats.org/presentationml/2006/main" type="vertTx" preserve="1">
+  <p:cSld name="Заголовок и вертикальный текст">
+    <p:spTree>
+      <p:nvGrpSpPr>
+        <p:cNvPr id="1" name=""/>
+        <p:cNvGrpSpPr/>
+        <p:nvPr/>
+      </p:nvGrpSpPr>
+      <p:grpSpPr>
+        <a:xfrm>
+          <a:off x="0" y="0"/>
+          <a:ext cx="0" cy="0"/>
+          <a:chOff x="0" y="0"/>
+          <a:chExt cx="0" cy="0"/>
+        </a:xfrm>
+      </p:grpSpPr>
+      <p:sp>
+        <p:nvSpPr>
+          <p:cNvPr id="2" name="Заголовок 1">
+            <a:extLst>
+              <a:ext uri="{FF2B5EF4-FFF2-40B4-BE49-F238E27FC236}">
+                <a16:creationId xmlns:a16="http://schemas.microsoft.com/office/drawing/2014/main" id="{75EE8141-E078-468C-B495-81C4617238AF}"/>
+              </a:ext>
+            </a:extLst>
+          </p:cNvPr>
+          <p:cNvSpPr>
+            <a:spLocks noGrp="1"/>
+          </p:cNvSpPr>
+          <p:nvPr>
+            <p:ph type="title"/>
+          </p:nvPr>
+        </p:nvSpPr>
+        <p:spPr/>
+        <p:txBody>
+          <a:bodyPr/>
+          <a:lstStyle/>
+          <a:p>
+            <a:r>
+              <a:rPr lang="ru-RU"/>
+              <a:t>Образец заголовка</a:t>
+            </a:r>
+          </a:p>
+        </p:txBody>
+      </p:sp>
+      <p:sp>
+        <p:nvSpPr>
+          <p:cNvPr id="3" name="Вертикальный текст 2">
+            <a:extLst>
+              <a:ext uri="{FF2B5EF4-FFF2-40B4-BE49-F238E27FC236}">
+                <a16:creationId xmlns:a16="http://schemas.microsoft.com/office/drawing/2014/main" id="{2B26A97B-5A28-4474-9054-0F01DEFF6B91}"/>
+              </a:ext>
+            </a:extLst>
+          </p:cNvPr>
+          <p:cNvSpPr>
+            <a:spLocks noGrp="1"/>
+          </p:cNvSpPr>
+          <p:nvPr>
+            <p:ph type="body" orient="vert" idx="1"/>
+          </p:nvPr>
+        </p:nvSpPr>
+        <p:spPr/>
+        <p:txBody>
+          <a:bodyPr vert="eaVert"/>
+          <a:lstStyle/>
+          <a:p>
+            <a:pPr lvl="0"/>
+            <a:r>
+              <a:rPr lang="ru-RU"/>
+              <a:t>Образец текста</a:t>
+            </a:r>
+          </a:p>
+          <a:p>
+            <a:pPr lvl="1"/>
+            <a:r>
+              <a:rPr lang="ru-RU"/>
+              <a:t>Второй уровень</a:t>
+            </a:r>
+          </a:p>
+          <a:p>
+            <a:pPr lvl="2"/>
+            <a:r>
+              <a:rPr lang="ru-RU"/>
+              <a:t>Третий уровень</a:t>
+            </a:r>
+          </a:p>
+          <a:p>
+            <a:pPr lvl="3"/>
+            <a:r>
+              <a:rPr lang="ru-RU"/>
+              <a:t>Четвертый уровень</a:t>
+            </a:r>
+          </a:p>
+          <a:p>
+            <a:pPr lvl="4"/>
+            <a:r>
+              <a:rPr lang="ru-RU"/>
+              <a:t>Пятый уровень</a:t>
+            </a:r>
+          </a:p>
+        </p:txBody>
+      </p:sp>
+      <p:sp>
+        <p:nvSpPr>
+          <p:cNvPr id="4" name="Дата 3">
+            <a:extLst>
+              <a:ext uri="{FF2B5EF4-FFF2-40B4-BE49-F238E27FC236}">
+                <a16:creationId xmlns:a16="http://schemas.microsoft.com/office/drawing/2014/main" id="{B9ED6034-161D-4C7E-B024-277F41762CE4}"/>
+              </a:ext>
+            </a:extLst>
+          </p:cNvPr>
+          <p:cNvSpPr>
+            <a:spLocks noGrp="1"/>
+          </p:cNvSpPr>
+          <p:nvPr>
+            <p:ph type="dt" sz="half" idx="10"/>
+          </p:nvPr>
+        </p:nvSpPr>
+        <p:spPr/>
+        <p:txBody>
+          <a:bodyPr/>
+          <a:lstStyle/>
+          <a:p>
+            <a:fld id="{A1276BF3-0615-4C23-85FE-653C1A8C5BC2}" type="datetimeFigureOut">
+              <a:rPr lang="ru-RU" smtClean="0"/>
+              <a:t>13.06.2024</a:t>
+            </a:fld>
+            <a:endParaRPr lang="ru-RU"/>
+          </a:p>
+        </p:txBody>
+      </p:sp>
+      <p:sp>
+        <p:nvSpPr>
+          <p:cNvPr id="5" name="Нижний колонтитул 4">
+            <a:extLst>
+              <a:ext uri="{FF2B5EF4-FFF2-40B4-BE49-F238E27FC236}">
+                <a16:creationId xmlns:a16="http://schemas.microsoft.com/office/drawing/2014/main" id="{1E663361-C763-44E8-8F77-DBFA69EBE217}"/>
+              </a:ext>
+            </a:extLst>
+          </p:cNvPr>
+          <p:cNvSpPr>
+            <a:spLocks noGrp="1"/>
+          </p:cNvSpPr>
+          <p:nvPr>
+            <p:ph type="ftr" sz="quarter" idx="11"/>
+          </p:nvPr>
+        </p:nvSpPr>
+        <p:spPr/>
+        <p:txBody>
+          <a:bodyPr/>
+          <a:lstStyle/>
+          <a:p>
+            <a:endParaRPr lang="ru-RU"/>
+          </a:p>
+        </p:txBody>
+      </p:sp>
+      <p:sp>
+        <p:nvSpPr>
+          <p:cNvPr id="6" name="Номер слайда 5">
+            <a:extLst>
+              <a:ext uri="{FF2B5EF4-FFF2-40B4-BE49-F238E27FC236}">
+                <a16:creationId xmlns:a16="http://schemas.microsoft.com/office/drawing/2014/main" id="{A1FF48DA-F84E-4FC2-A7C9-2072FB11F52E}"/>
+              </a:ext>
+            </a:extLst>
+          </p:cNvPr>
+          <p:cNvSpPr>
+            <a:spLocks noGrp="1"/>
+          </p:cNvSpPr>
+          <p:nvPr>
+            <p:ph type="sldNum" sz="quarter" idx="12"/>
+          </p:nvPr>
+        </p:nvSpPr>
+        <p:spPr/>
+        <p:txBody>
+          <a:bodyPr/>
+          <a:lstStyle/>
+          <a:p>
+            <a:pPr marL="0" lvl="0" indent="0" algn="r" rtl="0">
+              <a:spcBef>
+                <a:spcPts val="0"/>
+              </a:spcBef>
+              <a:spcAft>
+                <a:spcPts val="0"/>
+              </a:spcAft>
+              <a:buNone/>
+            </a:pPr>
+            <a:fld id="{00000000-1234-1234-1234-123412341234}" type="slidenum">
+              <a:rPr lang="en-US" smtClean="0"/>
+              <a:t>‹#›</a:t>
+            </a:fld>
+            <a:endParaRPr lang="en-US"/>
+          </a:p>
+        </p:txBody>
+      </p:sp>
+    </p:spTree>
+    <p:extLst>
+      <p:ext uri="{BB962C8B-B14F-4D97-AF65-F5344CB8AC3E}">
+        <p14:creationId xmlns:p14="http://schemas.microsoft.com/office/powerpoint/2010/main" val="2940641890"/>
+      </p:ext>
+    </p:extLst>
+  </p:cSld>
+  <p:clrMapOvr>
+    <a:masterClrMapping/>
+  </p:clrMapOvr>
+  <p:hf sldNum="0" hdr="0" ftr="0" dt="0"/>
+</p:sldLayout>
+</file>
+
+<file path=ppt/slideLayouts/slideLayout11.xml><?xml version="1.0" encoding="utf-8"?>
+<p:sldLayout xmlns:a="http://schemas.openxmlformats.org/drawingml/2006/main" xmlns:r="http://schemas.openxmlformats.org/officeDocument/2006/relationships" xmlns:p="http://schemas.openxmlformats.org/presentationml/2006/main" type="vertTitleAndTx" preserve="1">
+  <p:cSld name="Вертикальный заголовок и текст">
+    <p:spTree>
+      <p:nvGrpSpPr>
+        <p:cNvPr id="1" name=""/>
+        <p:cNvGrpSpPr/>
+        <p:nvPr/>
+      </p:nvGrpSpPr>
+      <p:grpSpPr>
+        <a:xfrm>
+          <a:off x="0" y="0"/>
+          <a:ext cx="0" cy="0"/>
+          <a:chOff x="0" y="0"/>
+          <a:chExt cx="0" cy="0"/>
+        </a:xfrm>
+      </p:grpSpPr>
+      <p:sp>
+        <p:nvSpPr>
+          <p:cNvPr id="2" name="Вертикальный заголовок 1">
+            <a:extLst>
+              <a:ext uri="{FF2B5EF4-FFF2-40B4-BE49-F238E27FC236}">
+                <a16:creationId xmlns:a16="http://schemas.microsoft.com/office/drawing/2014/main" id="{EF663137-9003-4FCC-B242-628826BA6F7F}"/>
+              </a:ext>
+            </a:extLst>
+          </p:cNvPr>
+          <p:cNvSpPr>
+            <a:spLocks noGrp="1"/>
+          </p:cNvSpPr>
+          <p:nvPr>
+            <p:ph type="title" orient="vert"/>
+          </p:nvPr>
+        </p:nvSpPr>
+        <p:spPr>
+          <a:xfrm>
+            <a:off x="8724900" y="365125"/>
+            <a:ext cx="2628900" cy="5811838"/>
+          </a:xfrm>
+        </p:spPr>
+        <p:txBody>
+          <a:bodyPr vert="eaVert"/>
+          <a:lstStyle/>
+          <a:p>
+            <a:r>
+              <a:rPr lang="ru-RU"/>
+              <a:t>Образец заголовка</a:t>
+            </a:r>
+          </a:p>
+        </p:txBody>
+      </p:sp>
+      <p:sp>
+        <p:nvSpPr>
+          <p:cNvPr id="3" name="Вертикальный текст 2">
+            <a:extLst>
+              <a:ext uri="{FF2B5EF4-FFF2-40B4-BE49-F238E27FC236}">
+                <a16:creationId xmlns:a16="http://schemas.microsoft.com/office/drawing/2014/main" id="{8989BEF1-F009-41C3-AAD6-ABB5DFD6B652}"/>
+              </a:ext>
+            </a:extLst>
+          </p:cNvPr>
+          <p:cNvSpPr>
+            <a:spLocks noGrp="1"/>
+          </p:cNvSpPr>
+          <p:nvPr>
+            <p:ph type="body" orient="vert" idx="1"/>
+          </p:nvPr>
+        </p:nvSpPr>
+        <p:spPr>
+          <a:xfrm>
+            <a:off x="838200" y="365125"/>
+            <a:ext cx="7734300" cy="5811838"/>
+          </a:xfrm>
+        </p:spPr>
+        <p:txBody>
+          <a:bodyPr vert="eaVert"/>
+          <a:lstStyle/>
+          <a:p>
+            <a:pPr lvl="0"/>
+            <a:r>
+              <a:rPr lang="ru-RU"/>
+              <a:t>Образец текста</a:t>
+            </a:r>
+          </a:p>
+          <a:p>
+            <a:pPr lvl="1"/>
+            <a:r>
+              <a:rPr lang="ru-RU"/>
+              <a:t>Второй уровень</a:t>
+            </a:r>
+          </a:p>
+          <a:p>
+            <a:pPr lvl="2"/>
+            <a:r>
+              <a:rPr lang="ru-RU"/>
+              <a:t>Третий уровень</a:t>
+            </a:r>
+          </a:p>
+          <a:p>
+            <a:pPr lvl="3"/>
+            <a:r>
+              <a:rPr lang="ru-RU"/>
+              <a:t>Четвертый уровень</a:t>
+            </a:r>
+          </a:p>
+          <a:p>
+            <a:pPr lvl="4"/>
+            <a:r>
+              <a:rPr lang="ru-RU"/>
+              <a:t>Пятый уровень</a:t>
+            </a:r>
+          </a:p>
+        </p:txBody>
+      </p:sp>
+      <p:sp>
+        <p:nvSpPr>
+          <p:cNvPr id="4" name="Дата 3">
+            <a:extLst>
+              <a:ext uri="{FF2B5EF4-FFF2-40B4-BE49-F238E27FC236}">
+                <a16:creationId xmlns:a16="http://schemas.microsoft.com/office/drawing/2014/main" id="{C204DE73-AA18-47BB-ABBD-F054086AD97D}"/>
+              </a:ext>
+            </a:extLst>
+          </p:cNvPr>
+          <p:cNvSpPr>
+            <a:spLocks noGrp="1"/>
+          </p:cNvSpPr>
+          <p:nvPr>
+            <p:ph type="dt" sz="half" idx="10"/>
+          </p:nvPr>
+        </p:nvSpPr>
+        <p:spPr/>
+        <p:txBody>
+          <a:bodyPr/>
+          <a:lstStyle/>
+          <a:p>
+            <a:fld id="{A1276BF3-0615-4C23-85FE-653C1A8C5BC2}" type="datetimeFigureOut">
+              <a:rPr lang="ru-RU" smtClean="0"/>
+              <a:t>13.06.2024</a:t>
+            </a:fld>
+            <a:endParaRPr lang="ru-RU"/>
+          </a:p>
+        </p:txBody>
+      </p:sp>
+      <p:sp>
+        <p:nvSpPr>
+          <p:cNvPr id="5" name="Нижний колонтитул 4">
+            <a:extLst>
+              <a:ext uri="{FF2B5EF4-FFF2-40B4-BE49-F238E27FC236}">
+                <a16:creationId xmlns:a16="http://schemas.microsoft.com/office/drawing/2014/main" id="{45D79921-B946-4DDC-B3A9-D27615726FE3}"/>
+              </a:ext>
+            </a:extLst>
+          </p:cNvPr>
+          <p:cNvSpPr>
+            <a:spLocks noGrp="1"/>
+          </p:cNvSpPr>
+          <p:nvPr>
+            <p:ph type="ftr" sz="quarter" idx="11"/>
+          </p:nvPr>
+        </p:nvSpPr>
+        <p:spPr/>
+        <p:txBody>
+          <a:bodyPr/>
+          <a:lstStyle/>
+          <a:p>
+            <a:endParaRPr lang="ru-RU"/>
+          </a:p>
+        </p:txBody>
+      </p:sp>
+      <p:sp>
+        <p:nvSpPr>
+          <p:cNvPr id="6" name="Номер слайда 5">
+            <a:extLst>
+              <a:ext uri="{FF2B5EF4-FFF2-40B4-BE49-F238E27FC236}">
+                <a16:creationId xmlns:a16="http://schemas.microsoft.com/office/drawing/2014/main" id="{4107141D-AAC4-40AE-BE6C-376D51B8E03B}"/>
+              </a:ext>
+            </a:extLst>
+          </p:cNvPr>
+          <p:cNvSpPr>
+            <a:spLocks noGrp="1"/>
+          </p:cNvSpPr>
+          <p:nvPr>
+            <p:ph type="sldNum" sz="quarter" idx="12"/>
+          </p:nvPr>
+        </p:nvSpPr>
+        <p:spPr/>
+        <p:txBody>
+          <a:bodyPr/>
+          <a:lstStyle/>
+          <a:p>
+            <a:pPr marL="0" lvl="0" indent="0" algn="r" rtl="0">
+              <a:spcBef>
+                <a:spcPts val="0"/>
+              </a:spcBef>
+              <a:spcAft>
+                <a:spcPts val="0"/>
+              </a:spcAft>
+              <a:buNone/>
+            </a:pPr>
+            <a:fld id="{00000000-1234-1234-1234-123412341234}" type="slidenum">
+              <a:rPr lang="en-US" smtClean="0"/>
+              <a:t>‹#›</a:t>
+            </a:fld>
+            <a:endParaRPr lang="en-US"/>
+          </a:p>
+        </p:txBody>
+      </p:sp>
+    </p:spTree>
+    <p:extLst>
+      <p:ext uri="{BB962C8B-B14F-4D97-AF65-F5344CB8AC3E}">
+        <p14:creationId xmlns:p14="http://schemas.microsoft.com/office/powerpoint/2010/main" val="3013799748"/>
+      </p:ext>
+    </p:extLst>
+  </p:cSld>
+  <p:clrMapOvr>
+    <a:masterClrMapping/>
+  </p:clrMapOvr>
+  <p:hf sldNum="0" hdr="0" ftr="0" dt="0"/>
+</p:sldLayout>
+</file>
+
+<file path=ppt/slideLayouts/slideLayout12.xml><?xml version="1.0" encoding="utf-8"?>
 <p:sldLayout xmlns:a="http://schemas.openxmlformats.org/drawingml/2006/main" xmlns:r="http://schemas.openxmlformats.org/officeDocument/2006/relationships" xmlns:p="http://schemas.openxmlformats.org/presentationml/2006/main" matchingName="Section Header with Image">
   <p:cSld name="Section Header with Image">
     <p:spTree>
@@ -4612,146 +4833,6 @@
           <a:chExt cx="0" cy="0"/>
         </a:xfrm>
       </p:grpSpPr>
-      <p:sp>
-        <p:nvSpPr>
-          <p:cNvPr id="14" name="Google Shape;14;p18"/>
-          <p:cNvSpPr/>
-          <p:nvPr/>
-        </p:nvSpPr>
-        <p:spPr>
-          <a:xfrm rot="10800000" flipH="1">
-            <a:off x="0" y="-6"/>
-            <a:ext cx="10625328" cy="5404110"/>
-          </a:xfrm>
-          <a:prstGeom prst="rtTriangle">
-            <a:avLst/>
-          </a:prstGeom>
-          <a:solidFill>
-            <a:schemeClr val="dk2"/>
-          </a:solidFill>
-          <a:ln>
-            <a:noFill/>
-          </a:ln>
-        </p:spPr>
-        <p:txBody>
-          <a:bodyPr spcFirstLastPara="1" wrap="square" lIns="91425" tIns="45700" rIns="91425" bIns="45700" anchor="ctr" anchorCtr="0">
-            <a:noAutofit/>
-          </a:bodyPr>
-          <a:lstStyle/>
-          <a:p>
-            <a:pPr marL="0" marR="0" lvl="0" indent="0" algn="ctr" rtl="0">
-              <a:lnSpc>
-                <a:spcPct val="100000"/>
-              </a:lnSpc>
-              <a:spcBef>
-                <a:spcPts val="0"/>
-              </a:spcBef>
-              <a:spcAft>
-                <a:spcPts val="0"/>
-              </a:spcAft>
-              <a:buClr>
-                <a:srgbClr val="000000"/>
-              </a:buClr>
-              <a:buSzPts val="1800"/>
-              <a:buFont typeface="Arial"/>
-              <a:buNone/>
-            </a:pPr>
-            <a:endParaRPr sz="1800" b="0" i="0" u="none" strike="noStrike" cap="none">
-              <a:solidFill>
-                <a:schemeClr val="lt1"/>
-              </a:solidFill>
-              <a:latin typeface="Calibri"/>
-              <a:ea typeface="Calibri"/>
-              <a:cs typeface="Calibri"/>
-              <a:sym typeface="Calibri"/>
-            </a:endParaRPr>
-          </a:p>
-        </p:txBody>
-      </p:sp>
-      <p:sp>
-        <p:nvSpPr>
-          <p:cNvPr id="15" name="Google Shape;15;p18"/>
-          <p:cNvSpPr/>
-          <p:nvPr/>
-        </p:nvSpPr>
-        <p:spPr>
-          <a:xfrm rot="-1641210">
-            <a:off x="-637324" y="3588176"/>
-            <a:ext cx="3860162" cy="1746952"/>
-          </a:xfrm>
-          <a:prstGeom prst="parallelogram">
-            <a:avLst>
-              <a:gd name="adj" fmla="val 53218"/>
-            </a:avLst>
-          </a:prstGeom>
-          <a:solidFill>
-            <a:schemeClr val="accent2"/>
-          </a:solidFill>
-          <a:ln>
-            <a:noFill/>
-          </a:ln>
-        </p:spPr>
-        <p:txBody>
-          <a:bodyPr spcFirstLastPara="1" wrap="square" lIns="91425" tIns="45700" rIns="91425" bIns="45700" anchor="ctr" anchorCtr="0">
-            <a:noAutofit/>
-          </a:bodyPr>
-          <a:lstStyle/>
-          <a:p>
-            <a:pPr marL="0" marR="0" lvl="0" indent="0" algn="ctr" rtl="0">
-              <a:lnSpc>
-                <a:spcPct val="100000"/>
-              </a:lnSpc>
-              <a:spcBef>
-                <a:spcPts val="0"/>
-              </a:spcBef>
-              <a:spcAft>
-                <a:spcPts val="0"/>
-              </a:spcAft>
-              <a:buClr>
-                <a:srgbClr val="000000"/>
-              </a:buClr>
-              <a:buSzPts val="1800"/>
-              <a:buFont typeface="Arial"/>
-              <a:buNone/>
-            </a:pPr>
-            <a:endParaRPr sz="1800" b="0" i="0" u="none" strike="noStrike" cap="none">
-              <a:solidFill>
-                <a:schemeClr val="lt1"/>
-              </a:solidFill>
-              <a:latin typeface="Calibri"/>
-              <a:ea typeface="Calibri"/>
-              <a:cs typeface="Calibri"/>
-              <a:sym typeface="Calibri"/>
-            </a:endParaRPr>
-          </a:p>
-        </p:txBody>
-      </p:sp>
-      <p:cxnSp>
-        <p:nvCxnSpPr>
-          <p:cNvPr id="16" name="Google Shape;16;p18"/>
-          <p:cNvCxnSpPr/>
-          <p:nvPr/>
-        </p:nvCxnSpPr>
-        <p:spPr>
-          <a:xfrm rot="10800000" flipH="1">
-            <a:off x="0" y="1010090"/>
-            <a:ext cx="1785257" cy="907506"/>
-          </a:xfrm>
-          <a:prstGeom prst="straightConnector1">
-            <a:avLst/>
-          </a:prstGeom>
-          <a:noFill/>
-          <a:ln w="9525" cap="flat" cmpd="sng">
-            <a:solidFill>
-              <a:srgbClr val="A5A5A5"/>
-            </a:solidFill>
-            <a:prstDash val="solid"/>
-            <a:miter lim="800000"/>
-            <a:headEnd type="none" w="sm" len="sm"/>
-            <a:tailEnd type="none" w="sm" len="sm"/>
-          </a:ln>
-        </p:spPr>
-      </p:cxnSp>
       <p:sp>
         <p:nvSpPr>
           <p:cNvPr id="17" name="Google Shape;17;p18" title="Title"/>
@@ -5288,32 +5369,6 @@
           </a:p>
         </p:txBody>
       </p:sp>
-      <p:cxnSp>
-        <p:nvCxnSpPr>
-          <p:cNvPr id="19" name="Google Shape;19;p18"/>
-          <p:cNvCxnSpPr/>
-          <p:nvPr/>
-        </p:nvCxnSpPr>
-        <p:spPr>
-          <a:xfrm rot="10800000" flipH="1">
-            <a:off x="0" y="408562"/>
-            <a:ext cx="6595353" cy="3403148"/>
-          </a:xfrm>
-          <a:prstGeom prst="straightConnector1">
-            <a:avLst/>
-          </a:prstGeom>
-          <a:noFill/>
-          <a:ln w="9525" cap="flat" cmpd="sng">
-            <a:solidFill>
-              <a:srgbClr val="A5A5A5"/>
-            </a:solidFill>
-            <a:prstDash val="solid"/>
-            <a:miter lim="800000"/>
-            <a:headEnd type="none" w="sm" len="sm"/>
-            <a:tailEnd type="none" w="sm" len="sm"/>
-          </a:ln>
-        </p:spPr>
-      </p:cxnSp>
       <p:sp>
         <p:nvSpPr>
           <p:cNvPr id="20" name="Google Shape;20;p18"/>
@@ -5338,109 +5393,25 @@
           </a:ln>
         </p:spPr>
       </p:sp>
-      <p:sp>
-        <p:nvSpPr>
-          <p:cNvPr id="21" name="Google Shape;21;p18"/>
-          <p:cNvSpPr/>
-          <p:nvPr/>
-        </p:nvSpPr>
-        <p:spPr>
-          <a:xfrm rot="-1641210">
-            <a:off x="-139035" y="3407045"/>
-            <a:ext cx="1438399" cy="236580"/>
-          </a:xfrm>
-          <a:prstGeom prst="parallelogram">
-            <a:avLst>
-              <a:gd name="adj" fmla="val 53218"/>
-            </a:avLst>
-          </a:prstGeom>
-          <a:solidFill>
-            <a:srgbClr val="A5A5A5"/>
-          </a:solidFill>
-          <a:ln>
-            <a:noFill/>
-          </a:ln>
-        </p:spPr>
-        <p:txBody>
-          <a:bodyPr spcFirstLastPara="1" wrap="square" lIns="91425" tIns="45700" rIns="91425" bIns="45700" anchor="ctr" anchorCtr="0">
-            <a:noAutofit/>
-          </a:bodyPr>
-          <a:lstStyle/>
-          <a:p>
-            <a:pPr marL="0" marR="0" lvl="0" indent="0" algn="ctr" rtl="0">
-              <a:lnSpc>
-                <a:spcPct val="100000"/>
-              </a:lnSpc>
-              <a:spcBef>
-                <a:spcPts val="0"/>
-              </a:spcBef>
-              <a:spcAft>
-                <a:spcPts val="0"/>
-              </a:spcAft>
-              <a:buClr>
-                <a:srgbClr val="000000"/>
-              </a:buClr>
-              <a:buSzPts val="1800"/>
-              <a:buFont typeface="Arial"/>
-              <a:buNone/>
-            </a:pPr>
-            <a:endParaRPr sz="1800" b="0" i="0" u="none" strike="noStrike" cap="none">
-              <a:solidFill>
-                <a:schemeClr val="lt1"/>
-              </a:solidFill>
-              <a:latin typeface="Calibri"/>
-              <a:ea typeface="Calibri"/>
-              <a:cs typeface="Calibri"/>
-              <a:sym typeface="Calibri"/>
-            </a:endParaRPr>
-          </a:p>
-        </p:txBody>
-      </p:sp>
     </p:spTree>
+    <p:extLst>
+      <p:ext uri="{BB962C8B-B14F-4D97-AF65-F5344CB8AC3E}">
+        <p14:creationId xmlns:p14="http://schemas.microsoft.com/office/powerpoint/2010/main" val="3314224778"/>
+      </p:ext>
+    </p:extLst>
   </p:cSld>
   <p:clrMapOvr>
     <a:masterClrMapping/>
   </p:clrMapOvr>
   <p:extLst>
     <p:ext uri="{DCECCB84-F9BA-43D5-87BE-67443E8EF086}">
-      <p15:sldGuideLst xmlns:p15="http://schemas.microsoft.com/office/powerpoint/2012/main">
-        <p15:guide id="1" orient="horz" pos="2183">
-          <p15:clr>
-            <a:srgbClr val="FBAE40"/>
-          </p15:clr>
-        </p15:guide>
-        <p15:guide id="2" pos="3840">
-          <p15:clr>
-            <a:srgbClr val="FBAE40"/>
-          </p15:clr>
-        </p15:guide>
-        <p15:guide id="3" pos="143">
-          <p15:clr>
-            <a:srgbClr val="FBAE40"/>
-          </p15:clr>
-        </p15:guide>
-        <p15:guide id="4" orient="horz" pos="4170">
-          <p15:clr>
-            <a:srgbClr val="FBAE40"/>
-          </p15:clr>
-        </p15:guide>
-        <p15:guide id="5" pos="7537">
-          <p15:clr>
-            <a:srgbClr val="FBAE40"/>
-          </p15:clr>
-        </p15:guide>
-        <p15:guide id="6" orient="horz" pos="142">
-          <p15:clr>
-            <a:srgbClr val="FBAE40"/>
-          </p15:clr>
-        </p15:guide>
-      </p15:sldGuideLst>
+      <p15:sldGuideLst xmlns:p15="http://schemas.microsoft.com/office/powerpoint/2012/main"/>
     </p:ext>
   </p:extLst>
 </p:sldLayout>
 </file>
 
-<file path=ppt/slideLayouts/slideLayout2.xml><?xml version="1.0" encoding="utf-8"?>
+<file path=ppt/slideLayouts/slideLayout13.xml><?xml version="1.0" encoding="utf-8"?>
 <p:sldLayout xmlns:a="http://schemas.openxmlformats.org/drawingml/2006/main" xmlns:r="http://schemas.openxmlformats.org/officeDocument/2006/relationships" xmlns:p="http://schemas.openxmlformats.org/presentationml/2006/main" matchingName="Chart">
   <p:cSld name="Chart">
     <p:spTree>
@@ -5457,163 +5428,6 @@
           <a:chExt cx="0" cy="0"/>
         </a:xfrm>
       </p:grpSpPr>
-      <p:grpSp>
-        <p:nvGrpSpPr>
-          <p:cNvPr id="23" name="Google Shape;23;p20"/>
-          <p:cNvGrpSpPr/>
-          <p:nvPr/>
-        </p:nvGrpSpPr>
-        <p:grpSpPr>
-          <a:xfrm flipH="1">
-            <a:off x="7306810" y="0"/>
-            <a:ext cx="5024011" cy="3933083"/>
-            <a:chOff x="-251632" y="-8772"/>
-            <a:chExt cx="4905945" cy="3620888"/>
-          </a:xfrm>
-        </p:grpSpPr>
-        <p:cxnSp>
-          <p:nvCxnSpPr>
-            <p:cNvPr id="24" name="Google Shape;24;p20"/>
-            <p:cNvCxnSpPr/>
-            <p:nvPr/>
-          </p:nvCxnSpPr>
-          <p:spPr>
-            <a:xfrm rot="10800000" flipH="1">
-              <a:off x="1433638" y="-2"/>
-              <a:ext cx="1240971" cy="916595"/>
-            </a:xfrm>
-            <a:prstGeom prst="straightConnector1">
-              <a:avLst/>
-            </a:prstGeom>
-            <a:noFill/>
-            <a:ln w="9525" cap="flat" cmpd="sng">
-              <a:solidFill>
-                <a:srgbClr val="BFBFBF"/>
-              </a:solidFill>
-              <a:prstDash val="solid"/>
-              <a:miter lim="800000"/>
-              <a:headEnd type="none" w="sm" len="sm"/>
-              <a:tailEnd type="none" w="sm" len="sm"/>
-            </a:ln>
-          </p:spPr>
-        </p:cxnSp>
-        <p:sp>
-          <p:nvSpPr>
-            <p:cNvPr id="25" name="Google Shape;25;p20"/>
-            <p:cNvSpPr/>
-            <p:nvPr/>
-          </p:nvSpPr>
-          <p:spPr>
-            <a:xfrm>
-              <a:off x="-109356" y="-8772"/>
-              <a:ext cx="4763669" cy="3620888"/>
-            </a:xfrm>
-            <a:prstGeom prst="diagStripe">
-              <a:avLst>
-                <a:gd name="adj" fmla="val 51202"/>
-              </a:avLst>
-            </a:prstGeom>
-            <a:solidFill>
-              <a:schemeClr val="dk2"/>
-            </a:solidFill>
-            <a:ln>
-              <a:noFill/>
-            </a:ln>
-          </p:spPr>
-          <p:txBody>
-            <a:bodyPr spcFirstLastPara="1" wrap="square" lIns="91425" tIns="45700" rIns="91425" bIns="45700" anchor="ctr" anchorCtr="0">
-              <a:noAutofit/>
-            </a:bodyPr>
-            <a:lstStyle/>
-            <a:p>
-              <a:pPr marL="0" marR="0" lvl="0" indent="0" algn="ctr" rtl="0">
-                <a:lnSpc>
-                  <a:spcPct val="100000"/>
-                </a:lnSpc>
-                <a:spcBef>
-                  <a:spcPts val="0"/>
-                </a:spcBef>
-                <a:spcAft>
-                  <a:spcPts val="0"/>
-                </a:spcAft>
-                <a:buClr>
-                  <a:srgbClr val="000000"/>
-                </a:buClr>
-                <a:buSzPts val="1800"/>
-                <a:buFont typeface="Arial"/>
-                <a:buNone/>
-              </a:pPr>
-              <a:endParaRPr sz="1800" b="0" i="0" u="none" strike="noStrike" cap="none">
-                <a:solidFill>
-                  <a:schemeClr val="dk1"/>
-                </a:solidFill>
-                <a:latin typeface="Calibri"/>
-                <a:ea typeface="Calibri"/>
-                <a:cs typeface="Calibri"/>
-                <a:sym typeface="Calibri"/>
-              </a:endParaRPr>
-            </a:p>
-          </p:txBody>
-        </p:sp>
-        <p:sp>
-          <p:nvSpPr>
-            <p:cNvPr id="26" name="Google Shape;26;p20"/>
-            <p:cNvSpPr/>
-            <p:nvPr/>
-          </p:nvSpPr>
-          <p:spPr>
-            <a:xfrm rot="-2178838">
-              <a:off x="-319494" y="1265568"/>
-              <a:ext cx="1354398" cy="214994"/>
-            </a:xfrm>
-            <a:prstGeom prst="parallelogram">
-              <a:avLst>
-                <a:gd name="adj" fmla="val 72003"/>
-              </a:avLst>
-            </a:prstGeom>
-            <a:solidFill>
-              <a:schemeClr val="accent2"/>
-            </a:solidFill>
-            <a:ln>
-              <a:noFill/>
-            </a:ln>
-          </p:spPr>
-          <p:txBody>
-            <a:bodyPr spcFirstLastPara="1" wrap="square" lIns="91425" tIns="45700" rIns="91425" bIns="45700" anchor="ctr" anchorCtr="0">
-              <a:noAutofit/>
-            </a:bodyPr>
-            <a:lstStyle/>
-            <a:p>
-              <a:pPr marL="0" marR="0" lvl="0" indent="0" algn="ctr" rtl="0">
-                <a:lnSpc>
-                  <a:spcPct val="100000"/>
-                </a:lnSpc>
-                <a:spcBef>
-                  <a:spcPts val="0"/>
-                </a:spcBef>
-                <a:spcAft>
-                  <a:spcPts val="0"/>
-                </a:spcAft>
-                <a:buClr>
-                  <a:srgbClr val="000000"/>
-                </a:buClr>
-                <a:buSzPts val="1800"/>
-                <a:buFont typeface="Arial"/>
-                <a:buNone/>
-              </a:pPr>
-              <a:endParaRPr sz="1800" b="0" i="0" u="none" strike="noStrike" cap="none">
-                <a:solidFill>
-                  <a:schemeClr val="lt1"/>
-                </a:solidFill>
-                <a:latin typeface="Calibri"/>
-                <a:ea typeface="Calibri"/>
-                <a:cs typeface="Calibri"/>
-                <a:sym typeface="Calibri"/>
-              </a:endParaRPr>
-            </a:p>
-          </p:txBody>
-        </p:sp>
-      </p:grpSp>
       <p:sp>
         <p:nvSpPr>
           <p:cNvPr id="27" name="Google Shape;27;p20" title="Subtitle"/>
@@ -7128,35 +6942,24 @@
         </p:txBody>
       </p:sp>
     </p:spTree>
+    <p:extLst>
+      <p:ext uri="{BB962C8B-B14F-4D97-AF65-F5344CB8AC3E}">
+        <p14:creationId xmlns:p14="http://schemas.microsoft.com/office/powerpoint/2010/main" val="1634689117"/>
+      </p:ext>
+    </p:extLst>
   </p:cSld>
   <p:clrMapOvr>
     <a:masterClrMapping/>
   </p:clrMapOvr>
   <p:extLst>
     <p:ext uri="{DCECCB84-F9BA-43D5-87BE-67443E8EF086}">
-      <p15:sldGuideLst xmlns:p15="http://schemas.microsoft.com/office/powerpoint/2012/main">
-        <p15:guide id="1" orient="horz" pos="142">
-          <p15:clr>
-            <a:srgbClr val="FBAE40"/>
-          </p15:clr>
-        </p15:guide>
-        <p15:guide id="2" pos="3840">
-          <p15:clr>
-            <a:srgbClr val="FBAE40"/>
-          </p15:clr>
-        </p15:guide>
-        <p15:guide id="3" pos="778">
-          <p15:clr>
-            <a:srgbClr val="FBAE40"/>
-          </p15:clr>
-        </p15:guide>
-      </p15:sldGuideLst>
+      <p15:sldGuideLst xmlns:p15="http://schemas.microsoft.com/office/powerpoint/2012/main"/>
     </p:ext>
   </p:extLst>
 </p:sldLayout>
 </file>
 
-<file path=ppt/slideLayouts/slideLayout3.xml><?xml version="1.0" encoding="utf-8"?>
+<file path=ppt/slideLayouts/slideLayout14.xml><?xml version="1.0" encoding="utf-8"?>
 <p:sldLayout xmlns:a="http://schemas.openxmlformats.org/drawingml/2006/main" xmlns:r="http://schemas.openxmlformats.org/officeDocument/2006/relationships" xmlns:p="http://schemas.openxmlformats.org/presentationml/2006/main" matchingName="Text Layout 01">
   <p:cSld name="Text Layout 01">
     <p:spTree>
@@ -7443,88 +7246,6 @@
       </p:sp>
       <p:sp>
         <p:nvSpPr>
-          <p:cNvPr id="35" name="Google Shape;35;p19"/>
-          <p:cNvSpPr/>
-          <p:nvPr/>
-        </p:nvSpPr>
-        <p:spPr>
-          <a:xfrm rot="10800000">
-            <a:off x="1839686" y="-6"/>
-            <a:ext cx="10352314" cy="5638806"/>
-          </a:xfrm>
-          <a:prstGeom prst="rtTriangle">
-            <a:avLst/>
-          </a:prstGeom>
-          <a:solidFill>
-            <a:schemeClr val="dk2"/>
-          </a:solidFill>
-          <a:ln>
-            <a:noFill/>
-          </a:ln>
-        </p:spPr>
-        <p:txBody>
-          <a:bodyPr spcFirstLastPara="1" wrap="square" lIns="91425" tIns="45700" rIns="91425" bIns="45700" anchor="ctr" anchorCtr="0">
-            <a:noAutofit/>
-          </a:bodyPr>
-          <a:lstStyle/>
-          <a:p>
-            <a:pPr marL="0" marR="0" lvl="0" indent="0" algn="ctr" rtl="0">
-              <a:lnSpc>
-                <a:spcPct val="100000"/>
-              </a:lnSpc>
-              <a:spcBef>
-                <a:spcPts val="0"/>
-              </a:spcBef>
-              <a:spcAft>
-                <a:spcPts val="0"/>
-              </a:spcAft>
-              <a:buClr>
-                <a:srgbClr val="000000"/>
-              </a:buClr>
-              <a:buSzPts val="1800"/>
-              <a:buFont typeface="Arial"/>
-              <a:buNone/>
-            </a:pPr>
-            <a:endParaRPr sz="1800" b="0" i="0" u="none" strike="noStrike" cap="none">
-              <a:solidFill>
-                <a:schemeClr val="lt1"/>
-              </a:solidFill>
-              <a:latin typeface="Calibri"/>
-              <a:ea typeface="Calibri"/>
-              <a:cs typeface="Calibri"/>
-              <a:sym typeface="Calibri"/>
-            </a:endParaRPr>
-          </a:p>
-        </p:txBody>
-      </p:sp>
-      <p:cxnSp>
-        <p:nvCxnSpPr>
-          <p:cNvPr id="36" name="Google Shape;36;p19"/>
-          <p:cNvCxnSpPr/>
-          <p:nvPr/>
-        </p:nvCxnSpPr>
-        <p:spPr>
-          <a:xfrm rot="10800000" flipH="1">
-            <a:off x="6375400" y="5047077"/>
-            <a:ext cx="1524574" cy="1803400"/>
-          </a:xfrm>
-          <a:prstGeom prst="straightConnector1">
-            <a:avLst/>
-          </a:prstGeom>
-          <a:noFill/>
-          <a:ln w="9525" cap="flat" cmpd="sng">
-            <a:solidFill>
-              <a:srgbClr val="EAB200"/>
-            </a:solidFill>
-            <a:prstDash val="solid"/>
-            <a:miter lim="800000"/>
-            <a:headEnd type="none" w="sm" len="sm"/>
-            <a:tailEnd type="none" w="sm" len="sm"/>
-          </a:ln>
-        </p:spPr>
-      </p:cxnSp>
-      <p:sp>
-        <p:nvSpPr>
           <p:cNvPr id="37" name="Google Shape;37;p19" title="Subtitle"/>
           <p:cNvSpPr txBox="1">
             <a:spLocks noGrp="1"/>
@@ -8500,63 +8221,25 @@
           </a:p>
         </p:txBody>
       </p:sp>
-      <p:pic>
-        <p:nvPicPr>
-          <p:cNvPr id="41" name="Google Shape;41;p19"/>
-          <p:cNvPicPr preferRelativeResize="0"/>
-          <p:nvPr/>
-        </p:nvPicPr>
-        <p:blipFill rotWithShape="1">
-          <a:blip r:embed="rId2">
-            <a:alphaModFix/>
-          </a:blip>
-          <a:srcRect/>
-          <a:stretch/>
-        </p:blipFill>
-        <p:spPr>
-          <a:xfrm>
-            <a:off x="10407342" y="136525"/>
-            <a:ext cx="1784658" cy="405604"/>
-          </a:xfrm>
-          <a:prstGeom prst="rect">
-            <a:avLst/>
-          </a:prstGeom>
-          <a:noFill/>
-          <a:ln>
-            <a:noFill/>
-          </a:ln>
-        </p:spPr>
-      </p:pic>
     </p:spTree>
+    <p:extLst>
+      <p:ext uri="{BB962C8B-B14F-4D97-AF65-F5344CB8AC3E}">
+        <p14:creationId xmlns:p14="http://schemas.microsoft.com/office/powerpoint/2010/main" val="2527185064"/>
+      </p:ext>
+    </p:extLst>
   </p:cSld>
   <p:clrMapOvr>
     <a:masterClrMapping/>
   </p:clrMapOvr>
   <p:extLst>
     <p:ext uri="{DCECCB84-F9BA-43D5-87BE-67443E8EF086}">
-      <p15:sldGuideLst xmlns:p15="http://schemas.microsoft.com/office/powerpoint/2012/main">
-        <p15:guide id="1" orient="horz" pos="142">
-          <p15:clr>
-            <a:srgbClr val="FBAE40"/>
-          </p15:clr>
-        </p15:guide>
-        <p15:guide id="2" pos="3840">
-          <p15:clr>
-            <a:srgbClr val="FBAE40"/>
-          </p15:clr>
-        </p15:guide>
-        <p15:guide id="3" pos="415">
-          <p15:clr>
-            <a:srgbClr val="FBAE40"/>
-          </p15:clr>
-        </p15:guide>
-      </p15:sldGuideLst>
+      <p15:sldGuideLst xmlns:p15="http://schemas.microsoft.com/office/powerpoint/2012/main"/>
     </p:ext>
   </p:extLst>
 </p:sldLayout>
 </file>
 
-<file path=ppt/slideLayouts/slideLayout4.xml><?xml version="1.0" encoding="utf-8"?>
+<file path=ppt/slideLayouts/slideLayout15.xml><?xml version="1.0" encoding="utf-8"?>
 <p:sldLayout xmlns:a="http://schemas.openxmlformats.org/drawingml/2006/main" xmlns:r="http://schemas.openxmlformats.org/officeDocument/2006/relationships" xmlns:p="http://schemas.openxmlformats.org/presentationml/2006/main" matchingName="Table">
   <p:cSld name="Table">
     <p:spTree>
@@ -8841,163 +8524,6 @@
           </a:p>
         </p:txBody>
       </p:sp>
-      <p:grpSp>
-        <p:nvGrpSpPr>
-          <p:cNvPr id="44" name="Google Shape;44;p21"/>
-          <p:cNvGrpSpPr/>
-          <p:nvPr/>
-        </p:nvGrpSpPr>
-        <p:grpSpPr>
-          <a:xfrm flipH="1">
-            <a:off x="7293046" y="0"/>
-            <a:ext cx="5039955" cy="3665989"/>
-            <a:chOff x="-400240" y="-2"/>
-            <a:chExt cx="5039955" cy="3486122"/>
-          </a:xfrm>
-        </p:grpSpPr>
-        <p:sp>
-          <p:nvSpPr>
-            <p:cNvPr id="45" name="Google Shape;45;p21"/>
-            <p:cNvSpPr/>
-            <p:nvPr/>
-          </p:nvSpPr>
-          <p:spPr>
-            <a:xfrm>
-              <a:off x="-259238" y="-1"/>
-              <a:ext cx="4898953" cy="3486121"/>
-            </a:xfrm>
-            <a:prstGeom prst="diagStripe">
-              <a:avLst>
-                <a:gd name="adj" fmla="val 51202"/>
-              </a:avLst>
-            </a:prstGeom>
-            <a:solidFill>
-              <a:schemeClr val="dk2"/>
-            </a:solidFill>
-            <a:ln>
-              <a:noFill/>
-            </a:ln>
-          </p:spPr>
-          <p:txBody>
-            <a:bodyPr spcFirstLastPara="1" wrap="square" lIns="91425" tIns="45700" rIns="91425" bIns="45700" anchor="ctr" anchorCtr="0">
-              <a:noAutofit/>
-            </a:bodyPr>
-            <a:lstStyle/>
-            <a:p>
-              <a:pPr marL="0" marR="0" lvl="0" indent="0" algn="ctr" rtl="0">
-                <a:lnSpc>
-                  <a:spcPct val="100000"/>
-                </a:lnSpc>
-                <a:spcBef>
-                  <a:spcPts val="0"/>
-                </a:spcBef>
-                <a:spcAft>
-                  <a:spcPts val="0"/>
-                </a:spcAft>
-                <a:buClr>
-                  <a:srgbClr val="000000"/>
-                </a:buClr>
-                <a:buSzPts val="1800"/>
-                <a:buFont typeface="Arial"/>
-                <a:buNone/>
-              </a:pPr>
-              <a:endParaRPr sz="1800" b="0" i="0" u="none" strike="noStrike" cap="none">
-                <a:solidFill>
-                  <a:schemeClr val="dk1"/>
-                </a:solidFill>
-                <a:latin typeface="Calibri"/>
-                <a:ea typeface="Calibri"/>
-                <a:cs typeface="Calibri"/>
-                <a:sym typeface="Calibri"/>
-              </a:endParaRPr>
-            </a:p>
-          </p:txBody>
-        </p:sp>
-        <p:cxnSp>
-          <p:nvCxnSpPr>
-            <p:cNvPr id="46" name="Google Shape;46;p21"/>
-            <p:cNvCxnSpPr/>
-            <p:nvPr/>
-          </p:nvCxnSpPr>
-          <p:spPr>
-            <a:xfrm rot="10800000" flipH="1">
-              <a:off x="1433638" y="-2"/>
-              <a:ext cx="1240971" cy="916595"/>
-            </a:xfrm>
-            <a:prstGeom prst="straightConnector1">
-              <a:avLst/>
-            </a:prstGeom>
-            <a:noFill/>
-            <a:ln w="9525" cap="flat" cmpd="sng">
-              <a:solidFill>
-                <a:srgbClr val="BFBFBF"/>
-              </a:solidFill>
-              <a:prstDash val="solid"/>
-              <a:miter lim="800000"/>
-              <a:headEnd type="none" w="sm" len="sm"/>
-              <a:tailEnd type="none" w="sm" len="sm"/>
-            </a:ln>
-          </p:spPr>
-        </p:cxnSp>
-        <p:sp>
-          <p:nvSpPr>
-            <p:cNvPr id="47" name="Google Shape;47;p21"/>
-            <p:cNvSpPr/>
-            <p:nvPr/>
-          </p:nvSpPr>
-          <p:spPr>
-            <a:xfrm rot="-2178838">
-              <a:off x="-478638" y="1232424"/>
-              <a:ext cx="1462891" cy="214994"/>
-            </a:xfrm>
-            <a:prstGeom prst="parallelogram">
-              <a:avLst>
-                <a:gd name="adj" fmla="val 72003"/>
-              </a:avLst>
-            </a:prstGeom>
-            <a:solidFill>
-              <a:schemeClr val="accent2"/>
-            </a:solidFill>
-            <a:ln>
-              <a:noFill/>
-            </a:ln>
-          </p:spPr>
-          <p:txBody>
-            <a:bodyPr spcFirstLastPara="1" wrap="square" lIns="91425" tIns="45700" rIns="91425" bIns="45700" anchor="ctr" anchorCtr="0">
-              <a:noAutofit/>
-            </a:bodyPr>
-            <a:lstStyle/>
-            <a:p>
-              <a:pPr marL="0" marR="0" lvl="0" indent="0" algn="ctr" rtl="0">
-                <a:lnSpc>
-                  <a:spcPct val="100000"/>
-                </a:lnSpc>
-                <a:spcBef>
-                  <a:spcPts val="0"/>
-                </a:spcBef>
-                <a:spcAft>
-                  <a:spcPts val="0"/>
-                </a:spcAft>
-                <a:buClr>
-                  <a:srgbClr val="000000"/>
-                </a:buClr>
-                <a:buSzPts val="1800"/>
-                <a:buFont typeface="Arial"/>
-                <a:buNone/>
-              </a:pPr>
-              <a:endParaRPr sz="1800" b="0" i="0" u="none" strike="noStrike" cap="none">
-                <a:solidFill>
-                  <a:schemeClr val="lt1"/>
-                </a:solidFill>
-                <a:latin typeface="Calibri"/>
-                <a:ea typeface="Calibri"/>
-                <a:cs typeface="Calibri"/>
-                <a:sym typeface="Calibri"/>
-              </a:endParaRPr>
-            </a:p>
-          </p:txBody>
-        </p:sp>
-      </p:grpSp>
       <p:sp>
         <p:nvSpPr>
           <p:cNvPr id="48" name="Google Shape;48;p21" title="Subtitle"/>
@@ -9976,35 +9502,24 @@
         </p:txBody>
       </p:sp>
     </p:spTree>
+    <p:extLst>
+      <p:ext uri="{BB962C8B-B14F-4D97-AF65-F5344CB8AC3E}">
+        <p14:creationId xmlns:p14="http://schemas.microsoft.com/office/powerpoint/2010/main" val="615477796"/>
+      </p:ext>
+    </p:extLst>
   </p:cSld>
   <p:clrMapOvr>
     <a:masterClrMapping/>
   </p:clrMapOvr>
   <p:extLst>
     <p:ext uri="{DCECCB84-F9BA-43D5-87BE-67443E8EF086}">
-      <p15:sldGuideLst xmlns:p15="http://schemas.microsoft.com/office/powerpoint/2012/main">
-        <p15:guide id="1" orient="horz" pos="142">
-          <p15:clr>
-            <a:srgbClr val="FBAE40"/>
-          </p15:clr>
-        </p15:guide>
-        <p15:guide id="2" pos="3840">
-          <p15:clr>
-            <a:srgbClr val="FBAE40"/>
-          </p15:clr>
-        </p15:guide>
-        <p15:guide id="3" pos="778">
-          <p15:clr>
-            <a:srgbClr val="FBAE40"/>
-          </p15:clr>
-        </p15:guide>
-      </p15:sldGuideLst>
+      <p15:sldGuideLst xmlns:p15="http://schemas.microsoft.com/office/powerpoint/2012/main"/>
     </p:ext>
   </p:extLst>
 </p:sldLayout>
 </file>
 
-<file path=ppt/slideLayouts/slideLayout5.xml><?xml version="1.0" encoding="utf-8"?>
+<file path=ppt/slideLayouts/slideLayout16.xml><?xml version="1.0" encoding="utf-8"?>
 <p:sldLayout xmlns:a="http://schemas.openxmlformats.org/drawingml/2006/main" xmlns:r="http://schemas.openxmlformats.org/officeDocument/2006/relationships" xmlns:p="http://schemas.openxmlformats.org/presentationml/2006/main" matchingName="Comparison">
   <p:cSld name="Comparison">
     <p:spTree>
@@ -10021,163 +9536,6 @@
           <a:chExt cx="0" cy="0"/>
         </a:xfrm>
       </p:grpSpPr>
-      <p:grpSp>
-        <p:nvGrpSpPr>
-          <p:cNvPr id="53" name="Google Shape;53;p27"/>
-          <p:cNvGrpSpPr/>
-          <p:nvPr/>
-        </p:nvGrpSpPr>
-        <p:grpSpPr>
-          <a:xfrm flipH="1">
-            <a:off x="7340367" y="0"/>
-            <a:ext cx="4975847" cy="3743311"/>
-            <a:chOff x="-323980" y="-55844"/>
-            <a:chExt cx="4975847" cy="3559650"/>
-          </a:xfrm>
-        </p:grpSpPr>
-        <p:sp>
-          <p:nvSpPr>
-            <p:cNvPr id="54" name="Google Shape;54;p27"/>
-            <p:cNvSpPr/>
-            <p:nvPr/>
-          </p:nvSpPr>
-          <p:spPr>
-            <a:xfrm>
-              <a:off x="-199766" y="-55844"/>
-              <a:ext cx="4851633" cy="3559650"/>
-            </a:xfrm>
-            <a:prstGeom prst="diagStripe">
-              <a:avLst>
-                <a:gd name="adj" fmla="val 51202"/>
-              </a:avLst>
-            </a:prstGeom>
-            <a:solidFill>
-              <a:schemeClr val="dk2"/>
-            </a:solidFill>
-            <a:ln>
-              <a:noFill/>
-            </a:ln>
-          </p:spPr>
-          <p:txBody>
-            <a:bodyPr spcFirstLastPara="1" wrap="square" lIns="91425" tIns="45700" rIns="91425" bIns="45700" anchor="ctr" anchorCtr="0">
-              <a:noAutofit/>
-            </a:bodyPr>
-            <a:lstStyle/>
-            <a:p>
-              <a:pPr marL="0" marR="0" lvl="0" indent="0" algn="ctr" rtl="0">
-                <a:lnSpc>
-                  <a:spcPct val="100000"/>
-                </a:lnSpc>
-                <a:spcBef>
-                  <a:spcPts val="0"/>
-                </a:spcBef>
-                <a:spcAft>
-                  <a:spcPts val="0"/>
-                </a:spcAft>
-                <a:buClr>
-                  <a:srgbClr val="000000"/>
-                </a:buClr>
-                <a:buSzPts val="1800"/>
-                <a:buFont typeface="Arial"/>
-                <a:buNone/>
-              </a:pPr>
-              <a:endParaRPr sz="1800" b="0" i="0" u="none" strike="noStrike" cap="none">
-                <a:solidFill>
-                  <a:schemeClr val="dk1"/>
-                </a:solidFill>
-                <a:latin typeface="Calibri"/>
-                <a:ea typeface="Calibri"/>
-                <a:cs typeface="Calibri"/>
-                <a:sym typeface="Calibri"/>
-              </a:endParaRPr>
-            </a:p>
-          </p:txBody>
-        </p:sp>
-        <p:cxnSp>
-          <p:nvCxnSpPr>
-            <p:cNvPr id="55" name="Google Shape;55;p27"/>
-            <p:cNvCxnSpPr/>
-            <p:nvPr/>
-          </p:nvCxnSpPr>
-          <p:spPr>
-            <a:xfrm rot="10800000" flipH="1">
-              <a:off x="1433638" y="-2"/>
-              <a:ext cx="1240971" cy="916595"/>
-            </a:xfrm>
-            <a:prstGeom prst="straightConnector1">
-              <a:avLst/>
-            </a:prstGeom>
-            <a:noFill/>
-            <a:ln w="9525" cap="flat" cmpd="sng">
-              <a:solidFill>
-                <a:srgbClr val="BFBFBF"/>
-              </a:solidFill>
-              <a:prstDash val="solid"/>
-              <a:miter lim="800000"/>
-              <a:headEnd type="none" w="sm" len="sm"/>
-              <a:tailEnd type="none" w="sm" len="sm"/>
-            </a:ln>
-          </p:spPr>
-        </p:cxnSp>
-        <p:sp>
-          <p:nvSpPr>
-            <p:cNvPr id="56" name="Google Shape;56;p27"/>
-            <p:cNvSpPr/>
-            <p:nvPr/>
-          </p:nvSpPr>
-          <p:spPr>
-            <a:xfrm rot="-2178838">
-              <a:off x="-391842" y="1179666"/>
-              <a:ext cx="1354398" cy="214994"/>
-            </a:xfrm>
-            <a:prstGeom prst="parallelogram">
-              <a:avLst>
-                <a:gd name="adj" fmla="val 72003"/>
-              </a:avLst>
-            </a:prstGeom>
-            <a:solidFill>
-              <a:schemeClr val="accent2"/>
-            </a:solidFill>
-            <a:ln>
-              <a:noFill/>
-            </a:ln>
-          </p:spPr>
-          <p:txBody>
-            <a:bodyPr spcFirstLastPara="1" wrap="square" lIns="91425" tIns="45700" rIns="91425" bIns="45700" anchor="ctr" anchorCtr="0">
-              <a:noAutofit/>
-            </a:bodyPr>
-            <a:lstStyle/>
-            <a:p>
-              <a:pPr marL="0" marR="0" lvl="0" indent="0" algn="ctr" rtl="0">
-                <a:lnSpc>
-                  <a:spcPct val="100000"/>
-                </a:lnSpc>
-                <a:spcBef>
-                  <a:spcPts val="0"/>
-                </a:spcBef>
-                <a:spcAft>
-                  <a:spcPts val="0"/>
-                </a:spcAft>
-                <a:buClr>
-                  <a:srgbClr val="000000"/>
-                </a:buClr>
-                <a:buSzPts val="1800"/>
-                <a:buFont typeface="Arial"/>
-                <a:buNone/>
-              </a:pPr>
-              <a:endParaRPr sz="1800" b="0" i="0" u="none" strike="noStrike" cap="none">
-                <a:solidFill>
-                  <a:schemeClr val="lt1"/>
-                </a:solidFill>
-                <a:latin typeface="Calibri"/>
-                <a:ea typeface="Calibri"/>
-                <a:cs typeface="Calibri"/>
-                <a:sym typeface="Calibri"/>
-              </a:endParaRPr>
-            </a:p>
-          </p:txBody>
-        </p:sp>
-      </p:grpSp>
       <p:sp>
         <p:nvSpPr>
           <p:cNvPr id="57" name="Google Shape;57;p27"/>
@@ -11960,58 +11318,29 @@
         </p:txBody>
       </p:sp>
     </p:spTree>
+    <p:extLst>
+      <p:ext uri="{BB962C8B-B14F-4D97-AF65-F5344CB8AC3E}">
+        <p14:creationId xmlns:p14="http://schemas.microsoft.com/office/powerpoint/2010/main" val="3096087384"/>
+      </p:ext>
+    </p:extLst>
   </p:cSld>
   <p:clrMapOvr>
     <a:masterClrMapping/>
   </p:clrMapOvr>
   <p:extLst>
     <p:ext uri="{DCECCB84-F9BA-43D5-87BE-67443E8EF086}">
-      <p15:sldGuideLst xmlns:p15="http://schemas.microsoft.com/office/powerpoint/2012/main">
-        <p15:guide id="1" orient="horz" pos="2160">
-          <p15:clr>
-            <a:srgbClr val="FBAE40"/>
-          </p15:clr>
-        </p15:guide>
-        <p15:guide id="2" pos="3840">
-          <p15:clr>
-            <a:srgbClr val="FBAE40"/>
-          </p15:clr>
-        </p15:guide>
-        <p15:guide id="3" pos="393">
-          <p15:clr>
-            <a:srgbClr val="FBAE40"/>
-          </p15:clr>
-        </p15:guide>
-        <p15:guide id="4" pos="7423">
-          <p15:clr>
-            <a:srgbClr val="FBAE40"/>
-          </p15:clr>
-        </p15:guide>
-        <p15:guide id="5" orient="horz" pos="777">
-          <p15:clr>
-            <a:srgbClr val="FBAE40"/>
-          </p15:clr>
-        </p15:guide>
-      </p15:sldGuideLst>
+      <p15:sldGuideLst xmlns:p15="http://schemas.microsoft.com/office/powerpoint/2012/main"/>
     </p:ext>
   </p:extLst>
 </p:sldLayout>
 </file>
 
-<file path=ppt/slideMasters/slideMaster1.xml><?xml version="1.0" encoding="utf-8"?>
-<p:sldMaster xmlns:a="http://schemas.openxmlformats.org/drawingml/2006/main" xmlns:r="http://schemas.openxmlformats.org/officeDocument/2006/relationships" xmlns:p="http://schemas.openxmlformats.org/presentationml/2006/main">
-  <p:cSld>
-    <p:bg>
-      <p:bgPr>
-        <a:solidFill>
-          <a:schemeClr val="lt1"/>
-        </a:solidFill>
-        <a:effectLst/>
-      </p:bgPr>
-    </p:bg>
+<file path=ppt/slideLayouts/slideLayout2.xml><?xml version="1.0" encoding="utf-8"?>
+<p:sldLayout xmlns:a="http://schemas.openxmlformats.org/drawingml/2006/main" xmlns:r="http://schemas.openxmlformats.org/officeDocument/2006/relationships" xmlns:p="http://schemas.openxmlformats.org/presentationml/2006/main" type="obj" preserve="1">
+  <p:cSld name="Заголовок и объект">
     <p:spTree>
       <p:nvGrpSpPr>
-        <p:cNvPr id="1" name="Shape 9"/>
+        <p:cNvPr id="1" name=""/>
         <p:cNvGrpSpPr/>
         <p:nvPr/>
       </p:nvGrpSpPr>
@@ -12025,534 +11354,2324 @@
       </p:grpSpPr>
       <p:sp>
         <p:nvSpPr>
-          <p:cNvPr id="10" name="Google Shape;10;p13"/>
-          <p:cNvSpPr txBox="1">
+          <p:cNvPr id="2" name="Заголовок 1">
+            <a:extLst>
+              <a:ext uri="{FF2B5EF4-FFF2-40B4-BE49-F238E27FC236}">
+                <a16:creationId xmlns:a16="http://schemas.microsoft.com/office/drawing/2014/main" id="{FC646EAE-6CF9-4246-A623-9802D0A8DED6}"/>
+              </a:ext>
+            </a:extLst>
+          </p:cNvPr>
+          <p:cNvSpPr>
             <a:spLocks noGrp="1"/>
           </p:cNvSpPr>
           <p:nvPr>
-            <p:ph type="ftr" idx="11"/>
+            <p:ph type="title"/>
+          </p:nvPr>
+        </p:nvSpPr>
+        <p:spPr/>
+        <p:txBody>
+          <a:bodyPr/>
+          <a:lstStyle/>
+          <a:p>
+            <a:r>
+              <a:rPr lang="ru-RU"/>
+              <a:t>Образец заголовка</a:t>
+            </a:r>
+          </a:p>
+        </p:txBody>
+      </p:sp>
+      <p:sp>
+        <p:nvSpPr>
+          <p:cNvPr id="3" name="Объект 2">
+            <a:extLst>
+              <a:ext uri="{FF2B5EF4-FFF2-40B4-BE49-F238E27FC236}">
+                <a16:creationId xmlns:a16="http://schemas.microsoft.com/office/drawing/2014/main" id="{D7431730-8A46-4AFF-84F2-3B7E8CFE926E}"/>
+              </a:ext>
+            </a:extLst>
+          </p:cNvPr>
+          <p:cNvSpPr>
+            <a:spLocks noGrp="1"/>
+          </p:cNvSpPr>
+          <p:nvPr>
+            <p:ph idx="1"/>
+          </p:nvPr>
+        </p:nvSpPr>
+        <p:spPr/>
+        <p:txBody>
+          <a:bodyPr/>
+          <a:lstStyle/>
+          <a:p>
+            <a:pPr lvl="0"/>
+            <a:r>
+              <a:rPr lang="ru-RU"/>
+              <a:t>Образец текста</a:t>
+            </a:r>
+          </a:p>
+          <a:p>
+            <a:pPr lvl="1"/>
+            <a:r>
+              <a:rPr lang="ru-RU"/>
+              <a:t>Второй уровень</a:t>
+            </a:r>
+          </a:p>
+          <a:p>
+            <a:pPr lvl="2"/>
+            <a:r>
+              <a:rPr lang="ru-RU"/>
+              <a:t>Третий уровень</a:t>
+            </a:r>
+          </a:p>
+          <a:p>
+            <a:pPr lvl="3"/>
+            <a:r>
+              <a:rPr lang="ru-RU"/>
+              <a:t>Четвертый уровень</a:t>
+            </a:r>
+          </a:p>
+          <a:p>
+            <a:pPr lvl="4"/>
+            <a:r>
+              <a:rPr lang="ru-RU"/>
+              <a:t>Пятый уровень</a:t>
+            </a:r>
+          </a:p>
+        </p:txBody>
+      </p:sp>
+      <p:sp>
+        <p:nvSpPr>
+          <p:cNvPr id="4" name="Дата 3">
+            <a:extLst>
+              <a:ext uri="{FF2B5EF4-FFF2-40B4-BE49-F238E27FC236}">
+                <a16:creationId xmlns:a16="http://schemas.microsoft.com/office/drawing/2014/main" id="{C1858ABE-D8AF-4A96-8876-6329F54FEE47}"/>
+              </a:ext>
+            </a:extLst>
+          </p:cNvPr>
+          <p:cNvSpPr>
+            <a:spLocks noGrp="1"/>
+          </p:cNvSpPr>
+          <p:nvPr>
+            <p:ph type="dt" sz="half" idx="10"/>
+          </p:nvPr>
+        </p:nvSpPr>
+        <p:spPr/>
+        <p:txBody>
+          <a:bodyPr/>
+          <a:lstStyle/>
+          <a:p>
+            <a:fld id="{A1276BF3-0615-4C23-85FE-653C1A8C5BC2}" type="datetimeFigureOut">
+              <a:rPr lang="ru-RU" smtClean="0"/>
+              <a:t>13.06.2024</a:t>
+            </a:fld>
+            <a:endParaRPr lang="ru-RU"/>
+          </a:p>
+        </p:txBody>
+      </p:sp>
+      <p:sp>
+        <p:nvSpPr>
+          <p:cNvPr id="5" name="Нижний колонтитул 4">
+            <a:extLst>
+              <a:ext uri="{FF2B5EF4-FFF2-40B4-BE49-F238E27FC236}">
+                <a16:creationId xmlns:a16="http://schemas.microsoft.com/office/drawing/2014/main" id="{16B870E6-9C5F-4555-BCD5-20A26F5E7776}"/>
+              </a:ext>
+            </a:extLst>
+          </p:cNvPr>
+          <p:cNvSpPr>
+            <a:spLocks noGrp="1"/>
+          </p:cNvSpPr>
+          <p:nvPr>
+            <p:ph type="ftr" sz="quarter" idx="11"/>
+          </p:nvPr>
+        </p:nvSpPr>
+        <p:spPr/>
+        <p:txBody>
+          <a:bodyPr/>
+          <a:lstStyle/>
+          <a:p>
+            <a:endParaRPr lang="ru-RU"/>
+          </a:p>
+        </p:txBody>
+      </p:sp>
+      <p:sp>
+        <p:nvSpPr>
+          <p:cNvPr id="6" name="Номер слайда 5">
+            <a:extLst>
+              <a:ext uri="{FF2B5EF4-FFF2-40B4-BE49-F238E27FC236}">
+                <a16:creationId xmlns:a16="http://schemas.microsoft.com/office/drawing/2014/main" id="{BDDF36CB-5402-4FF6-A49B-B32A77060DC1}"/>
+              </a:ext>
+            </a:extLst>
+          </p:cNvPr>
+          <p:cNvSpPr>
+            <a:spLocks noGrp="1"/>
+          </p:cNvSpPr>
+          <p:nvPr>
+            <p:ph type="sldNum" sz="quarter" idx="12"/>
+          </p:nvPr>
+        </p:nvSpPr>
+        <p:spPr/>
+        <p:txBody>
+          <a:bodyPr/>
+          <a:lstStyle/>
+          <a:p>
+            <a:pPr marL="0" lvl="0" indent="0" algn="r" rtl="0">
+              <a:spcBef>
+                <a:spcPts val="0"/>
+              </a:spcBef>
+              <a:spcAft>
+                <a:spcPts val="0"/>
+              </a:spcAft>
+              <a:buNone/>
+            </a:pPr>
+            <a:fld id="{00000000-1234-1234-1234-123412341234}" type="slidenum">
+              <a:rPr lang="en-US" smtClean="0"/>
+              <a:t>‹#›</a:t>
+            </a:fld>
+            <a:endParaRPr lang="en-US"/>
+          </a:p>
+        </p:txBody>
+      </p:sp>
+    </p:spTree>
+    <p:extLst>
+      <p:ext uri="{BB962C8B-B14F-4D97-AF65-F5344CB8AC3E}">
+        <p14:creationId xmlns:p14="http://schemas.microsoft.com/office/powerpoint/2010/main" val="1982447126"/>
+      </p:ext>
+    </p:extLst>
+  </p:cSld>
+  <p:clrMapOvr>
+    <a:masterClrMapping/>
+  </p:clrMapOvr>
+  <p:hf sldNum="0" hdr="0" ftr="0" dt="0"/>
+</p:sldLayout>
+</file>
+
+<file path=ppt/slideLayouts/slideLayout3.xml><?xml version="1.0" encoding="utf-8"?>
+<p:sldLayout xmlns:a="http://schemas.openxmlformats.org/drawingml/2006/main" xmlns:r="http://schemas.openxmlformats.org/officeDocument/2006/relationships" xmlns:p="http://schemas.openxmlformats.org/presentationml/2006/main" type="secHead" preserve="1">
+  <p:cSld name="Заголовок раздела">
+    <p:spTree>
+      <p:nvGrpSpPr>
+        <p:cNvPr id="1" name=""/>
+        <p:cNvGrpSpPr/>
+        <p:nvPr/>
+      </p:nvGrpSpPr>
+      <p:grpSpPr>
+        <a:xfrm>
+          <a:off x="0" y="0"/>
+          <a:ext cx="0" cy="0"/>
+          <a:chOff x="0" y="0"/>
+          <a:chExt cx="0" cy="0"/>
+        </a:xfrm>
+      </p:grpSpPr>
+      <p:sp>
+        <p:nvSpPr>
+          <p:cNvPr id="2" name="Заголовок 1">
+            <a:extLst>
+              <a:ext uri="{FF2B5EF4-FFF2-40B4-BE49-F238E27FC236}">
+                <a16:creationId xmlns:a16="http://schemas.microsoft.com/office/drawing/2014/main" id="{1521F87F-76BA-4E43-B077-26F1CCD25654}"/>
+              </a:ext>
+            </a:extLst>
+          </p:cNvPr>
+          <p:cNvSpPr>
+            <a:spLocks noGrp="1"/>
+          </p:cNvSpPr>
+          <p:nvPr>
+            <p:ph type="title"/>
           </p:nvPr>
         </p:nvSpPr>
         <p:spPr>
           <a:xfrm>
-            <a:off x="338530" y="6356350"/>
+            <a:off x="831850" y="1709738"/>
+            <a:ext cx="10515600" cy="2852737"/>
+          </a:xfrm>
+        </p:spPr>
+        <p:txBody>
+          <a:bodyPr anchor="b"/>
+          <a:lstStyle>
+            <a:lvl1pPr>
+              <a:defRPr sz="6000"/>
+            </a:lvl1pPr>
+          </a:lstStyle>
+          <a:p>
+            <a:r>
+              <a:rPr lang="ru-RU"/>
+              <a:t>Образец заголовка</a:t>
+            </a:r>
+          </a:p>
+        </p:txBody>
+      </p:sp>
+      <p:sp>
+        <p:nvSpPr>
+          <p:cNvPr id="3" name="Текст 2">
+            <a:extLst>
+              <a:ext uri="{FF2B5EF4-FFF2-40B4-BE49-F238E27FC236}">
+                <a16:creationId xmlns:a16="http://schemas.microsoft.com/office/drawing/2014/main" id="{433759DE-B873-453E-B70F-83ABF80EB8AE}"/>
+              </a:ext>
+            </a:extLst>
+          </p:cNvPr>
+          <p:cNvSpPr>
+            <a:spLocks noGrp="1"/>
+          </p:cNvSpPr>
+          <p:nvPr>
+            <p:ph type="body" idx="1"/>
+          </p:nvPr>
+        </p:nvSpPr>
+        <p:spPr>
+          <a:xfrm>
+            <a:off x="831850" y="4589463"/>
+            <a:ext cx="10515600" cy="1500187"/>
+          </a:xfrm>
+        </p:spPr>
+        <p:txBody>
+          <a:bodyPr/>
+          <a:lstStyle>
+            <a:lvl1pPr marL="0" indent="0">
+              <a:buNone/>
+              <a:defRPr sz="2400">
+                <a:solidFill>
+                  <a:schemeClr val="tx1">
+                    <a:tint val="75000"/>
+                  </a:schemeClr>
+                </a:solidFill>
+              </a:defRPr>
+            </a:lvl1pPr>
+            <a:lvl2pPr marL="457200" indent="0">
+              <a:buNone/>
+              <a:defRPr sz="2000">
+                <a:solidFill>
+                  <a:schemeClr val="tx1">
+                    <a:tint val="75000"/>
+                  </a:schemeClr>
+                </a:solidFill>
+              </a:defRPr>
+            </a:lvl2pPr>
+            <a:lvl3pPr marL="914400" indent="0">
+              <a:buNone/>
+              <a:defRPr sz="1800">
+                <a:solidFill>
+                  <a:schemeClr val="tx1">
+                    <a:tint val="75000"/>
+                  </a:schemeClr>
+                </a:solidFill>
+              </a:defRPr>
+            </a:lvl3pPr>
+            <a:lvl4pPr marL="1371600" indent="0">
+              <a:buNone/>
+              <a:defRPr sz="1600">
+                <a:solidFill>
+                  <a:schemeClr val="tx1">
+                    <a:tint val="75000"/>
+                  </a:schemeClr>
+                </a:solidFill>
+              </a:defRPr>
+            </a:lvl4pPr>
+            <a:lvl5pPr marL="1828800" indent="0">
+              <a:buNone/>
+              <a:defRPr sz="1600">
+                <a:solidFill>
+                  <a:schemeClr val="tx1">
+                    <a:tint val="75000"/>
+                  </a:schemeClr>
+                </a:solidFill>
+              </a:defRPr>
+            </a:lvl5pPr>
+            <a:lvl6pPr marL="2286000" indent="0">
+              <a:buNone/>
+              <a:defRPr sz="1600">
+                <a:solidFill>
+                  <a:schemeClr val="tx1">
+                    <a:tint val="75000"/>
+                  </a:schemeClr>
+                </a:solidFill>
+              </a:defRPr>
+            </a:lvl6pPr>
+            <a:lvl7pPr marL="2743200" indent="0">
+              <a:buNone/>
+              <a:defRPr sz="1600">
+                <a:solidFill>
+                  <a:schemeClr val="tx1">
+                    <a:tint val="75000"/>
+                  </a:schemeClr>
+                </a:solidFill>
+              </a:defRPr>
+            </a:lvl7pPr>
+            <a:lvl8pPr marL="3200400" indent="0">
+              <a:buNone/>
+              <a:defRPr sz="1600">
+                <a:solidFill>
+                  <a:schemeClr val="tx1">
+                    <a:tint val="75000"/>
+                  </a:schemeClr>
+                </a:solidFill>
+              </a:defRPr>
+            </a:lvl8pPr>
+            <a:lvl9pPr marL="3657600" indent="0">
+              <a:buNone/>
+              <a:defRPr sz="1600">
+                <a:solidFill>
+                  <a:schemeClr val="tx1">
+                    <a:tint val="75000"/>
+                  </a:schemeClr>
+                </a:solidFill>
+              </a:defRPr>
+            </a:lvl9pPr>
+          </a:lstStyle>
+          <a:p>
+            <a:pPr lvl="0"/>
+            <a:r>
+              <a:rPr lang="ru-RU"/>
+              <a:t>Образец текста</a:t>
+            </a:r>
+          </a:p>
+        </p:txBody>
+      </p:sp>
+      <p:sp>
+        <p:nvSpPr>
+          <p:cNvPr id="4" name="Дата 3">
+            <a:extLst>
+              <a:ext uri="{FF2B5EF4-FFF2-40B4-BE49-F238E27FC236}">
+                <a16:creationId xmlns:a16="http://schemas.microsoft.com/office/drawing/2014/main" id="{73C23B6C-D0D5-4D96-B535-1BACA54A5C1F}"/>
+              </a:ext>
+            </a:extLst>
+          </p:cNvPr>
+          <p:cNvSpPr>
+            <a:spLocks noGrp="1"/>
+          </p:cNvSpPr>
+          <p:nvPr>
+            <p:ph type="dt" sz="half" idx="10"/>
+          </p:nvPr>
+        </p:nvSpPr>
+        <p:spPr/>
+        <p:txBody>
+          <a:bodyPr/>
+          <a:lstStyle/>
+          <a:p>
+            <a:fld id="{A1276BF3-0615-4C23-85FE-653C1A8C5BC2}" type="datetimeFigureOut">
+              <a:rPr lang="ru-RU" smtClean="0"/>
+              <a:t>13.06.2024</a:t>
+            </a:fld>
+            <a:endParaRPr lang="ru-RU"/>
+          </a:p>
+        </p:txBody>
+      </p:sp>
+      <p:sp>
+        <p:nvSpPr>
+          <p:cNvPr id="5" name="Нижний колонтитул 4">
+            <a:extLst>
+              <a:ext uri="{FF2B5EF4-FFF2-40B4-BE49-F238E27FC236}">
+                <a16:creationId xmlns:a16="http://schemas.microsoft.com/office/drawing/2014/main" id="{658EE7E5-5B96-4285-A535-266749C70C03}"/>
+              </a:ext>
+            </a:extLst>
+          </p:cNvPr>
+          <p:cNvSpPr>
+            <a:spLocks noGrp="1"/>
+          </p:cNvSpPr>
+          <p:nvPr>
+            <p:ph type="ftr" sz="quarter" idx="11"/>
+          </p:nvPr>
+        </p:nvSpPr>
+        <p:spPr/>
+        <p:txBody>
+          <a:bodyPr/>
+          <a:lstStyle/>
+          <a:p>
+            <a:endParaRPr lang="ru-RU"/>
+          </a:p>
+        </p:txBody>
+      </p:sp>
+      <p:sp>
+        <p:nvSpPr>
+          <p:cNvPr id="6" name="Номер слайда 5">
+            <a:extLst>
+              <a:ext uri="{FF2B5EF4-FFF2-40B4-BE49-F238E27FC236}">
+                <a16:creationId xmlns:a16="http://schemas.microsoft.com/office/drawing/2014/main" id="{3A9F5A43-2727-41B0-A7E5-F6B7AC908534}"/>
+              </a:ext>
+            </a:extLst>
+          </p:cNvPr>
+          <p:cNvSpPr>
+            <a:spLocks noGrp="1"/>
+          </p:cNvSpPr>
+          <p:nvPr>
+            <p:ph type="sldNum" sz="quarter" idx="12"/>
+          </p:nvPr>
+        </p:nvSpPr>
+        <p:spPr/>
+        <p:txBody>
+          <a:bodyPr/>
+          <a:lstStyle/>
+          <a:p>
+            <a:pPr marL="0" lvl="0" indent="0" algn="r" rtl="0">
+              <a:spcBef>
+                <a:spcPts val="0"/>
+              </a:spcBef>
+              <a:spcAft>
+                <a:spcPts val="0"/>
+              </a:spcAft>
+              <a:buNone/>
+            </a:pPr>
+            <a:fld id="{00000000-1234-1234-1234-123412341234}" type="slidenum">
+              <a:rPr lang="en-US" smtClean="0"/>
+              <a:t>‹#›</a:t>
+            </a:fld>
+            <a:endParaRPr lang="en-US"/>
+          </a:p>
+        </p:txBody>
+      </p:sp>
+    </p:spTree>
+    <p:extLst>
+      <p:ext uri="{BB962C8B-B14F-4D97-AF65-F5344CB8AC3E}">
+        <p14:creationId xmlns:p14="http://schemas.microsoft.com/office/powerpoint/2010/main" val="26438889"/>
+      </p:ext>
+    </p:extLst>
+  </p:cSld>
+  <p:clrMapOvr>
+    <a:masterClrMapping/>
+  </p:clrMapOvr>
+  <p:hf sldNum="0" hdr="0" ftr="0" dt="0"/>
+</p:sldLayout>
+</file>
+
+<file path=ppt/slideLayouts/slideLayout4.xml><?xml version="1.0" encoding="utf-8"?>
+<p:sldLayout xmlns:a="http://schemas.openxmlformats.org/drawingml/2006/main" xmlns:r="http://schemas.openxmlformats.org/officeDocument/2006/relationships" xmlns:p="http://schemas.openxmlformats.org/presentationml/2006/main" type="twoObj" preserve="1">
+  <p:cSld name="Два объекта">
+    <p:spTree>
+      <p:nvGrpSpPr>
+        <p:cNvPr id="1" name=""/>
+        <p:cNvGrpSpPr/>
+        <p:nvPr/>
+      </p:nvGrpSpPr>
+      <p:grpSpPr>
+        <a:xfrm>
+          <a:off x="0" y="0"/>
+          <a:ext cx="0" cy="0"/>
+          <a:chOff x="0" y="0"/>
+          <a:chExt cx="0" cy="0"/>
+        </a:xfrm>
+      </p:grpSpPr>
+      <p:sp>
+        <p:nvSpPr>
+          <p:cNvPr id="2" name="Заголовок 1">
+            <a:extLst>
+              <a:ext uri="{FF2B5EF4-FFF2-40B4-BE49-F238E27FC236}">
+                <a16:creationId xmlns:a16="http://schemas.microsoft.com/office/drawing/2014/main" id="{A12D7577-482E-43F9-91EB-A8FAC84E46F8}"/>
+              </a:ext>
+            </a:extLst>
+          </p:cNvPr>
+          <p:cNvSpPr>
+            <a:spLocks noGrp="1"/>
+          </p:cNvSpPr>
+          <p:nvPr>
+            <p:ph type="title"/>
+          </p:nvPr>
+        </p:nvSpPr>
+        <p:spPr/>
+        <p:txBody>
+          <a:bodyPr/>
+          <a:lstStyle/>
+          <a:p>
+            <a:r>
+              <a:rPr lang="ru-RU"/>
+              <a:t>Образец заголовка</a:t>
+            </a:r>
+          </a:p>
+        </p:txBody>
+      </p:sp>
+      <p:sp>
+        <p:nvSpPr>
+          <p:cNvPr id="3" name="Объект 2">
+            <a:extLst>
+              <a:ext uri="{FF2B5EF4-FFF2-40B4-BE49-F238E27FC236}">
+                <a16:creationId xmlns:a16="http://schemas.microsoft.com/office/drawing/2014/main" id="{C709DE23-F219-4D21-BF83-4CD117D6A413}"/>
+              </a:ext>
+            </a:extLst>
+          </p:cNvPr>
+          <p:cNvSpPr>
+            <a:spLocks noGrp="1"/>
+          </p:cNvSpPr>
+          <p:nvPr>
+            <p:ph sz="half" idx="1"/>
+          </p:nvPr>
+        </p:nvSpPr>
+        <p:spPr>
+          <a:xfrm>
+            <a:off x="838200" y="1825625"/>
+            <a:ext cx="5181600" cy="4351338"/>
+          </a:xfrm>
+        </p:spPr>
+        <p:txBody>
+          <a:bodyPr/>
+          <a:lstStyle/>
+          <a:p>
+            <a:pPr lvl="0"/>
+            <a:r>
+              <a:rPr lang="ru-RU"/>
+              <a:t>Образец текста</a:t>
+            </a:r>
+          </a:p>
+          <a:p>
+            <a:pPr lvl="1"/>
+            <a:r>
+              <a:rPr lang="ru-RU"/>
+              <a:t>Второй уровень</a:t>
+            </a:r>
+          </a:p>
+          <a:p>
+            <a:pPr lvl="2"/>
+            <a:r>
+              <a:rPr lang="ru-RU"/>
+              <a:t>Третий уровень</a:t>
+            </a:r>
+          </a:p>
+          <a:p>
+            <a:pPr lvl="3"/>
+            <a:r>
+              <a:rPr lang="ru-RU"/>
+              <a:t>Четвертый уровень</a:t>
+            </a:r>
+          </a:p>
+          <a:p>
+            <a:pPr lvl="4"/>
+            <a:r>
+              <a:rPr lang="ru-RU"/>
+              <a:t>Пятый уровень</a:t>
+            </a:r>
+          </a:p>
+        </p:txBody>
+      </p:sp>
+      <p:sp>
+        <p:nvSpPr>
+          <p:cNvPr id="4" name="Объект 3">
+            <a:extLst>
+              <a:ext uri="{FF2B5EF4-FFF2-40B4-BE49-F238E27FC236}">
+                <a16:creationId xmlns:a16="http://schemas.microsoft.com/office/drawing/2014/main" id="{6A019FAA-27D9-405B-B3EE-F46F9DDD2FC9}"/>
+              </a:ext>
+            </a:extLst>
+          </p:cNvPr>
+          <p:cNvSpPr>
+            <a:spLocks noGrp="1"/>
+          </p:cNvSpPr>
+          <p:nvPr>
+            <p:ph sz="half" idx="2"/>
+          </p:nvPr>
+        </p:nvSpPr>
+        <p:spPr>
+          <a:xfrm>
+            <a:off x="6172200" y="1825625"/>
+            <a:ext cx="5181600" cy="4351338"/>
+          </a:xfrm>
+        </p:spPr>
+        <p:txBody>
+          <a:bodyPr/>
+          <a:lstStyle/>
+          <a:p>
+            <a:pPr lvl="0"/>
+            <a:r>
+              <a:rPr lang="ru-RU"/>
+              <a:t>Образец текста</a:t>
+            </a:r>
+          </a:p>
+          <a:p>
+            <a:pPr lvl="1"/>
+            <a:r>
+              <a:rPr lang="ru-RU"/>
+              <a:t>Второй уровень</a:t>
+            </a:r>
+          </a:p>
+          <a:p>
+            <a:pPr lvl="2"/>
+            <a:r>
+              <a:rPr lang="ru-RU"/>
+              <a:t>Третий уровень</a:t>
+            </a:r>
+          </a:p>
+          <a:p>
+            <a:pPr lvl="3"/>
+            <a:r>
+              <a:rPr lang="ru-RU"/>
+              <a:t>Четвертый уровень</a:t>
+            </a:r>
+          </a:p>
+          <a:p>
+            <a:pPr lvl="4"/>
+            <a:r>
+              <a:rPr lang="ru-RU"/>
+              <a:t>Пятый уровень</a:t>
+            </a:r>
+          </a:p>
+        </p:txBody>
+      </p:sp>
+      <p:sp>
+        <p:nvSpPr>
+          <p:cNvPr id="5" name="Дата 4">
+            <a:extLst>
+              <a:ext uri="{FF2B5EF4-FFF2-40B4-BE49-F238E27FC236}">
+                <a16:creationId xmlns:a16="http://schemas.microsoft.com/office/drawing/2014/main" id="{B80ED2C8-7E0A-465F-A578-173FE4E49DF8}"/>
+              </a:ext>
+            </a:extLst>
+          </p:cNvPr>
+          <p:cNvSpPr>
+            <a:spLocks noGrp="1"/>
+          </p:cNvSpPr>
+          <p:nvPr>
+            <p:ph type="dt" sz="half" idx="10"/>
+          </p:nvPr>
+        </p:nvSpPr>
+        <p:spPr/>
+        <p:txBody>
+          <a:bodyPr/>
+          <a:lstStyle/>
+          <a:p>
+            <a:fld id="{A1276BF3-0615-4C23-85FE-653C1A8C5BC2}" type="datetimeFigureOut">
+              <a:rPr lang="ru-RU" smtClean="0"/>
+              <a:t>13.06.2024</a:t>
+            </a:fld>
+            <a:endParaRPr lang="ru-RU"/>
+          </a:p>
+        </p:txBody>
+      </p:sp>
+      <p:sp>
+        <p:nvSpPr>
+          <p:cNvPr id="6" name="Нижний колонтитул 5">
+            <a:extLst>
+              <a:ext uri="{FF2B5EF4-FFF2-40B4-BE49-F238E27FC236}">
+                <a16:creationId xmlns:a16="http://schemas.microsoft.com/office/drawing/2014/main" id="{7F72F79F-DBC7-47BA-9FCA-3CAE3257293A}"/>
+              </a:ext>
+            </a:extLst>
+          </p:cNvPr>
+          <p:cNvSpPr>
+            <a:spLocks noGrp="1"/>
+          </p:cNvSpPr>
+          <p:nvPr>
+            <p:ph type="ftr" sz="quarter" idx="11"/>
+          </p:nvPr>
+        </p:nvSpPr>
+        <p:spPr/>
+        <p:txBody>
+          <a:bodyPr/>
+          <a:lstStyle/>
+          <a:p>
+            <a:endParaRPr lang="ru-RU"/>
+          </a:p>
+        </p:txBody>
+      </p:sp>
+      <p:sp>
+        <p:nvSpPr>
+          <p:cNvPr id="7" name="Номер слайда 6">
+            <a:extLst>
+              <a:ext uri="{FF2B5EF4-FFF2-40B4-BE49-F238E27FC236}">
+                <a16:creationId xmlns:a16="http://schemas.microsoft.com/office/drawing/2014/main" id="{CEECA855-1B9C-4579-9B47-7B07D7785CC7}"/>
+              </a:ext>
+            </a:extLst>
+          </p:cNvPr>
+          <p:cNvSpPr>
+            <a:spLocks noGrp="1"/>
+          </p:cNvSpPr>
+          <p:nvPr>
+            <p:ph type="sldNum" sz="quarter" idx="12"/>
+          </p:nvPr>
+        </p:nvSpPr>
+        <p:spPr/>
+        <p:txBody>
+          <a:bodyPr/>
+          <a:lstStyle/>
+          <a:p>
+            <a:pPr marL="0" lvl="0" indent="0" algn="r" rtl="0">
+              <a:spcBef>
+                <a:spcPts val="0"/>
+              </a:spcBef>
+              <a:spcAft>
+                <a:spcPts val="0"/>
+              </a:spcAft>
+              <a:buNone/>
+            </a:pPr>
+            <a:fld id="{00000000-1234-1234-1234-123412341234}" type="slidenum">
+              <a:rPr lang="en-US" smtClean="0"/>
+              <a:t>‹#›</a:t>
+            </a:fld>
+            <a:endParaRPr lang="en-US"/>
+          </a:p>
+        </p:txBody>
+      </p:sp>
+    </p:spTree>
+    <p:extLst>
+      <p:ext uri="{BB962C8B-B14F-4D97-AF65-F5344CB8AC3E}">
+        <p14:creationId xmlns:p14="http://schemas.microsoft.com/office/powerpoint/2010/main" val="689068367"/>
+      </p:ext>
+    </p:extLst>
+  </p:cSld>
+  <p:clrMapOvr>
+    <a:masterClrMapping/>
+  </p:clrMapOvr>
+  <p:hf sldNum="0" hdr="0" ftr="0" dt="0"/>
+</p:sldLayout>
+</file>
+
+<file path=ppt/slideLayouts/slideLayout5.xml><?xml version="1.0" encoding="utf-8"?>
+<p:sldLayout xmlns:a="http://schemas.openxmlformats.org/drawingml/2006/main" xmlns:r="http://schemas.openxmlformats.org/officeDocument/2006/relationships" xmlns:p="http://schemas.openxmlformats.org/presentationml/2006/main" type="twoTxTwoObj" preserve="1">
+  <p:cSld name="Сравнение">
+    <p:spTree>
+      <p:nvGrpSpPr>
+        <p:cNvPr id="1" name=""/>
+        <p:cNvGrpSpPr/>
+        <p:nvPr/>
+      </p:nvGrpSpPr>
+      <p:grpSpPr>
+        <a:xfrm>
+          <a:off x="0" y="0"/>
+          <a:ext cx="0" cy="0"/>
+          <a:chOff x="0" y="0"/>
+          <a:chExt cx="0" cy="0"/>
+        </a:xfrm>
+      </p:grpSpPr>
+      <p:sp>
+        <p:nvSpPr>
+          <p:cNvPr id="2" name="Заголовок 1">
+            <a:extLst>
+              <a:ext uri="{FF2B5EF4-FFF2-40B4-BE49-F238E27FC236}">
+                <a16:creationId xmlns:a16="http://schemas.microsoft.com/office/drawing/2014/main" id="{4C752BFF-58C7-49E2-B039-57AFE2B034A5}"/>
+              </a:ext>
+            </a:extLst>
+          </p:cNvPr>
+          <p:cNvSpPr>
+            <a:spLocks noGrp="1"/>
+          </p:cNvSpPr>
+          <p:nvPr>
+            <p:ph type="title"/>
+          </p:nvPr>
+        </p:nvSpPr>
+        <p:spPr>
+          <a:xfrm>
+            <a:off x="839788" y="365125"/>
+            <a:ext cx="10515600" cy="1325563"/>
+          </a:xfrm>
+        </p:spPr>
+        <p:txBody>
+          <a:bodyPr/>
+          <a:lstStyle/>
+          <a:p>
+            <a:r>
+              <a:rPr lang="ru-RU"/>
+              <a:t>Образец заголовка</a:t>
+            </a:r>
+          </a:p>
+        </p:txBody>
+      </p:sp>
+      <p:sp>
+        <p:nvSpPr>
+          <p:cNvPr id="3" name="Текст 2">
+            <a:extLst>
+              <a:ext uri="{FF2B5EF4-FFF2-40B4-BE49-F238E27FC236}">
+                <a16:creationId xmlns:a16="http://schemas.microsoft.com/office/drawing/2014/main" id="{F7175C97-E69C-45E2-BFF9-0496C0F12674}"/>
+              </a:ext>
+            </a:extLst>
+          </p:cNvPr>
+          <p:cNvSpPr>
+            <a:spLocks noGrp="1"/>
+          </p:cNvSpPr>
+          <p:nvPr>
+            <p:ph type="body" idx="1"/>
+          </p:nvPr>
+        </p:nvSpPr>
+        <p:spPr>
+          <a:xfrm>
+            <a:off x="839788" y="1681163"/>
+            <a:ext cx="5157787" cy="823912"/>
+          </a:xfrm>
+        </p:spPr>
+        <p:txBody>
+          <a:bodyPr anchor="b"/>
+          <a:lstStyle>
+            <a:lvl1pPr marL="0" indent="0">
+              <a:buNone/>
+              <a:defRPr sz="2400" b="1"/>
+            </a:lvl1pPr>
+            <a:lvl2pPr marL="457200" indent="0">
+              <a:buNone/>
+              <a:defRPr sz="2000" b="1"/>
+            </a:lvl2pPr>
+            <a:lvl3pPr marL="914400" indent="0">
+              <a:buNone/>
+              <a:defRPr sz="1800" b="1"/>
+            </a:lvl3pPr>
+            <a:lvl4pPr marL="1371600" indent="0">
+              <a:buNone/>
+              <a:defRPr sz="1600" b="1"/>
+            </a:lvl4pPr>
+            <a:lvl5pPr marL="1828800" indent="0">
+              <a:buNone/>
+              <a:defRPr sz="1600" b="1"/>
+            </a:lvl5pPr>
+            <a:lvl6pPr marL="2286000" indent="0">
+              <a:buNone/>
+              <a:defRPr sz="1600" b="1"/>
+            </a:lvl6pPr>
+            <a:lvl7pPr marL="2743200" indent="0">
+              <a:buNone/>
+              <a:defRPr sz="1600" b="1"/>
+            </a:lvl7pPr>
+            <a:lvl8pPr marL="3200400" indent="0">
+              <a:buNone/>
+              <a:defRPr sz="1600" b="1"/>
+            </a:lvl8pPr>
+            <a:lvl9pPr marL="3657600" indent="0">
+              <a:buNone/>
+              <a:defRPr sz="1600" b="1"/>
+            </a:lvl9pPr>
+          </a:lstStyle>
+          <a:p>
+            <a:pPr lvl="0"/>
+            <a:r>
+              <a:rPr lang="ru-RU"/>
+              <a:t>Образец текста</a:t>
+            </a:r>
+          </a:p>
+        </p:txBody>
+      </p:sp>
+      <p:sp>
+        <p:nvSpPr>
+          <p:cNvPr id="4" name="Объект 3">
+            <a:extLst>
+              <a:ext uri="{FF2B5EF4-FFF2-40B4-BE49-F238E27FC236}">
+                <a16:creationId xmlns:a16="http://schemas.microsoft.com/office/drawing/2014/main" id="{6FA97AD8-D8E5-4A20-8C86-EFA23F3B6A0B}"/>
+              </a:ext>
+            </a:extLst>
+          </p:cNvPr>
+          <p:cNvSpPr>
+            <a:spLocks noGrp="1"/>
+          </p:cNvSpPr>
+          <p:nvPr>
+            <p:ph sz="half" idx="2"/>
+          </p:nvPr>
+        </p:nvSpPr>
+        <p:spPr>
+          <a:xfrm>
+            <a:off x="839788" y="2505075"/>
+            <a:ext cx="5157787" cy="3684588"/>
+          </a:xfrm>
+        </p:spPr>
+        <p:txBody>
+          <a:bodyPr/>
+          <a:lstStyle/>
+          <a:p>
+            <a:pPr lvl="0"/>
+            <a:r>
+              <a:rPr lang="ru-RU"/>
+              <a:t>Образец текста</a:t>
+            </a:r>
+          </a:p>
+          <a:p>
+            <a:pPr lvl="1"/>
+            <a:r>
+              <a:rPr lang="ru-RU"/>
+              <a:t>Второй уровень</a:t>
+            </a:r>
+          </a:p>
+          <a:p>
+            <a:pPr lvl="2"/>
+            <a:r>
+              <a:rPr lang="ru-RU"/>
+              <a:t>Третий уровень</a:t>
+            </a:r>
+          </a:p>
+          <a:p>
+            <a:pPr lvl="3"/>
+            <a:r>
+              <a:rPr lang="ru-RU"/>
+              <a:t>Четвертый уровень</a:t>
+            </a:r>
+          </a:p>
+          <a:p>
+            <a:pPr lvl="4"/>
+            <a:r>
+              <a:rPr lang="ru-RU"/>
+              <a:t>Пятый уровень</a:t>
+            </a:r>
+          </a:p>
+        </p:txBody>
+      </p:sp>
+      <p:sp>
+        <p:nvSpPr>
+          <p:cNvPr id="5" name="Текст 4">
+            <a:extLst>
+              <a:ext uri="{FF2B5EF4-FFF2-40B4-BE49-F238E27FC236}">
+                <a16:creationId xmlns:a16="http://schemas.microsoft.com/office/drawing/2014/main" id="{4199049E-57DC-4195-A23B-0BB885025376}"/>
+              </a:ext>
+            </a:extLst>
+          </p:cNvPr>
+          <p:cNvSpPr>
+            <a:spLocks noGrp="1"/>
+          </p:cNvSpPr>
+          <p:nvPr>
+            <p:ph type="body" sz="quarter" idx="3"/>
+          </p:nvPr>
+        </p:nvSpPr>
+        <p:spPr>
+          <a:xfrm>
+            <a:off x="6172200" y="1681163"/>
+            <a:ext cx="5183188" cy="823912"/>
+          </a:xfrm>
+        </p:spPr>
+        <p:txBody>
+          <a:bodyPr anchor="b"/>
+          <a:lstStyle>
+            <a:lvl1pPr marL="0" indent="0">
+              <a:buNone/>
+              <a:defRPr sz="2400" b="1"/>
+            </a:lvl1pPr>
+            <a:lvl2pPr marL="457200" indent="0">
+              <a:buNone/>
+              <a:defRPr sz="2000" b="1"/>
+            </a:lvl2pPr>
+            <a:lvl3pPr marL="914400" indent="0">
+              <a:buNone/>
+              <a:defRPr sz="1800" b="1"/>
+            </a:lvl3pPr>
+            <a:lvl4pPr marL="1371600" indent="0">
+              <a:buNone/>
+              <a:defRPr sz="1600" b="1"/>
+            </a:lvl4pPr>
+            <a:lvl5pPr marL="1828800" indent="0">
+              <a:buNone/>
+              <a:defRPr sz="1600" b="1"/>
+            </a:lvl5pPr>
+            <a:lvl6pPr marL="2286000" indent="0">
+              <a:buNone/>
+              <a:defRPr sz="1600" b="1"/>
+            </a:lvl6pPr>
+            <a:lvl7pPr marL="2743200" indent="0">
+              <a:buNone/>
+              <a:defRPr sz="1600" b="1"/>
+            </a:lvl7pPr>
+            <a:lvl8pPr marL="3200400" indent="0">
+              <a:buNone/>
+              <a:defRPr sz="1600" b="1"/>
+            </a:lvl8pPr>
+            <a:lvl9pPr marL="3657600" indent="0">
+              <a:buNone/>
+              <a:defRPr sz="1600" b="1"/>
+            </a:lvl9pPr>
+          </a:lstStyle>
+          <a:p>
+            <a:pPr lvl="0"/>
+            <a:r>
+              <a:rPr lang="ru-RU"/>
+              <a:t>Образец текста</a:t>
+            </a:r>
+          </a:p>
+        </p:txBody>
+      </p:sp>
+      <p:sp>
+        <p:nvSpPr>
+          <p:cNvPr id="6" name="Объект 5">
+            <a:extLst>
+              <a:ext uri="{FF2B5EF4-FFF2-40B4-BE49-F238E27FC236}">
+                <a16:creationId xmlns:a16="http://schemas.microsoft.com/office/drawing/2014/main" id="{946591E2-D946-438C-8687-9B937C6EFBCD}"/>
+              </a:ext>
+            </a:extLst>
+          </p:cNvPr>
+          <p:cNvSpPr>
+            <a:spLocks noGrp="1"/>
+          </p:cNvSpPr>
+          <p:nvPr>
+            <p:ph sz="quarter" idx="4"/>
+          </p:nvPr>
+        </p:nvSpPr>
+        <p:spPr>
+          <a:xfrm>
+            <a:off x="6172200" y="2505075"/>
+            <a:ext cx="5183188" cy="3684588"/>
+          </a:xfrm>
+        </p:spPr>
+        <p:txBody>
+          <a:bodyPr/>
+          <a:lstStyle/>
+          <a:p>
+            <a:pPr lvl="0"/>
+            <a:r>
+              <a:rPr lang="ru-RU"/>
+              <a:t>Образец текста</a:t>
+            </a:r>
+          </a:p>
+          <a:p>
+            <a:pPr lvl="1"/>
+            <a:r>
+              <a:rPr lang="ru-RU"/>
+              <a:t>Второй уровень</a:t>
+            </a:r>
+          </a:p>
+          <a:p>
+            <a:pPr lvl="2"/>
+            <a:r>
+              <a:rPr lang="ru-RU"/>
+              <a:t>Третий уровень</a:t>
+            </a:r>
+          </a:p>
+          <a:p>
+            <a:pPr lvl="3"/>
+            <a:r>
+              <a:rPr lang="ru-RU"/>
+              <a:t>Четвертый уровень</a:t>
+            </a:r>
+          </a:p>
+          <a:p>
+            <a:pPr lvl="4"/>
+            <a:r>
+              <a:rPr lang="ru-RU"/>
+              <a:t>Пятый уровень</a:t>
+            </a:r>
+          </a:p>
+        </p:txBody>
+      </p:sp>
+      <p:sp>
+        <p:nvSpPr>
+          <p:cNvPr id="7" name="Дата 6">
+            <a:extLst>
+              <a:ext uri="{FF2B5EF4-FFF2-40B4-BE49-F238E27FC236}">
+                <a16:creationId xmlns:a16="http://schemas.microsoft.com/office/drawing/2014/main" id="{AA46A0F2-E162-4F4C-84FE-37B2D481622D}"/>
+              </a:ext>
+            </a:extLst>
+          </p:cNvPr>
+          <p:cNvSpPr>
+            <a:spLocks noGrp="1"/>
+          </p:cNvSpPr>
+          <p:nvPr>
+            <p:ph type="dt" sz="half" idx="10"/>
+          </p:nvPr>
+        </p:nvSpPr>
+        <p:spPr/>
+        <p:txBody>
+          <a:bodyPr/>
+          <a:lstStyle/>
+          <a:p>
+            <a:fld id="{A1276BF3-0615-4C23-85FE-653C1A8C5BC2}" type="datetimeFigureOut">
+              <a:rPr lang="ru-RU" smtClean="0"/>
+              <a:t>13.06.2024</a:t>
+            </a:fld>
+            <a:endParaRPr lang="ru-RU"/>
+          </a:p>
+        </p:txBody>
+      </p:sp>
+      <p:sp>
+        <p:nvSpPr>
+          <p:cNvPr id="8" name="Нижний колонтитул 7">
+            <a:extLst>
+              <a:ext uri="{FF2B5EF4-FFF2-40B4-BE49-F238E27FC236}">
+                <a16:creationId xmlns:a16="http://schemas.microsoft.com/office/drawing/2014/main" id="{1F793123-D2C5-4278-893C-06E215C9837C}"/>
+              </a:ext>
+            </a:extLst>
+          </p:cNvPr>
+          <p:cNvSpPr>
+            <a:spLocks noGrp="1"/>
+          </p:cNvSpPr>
+          <p:nvPr>
+            <p:ph type="ftr" sz="quarter" idx="11"/>
+          </p:nvPr>
+        </p:nvSpPr>
+        <p:spPr/>
+        <p:txBody>
+          <a:bodyPr/>
+          <a:lstStyle/>
+          <a:p>
+            <a:endParaRPr lang="ru-RU"/>
+          </a:p>
+        </p:txBody>
+      </p:sp>
+      <p:sp>
+        <p:nvSpPr>
+          <p:cNvPr id="9" name="Номер слайда 8">
+            <a:extLst>
+              <a:ext uri="{FF2B5EF4-FFF2-40B4-BE49-F238E27FC236}">
+                <a16:creationId xmlns:a16="http://schemas.microsoft.com/office/drawing/2014/main" id="{59027CB8-6E94-4D45-A486-6A28F3EC433E}"/>
+              </a:ext>
+            </a:extLst>
+          </p:cNvPr>
+          <p:cNvSpPr>
+            <a:spLocks noGrp="1"/>
+          </p:cNvSpPr>
+          <p:nvPr>
+            <p:ph type="sldNum" sz="quarter" idx="12"/>
+          </p:nvPr>
+        </p:nvSpPr>
+        <p:spPr/>
+        <p:txBody>
+          <a:bodyPr/>
+          <a:lstStyle/>
+          <a:p>
+            <a:pPr marL="0" lvl="0" indent="0" algn="r" rtl="0">
+              <a:spcBef>
+                <a:spcPts val="0"/>
+              </a:spcBef>
+              <a:spcAft>
+                <a:spcPts val="0"/>
+              </a:spcAft>
+              <a:buNone/>
+            </a:pPr>
+            <a:fld id="{00000000-1234-1234-1234-123412341234}" type="slidenum">
+              <a:rPr lang="en-US" smtClean="0"/>
+              <a:t>‹#›</a:t>
+            </a:fld>
+            <a:endParaRPr lang="en-US"/>
+          </a:p>
+        </p:txBody>
+      </p:sp>
+    </p:spTree>
+    <p:extLst>
+      <p:ext uri="{BB962C8B-B14F-4D97-AF65-F5344CB8AC3E}">
+        <p14:creationId xmlns:p14="http://schemas.microsoft.com/office/powerpoint/2010/main" val="763460345"/>
+      </p:ext>
+    </p:extLst>
+  </p:cSld>
+  <p:clrMapOvr>
+    <a:masterClrMapping/>
+  </p:clrMapOvr>
+  <p:hf sldNum="0" hdr="0" ftr="0" dt="0"/>
+</p:sldLayout>
+</file>
+
+<file path=ppt/slideLayouts/slideLayout6.xml><?xml version="1.0" encoding="utf-8"?>
+<p:sldLayout xmlns:a="http://schemas.openxmlformats.org/drawingml/2006/main" xmlns:r="http://schemas.openxmlformats.org/officeDocument/2006/relationships" xmlns:p="http://schemas.openxmlformats.org/presentationml/2006/main" type="titleOnly" preserve="1">
+  <p:cSld name="Только заголовок">
+    <p:spTree>
+      <p:nvGrpSpPr>
+        <p:cNvPr id="1" name=""/>
+        <p:cNvGrpSpPr/>
+        <p:nvPr/>
+      </p:nvGrpSpPr>
+      <p:grpSpPr>
+        <a:xfrm>
+          <a:off x="0" y="0"/>
+          <a:ext cx="0" cy="0"/>
+          <a:chOff x="0" y="0"/>
+          <a:chExt cx="0" cy="0"/>
+        </a:xfrm>
+      </p:grpSpPr>
+      <p:sp>
+        <p:nvSpPr>
+          <p:cNvPr id="2" name="Заголовок 1">
+            <a:extLst>
+              <a:ext uri="{FF2B5EF4-FFF2-40B4-BE49-F238E27FC236}">
+                <a16:creationId xmlns:a16="http://schemas.microsoft.com/office/drawing/2014/main" id="{50C38DC7-4962-4D40-9761-9DE3D08DA0A8}"/>
+              </a:ext>
+            </a:extLst>
+          </p:cNvPr>
+          <p:cNvSpPr>
+            <a:spLocks noGrp="1"/>
+          </p:cNvSpPr>
+          <p:nvPr>
+            <p:ph type="title"/>
+          </p:nvPr>
+        </p:nvSpPr>
+        <p:spPr/>
+        <p:txBody>
+          <a:bodyPr/>
+          <a:lstStyle/>
+          <a:p>
+            <a:r>
+              <a:rPr lang="ru-RU"/>
+              <a:t>Образец заголовка</a:t>
+            </a:r>
+          </a:p>
+        </p:txBody>
+      </p:sp>
+      <p:sp>
+        <p:nvSpPr>
+          <p:cNvPr id="3" name="Дата 2">
+            <a:extLst>
+              <a:ext uri="{FF2B5EF4-FFF2-40B4-BE49-F238E27FC236}">
+                <a16:creationId xmlns:a16="http://schemas.microsoft.com/office/drawing/2014/main" id="{48AF3267-FFF4-4E08-9BAD-E69FF937665D}"/>
+              </a:ext>
+            </a:extLst>
+          </p:cNvPr>
+          <p:cNvSpPr>
+            <a:spLocks noGrp="1"/>
+          </p:cNvSpPr>
+          <p:nvPr>
+            <p:ph type="dt" sz="half" idx="10"/>
+          </p:nvPr>
+        </p:nvSpPr>
+        <p:spPr/>
+        <p:txBody>
+          <a:bodyPr/>
+          <a:lstStyle/>
+          <a:p>
+            <a:fld id="{A1276BF3-0615-4C23-85FE-653C1A8C5BC2}" type="datetimeFigureOut">
+              <a:rPr lang="ru-RU" smtClean="0"/>
+              <a:t>13.06.2024</a:t>
+            </a:fld>
+            <a:endParaRPr lang="ru-RU"/>
+          </a:p>
+        </p:txBody>
+      </p:sp>
+      <p:sp>
+        <p:nvSpPr>
+          <p:cNvPr id="4" name="Нижний колонтитул 3">
+            <a:extLst>
+              <a:ext uri="{FF2B5EF4-FFF2-40B4-BE49-F238E27FC236}">
+                <a16:creationId xmlns:a16="http://schemas.microsoft.com/office/drawing/2014/main" id="{4A2D7298-6D6B-4A62-A892-C7643163E2BC}"/>
+              </a:ext>
+            </a:extLst>
+          </p:cNvPr>
+          <p:cNvSpPr>
+            <a:spLocks noGrp="1"/>
+          </p:cNvSpPr>
+          <p:nvPr>
+            <p:ph type="ftr" sz="quarter" idx="11"/>
+          </p:nvPr>
+        </p:nvSpPr>
+        <p:spPr/>
+        <p:txBody>
+          <a:bodyPr/>
+          <a:lstStyle/>
+          <a:p>
+            <a:endParaRPr lang="ru-RU"/>
+          </a:p>
+        </p:txBody>
+      </p:sp>
+      <p:sp>
+        <p:nvSpPr>
+          <p:cNvPr id="5" name="Номер слайда 4">
+            <a:extLst>
+              <a:ext uri="{FF2B5EF4-FFF2-40B4-BE49-F238E27FC236}">
+                <a16:creationId xmlns:a16="http://schemas.microsoft.com/office/drawing/2014/main" id="{56BDA660-7CE6-46DF-ABD7-185BABE04D77}"/>
+              </a:ext>
+            </a:extLst>
+          </p:cNvPr>
+          <p:cNvSpPr>
+            <a:spLocks noGrp="1"/>
+          </p:cNvSpPr>
+          <p:nvPr>
+            <p:ph type="sldNum" sz="quarter" idx="12"/>
+          </p:nvPr>
+        </p:nvSpPr>
+        <p:spPr/>
+        <p:txBody>
+          <a:bodyPr/>
+          <a:lstStyle/>
+          <a:p>
+            <a:pPr marL="0" lvl="0" indent="0" algn="r" rtl="0">
+              <a:spcBef>
+                <a:spcPts val="0"/>
+              </a:spcBef>
+              <a:spcAft>
+                <a:spcPts val="0"/>
+              </a:spcAft>
+              <a:buNone/>
+            </a:pPr>
+            <a:fld id="{00000000-1234-1234-1234-123412341234}" type="slidenum">
+              <a:rPr lang="en-US" smtClean="0"/>
+              <a:t>‹#›</a:t>
+            </a:fld>
+            <a:endParaRPr lang="en-US"/>
+          </a:p>
+        </p:txBody>
+      </p:sp>
+    </p:spTree>
+    <p:extLst>
+      <p:ext uri="{BB962C8B-B14F-4D97-AF65-F5344CB8AC3E}">
+        <p14:creationId xmlns:p14="http://schemas.microsoft.com/office/powerpoint/2010/main" val="1047512758"/>
+      </p:ext>
+    </p:extLst>
+  </p:cSld>
+  <p:clrMapOvr>
+    <a:masterClrMapping/>
+  </p:clrMapOvr>
+  <p:hf sldNum="0" hdr="0" ftr="0" dt="0"/>
+</p:sldLayout>
+</file>
+
+<file path=ppt/slideLayouts/slideLayout7.xml><?xml version="1.0" encoding="utf-8"?>
+<p:sldLayout xmlns:a="http://schemas.openxmlformats.org/drawingml/2006/main" xmlns:r="http://schemas.openxmlformats.org/officeDocument/2006/relationships" xmlns:p="http://schemas.openxmlformats.org/presentationml/2006/main" type="blank" preserve="1">
+  <p:cSld name="Пустой слайд">
+    <p:spTree>
+      <p:nvGrpSpPr>
+        <p:cNvPr id="1" name=""/>
+        <p:cNvGrpSpPr/>
+        <p:nvPr/>
+      </p:nvGrpSpPr>
+      <p:grpSpPr>
+        <a:xfrm>
+          <a:off x="0" y="0"/>
+          <a:ext cx="0" cy="0"/>
+          <a:chOff x="0" y="0"/>
+          <a:chExt cx="0" cy="0"/>
+        </a:xfrm>
+      </p:grpSpPr>
+      <p:sp>
+        <p:nvSpPr>
+          <p:cNvPr id="2" name="Дата 1">
+            <a:extLst>
+              <a:ext uri="{FF2B5EF4-FFF2-40B4-BE49-F238E27FC236}">
+                <a16:creationId xmlns:a16="http://schemas.microsoft.com/office/drawing/2014/main" id="{AEA1D251-0F5F-4993-8FFF-B5AD53C44AA6}"/>
+              </a:ext>
+            </a:extLst>
+          </p:cNvPr>
+          <p:cNvSpPr>
+            <a:spLocks noGrp="1"/>
+          </p:cNvSpPr>
+          <p:nvPr>
+            <p:ph type="dt" sz="half" idx="10"/>
+          </p:nvPr>
+        </p:nvSpPr>
+        <p:spPr/>
+        <p:txBody>
+          <a:bodyPr/>
+          <a:lstStyle/>
+          <a:p>
+            <a:fld id="{A1276BF3-0615-4C23-85FE-653C1A8C5BC2}" type="datetimeFigureOut">
+              <a:rPr lang="ru-RU" smtClean="0"/>
+              <a:t>13.06.2024</a:t>
+            </a:fld>
+            <a:endParaRPr lang="ru-RU"/>
+          </a:p>
+        </p:txBody>
+      </p:sp>
+      <p:sp>
+        <p:nvSpPr>
+          <p:cNvPr id="3" name="Нижний колонтитул 2">
+            <a:extLst>
+              <a:ext uri="{FF2B5EF4-FFF2-40B4-BE49-F238E27FC236}">
+                <a16:creationId xmlns:a16="http://schemas.microsoft.com/office/drawing/2014/main" id="{1E7B70C7-F87F-4C02-AC4D-75D41BF1A52B}"/>
+              </a:ext>
+            </a:extLst>
+          </p:cNvPr>
+          <p:cNvSpPr>
+            <a:spLocks noGrp="1"/>
+          </p:cNvSpPr>
+          <p:nvPr>
+            <p:ph type="ftr" sz="quarter" idx="11"/>
+          </p:nvPr>
+        </p:nvSpPr>
+        <p:spPr/>
+        <p:txBody>
+          <a:bodyPr/>
+          <a:lstStyle/>
+          <a:p>
+            <a:endParaRPr lang="ru-RU"/>
+          </a:p>
+        </p:txBody>
+      </p:sp>
+      <p:sp>
+        <p:nvSpPr>
+          <p:cNvPr id="4" name="Номер слайда 3">
+            <a:extLst>
+              <a:ext uri="{FF2B5EF4-FFF2-40B4-BE49-F238E27FC236}">
+                <a16:creationId xmlns:a16="http://schemas.microsoft.com/office/drawing/2014/main" id="{DBABCD2D-8BD2-4047-914C-233978FD834E}"/>
+              </a:ext>
+            </a:extLst>
+          </p:cNvPr>
+          <p:cNvSpPr>
+            <a:spLocks noGrp="1"/>
+          </p:cNvSpPr>
+          <p:nvPr>
+            <p:ph type="sldNum" sz="quarter" idx="12"/>
+          </p:nvPr>
+        </p:nvSpPr>
+        <p:spPr/>
+        <p:txBody>
+          <a:bodyPr/>
+          <a:lstStyle/>
+          <a:p>
+            <a:pPr marL="0" lvl="0" indent="0" algn="r" rtl="0">
+              <a:spcBef>
+                <a:spcPts val="0"/>
+              </a:spcBef>
+              <a:spcAft>
+                <a:spcPts val="0"/>
+              </a:spcAft>
+              <a:buNone/>
+            </a:pPr>
+            <a:fld id="{00000000-1234-1234-1234-123412341234}" type="slidenum">
+              <a:rPr lang="en-US" smtClean="0"/>
+              <a:t>‹#›</a:t>
+            </a:fld>
+            <a:endParaRPr lang="en-US"/>
+          </a:p>
+        </p:txBody>
+      </p:sp>
+    </p:spTree>
+    <p:extLst>
+      <p:ext uri="{BB962C8B-B14F-4D97-AF65-F5344CB8AC3E}">
+        <p14:creationId xmlns:p14="http://schemas.microsoft.com/office/powerpoint/2010/main" val="2882519486"/>
+      </p:ext>
+    </p:extLst>
+  </p:cSld>
+  <p:clrMapOvr>
+    <a:masterClrMapping/>
+  </p:clrMapOvr>
+  <p:hf sldNum="0" hdr="0" ftr="0" dt="0"/>
+</p:sldLayout>
+</file>
+
+<file path=ppt/slideLayouts/slideLayout8.xml><?xml version="1.0" encoding="utf-8"?>
+<p:sldLayout xmlns:a="http://schemas.openxmlformats.org/drawingml/2006/main" xmlns:r="http://schemas.openxmlformats.org/officeDocument/2006/relationships" xmlns:p="http://schemas.openxmlformats.org/presentationml/2006/main" type="objTx" preserve="1">
+  <p:cSld name="Объект с подписью">
+    <p:spTree>
+      <p:nvGrpSpPr>
+        <p:cNvPr id="1" name=""/>
+        <p:cNvGrpSpPr/>
+        <p:nvPr/>
+      </p:nvGrpSpPr>
+      <p:grpSpPr>
+        <a:xfrm>
+          <a:off x="0" y="0"/>
+          <a:ext cx="0" cy="0"/>
+          <a:chOff x="0" y="0"/>
+          <a:chExt cx="0" cy="0"/>
+        </a:xfrm>
+      </p:grpSpPr>
+      <p:sp>
+        <p:nvSpPr>
+          <p:cNvPr id="2" name="Заголовок 1">
+            <a:extLst>
+              <a:ext uri="{FF2B5EF4-FFF2-40B4-BE49-F238E27FC236}">
+                <a16:creationId xmlns:a16="http://schemas.microsoft.com/office/drawing/2014/main" id="{28369326-842E-4854-869E-4308EEF81B6A}"/>
+              </a:ext>
+            </a:extLst>
+          </p:cNvPr>
+          <p:cNvSpPr>
+            <a:spLocks noGrp="1"/>
+          </p:cNvSpPr>
+          <p:nvPr>
+            <p:ph type="title"/>
+          </p:nvPr>
+        </p:nvSpPr>
+        <p:spPr>
+          <a:xfrm>
+            <a:off x="839788" y="457200"/>
+            <a:ext cx="3932237" cy="1600200"/>
+          </a:xfrm>
+        </p:spPr>
+        <p:txBody>
+          <a:bodyPr anchor="b"/>
+          <a:lstStyle>
+            <a:lvl1pPr>
+              <a:defRPr sz="3200"/>
+            </a:lvl1pPr>
+          </a:lstStyle>
+          <a:p>
+            <a:r>
+              <a:rPr lang="ru-RU"/>
+              <a:t>Образец заголовка</a:t>
+            </a:r>
+          </a:p>
+        </p:txBody>
+      </p:sp>
+      <p:sp>
+        <p:nvSpPr>
+          <p:cNvPr id="3" name="Объект 2">
+            <a:extLst>
+              <a:ext uri="{FF2B5EF4-FFF2-40B4-BE49-F238E27FC236}">
+                <a16:creationId xmlns:a16="http://schemas.microsoft.com/office/drawing/2014/main" id="{0B697E6B-2E35-4A2F-8084-0F40CD4965C7}"/>
+              </a:ext>
+            </a:extLst>
+          </p:cNvPr>
+          <p:cNvSpPr>
+            <a:spLocks noGrp="1"/>
+          </p:cNvSpPr>
+          <p:nvPr>
+            <p:ph idx="1"/>
+          </p:nvPr>
+        </p:nvSpPr>
+        <p:spPr>
+          <a:xfrm>
+            <a:off x="5183188" y="987425"/>
+            <a:ext cx="6172200" cy="4873625"/>
+          </a:xfrm>
+        </p:spPr>
+        <p:txBody>
+          <a:bodyPr/>
+          <a:lstStyle>
+            <a:lvl1pPr>
+              <a:defRPr sz="3200"/>
+            </a:lvl1pPr>
+            <a:lvl2pPr>
+              <a:defRPr sz="2800"/>
+            </a:lvl2pPr>
+            <a:lvl3pPr>
+              <a:defRPr sz="2400"/>
+            </a:lvl3pPr>
+            <a:lvl4pPr>
+              <a:defRPr sz="2000"/>
+            </a:lvl4pPr>
+            <a:lvl5pPr>
+              <a:defRPr sz="2000"/>
+            </a:lvl5pPr>
+            <a:lvl6pPr>
+              <a:defRPr sz="2000"/>
+            </a:lvl6pPr>
+            <a:lvl7pPr>
+              <a:defRPr sz="2000"/>
+            </a:lvl7pPr>
+            <a:lvl8pPr>
+              <a:defRPr sz="2000"/>
+            </a:lvl8pPr>
+            <a:lvl9pPr>
+              <a:defRPr sz="2000"/>
+            </a:lvl9pPr>
+          </a:lstStyle>
+          <a:p>
+            <a:pPr lvl="0"/>
+            <a:r>
+              <a:rPr lang="ru-RU"/>
+              <a:t>Образец текста</a:t>
+            </a:r>
+          </a:p>
+          <a:p>
+            <a:pPr lvl="1"/>
+            <a:r>
+              <a:rPr lang="ru-RU"/>
+              <a:t>Второй уровень</a:t>
+            </a:r>
+          </a:p>
+          <a:p>
+            <a:pPr lvl="2"/>
+            <a:r>
+              <a:rPr lang="ru-RU"/>
+              <a:t>Третий уровень</a:t>
+            </a:r>
+          </a:p>
+          <a:p>
+            <a:pPr lvl="3"/>
+            <a:r>
+              <a:rPr lang="ru-RU"/>
+              <a:t>Четвертый уровень</a:t>
+            </a:r>
+          </a:p>
+          <a:p>
+            <a:pPr lvl="4"/>
+            <a:r>
+              <a:rPr lang="ru-RU"/>
+              <a:t>Пятый уровень</a:t>
+            </a:r>
+          </a:p>
+        </p:txBody>
+      </p:sp>
+      <p:sp>
+        <p:nvSpPr>
+          <p:cNvPr id="4" name="Текст 3">
+            <a:extLst>
+              <a:ext uri="{FF2B5EF4-FFF2-40B4-BE49-F238E27FC236}">
+                <a16:creationId xmlns:a16="http://schemas.microsoft.com/office/drawing/2014/main" id="{E0804E24-F99E-48D8-83D0-5BD6021795AF}"/>
+              </a:ext>
+            </a:extLst>
+          </p:cNvPr>
+          <p:cNvSpPr>
+            <a:spLocks noGrp="1"/>
+          </p:cNvSpPr>
+          <p:nvPr>
+            <p:ph type="body" sz="half" idx="2"/>
+          </p:nvPr>
+        </p:nvSpPr>
+        <p:spPr>
+          <a:xfrm>
+            <a:off x="839788" y="2057400"/>
+            <a:ext cx="3932237" cy="3811588"/>
+          </a:xfrm>
+        </p:spPr>
+        <p:txBody>
+          <a:bodyPr/>
+          <a:lstStyle>
+            <a:lvl1pPr marL="0" indent="0">
+              <a:buNone/>
+              <a:defRPr sz="1600"/>
+            </a:lvl1pPr>
+            <a:lvl2pPr marL="457200" indent="0">
+              <a:buNone/>
+              <a:defRPr sz="1400"/>
+            </a:lvl2pPr>
+            <a:lvl3pPr marL="914400" indent="0">
+              <a:buNone/>
+              <a:defRPr sz="1200"/>
+            </a:lvl3pPr>
+            <a:lvl4pPr marL="1371600" indent="0">
+              <a:buNone/>
+              <a:defRPr sz="1000"/>
+            </a:lvl4pPr>
+            <a:lvl5pPr marL="1828800" indent="0">
+              <a:buNone/>
+              <a:defRPr sz="1000"/>
+            </a:lvl5pPr>
+            <a:lvl6pPr marL="2286000" indent="0">
+              <a:buNone/>
+              <a:defRPr sz="1000"/>
+            </a:lvl6pPr>
+            <a:lvl7pPr marL="2743200" indent="0">
+              <a:buNone/>
+              <a:defRPr sz="1000"/>
+            </a:lvl7pPr>
+            <a:lvl8pPr marL="3200400" indent="0">
+              <a:buNone/>
+              <a:defRPr sz="1000"/>
+            </a:lvl8pPr>
+            <a:lvl9pPr marL="3657600" indent="0">
+              <a:buNone/>
+              <a:defRPr sz="1000"/>
+            </a:lvl9pPr>
+          </a:lstStyle>
+          <a:p>
+            <a:pPr lvl="0"/>
+            <a:r>
+              <a:rPr lang="ru-RU"/>
+              <a:t>Образец текста</a:t>
+            </a:r>
+          </a:p>
+        </p:txBody>
+      </p:sp>
+      <p:sp>
+        <p:nvSpPr>
+          <p:cNvPr id="5" name="Дата 4">
+            <a:extLst>
+              <a:ext uri="{FF2B5EF4-FFF2-40B4-BE49-F238E27FC236}">
+                <a16:creationId xmlns:a16="http://schemas.microsoft.com/office/drawing/2014/main" id="{74E1F85C-ABBF-47B7-9C4A-A32674F672FD}"/>
+              </a:ext>
+            </a:extLst>
+          </p:cNvPr>
+          <p:cNvSpPr>
+            <a:spLocks noGrp="1"/>
+          </p:cNvSpPr>
+          <p:nvPr>
+            <p:ph type="dt" sz="half" idx="10"/>
+          </p:nvPr>
+        </p:nvSpPr>
+        <p:spPr/>
+        <p:txBody>
+          <a:bodyPr/>
+          <a:lstStyle/>
+          <a:p>
+            <a:fld id="{A1276BF3-0615-4C23-85FE-653C1A8C5BC2}" type="datetimeFigureOut">
+              <a:rPr lang="ru-RU" smtClean="0"/>
+              <a:t>13.06.2024</a:t>
+            </a:fld>
+            <a:endParaRPr lang="ru-RU"/>
+          </a:p>
+        </p:txBody>
+      </p:sp>
+      <p:sp>
+        <p:nvSpPr>
+          <p:cNvPr id="6" name="Нижний колонтитул 5">
+            <a:extLst>
+              <a:ext uri="{FF2B5EF4-FFF2-40B4-BE49-F238E27FC236}">
+                <a16:creationId xmlns:a16="http://schemas.microsoft.com/office/drawing/2014/main" id="{C96E91F7-6D1E-40B6-B5ED-A8E4C0E2295C}"/>
+              </a:ext>
+            </a:extLst>
+          </p:cNvPr>
+          <p:cNvSpPr>
+            <a:spLocks noGrp="1"/>
+          </p:cNvSpPr>
+          <p:nvPr>
+            <p:ph type="ftr" sz="quarter" idx="11"/>
+          </p:nvPr>
+        </p:nvSpPr>
+        <p:spPr/>
+        <p:txBody>
+          <a:bodyPr/>
+          <a:lstStyle/>
+          <a:p>
+            <a:endParaRPr lang="ru-RU"/>
+          </a:p>
+        </p:txBody>
+      </p:sp>
+      <p:sp>
+        <p:nvSpPr>
+          <p:cNvPr id="7" name="Номер слайда 6">
+            <a:extLst>
+              <a:ext uri="{FF2B5EF4-FFF2-40B4-BE49-F238E27FC236}">
+                <a16:creationId xmlns:a16="http://schemas.microsoft.com/office/drawing/2014/main" id="{86CC7F05-5544-42A2-B9C1-0619E1C265DD}"/>
+              </a:ext>
+            </a:extLst>
+          </p:cNvPr>
+          <p:cNvSpPr>
+            <a:spLocks noGrp="1"/>
+          </p:cNvSpPr>
+          <p:nvPr>
+            <p:ph type="sldNum" sz="quarter" idx="12"/>
+          </p:nvPr>
+        </p:nvSpPr>
+        <p:spPr/>
+        <p:txBody>
+          <a:bodyPr/>
+          <a:lstStyle/>
+          <a:p>
+            <a:pPr marL="0" lvl="0" indent="0" algn="r" rtl="0">
+              <a:spcBef>
+                <a:spcPts val="0"/>
+              </a:spcBef>
+              <a:spcAft>
+                <a:spcPts val="0"/>
+              </a:spcAft>
+              <a:buNone/>
+            </a:pPr>
+            <a:fld id="{00000000-1234-1234-1234-123412341234}" type="slidenum">
+              <a:rPr lang="en-US" smtClean="0"/>
+              <a:t>‹#›</a:t>
+            </a:fld>
+            <a:endParaRPr lang="en-US"/>
+          </a:p>
+        </p:txBody>
+      </p:sp>
+    </p:spTree>
+    <p:extLst>
+      <p:ext uri="{BB962C8B-B14F-4D97-AF65-F5344CB8AC3E}">
+        <p14:creationId xmlns:p14="http://schemas.microsoft.com/office/powerpoint/2010/main" val="3018505631"/>
+      </p:ext>
+    </p:extLst>
+  </p:cSld>
+  <p:clrMapOvr>
+    <a:masterClrMapping/>
+  </p:clrMapOvr>
+  <p:hf sldNum="0" hdr="0" ftr="0" dt="0"/>
+</p:sldLayout>
+</file>
+
+<file path=ppt/slideLayouts/slideLayout9.xml><?xml version="1.0" encoding="utf-8"?>
+<p:sldLayout xmlns:a="http://schemas.openxmlformats.org/drawingml/2006/main" xmlns:r="http://schemas.openxmlformats.org/officeDocument/2006/relationships" xmlns:p="http://schemas.openxmlformats.org/presentationml/2006/main" type="picTx" preserve="1">
+  <p:cSld name="Рисунок с подписью">
+    <p:spTree>
+      <p:nvGrpSpPr>
+        <p:cNvPr id="1" name=""/>
+        <p:cNvGrpSpPr/>
+        <p:nvPr/>
+      </p:nvGrpSpPr>
+      <p:grpSpPr>
+        <a:xfrm>
+          <a:off x="0" y="0"/>
+          <a:ext cx="0" cy="0"/>
+          <a:chOff x="0" y="0"/>
+          <a:chExt cx="0" cy="0"/>
+        </a:xfrm>
+      </p:grpSpPr>
+      <p:sp>
+        <p:nvSpPr>
+          <p:cNvPr id="2" name="Заголовок 1">
+            <a:extLst>
+              <a:ext uri="{FF2B5EF4-FFF2-40B4-BE49-F238E27FC236}">
+                <a16:creationId xmlns:a16="http://schemas.microsoft.com/office/drawing/2014/main" id="{1065DEBA-099F-4758-A5DF-C66CF545C937}"/>
+              </a:ext>
+            </a:extLst>
+          </p:cNvPr>
+          <p:cNvSpPr>
+            <a:spLocks noGrp="1"/>
+          </p:cNvSpPr>
+          <p:nvPr>
+            <p:ph type="title"/>
+          </p:nvPr>
+        </p:nvSpPr>
+        <p:spPr>
+          <a:xfrm>
+            <a:off x="839788" y="457200"/>
+            <a:ext cx="3932237" cy="1600200"/>
+          </a:xfrm>
+        </p:spPr>
+        <p:txBody>
+          <a:bodyPr anchor="b"/>
+          <a:lstStyle>
+            <a:lvl1pPr>
+              <a:defRPr sz="3200"/>
+            </a:lvl1pPr>
+          </a:lstStyle>
+          <a:p>
+            <a:r>
+              <a:rPr lang="ru-RU"/>
+              <a:t>Образец заголовка</a:t>
+            </a:r>
+          </a:p>
+        </p:txBody>
+      </p:sp>
+      <p:sp>
+        <p:nvSpPr>
+          <p:cNvPr id="3" name="Рисунок 2">
+            <a:extLst>
+              <a:ext uri="{FF2B5EF4-FFF2-40B4-BE49-F238E27FC236}">
+                <a16:creationId xmlns:a16="http://schemas.microsoft.com/office/drawing/2014/main" id="{FB23A271-EE6F-4A47-B450-FADFDFD3740E}"/>
+              </a:ext>
+            </a:extLst>
+          </p:cNvPr>
+          <p:cNvSpPr>
+            <a:spLocks noGrp="1"/>
+          </p:cNvSpPr>
+          <p:nvPr>
+            <p:ph type="pic" idx="1"/>
+          </p:nvPr>
+        </p:nvSpPr>
+        <p:spPr>
+          <a:xfrm>
+            <a:off x="5183188" y="987425"/>
+            <a:ext cx="6172200" cy="4873625"/>
+          </a:xfrm>
+        </p:spPr>
+        <p:txBody>
+          <a:bodyPr/>
+          <a:lstStyle>
+            <a:lvl1pPr marL="0" indent="0">
+              <a:buNone/>
+              <a:defRPr sz="3200"/>
+            </a:lvl1pPr>
+            <a:lvl2pPr marL="457200" indent="0">
+              <a:buNone/>
+              <a:defRPr sz="2800"/>
+            </a:lvl2pPr>
+            <a:lvl3pPr marL="914400" indent="0">
+              <a:buNone/>
+              <a:defRPr sz="2400"/>
+            </a:lvl3pPr>
+            <a:lvl4pPr marL="1371600" indent="0">
+              <a:buNone/>
+              <a:defRPr sz="2000"/>
+            </a:lvl4pPr>
+            <a:lvl5pPr marL="1828800" indent="0">
+              <a:buNone/>
+              <a:defRPr sz="2000"/>
+            </a:lvl5pPr>
+            <a:lvl6pPr marL="2286000" indent="0">
+              <a:buNone/>
+              <a:defRPr sz="2000"/>
+            </a:lvl6pPr>
+            <a:lvl7pPr marL="2743200" indent="0">
+              <a:buNone/>
+              <a:defRPr sz="2000"/>
+            </a:lvl7pPr>
+            <a:lvl8pPr marL="3200400" indent="0">
+              <a:buNone/>
+              <a:defRPr sz="2000"/>
+            </a:lvl8pPr>
+            <a:lvl9pPr marL="3657600" indent="0">
+              <a:buNone/>
+              <a:defRPr sz="2000"/>
+            </a:lvl9pPr>
+          </a:lstStyle>
+          <a:p>
+            <a:endParaRPr lang="ru-RU"/>
+          </a:p>
+        </p:txBody>
+      </p:sp>
+      <p:sp>
+        <p:nvSpPr>
+          <p:cNvPr id="4" name="Текст 3">
+            <a:extLst>
+              <a:ext uri="{FF2B5EF4-FFF2-40B4-BE49-F238E27FC236}">
+                <a16:creationId xmlns:a16="http://schemas.microsoft.com/office/drawing/2014/main" id="{7E82C0C2-1FD6-4C99-9C7D-E0D5990C7FA5}"/>
+              </a:ext>
+            </a:extLst>
+          </p:cNvPr>
+          <p:cNvSpPr>
+            <a:spLocks noGrp="1"/>
+          </p:cNvSpPr>
+          <p:nvPr>
+            <p:ph type="body" sz="half" idx="2"/>
+          </p:nvPr>
+        </p:nvSpPr>
+        <p:spPr>
+          <a:xfrm>
+            <a:off x="839788" y="2057400"/>
+            <a:ext cx="3932237" cy="3811588"/>
+          </a:xfrm>
+        </p:spPr>
+        <p:txBody>
+          <a:bodyPr/>
+          <a:lstStyle>
+            <a:lvl1pPr marL="0" indent="0">
+              <a:buNone/>
+              <a:defRPr sz="1600"/>
+            </a:lvl1pPr>
+            <a:lvl2pPr marL="457200" indent="0">
+              <a:buNone/>
+              <a:defRPr sz="1400"/>
+            </a:lvl2pPr>
+            <a:lvl3pPr marL="914400" indent="0">
+              <a:buNone/>
+              <a:defRPr sz="1200"/>
+            </a:lvl3pPr>
+            <a:lvl4pPr marL="1371600" indent="0">
+              <a:buNone/>
+              <a:defRPr sz="1000"/>
+            </a:lvl4pPr>
+            <a:lvl5pPr marL="1828800" indent="0">
+              <a:buNone/>
+              <a:defRPr sz="1000"/>
+            </a:lvl5pPr>
+            <a:lvl6pPr marL="2286000" indent="0">
+              <a:buNone/>
+              <a:defRPr sz="1000"/>
+            </a:lvl6pPr>
+            <a:lvl7pPr marL="2743200" indent="0">
+              <a:buNone/>
+              <a:defRPr sz="1000"/>
+            </a:lvl7pPr>
+            <a:lvl8pPr marL="3200400" indent="0">
+              <a:buNone/>
+              <a:defRPr sz="1000"/>
+            </a:lvl8pPr>
+            <a:lvl9pPr marL="3657600" indent="0">
+              <a:buNone/>
+              <a:defRPr sz="1000"/>
+            </a:lvl9pPr>
+          </a:lstStyle>
+          <a:p>
+            <a:pPr lvl="0"/>
+            <a:r>
+              <a:rPr lang="ru-RU"/>
+              <a:t>Образец текста</a:t>
+            </a:r>
+          </a:p>
+        </p:txBody>
+      </p:sp>
+      <p:sp>
+        <p:nvSpPr>
+          <p:cNvPr id="5" name="Дата 4">
+            <a:extLst>
+              <a:ext uri="{FF2B5EF4-FFF2-40B4-BE49-F238E27FC236}">
+                <a16:creationId xmlns:a16="http://schemas.microsoft.com/office/drawing/2014/main" id="{C6F088A0-3E21-4F85-8450-71F7F31BCB42}"/>
+              </a:ext>
+            </a:extLst>
+          </p:cNvPr>
+          <p:cNvSpPr>
+            <a:spLocks noGrp="1"/>
+          </p:cNvSpPr>
+          <p:nvPr>
+            <p:ph type="dt" sz="half" idx="10"/>
+          </p:nvPr>
+        </p:nvSpPr>
+        <p:spPr/>
+        <p:txBody>
+          <a:bodyPr/>
+          <a:lstStyle/>
+          <a:p>
+            <a:fld id="{A1276BF3-0615-4C23-85FE-653C1A8C5BC2}" type="datetimeFigureOut">
+              <a:rPr lang="ru-RU" smtClean="0"/>
+              <a:t>13.06.2024</a:t>
+            </a:fld>
+            <a:endParaRPr lang="ru-RU"/>
+          </a:p>
+        </p:txBody>
+      </p:sp>
+      <p:sp>
+        <p:nvSpPr>
+          <p:cNvPr id="6" name="Нижний колонтитул 5">
+            <a:extLst>
+              <a:ext uri="{FF2B5EF4-FFF2-40B4-BE49-F238E27FC236}">
+                <a16:creationId xmlns:a16="http://schemas.microsoft.com/office/drawing/2014/main" id="{F70B8F28-6374-410D-B3F9-F711183B1052}"/>
+              </a:ext>
+            </a:extLst>
+          </p:cNvPr>
+          <p:cNvSpPr>
+            <a:spLocks noGrp="1"/>
+          </p:cNvSpPr>
+          <p:nvPr>
+            <p:ph type="ftr" sz="quarter" idx="11"/>
+          </p:nvPr>
+        </p:nvSpPr>
+        <p:spPr/>
+        <p:txBody>
+          <a:bodyPr/>
+          <a:lstStyle/>
+          <a:p>
+            <a:endParaRPr lang="ru-RU"/>
+          </a:p>
+        </p:txBody>
+      </p:sp>
+      <p:sp>
+        <p:nvSpPr>
+          <p:cNvPr id="7" name="Номер слайда 6">
+            <a:extLst>
+              <a:ext uri="{FF2B5EF4-FFF2-40B4-BE49-F238E27FC236}">
+                <a16:creationId xmlns:a16="http://schemas.microsoft.com/office/drawing/2014/main" id="{A7C9ED69-59B8-4E3B-AABE-5FFC27C6E959}"/>
+              </a:ext>
+            </a:extLst>
+          </p:cNvPr>
+          <p:cNvSpPr>
+            <a:spLocks noGrp="1"/>
+          </p:cNvSpPr>
+          <p:nvPr>
+            <p:ph type="sldNum" sz="quarter" idx="12"/>
+          </p:nvPr>
+        </p:nvSpPr>
+        <p:spPr/>
+        <p:txBody>
+          <a:bodyPr/>
+          <a:lstStyle/>
+          <a:p>
+            <a:pPr marL="0" lvl="0" indent="0" algn="r" rtl="0">
+              <a:spcBef>
+                <a:spcPts val="0"/>
+              </a:spcBef>
+              <a:spcAft>
+                <a:spcPts val="0"/>
+              </a:spcAft>
+              <a:buNone/>
+            </a:pPr>
+            <a:fld id="{00000000-1234-1234-1234-123412341234}" type="slidenum">
+              <a:rPr lang="en-US" smtClean="0"/>
+              <a:t>‹#›</a:t>
+            </a:fld>
+            <a:endParaRPr lang="en-US"/>
+          </a:p>
+        </p:txBody>
+      </p:sp>
+    </p:spTree>
+    <p:extLst>
+      <p:ext uri="{BB962C8B-B14F-4D97-AF65-F5344CB8AC3E}">
+        <p14:creationId xmlns:p14="http://schemas.microsoft.com/office/powerpoint/2010/main" val="84169352"/>
+      </p:ext>
+    </p:extLst>
+  </p:cSld>
+  <p:clrMapOvr>
+    <a:masterClrMapping/>
+  </p:clrMapOvr>
+  <p:hf sldNum="0" hdr="0" ftr="0" dt="0"/>
+</p:sldLayout>
+</file>
+
+<file path=ppt/slideMasters/slideMaster1.xml><?xml version="1.0" encoding="utf-8"?>
+<p:sldMaster xmlns:a="http://schemas.openxmlformats.org/drawingml/2006/main" xmlns:r="http://schemas.openxmlformats.org/officeDocument/2006/relationships" xmlns:p="http://schemas.openxmlformats.org/presentationml/2006/main">
+  <p:cSld>
+    <p:bg>
+      <p:bgRef idx="1001">
+        <a:schemeClr val="bg1"/>
+      </p:bgRef>
+    </p:bg>
+    <p:spTree>
+      <p:nvGrpSpPr>
+        <p:cNvPr id="1" name=""/>
+        <p:cNvGrpSpPr/>
+        <p:nvPr/>
+      </p:nvGrpSpPr>
+      <p:grpSpPr>
+        <a:xfrm>
+          <a:off x="0" y="0"/>
+          <a:ext cx="0" cy="0"/>
+          <a:chOff x="0" y="0"/>
+          <a:chExt cx="0" cy="0"/>
+        </a:xfrm>
+      </p:grpSpPr>
+      <p:sp>
+        <p:nvSpPr>
+          <p:cNvPr id="2" name="Заголовок 1">
+            <a:extLst>
+              <a:ext uri="{FF2B5EF4-FFF2-40B4-BE49-F238E27FC236}">
+                <a16:creationId xmlns:a16="http://schemas.microsoft.com/office/drawing/2014/main" id="{1458A567-348B-4670-85A4-6FD5FFBDF55B}"/>
+              </a:ext>
+            </a:extLst>
+          </p:cNvPr>
+          <p:cNvSpPr>
+            <a:spLocks noGrp="1"/>
+          </p:cNvSpPr>
+          <p:nvPr>
+            <p:ph type="title"/>
+          </p:nvPr>
+        </p:nvSpPr>
+        <p:spPr>
+          <a:xfrm>
+            <a:off x="838200" y="365125"/>
+            <a:ext cx="10515600" cy="1325563"/>
+          </a:xfrm>
+          <a:prstGeom prst="rect">
+            <a:avLst/>
+          </a:prstGeom>
+        </p:spPr>
+        <p:txBody>
+          <a:bodyPr vert="horz" lIns="91440" tIns="45720" rIns="91440" bIns="45720" rtlCol="0" anchor="ctr">
+            <a:normAutofit/>
+          </a:bodyPr>
+          <a:lstStyle/>
+          <a:p>
+            <a:r>
+              <a:rPr lang="ru-RU"/>
+              <a:t>Образец заголовка</a:t>
+            </a:r>
+          </a:p>
+        </p:txBody>
+      </p:sp>
+      <p:sp>
+        <p:nvSpPr>
+          <p:cNvPr id="3" name="Текст 2">
+            <a:extLst>
+              <a:ext uri="{FF2B5EF4-FFF2-40B4-BE49-F238E27FC236}">
+                <a16:creationId xmlns:a16="http://schemas.microsoft.com/office/drawing/2014/main" id="{E75BAD4D-7B7A-49EE-A3D8-773002FC84F3}"/>
+              </a:ext>
+            </a:extLst>
+          </p:cNvPr>
+          <p:cNvSpPr>
+            <a:spLocks noGrp="1"/>
+          </p:cNvSpPr>
+          <p:nvPr>
+            <p:ph type="body" idx="1"/>
+          </p:nvPr>
+        </p:nvSpPr>
+        <p:spPr>
+          <a:xfrm>
+            <a:off x="838200" y="1825625"/>
+            <a:ext cx="10515600" cy="4351338"/>
+          </a:xfrm>
+          <a:prstGeom prst="rect">
+            <a:avLst/>
+          </a:prstGeom>
+        </p:spPr>
+        <p:txBody>
+          <a:bodyPr vert="horz" lIns="91440" tIns="45720" rIns="91440" bIns="45720" rtlCol="0">
+            <a:normAutofit/>
+          </a:bodyPr>
+          <a:lstStyle/>
+          <a:p>
+            <a:pPr lvl="0"/>
+            <a:r>
+              <a:rPr lang="ru-RU"/>
+              <a:t>Образец текста</a:t>
+            </a:r>
+          </a:p>
+          <a:p>
+            <a:pPr lvl="1"/>
+            <a:r>
+              <a:rPr lang="ru-RU"/>
+              <a:t>Второй уровень</a:t>
+            </a:r>
+          </a:p>
+          <a:p>
+            <a:pPr lvl="2"/>
+            <a:r>
+              <a:rPr lang="ru-RU"/>
+              <a:t>Третий уровень</a:t>
+            </a:r>
+          </a:p>
+          <a:p>
+            <a:pPr lvl="3"/>
+            <a:r>
+              <a:rPr lang="ru-RU"/>
+              <a:t>Четвертый уровень</a:t>
+            </a:r>
+          </a:p>
+          <a:p>
+            <a:pPr lvl="4"/>
+            <a:r>
+              <a:rPr lang="ru-RU"/>
+              <a:t>Пятый уровень</a:t>
+            </a:r>
+          </a:p>
+        </p:txBody>
+      </p:sp>
+      <p:sp>
+        <p:nvSpPr>
+          <p:cNvPr id="4" name="Дата 3">
+            <a:extLst>
+              <a:ext uri="{FF2B5EF4-FFF2-40B4-BE49-F238E27FC236}">
+                <a16:creationId xmlns:a16="http://schemas.microsoft.com/office/drawing/2014/main" id="{FDB349A9-7988-4800-9F68-89B478B74277}"/>
+              </a:ext>
+            </a:extLst>
+          </p:cNvPr>
+          <p:cNvSpPr>
+            <a:spLocks noGrp="1"/>
+          </p:cNvSpPr>
+          <p:nvPr>
+            <p:ph type="dt" sz="half" idx="2"/>
+          </p:nvPr>
+        </p:nvSpPr>
+        <p:spPr>
+          <a:xfrm>
+            <a:off x="838200" y="6356350"/>
+            <a:ext cx="2743200" cy="365125"/>
+          </a:xfrm>
+          <a:prstGeom prst="rect">
+            <a:avLst/>
+          </a:prstGeom>
+        </p:spPr>
+        <p:txBody>
+          <a:bodyPr vert="horz" lIns="91440" tIns="45720" rIns="91440" bIns="45720" rtlCol="0" anchor="ctr"/>
+          <a:lstStyle>
+            <a:lvl1pPr algn="l">
+              <a:defRPr sz="1200">
+                <a:solidFill>
+                  <a:schemeClr val="tx1">
+                    <a:tint val="75000"/>
+                  </a:schemeClr>
+                </a:solidFill>
+              </a:defRPr>
+            </a:lvl1pPr>
+          </a:lstStyle>
+          <a:p>
+            <a:fld id="{A1276BF3-0615-4C23-85FE-653C1A8C5BC2}" type="datetimeFigureOut">
+              <a:rPr lang="ru-RU" smtClean="0"/>
+              <a:t>13.06.2024</a:t>
+            </a:fld>
+            <a:endParaRPr lang="ru-RU"/>
+          </a:p>
+        </p:txBody>
+      </p:sp>
+      <p:sp>
+        <p:nvSpPr>
+          <p:cNvPr id="5" name="Нижний колонтитул 4">
+            <a:extLst>
+              <a:ext uri="{FF2B5EF4-FFF2-40B4-BE49-F238E27FC236}">
+                <a16:creationId xmlns:a16="http://schemas.microsoft.com/office/drawing/2014/main" id="{E6A5BA85-C1DB-4165-B85F-C9FDCA6FC09C}"/>
+              </a:ext>
+            </a:extLst>
+          </p:cNvPr>
+          <p:cNvSpPr>
+            <a:spLocks noGrp="1"/>
+          </p:cNvSpPr>
+          <p:nvPr>
+            <p:ph type="ftr" sz="quarter" idx="3"/>
+          </p:nvPr>
+        </p:nvSpPr>
+        <p:spPr>
+          <a:xfrm>
+            <a:off x="4038600" y="6356350"/>
             <a:ext cx="4114800" cy="365125"/>
           </a:xfrm>
           <a:prstGeom prst="rect">
             <a:avLst/>
           </a:prstGeom>
-          <a:noFill/>
-          <a:ln>
-            <a:noFill/>
-          </a:ln>
         </p:spPr>
         <p:txBody>
-          <a:bodyPr spcFirstLastPara="1" wrap="square" lIns="91425" tIns="45700" rIns="91425" bIns="45700" anchor="ctr" anchorCtr="0">
-            <a:noAutofit/>
-          </a:bodyPr>
+          <a:bodyPr vert="horz" lIns="91440" tIns="45720" rIns="91440" bIns="45720" rtlCol="0" anchor="ctr"/>
           <a:lstStyle>
-            <a:lvl1pPr marR="0" lvl="0" algn="l" rtl="0">
-              <a:lnSpc>
-                <a:spcPct val="100000"/>
-              </a:lnSpc>
-              <a:spcBef>
-                <a:spcPts val="0"/>
-              </a:spcBef>
-              <a:spcAft>
-                <a:spcPts val="0"/>
-              </a:spcAft>
-              <a:buClr>
-                <a:srgbClr val="000000"/>
-              </a:buClr>
-              <a:buSzPts val="1400"/>
-              <a:buFont typeface="Arial"/>
-              <a:buNone/>
-              <a:defRPr sz="1200" b="0" i="0" u="none" strike="noStrike" cap="none">
-                <a:solidFill>
-                  <a:schemeClr val="lt2"/>
-                </a:solidFill>
-                <a:latin typeface="Calibri"/>
-                <a:ea typeface="Calibri"/>
-                <a:cs typeface="Calibri"/>
-                <a:sym typeface="Calibri"/>
+            <a:lvl1pPr algn="ctr">
+              <a:defRPr sz="1200">
+                <a:solidFill>
+                  <a:schemeClr val="tx1">
+                    <a:tint val="75000"/>
+                  </a:schemeClr>
+                </a:solidFill>
               </a:defRPr>
             </a:lvl1pPr>
-            <a:lvl2pPr marR="0" lvl="1" algn="l" rtl="0">
-              <a:lnSpc>
-                <a:spcPct val="100000"/>
-              </a:lnSpc>
-              <a:spcBef>
-                <a:spcPts val="0"/>
-              </a:spcBef>
-              <a:spcAft>
-                <a:spcPts val="0"/>
-              </a:spcAft>
-              <a:buClr>
-                <a:srgbClr val="000000"/>
-              </a:buClr>
-              <a:buSzPts val="1400"/>
-              <a:buFont typeface="Arial"/>
-              <a:buNone/>
-              <a:defRPr sz="1800" b="0" i="0" u="none" strike="noStrike" cap="none">
-                <a:solidFill>
-                  <a:schemeClr val="dk1"/>
-                </a:solidFill>
-                <a:latin typeface="Calibri"/>
-                <a:ea typeface="Calibri"/>
-                <a:cs typeface="Calibri"/>
-                <a:sym typeface="Calibri"/>
-              </a:defRPr>
-            </a:lvl2pPr>
-            <a:lvl3pPr marR="0" lvl="2" algn="l" rtl="0">
-              <a:lnSpc>
-                <a:spcPct val="100000"/>
-              </a:lnSpc>
-              <a:spcBef>
-                <a:spcPts val="0"/>
-              </a:spcBef>
-              <a:spcAft>
-                <a:spcPts val="0"/>
-              </a:spcAft>
-              <a:buClr>
-                <a:srgbClr val="000000"/>
-              </a:buClr>
-              <a:buSzPts val="1400"/>
-              <a:buFont typeface="Arial"/>
-              <a:buNone/>
-              <a:defRPr sz="1800" b="0" i="0" u="none" strike="noStrike" cap="none">
-                <a:solidFill>
-                  <a:schemeClr val="dk1"/>
-                </a:solidFill>
-                <a:latin typeface="Calibri"/>
-                <a:ea typeface="Calibri"/>
-                <a:cs typeface="Calibri"/>
-                <a:sym typeface="Calibri"/>
-              </a:defRPr>
-            </a:lvl3pPr>
-            <a:lvl4pPr marR="0" lvl="3" algn="l" rtl="0">
-              <a:lnSpc>
-                <a:spcPct val="100000"/>
-              </a:lnSpc>
-              <a:spcBef>
-                <a:spcPts val="0"/>
-              </a:spcBef>
-              <a:spcAft>
-                <a:spcPts val="0"/>
-              </a:spcAft>
-              <a:buClr>
-                <a:srgbClr val="000000"/>
-              </a:buClr>
-              <a:buSzPts val="1400"/>
-              <a:buFont typeface="Arial"/>
-              <a:buNone/>
-              <a:defRPr sz="1800" b="0" i="0" u="none" strike="noStrike" cap="none">
-                <a:solidFill>
-                  <a:schemeClr val="dk1"/>
-                </a:solidFill>
-                <a:latin typeface="Calibri"/>
-                <a:ea typeface="Calibri"/>
-                <a:cs typeface="Calibri"/>
-                <a:sym typeface="Calibri"/>
-              </a:defRPr>
-            </a:lvl4pPr>
-            <a:lvl5pPr marR="0" lvl="4" algn="l" rtl="0">
-              <a:lnSpc>
-                <a:spcPct val="100000"/>
-              </a:lnSpc>
-              <a:spcBef>
-                <a:spcPts val="0"/>
-              </a:spcBef>
-              <a:spcAft>
-                <a:spcPts val="0"/>
-              </a:spcAft>
-              <a:buClr>
-                <a:srgbClr val="000000"/>
-              </a:buClr>
-              <a:buSzPts val="1400"/>
-              <a:buFont typeface="Arial"/>
-              <a:buNone/>
-              <a:defRPr sz="1800" b="0" i="0" u="none" strike="noStrike" cap="none">
-                <a:solidFill>
-                  <a:schemeClr val="dk1"/>
-                </a:solidFill>
-                <a:latin typeface="Calibri"/>
-                <a:ea typeface="Calibri"/>
-                <a:cs typeface="Calibri"/>
-                <a:sym typeface="Calibri"/>
-              </a:defRPr>
-            </a:lvl5pPr>
-            <a:lvl6pPr marR="0" lvl="5" algn="l" rtl="0">
-              <a:lnSpc>
-                <a:spcPct val="100000"/>
-              </a:lnSpc>
-              <a:spcBef>
-                <a:spcPts val="0"/>
-              </a:spcBef>
-              <a:spcAft>
-                <a:spcPts val="0"/>
-              </a:spcAft>
-              <a:buClr>
-                <a:srgbClr val="000000"/>
-              </a:buClr>
-              <a:buSzPts val="1400"/>
-              <a:buFont typeface="Arial"/>
-              <a:buNone/>
-              <a:defRPr sz="1800" b="0" i="0" u="none" strike="noStrike" cap="none">
-                <a:solidFill>
-                  <a:schemeClr val="dk1"/>
-                </a:solidFill>
-                <a:latin typeface="Calibri"/>
-                <a:ea typeface="Calibri"/>
-                <a:cs typeface="Calibri"/>
-                <a:sym typeface="Calibri"/>
-              </a:defRPr>
-            </a:lvl6pPr>
-            <a:lvl7pPr marR="0" lvl="6" algn="l" rtl="0">
-              <a:lnSpc>
-                <a:spcPct val="100000"/>
-              </a:lnSpc>
-              <a:spcBef>
-                <a:spcPts val="0"/>
-              </a:spcBef>
-              <a:spcAft>
-                <a:spcPts val="0"/>
-              </a:spcAft>
-              <a:buClr>
-                <a:srgbClr val="000000"/>
-              </a:buClr>
-              <a:buSzPts val="1400"/>
-              <a:buFont typeface="Arial"/>
-              <a:buNone/>
-              <a:defRPr sz="1800" b="0" i="0" u="none" strike="noStrike" cap="none">
-                <a:solidFill>
-                  <a:schemeClr val="dk1"/>
-                </a:solidFill>
-                <a:latin typeface="Calibri"/>
-                <a:ea typeface="Calibri"/>
-                <a:cs typeface="Calibri"/>
-                <a:sym typeface="Calibri"/>
-              </a:defRPr>
-            </a:lvl7pPr>
-            <a:lvl8pPr marR="0" lvl="7" algn="l" rtl="0">
-              <a:lnSpc>
-                <a:spcPct val="100000"/>
-              </a:lnSpc>
-              <a:spcBef>
-                <a:spcPts val="0"/>
-              </a:spcBef>
-              <a:spcAft>
-                <a:spcPts val="0"/>
-              </a:spcAft>
-              <a:buClr>
-                <a:srgbClr val="000000"/>
-              </a:buClr>
-              <a:buSzPts val="1400"/>
-              <a:buFont typeface="Arial"/>
-              <a:buNone/>
-              <a:defRPr sz="1800" b="0" i="0" u="none" strike="noStrike" cap="none">
-                <a:solidFill>
-                  <a:schemeClr val="dk1"/>
-                </a:solidFill>
-                <a:latin typeface="Calibri"/>
-                <a:ea typeface="Calibri"/>
-                <a:cs typeface="Calibri"/>
-                <a:sym typeface="Calibri"/>
-              </a:defRPr>
-            </a:lvl8pPr>
-            <a:lvl9pPr marR="0" lvl="8" algn="l" rtl="0">
-              <a:lnSpc>
-                <a:spcPct val="100000"/>
-              </a:lnSpc>
-              <a:spcBef>
-                <a:spcPts val="0"/>
-              </a:spcBef>
-              <a:spcAft>
-                <a:spcPts val="0"/>
-              </a:spcAft>
-              <a:buClr>
-                <a:srgbClr val="000000"/>
-              </a:buClr>
-              <a:buSzPts val="1400"/>
-              <a:buFont typeface="Arial"/>
-              <a:buNone/>
-              <a:defRPr sz="1800" b="0" i="0" u="none" strike="noStrike" cap="none">
-                <a:solidFill>
-                  <a:schemeClr val="dk1"/>
-                </a:solidFill>
-                <a:latin typeface="Calibri"/>
-                <a:ea typeface="Calibri"/>
-                <a:cs typeface="Calibri"/>
-                <a:sym typeface="Calibri"/>
-              </a:defRPr>
-            </a:lvl9pPr>
           </a:lstStyle>
           <a:p>
-            <a:endParaRPr/>
+            <a:endParaRPr lang="ru-RU"/>
           </a:p>
         </p:txBody>
       </p:sp>
       <p:sp>
         <p:nvSpPr>
-          <p:cNvPr id="11" name="Google Shape;11;p13"/>
-          <p:cNvSpPr txBox="1">
+          <p:cNvPr id="6" name="Номер слайда 5">
+            <a:extLst>
+              <a:ext uri="{FF2B5EF4-FFF2-40B4-BE49-F238E27FC236}">
+                <a16:creationId xmlns:a16="http://schemas.microsoft.com/office/drawing/2014/main" id="{8D37ECF4-3A56-49E9-A8E9-D7A10614FD5E}"/>
+              </a:ext>
+            </a:extLst>
+          </p:cNvPr>
+          <p:cNvSpPr>
             <a:spLocks noGrp="1"/>
           </p:cNvSpPr>
           <p:nvPr>
-            <p:ph type="sldNum" idx="12"/>
+            <p:ph type="sldNum" sz="quarter" idx="4"/>
           </p:nvPr>
         </p:nvSpPr>
         <p:spPr>
           <a:xfrm>
-            <a:off x="11146971" y="6356350"/>
-            <a:ext cx="740227" cy="365125"/>
+            <a:off x="8610600" y="6356350"/>
+            <a:ext cx="2743200" cy="365125"/>
           </a:xfrm>
           <a:prstGeom prst="rect">
             <a:avLst/>
           </a:prstGeom>
-          <a:noFill/>
-          <a:ln>
-            <a:noFill/>
-          </a:ln>
         </p:spPr>
         <p:txBody>
-          <a:bodyPr spcFirstLastPara="1" wrap="square" lIns="91425" tIns="45700" rIns="91425" bIns="45700" anchor="ctr" anchorCtr="0">
-            <a:noAutofit/>
-          </a:bodyPr>
+          <a:bodyPr vert="horz" lIns="91440" tIns="45720" rIns="91440" bIns="45720" rtlCol="0" anchor="ctr"/>
           <a:lstStyle>
-            <a:lvl1pPr marL="0" marR="0" lvl="0" indent="0" algn="r" rtl="0">
-              <a:lnSpc>
-                <a:spcPct val="100000"/>
-              </a:lnSpc>
-              <a:spcBef>
-                <a:spcPts val="0"/>
-              </a:spcBef>
-              <a:spcAft>
-                <a:spcPts val="0"/>
-              </a:spcAft>
-              <a:buClr>
-                <a:srgbClr val="000000"/>
-              </a:buClr>
-              <a:buSzPts val="1200"/>
-              <a:buFont typeface="Arial"/>
-              <a:buNone/>
-              <a:defRPr sz="1200" b="0" i="0" u="none" strike="noStrike" cap="none">
-                <a:solidFill>
-                  <a:schemeClr val="lt2"/>
-                </a:solidFill>
-                <a:latin typeface="Calibri"/>
-                <a:ea typeface="Calibri"/>
-                <a:cs typeface="Calibri"/>
-                <a:sym typeface="Calibri"/>
+            <a:lvl1pPr algn="r">
+              <a:defRPr sz="1200">
+                <a:solidFill>
+                  <a:schemeClr val="tx1">
+                    <a:tint val="75000"/>
+                  </a:schemeClr>
+                </a:solidFill>
               </a:defRPr>
             </a:lvl1pPr>
-            <a:lvl2pPr marL="0" marR="0" lvl="1" indent="0" algn="r" rtl="0">
-              <a:lnSpc>
-                <a:spcPct val="100000"/>
-              </a:lnSpc>
-              <a:spcBef>
-                <a:spcPts val="0"/>
-              </a:spcBef>
-              <a:spcAft>
-                <a:spcPts val="0"/>
-              </a:spcAft>
-              <a:buClr>
-                <a:srgbClr val="000000"/>
-              </a:buClr>
-              <a:buSzPts val="1200"/>
-              <a:buFont typeface="Arial"/>
-              <a:buNone/>
-              <a:defRPr sz="1200" b="0" i="0" u="none" strike="noStrike" cap="none">
-                <a:solidFill>
-                  <a:schemeClr val="lt2"/>
-                </a:solidFill>
-                <a:latin typeface="Calibri"/>
-                <a:ea typeface="Calibri"/>
-                <a:cs typeface="Calibri"/>
-                <a:sym typeface="Calibri"/>
-              </a:defRPr>
-            </a:lvl2pPr>
-            <a:lvl3pPr marL="0" marR="0" lvl="2" indent="0" algn="r" rtl="0">
-              <a:lnSpc>
-                <a:spcPct val="100000"/>
-              </a:lnSpc>
-              <a:spcBef>
-                <a:spcPts val="0"/>
-              </a:spcBef>
-              <a:spcAft>
-                <a:spcPts val="0"/>
-              </a:spcAft>
-              <a:buClr>
-                <a:srgbClr val="000000"/>
-              </a:buClr>
-              <a:buSzPts val="1200"/>
-              <a:buFont typeface="Arial"/>
-              <a:buNone/>
-              <a:defRPr sz="1200" b="0" i="0" u="none" strike="noStrike" cap="none">
-                <a:solidFill>
-                  <a:schemeClr val="lt2"/>
-                </a:solidFill>
-                <a:latin typeface="Calibri"/>
-                <a:ea typeface="Calibri"/>
-                <a:cs typeface="Calibri"/>
-                <a:sym typeface="Calibri"/>
-              </a:defRPr>
-            </a:lvl3pPr>
-            <a:lvl4pPr marL="0" marR="0" lvl="3" indent="0" algn="r" rtl="0">
-              <a:lnSpc>
-                <a:spcPct val="100000"/>
-              </a:lnSpc>
-              <a:spcBef>
-                <a:spcPts val="0"/>
-              </a:spcBef>
-              <a:spcAft>
-                <a:spcPts val="0"/>
-              </a:spcAft>
-              <a:buClr>
-                <a:srgbClr val="000000"/>
-              </a:buClr>
-              <a:buSzPts val="1200"/>
-              <a:buFont typeface="Arial"/>
-              <a:buNone/>
-              <a:defRPr sz="1200" b="0" i="0" u="none" strike="noStrike" cap="none">
-                <a:solidFill>
-                  <a:schemeClr val="lt2"/>
-                </a:solidFill>
-                <a:latin typeface="Calibri"/>
-                <a:ea typeface="Calibri"/>
-                <a:cs typeface="Calibri"/>
-                <a:sym typeface="Calibri"/>
-              </a:defRPr>
-            </a:lvl4pPr>
-            <a:lvl5pPr marL="0" marR="0" lvl="4" indent="0" algn="r" rtl="0">
-              <a:lnSpc>
-                <a:spcPct val="100000"/>
-              </a:lnSpc>
-              <a:spcBef>
-                <a:spcPts val="0"/>
-              </a:spcBef>
-              <a:spcAft>
-                <a:spcPts val="0"/>
-              </a:spcAft>
-              <a:buClr>
-                <a:srgbClr val="000000"/>
-              </a:buClr>
-              <a:buSzPts val="1200"/>
-              <a:buFont typeface="Arial"/>
-              <a:buNone/>
-              <a:defRPr sz="1200" b="0" i="0" u="none" strike="noStrike" cap="none">
-                <a:solidFill>
-                  <a:schemeClr val="lt2"/>
-                </a:solidFill>
-                <a:latin typeface="Calibri"/>
-                <a:ea typeface="Calibri"/>
-                <a:cs typeface="Calibri"/>
-                <a:sym typeface="Calibri"/>
-              </a:defRPr>
-            </a:lvl5pPr>
-            <a:lvl6pPr marL="0" marR="0" lvl="5" indent="0" algn="r" rtl="0">
-              <a:lnSpc>
-                <a:spcPct val="100000"/>
-              </a:lnSpc>
-              <a:spcBef>
-                <a:spcPts val="0"/>
-              </a:spcBef>
-              <a:spcAft>
-                <a:spcPts val="0"/>
-              </a:spcAft>
-              <a:buClr>
-                <a:srgbClr val="000000"/>
-              </a:buClr>
-              <a:buSzPts val="1200"/>
-              <a:buFont typeface="Arial"/>
-              <a:buNone/>
-              <a:defRPr sz="1200" b="0" i="0" u="none" strike="noStrike" cap="none">
-                <a:solidFill>
-                  <a:schemeClr val="lt2"/>
-                </a:solidFill>
-                <a:latin typeface="Calibri"/>
-                <a:ea typeface="Calibri"/>
-                <a:cs typeface="Calibri"/>
-                <a:sym typeface="Calibri"/>
-              </a:defRPr>
-            </a:lvl6pPr>
-            <a:lvl7pPr marL="0" marR="0" lvl="6" indent="0" algn="r" rtl="0">
-              <a:lnSpc>
-                <a:spcPct val="100000"/>
-              </a:lnSpc>
-              <a:spcBef>
-                <a:spcPts val="0"/>
-              </a:spcBef>
-              <a:spcAft>
-                <a:spcPts val="0"/>
-              </a:spcAft>
-              <a:buClr>
-                <a:srgbClr val="000000"/>
-              </a:buClr>
-              <a:buSzPts val="1200"/>
-              <a:buFont typeface="Arial"/>
-              <a:buNone/>
-              <a:defRPr sz="1200" b="0" i="0" u="none" strike="noStrike" cap="none">
-                <a:solidFill>
-                  <a:schemeClr val="lt2"/>
-                </a:solidFill>
-                <a:latin typeface="Calibri"/>
-                <a:ea typeface="Calibri"/>
-                <a:cs typeface="Calibri"/>
-                <a:sym typeface="Calibri"/>
-              </a:defRPr>
-            </a:lvl7pPr>
-            <a:lvl8pPr marL="0" marR="0" lvl="7" indent="0" algn="r" rtl="0">
-              <a:lnSpc>
-                <a:spcPct val="100000"/>
-              </a:lnSpc>
-              <a:spcBef>
-                <a:spcPts val="0"/>
-              </a:spcBef>
-              <a:spcAft>
-                <a:spcPts val="0"/>
-              </a:spcAft>
-              <a:buClr>
-                <a:srgbClr val="000000"/>
-              </a:buClr>
-              <a:buSzPts val="1200"/>
-              <a:buFont typeface="Arial"/>
-              <a:buNone/>
-              <a:defRPr sz="1200" b="0" i="0" u="none" strike="noStrike" cap="none">
-                <a:solidFill>
-                  <a:schemeClr val="lt2"/>
-                </a:solidFill>
-                <a:latin typeface="Calibri"/>
-                <a:ea typeface="Calibri"/>
-                <a:cs typeface="Calibri"/>
-                <a:sym typeface="Calibri"/>
-              </a:defRPr>
-            </a:lvl8pPr>
-            <a:lvl9pPr marL="0" marR="0" lvl="8" indent="0" algn="r" rtl="0">
-              <a:lnSpc>
-                <a:spcPct val="100000"/>
-              </a:lnSpc>
-              <a:spcBef>
-                <a:spcPts val="0"/>
-              </a:spcBef>
-              <a:spcAft>
-                <a:spcPts val="0"/>
-              </a:spcAft>
-              <a:buClr>
-                <a:srgbClr val="000000"/>
-              </a:buClr>
-              <a:buSzPts val="1200"/>
-              <a:buFont typeface="Arial"/>
-              <a:buNone/>
-              <a:defRPr sz="1200" b="0" i="0" u="none" strike="noStrike" cap="none">
-                <a:solidFill>
-                  <a:schemeClr val="lt2"/>
-                </a:solidFill>
-                <a:latin typeface="Calibri"/>
-                <a:ea typeface="Calibri"/>
-                <a:cs typeface="Calibri"/>
-                <a:sym typeface="Calibri"/>
-              </a:defRPr>
-            </a:lvl9pPr>
           </a:lstStyle>
           <a:p>
             <a:pPr marL="0" lvl="0" indent="0" algn="r" rtl="0">
@@ -12565,736 +13684,316 @@
               <a:buNone/>
             </a:pPr>
             <a:fld id="{00000000-1234-1234-1234-123412341234}" type="slidenum">
-              <a:rPr lang="en-US"/>
+              <a:rPr lang="en-US" smtClean="0"/>
               <a:t>‹#›</a:t>
             </a:fld>
-            <a:endParaRPr/>
+            <a:endParaRPr lang="en-US"/>
           </a:p>
         </p:txBody>
       </p:sp>
-      <p:pic>
-        <p:nvPicPr>
-          <p:cNvPr id="12" name="Google Shape;12;p13"/>
-          <p:cNvPicPr preferRelativeResize="0"/>
-          <p:nvPr/>
-        </p:nvPicPr>
-        <p:blipFill rotWithShape="1">
-          <a:blip r:embed="rId7">
-            <a:alphaModFix/>
-          </a:blip>
-          <a:srcRect/>
-          <a:stretch/>
-        </p:blipFill>
-        <p:spPr>
-          <a:xfrm>
-            <a:off x="10407342" y="136525"/>
-            <a:ext cx="1784658" cy="405604"/>
-          </a:xfrm>
-          <a:prstGeom prst="rect">
-            <a:avLst/>
-          </a:prstGeom>
-          <a:noFill/>
-          <a:ln>
-            <a:noFill/>
-          </a:ln>
-        </p:spPr>
-      </p:pic>
     </p:spTree>
+    <p:extLst>
+      <p:ext uri="{BB962C8B-B14F-4D97-AF65-F5344CB8AC3E}">
+        <p14:creationId xmlns:p14="http://schemas.microsoft.com/office/powerpoint/2010/main" val="1084765430"/>
+      </p:ext>
+    </p:extLst>
   </p:cSld>
-  <p:clrMap bg1="lt1" tx1="dk1" bg2="dk2" tx2="lt2" accent1="accent1" accent2="accent2" accent3="accent3" accent4="accent4" accent5="accent5" accent6="accent6" hlink="hlink" folHlink="folHlink"/>
+  <p:clrMap bg1="lt1" tx1="dk1" bg2="lt2" tx2="dk2" accent1="accent1" accent2="accent2" accent3="accent3" accent4="accent4" accent5="accent5" accent6="accent6" hlink="hlink" folHlink="folHlink"/>
   <p:sldLayoutIdLst>
-    <p:sldLayoutId id="2147483649" r:id="rId1"/>
-    <p:sldLayoutId id="2147483650" r:id="rId2"/>
-    <p:sldLayoutId id="2147483651" r:id="rId3"/>
-    <p:sldLayoutId id="2147483652" r:id="rId4"/>
-    <p:sldLayoutId id="2147483653" r:id="rId5"/>
+    <p:sldLayoutId id="2147483655" r:id="rId1"/>
+    <p:sldLayoutId id="2147483656" r:id="rId2"/>
+    <p:sldLayoutId id="2147483657" r:id="rId3"/>
+    <p:sldLayoutId id="2147483658" r:id="rId4"/>
+    <p:sldLayoutId id="2147483659" r:id="rId5"/>
+    <p:sldLayoutId id="2147483660" r:id="rId6"/>
+    <p:sldLayoutId id="2147483661" r:id="rId7"/>
+    <p:sldLayoutId id="2147483662" r:id="rId8"/>
+    <p:sldLayoutId id="2147483663" r:id="rId9"/>
+    <p:sldLayoutId id="2147483664" r:id="rId10"/>
+    <p:sldLayoutId id="2147483665" r:id="rId11"/>
+    <p:sldLayoutId id="2147483666" r:id="rId12"/>
+    <p:sldLayoutId id="2147483667" r:id="rId13"/>
+    <p:sldLayoutId id="2147483668" r:id="rId14"/>
+    <p:sldLayoutId id="2147483669" r:id="rId15"/>
+    <p:sldLayoutId id="2147483670" r:id="rId16"/>
   </p:sldLayoutIdLst>
   <p:hf sldNum="0" hdr="0" ftr="0" dt="0"/>
   <p:txStyles>
     <p:titleStyle>
-      <a:defPPr marR="0" lvl="0" algn="l" rtl="0">
+      <a:lvl1pPr algn="l" defTabSz="914400" rtl="0" eaLnBrk="1" latinLnBrk="0" hangingPunct="1">
         <a:lnSpc>
-          <a:spcPct val="100000"/>
+          <a:spcPct val="90000"/>
         </a:lnSpc>
         <a:spcBef>
-          <a:spcPts val="0"/>
+          <a:spcPct val="0"/>
         </a:spcBef>
-        <a:spcAft>
-          <a:spcPts val="0"/>
-        </a:spcAft>
-      </a:defPPr>
-      <a:lvl1pPr marR="0" lvl="0" algn="l" rtl="0">
+        <a:buNone/>
+        <a:defRPr sz="4400" kern="1200">
+          <a:solidFill>
+            <a:schemeClr val="tx1"/>
+          </a:solidFill>
+          <a:latin typeface="+mj-lt"/>
+          <a:ea typeface="+mj-ea"/>
+          <a:cs typeface="+mj-cs"/>
+        </a:defRPr>
+      </a:lvl1pPr>
+    </p:titleStyle>
+    <p:bodyStyle>
+      <a:lvl1pPr marL="228600" indent="-228600" algn="l" defTabSz="914400" rtl="0" eaLnBrk="1" latinLnBrk="0" hangingPunct="1">
         <a:lnSpc>
-          <a:spcPct val="100000"/>
+          <a:spcPct val="90000"/>
         </a:lnSpc>
         <a:spcBef>
-          <a:spcPts val="0"/>
+          <a:spcPts val="1000"/>
         </a:spcBef>
-        <a:spcAft>
-          <a:spcPts val="0"/>
-        </a:spcAft>
-        <a:buClr>
-          <a:srgbClr val="000000"/>
-        </a:buClr>
-        <a:buFont typeface="Arial"/>
-        <a:defRPr sz="1400" b="0" i="0" u="none" strike="noStrike" cap="none">
+        <a:buFont typeface="Arial" panose="020B0604020202020204" pitchFamily="34" charset="0"/>
+        <a:buChar char="•"/>
+        <a:defRPr sz="2800" kern="1200">
           <a:solidFill>
-            <a:srgbClr val="000000"/>
+            <a:schemeClr val="tx1"/>
           </a:solidFill>
-          <a:latin typeface="Arial"/>
-          <a:ea typeface="Arial"/>
-          <a:cs typeface="Arial"/>
-          <a:sym typeface="Arial"/>
+          <a:latin typeface="+mn-lt"/>
+          <a:ea typeface="+mn-ea"/>
+          <a:cs typeface="+mn-cs"/>
         </a:defRPr>
       </a:lvl1pPr>
-      <a:lvl2pPr marR="0" lvl="1" algn="l" rtl="0">
+      <a:lvl2pPr marL="685800" indent="-228600" algn="l" defTabSz="914400" rtl="0" eaLnBrk="1" latinLnBrk="0" hangingPunct="1">
         <a:lnSpc>
-          <a:spcPct val="100000"/>
+          <a:spcPct val="90000"/>
         </a:lnSpc>
         <a:spcBef>
-          <a:spcPts val="0"/>
+          <a:spcPts val="500"/>
         </a:spcBef>
-        <a:spcAft>
-          <a:spcPts val="0"/>
-        </a:spcAft>
-        <a:buClr>
-          <a:srgbClr val="000000"/>
-        </a:buClr>
-        <a:buFont typeface="Arial"/>
-        <a:defRPr sz="1400" b="0" i="0" u="none" strike="noStrike" cap="none">
+        <a:buFont typeface="Arial" panose="020B0604020202020204" pitchFamily="34" charset="0"/>
+        <a:buChar char="•"/>
+        <a:defRPr sz="2400" kern="1200">
           <a:solidFill>
-            <a:srgbClr val="000000"/>
+            <a:schemeClr val="tx1"/>
           </a:solidFill>
-          <a:latin typeface="Arial"/>
-          <a:ea typeface="Arial"/>
-          <a:cs typeface="Arial"/>
-          <a:sym typeface="Arial"/>
+          <a:latin typeface="+mn-lt"/>
+          <a:ea typeface="+mn-ea"/>
+          <a:cs typeface="+mn-cs"/>
         </a:defRPr>
       </a:lvl2pPr>
-      <a:lvl3pPr marR="0" lvl="2" algn="l" rtl="0">
+      <a:lvl3pPr marL="1143000" indent="-228600" algn="l" defTabSz="914400" rtl="0" eaLnBrk="1" latinLnBrk="0" hangingPunct="1">
         <a:lnSpc>
-          <a:spcPct val="100000"/>
+          <a:spcPct val="90000"/>
         </a:lnSpc>
         <a:spcBef>
-          <a:spcPts val="0"/>
+          <a:spcPts val="500"/>
         </a:spcBef>
-        <a:spcAft>
-          <a:spcPts val="0"/>
-        </a:spcAft>
-        <a:buClr>
-          <a:srgbClr val="000000"/>
-        </a:buClr>
-        <a:buFont typeface="Arial"/>
-        <a:defRPr sz="1400" b="0" i="0" u="none" strike="noStrike" cap="none">
+        <a:buFont typeface="Arial" panose="020B0604020202020204" pitchFamily="34" charset="0"/>
+        <a:buChar char="•"/>
+        <a:defRPr sz="2000" kern="1200">
           <a:solidFill>
-            <a:srgbClr val="000000"/>
+            <a:schemeClr val="tx1"/>
           </a:solidFill>
-          <a:latin typeface="Arial"/>
-          <a:ea typeface="Arial"/>
-          <a:cs typeface="Arial"/>
-          <a:sym typeface="Arial"/>
+          <a:latin typeface="+mn-lt"/>
+          <a:ea typeface="+mn-ea"/>
+          <a:cs typeface="+mn-cs"/>
         </a:defRPr>
       </a:lvl3pPr>
-      <a:lvl4pPr marR="0" lvl="3" algn="l" rtl="0">
+      <a:lvl4pPr marL="1600200" indent="-228600" algn="l" defTabSz="914400" rtl="0" eaLnBrk="1" latinLnBrk="0" hangingPunct="1">
         <a:lnSpc>
-          <a:spcPct val="100000"/>
+          <a:spcPct val="90000"/>
         </a:lnSpc>
         <a:spcBef>
-          <a:spcPts val="0"/>
+          <a:spcPts val="500"/>
         </a:spcBef>
-        <a:spcAft>
-          <a:spcPts val="0"/>
-        </a:spcAft>
-        <a:buClr>
-          <a:srgbClr val="000000"/>
-        </a:buClr>
-        <a:buFont typeface="Arial"/>
-        <a:defRPr sz="1400" b="0" i="0" u="none" strike="noStrike" cap="none">
+        <a:buFont typeface="Arial" panose="020B0604020202020204" pitchFamily="34" charset="0"/>
+        <a:buChar char="•"/>
+        <a:defRPr sz="1800" kern="1200">
           <a:solidFill>
-            <a:srgbClr val="000000"/>
+            <a:schemeClr val="tx1"/>
           </a:solidFill>
-          <a:latin typeface="Arial"/>
-          <a:ea typeface="Arial"/>
-          <a:cs typeface="Arial"/>
-          <a:sym typeface="Arial"/>
+          <a:latin typeface="+mn-lt"/>
+          <a:ea typeface="+mn-ea"/>
+          <a:cs typeface="+mn-cs"/>
         </a:defRPr>
       </a:lvl4pPr>
-      <a:lvl5pPr marR="0" lvl="4" algn="l" rtl="0">
+      <a:lvl5pPr marL="2057400" indent="-228600" algn="l" defTabSz="914400" rtl="0" eaLnBrk="1" latinLnBrk="0" hangingPunct="1">
         <a:lnSpc>
-          <a:spcPct val="100000"/>
+          <a:spcPct val="90000"/>
         </a:lnSpc>
         <a:spcBef>
-          <a:spcPts val="0"/>
+          <a:spcPts val="500"/>
         </a:spcBef>
-        <a:spcAft>
-          <a:spcPts val="0"/>
-        </a:spcAft>
-        <a:buClr>
-          <a:srgbClr val="000000"/>
-        </a:buClr>
-        <a:buFont typeface="Arial"/>
-        <a:defRPr sz="1400" b="0" i="0" u="none" strike="noStrike" cap="none">
+        <a:buFont typeface="Arial" panose="020B0604020202020204" pitchFamily="34" charset="0"/>
+        <a:buChar char="•"/>
+        <a:defRPr sz="1800" kern="1200">
           <a:solidFill>
-            <a:srgbClr val="000000"/>
+            <a:schemeClr val="tx1"/>
           </a:solidFill>
-          <a:latin typeface="Arial"/>
-          <a:ea typeface="Arial"/>
-          <a:cs typeface="Arial"/>
-          <a:sym typeface="Arial"/>
+          <a:latin typeface="+mn-lt"/>
+          <a:ea typeface="+mn-ea"/>
+          <a:cs typeface="+mn-cs"/>
         </a:defRPr>
       </a:lvl5pPr>
-      <a:lvl6pPr marR="0" lvl="5" algn="l" rtl="0">
+      <a:lvl6pPr marL="2514600" indent="-228600" algn="l" defTabSz="914400" rtl="0" eaLnBrk="1" latinLnBrk="0" hangingPunct="1">
         <a:lnSpc>
-          <a:spcPct val="100000"/>
+          <a:spcPct val="90000"/>
         </a:lnSpc>
         <a:spcBef>
-          <a:spcPts val="0"/>
+          <a:spcPts val="500"/>
         </a:spcBef>
-        <a:spcAft>
-          <a:spcPts val="0"/>
-        </a:spcAft>
-        <a:buClr>
-          <a:srgbClr val="000000"/>
-        </a:buClr>
-        <a:buFont typeface="Arial"/>
-        <a:defRPr sz="1400" b="0" i="0" u="none" strike="noStrike" cap="none">
+        <a:buFont typeface="Arial" panose="020B0604020202020204" pitchFamily="34" charset="0"/>
+        <a:buChar char="•"/>
+        <a:defRPr sz="1800" kern="1200">
           <a:solidFill>
-            <a:srgbClr val="000000"/>
+            <a:schemeClr val="tx1"/>
           </a:solidFill>
-          <a:latin typeface="Arial"/>
-          <a:ea typeface="Arial"/>
-          <a:cs typeface="Arial"/>
-          <a:sym typeface="Arial"/>
+          <a:latin typeface="+mn-lt"/>
+          <a:ea typeface="+mn-ea"/>
+          <a:cs typeface="+mn-cs"/>
         </a:defRPr>
       </a:lvl6pPr>
-      <a:lvl7pPr marR="0" lvl="6" algn="l" rtl="0">
+      <a:lvl7pPr marL="2971800" indent="-228600" algn="l" defTabSz="914400" rtl="0" eaLnBrk="1" latinLnBrk="0" hangingPunct="1">
         <a:lnSpc>
-          <a:spcPct val="100000"/>
+          <a:spcPct val="90000"/>
         </a:lnSpc>
         <a:spcBef>
-          <a:spcPts val="0"/>
+          <a:spcPts val="500"/>
         </a:spcBef>
-        <a:spcAft>
-          <a:spcPts val="0"/>
-        </a:spcAft>
-        <a:buClr>
-          <a:srgbClr val="000000"/>
-        </a:buClr>
-        <a:buFont typeface="Arial"/>
-        <a:defRPr sz="1400" b="0" i="0" u="none" strike="noStrike" cap="none">
+        <a:buFont typeface="Arial" panose="020B0604020202020204" pitchFamily="34" charset="0"/>
+        <a:buChar char="•"/>
+        <a:defRPr sz="1800" kern="1200">
           <a:solidFill>
-            <a:srgbClr val="000000"/>
+            <a:schemeClr val="tx1"/>
           </a:solidFill>
-          <a:latin typeface="Arial"/>
-          <a:ea typeface="Arial"/>
-          <a:cs typeface="Arial"/>
-          <a:sym typeface="Arial"/>
+          <a:latin typeface="+mn-lt"/>
+          <a:ea typeface="+mn-ea"/>
+          <a:cs typeface="+mn-cs"/>
         </a:defRPr>
       </a:lvl7pPr>
-      <a:lvl8pPr marR="0" lvl="7" algn="l" rtl="0">
+      <a:lvl8pPr marL="3429000" indent="-228600" algn="l" defTabSz="914400" rtl="0" eaLnBrk="1" latinLnBrk="0" hangingPunct="1">
         <a:lnSpc>
-          <a:spcPct val="100000"/>
+          <a:spcPct val="90000"/>
         </a:lnSpc>
         <a:spcBef>
-          <a:spcPts val="0"/>
+          <a:spcPts val="500"/>
         </a:spcBef>
-        <a:spcAft>
-          <a:spcPts val="0"/>
-        </a:spcAft>
-        <a:buClr>
-          <a:srgbClr val="000000"/>
-        </a:buClr>
-        <a:buFont typeface="Arial"/>
-        <a:defRPr sz="1400" b="0" i="0" u="none" strike="noStrike" cap="none">
+        <a:buFont typeface="Arial" panose="020B0604020202020204" pitchFamily="34" charset="0"/>
+        <a:buChar char="•"/>
+        <a:defRPr sz="1800" kern="1200">
           <a:solidFill>
-            <a:srgbClr val="000000"/>
+            <a:schemeClr val="tx1"/>
           </a:solidFill>
-          <a:latin typeface="Arial"/>
-          <a:ea typeface="Arial"/>
-          <a:cs typeface="Arial"/>
-          <a:sym typeface="Arial"/>
+          <a:latin typeface="+mn-lt"/>
+          <a:ea typeface="+mn-ea"/>
+          <a:cs typeface="+mn-cs"/>
         </a:defRPr>
       </a:lvl8pPr>
-      <a:lvl9pPr marR="0" lvl="8" algn="l" rtl="0">
+      <a:lvl9pPr marL="3886200" indent="-228600" algn="l" defTabSz="914400" rtl="0" eaLnBrk="1" latinLnBrk="0" hangingPunct="1">
         <a:lnSpc>
-          <a:spcPct val="100000"/>
+          <a:spcPct val="90000"/>
         </a:lnSpc>
         <a:spcBef>
-          <a:spcPts val="0"/>
+          <a:spcPts val="500"/>
         </a:spcBef>
-        <a:spcAft>
-          <a:spcPts val="0"/>
-        </a:spcAft>
-        <a:buClr>
-          <a:srgbClr val="000000"/>
-        </a:buClr>
-        <a:buFont typeface="Arial"/>
-        <a:defRPr sz="1400" b="0" i="0" u="none" strike="noStrike" cap="none">
+        <a:buFont typeface="Arial" panose="020B0604020202020204" pitchFamily="34" charset="0"/>
+        <a:buChar char="•"/>
+        <a:defRPr sz="1800" kern="1200">
           <a:solidFill>
-            <a:srgbClr val="000000"/>
+            <a:schemeClr val="tx1"/>
           </a:solidFill>
-          <a:latin typeface="Arial"/>
-          <a:ea typeface="Arial"/>
-          <a:cs typeface="Arial"/>
-          <a:sym typeface="Arial"/>
-        </a:defRPr>
-      </a:lvl9pPr>
-    </p:titleStyle>
-    <p:bodyStyle>
-      <a:defPPr marR="0" lvl="0" algn="l" rtl="0">
-        <a:lnSpc>
-          <a:spcPct val="100000"/>
-        </a:lnSpc>
-        <a:spcBef>
-          <a:spcPts val="0"/>
-        </a:spcBef>
-        <a:spcAft>
-          <a:spcPts val="0"/>
-        </a:spcAft>
-      </a:defPPr>
-      <a:lvl1pPr marR="0" lvl="0" algn="l" rtl="0">
-        <a:lnSpc>
-          <a:spcPct val="100000"/>
-        </a:lnSpc>
-        <a:spcBef>
-          <a:spcPts val="0"/>
-        </a:spcBef>
-        <a:spcAft>
-          <a:spcPts val="0"/>
-        </a:spcAft>
-        <a:buClr>
-          <a:srgbClr val="000000"/>
-        </a:buClr>
-        <a:buFont typeface="Arial"/>
-        <a:defRPr sz="1400" b="0" i="0" u="none" strike="noStrike" cap="none">
-          <a:solidFill>
-            <a:srgbClr val="000000"/>
-          </a:solidFill>
-          <a:latin typeface="Arial"/>
-          <a:ea typeface="Arial"/>
-          <a:cs typeface="Arial"/>
-          <a:sym typeface="Arial"/>
-        </a:defRPr>
-      </a:lvl1pPr>
-      <a:lvl2pPr marR="0" lvl="1" algn="l" rtl="0">
-        <a:lnSpc>
-          <a:spcPct val="100000"/>
-        </a:lnSpc>
-        <a:spcBef>
-          <a:spcPts val="0"/>
-        </a:spcBef>
-        <a:spcAft>
-          <a:spcPts val="0"/>
-        </a:spcAft>
-        <a:buClr>
-          <a:srgbClr val="000000"/>
-        </a:buClr>
-        <a:buFont typeface="Arial"/>
-        <a:defRPr sz="1400" b="0" i="0" u="none" strike="noStrike" cap="none">
-          <a:solidFill>
-            <a:srgbClr val="000000"/>
-          </a:solidFill>
-          <a:latin typeface="Arial"/>
-          <a:ea typeface="Arial"/>
-          <a:cs typeface="Arial"/>
-          <a:sym typeface="Arial"/>
-        </a:defRPr>
-      </a:lvl2pPr>
-      <a:lvl3pPr marR="0" lvl="2" algn="l" rtl="0">
-        <a:lnSpc>
-          <a:spcPct val="100000"/>
-        </a:lnSpc>
-        <a:spcBef>
-          <a:spcPts val="0"/>
-        </a:spcBef>
-        <a:spcAft>
-          <a:spcPts val="0"/>
-        </a:spcAft>
-        <a:buClr>
-          <a:srgbClr val="000000"/>
-        </a:buClr>
-        <a:buFont typeface="Arial"/>
-        <a:defRPr sz="1400" b="0" i="0" u="none" strike="noStrike" cap="none">
-          <a:solidFill>
-            <a:srgbClr val="000000"/>
-          </a:solidFill>
-          <a:latin typeface="Arial"/>
-          <a:ea typeface="Arial"/>
-          <a:cs typeface="Arial"/>
-          <a:sym typeface="Arial"/>
-        </a:defRPr>
-      </a:lvl3pPr>
-      <a:lvl4pPr marR="0" lvl="3" algn="l" rtl="0">
-        <a:lnSpc>
-          <a:spcPct val="100000"/>
-        </a:lnSpc>
-        <a:spcBef>
-          <a:spcPts val="0"/>
-        </a:spcBef>
-        <a:spcAft>
-          <a:spcPts val="0"/>
-        </a:spcAft>
-        <a:buClr>
-          <a:srgbClr val="000000"/>
-        </a:buClr>
-        <a:buFont typeface="Arial"/>
-        <a:defRPr sz="1400" b="0" i="0" u="none" strike="noStrike" cap="none">
-          <a:solidFill>
-            <a:srgbClr val="000000"/>
-          </a:solidFill>
-          <a:latin typeface="Arial"/>
-          <a:ea typeface="Arial"/>
-          <a:cs typeface="Arial"/>
-          <a:sym typeface="Arial"/>
-        </a:defRPr>
-      </a:lvl4pPr>
-      <a:lvl5pPr marR="0" lvl="4" algn="l" rtl="0">
-        <a:lnSpc>
-          <a:spcPct val="100000"/>
-        </a:lnSpc>
-        <a:spcBef>
-          <a:spcPts val="0"/>
-        </a:spcBef>
-        <a:spcAft>
-          <a:spcPts val="0"/>
-        </a:spcAft>
-        <a:buClr>
-          <a:srgbClr val="000000"/>
-        </a:buClr>
-        <a:buFont typeface="Arial"/>
-        <a:defRPr sz="1400" b="0" i="0" u="none" strike="noStrike" cap="none">
-          <a:solidFill>
-            <a:srgbClr val="000000"/>
-          </a:solidFill>
-          <a:latin typeface="Arial"/>
-          <a:ea typeface="Arial"/>
-          <a:cs typeface="Arial"/>
-          <a:sym typeface="Arial"/>
-        </a:defRPr>
-      </a:lvl5pPr>
-      <a:lvl6pPr marR="0" lvl="5" algn="l" rtl="0">
-        <a:lnSpc>
-          <a:spcPct val="100000"/>
-        </a:lnSpc>
-        <a:spcBef>
-          <a:spcPts val="0"/>
-        </a:spcBef>
-        <a:spcAft>
-          <a:spcPts val="0"/>
-        </a:spcAft>
-        <a:buClr>
-          <a:srgbClr val="000000"/>
-        </a:buClr>
-        <a:buFont typeface="Arial"/>
-        <a:defRPr sz="1400" b="0" i="0" u="none" strike="noStrike" cap="none">
-          <a:solidFill>
-            <a:srgbClr val="000000"/>
-          </a:solidFill>
-          <a:latin typeface="Arial"/>
-          <a:ea typeface="Arial"/>
-          <a:cs typeface="Arial"/>
-          <a:sym typeface="Arial"/>
-        </a:defRPr>
-      </a:lvl6pPr>
-      <a:lvl7pPr marR="0" lvl="6" algn="l" rtl="0">
-        <a:lnSpc>
-          <a:spcPct val="100000"/>
-        </a:lnSpc>
-        <a:spcBef>
-          <a:spcPts val="0"/>
-        </a:spcBef>
-        <a:spcAft>
-          <a:spcPts val="0"/>
-        </a:spcAft>
-        <a:buClr>
-          <a:srgbClr val="000000"/>
-        </a:buClr>
-        <a:buFont typeface="Arial"/>
-        <a:defRPr sz="1400" b="0" i="0" u="none" strike="noStrike" cap="none">
-          <a:solidFill>
-            <a:srgbClr val="000000"/>
-          </a:solidFill>
-          <a:latin typeface="Arial"/>
-          <a:ea typeface="Arial"/>
-          <a:cs typeface="Arial"/>
-          <a:sym typeface="Arial"/>
-        </a:defRPr>
-      </a:lvl7pPr>
-      <a:lvl8pPr marR="0" lvl="7" algn="l" rtl="0">
-        <a:lnSpc>
-          <a:spcPct val="100000"/>
-        </a:lnSpc>
-        <a:spcBef>
-          <a:spcPts val="0"/>
-        </a:spcBef>
-        <a:spcAft>
-          <a:spcPts val="0"/>
-        </a:spcAft>
-        <a:buClr>
-          <a:srgbClr val="000000"/>
-        </a:buClr>
-        <a:buFont typeface="Arial"/>
-        <a:defRPr sz="1400" b="0" i="0" u="none" strike="noStrike" cap="none">
-          <a:solidFill>
-            <a:srgbClr val="000000"/>
-          </a:solidFill>
-          <a:latin typeface="Arial"/>
-          <a:ea typeface="Arial"/>
-          <a:cs typeface="Arial"/>
-          <a:sym typeface="Arial"/>
-        </a:defRPr>
-      </a:lvl8pPr>
-      <a:lvl9pPr marR="0" lvl="8" algn="l" rtl="0">
-        <a:lnSpc>
-          <a:spcPct val="100000"/>
-        </a:lnSpc>
-        <a:spcBef>
-          <a:spcPts val="0"/>
-        </a:spcBef>
-        <a:spcAft>
-          <a:spcPts val="0"/>
-        </a:spcAft>
-        <a:buClr>
-          <a:srgbClr val="000000"/>
-        </a:buClr>
-        <a:buFont typeface="Arial"/>
-        <a:defRPr sz="1400" b="0" i="0" u="none" strike="noStrike" cap="none">
-          <a:solidFill>
-            <a:srgbClr val="000000"/>
-          </a:solidFill>
-          <a:latin typeface="Arial"/>
-          <a:ea typeface="Arial"/>
-          <a:cs typeface="Arial"/>
-          <a:sym typeface="Arial"/>
+          <a:latin typeface="+mn-lt"/>
+          <a:ea typeface="+mn-ea"/>
+          <a:cs typeface="+mn-cs"/>
         </a:defRPr>
       </a:lvl9pPr>
     </p:bodyStyle>
     <p:otherStyle>
-      <a:defPPr marR="0" lvl="0" algn="l" rtl="0">
-        <a:lnSpc>
-          <a:spcPct val="100000"/>
-        </a:lnSpc>
-        <a:spcBef>
-          <a:spcPts val="0"/>
-        </a:spcBef>
-        <a:spcAft>
-          <a:spcPts val="0"/>
-        </a:spcAft>
+      <a:defPPr>
+        <a:defRPr lang="ru-RU"/>
       </a:defPPr>
-      <a:lvl1pPr marR="0" lvl="0" algn="l" rtl="0">
-        <a:lnSpc>
-          <a:spcPct val="100000"/>
-        </a:lnSpc>
-        <a:spcBef>
-          <a:spcPts val="0"/>
-        </a:spcBef>
-        <a:spcAft>
-          <a:spcPts val="0"/>
-        </a:spcAft>
-        <a:buClr>
-          <a:srgbClr val="000000"/>
-        </a:buClr>
-        <a:buFont typeface="Arial"/>
-        <a:defRPr sz="1400" b="0" i="0" u="none" strike="noStrike" cap="none">
+      <a:lvl1pPr marL="0" algn="l" defTabSz="914400" rtl="0" eaLnBrk="1" latinLnBrk="0" hangingPunct="1">
+        <a:defRPr sz="1800" kern="1200">
           <a:solidFill>
-            <a:srgbClr val="000000"/>
+            <a:schemeClr val="tx1"/>
           </a:solidFill>
-          <a:latin typeface="Arial"/>
-          <a:ea typeface="Arial"/>
-          <a:cs typeface="Arial"/>
-          <a:sym typeface="Arial"/>
+          <a:latin typeface="+mn-lt"/>
+          <a:ea typeface="+mn-ea"/>
+          <a:cs typeface="+mn-cs"/>
         </a:defRPr>
       </a:lvl1pPr>
-      <a:lvl2pPr marR="0" lvl="1" algn="l" rtl="0">
-        <a:lnSpc>
-          <a:spcPct val="100000"/>
-        </a:lnSpc>
-        <a:spcBef>
-          <a:spcPts val="0"/>
-        </a:spcBef>
-        <a:spcAft>
-          <a:spcPts val="0"/>
-        </a:spcAft>
-        <a:buClr>
-          <a:srgbClr val="000000"/>
-        </a:buClr>
-        <a:buFont typeface="Arial"/>
-        <a:defRPr sz="1400" b="0" i="0" u="none" strike="noStrike" cap="none">
+      <a:lvl2pPr marL="457200" algn="l" defTabSz="914400" rtl="0" eaLnBrk="1" latinLnBrk="0" hangingPunct="1">
+        <a:defRPr sz="1800" kern="1200">
           <a:solidFill>
-            <a:srgbClr val="000000"/>
+            <a:schemeClr val="tx1"/>
           </a:solidFill>
-          <a:latin typeface="Arial"/>
-          <a:ea typeface="Arial"/>
-          <a:cs typeface="Arial"/>
-          <a:sym typeface="Arial"/>
+          <a:latin typeface="+mn-lt"/>
+          <a:ea typeface="+mn-ea"/>
+          <a:cs typeface="+mn-cs"/>
         </a:defRPr>
       </a:lvl2pPr>
-      <a:lvl3pPr marR="0" lvl="2" algn="l" rtl="0">
-        <a:lnSpc>
-          <a:spcPct val="100000"/>
-        </a:lnSpc>
-        <a:spcBef>
-          <a:spcPts val="0"/>
-        </a:spcBef>
-        <a:spcAft>
-          <a:spcPts val="0"/>
-        </a:spcAft>
-        <a:buClr>
-          <a:srgbClr val="000000"/>
-        </a:buClr>
-        <a:buFont typeface="Arial"/>
-        <a:defRPr sz="1400" b="0" i="0" u="none" strike="noStrike" cap="none">
+      <a:lvl3pPr marL="914400" algn="l" defTabSz="914400" rtl="0" eaLnBrk="1" latinLnBrk="0" hangingPunct="1">
+        <a:defRPr sz="1800" kern="1200">
           <a:solidFill>
-            <a:srgbClr val="000000"/>
+            <a:schemeClr val="tx1"/>
           </a:solidFill>
-          <a:latin typeface="Arial"/>
-          <a:ea typeface="Arial"/>
-          <a:cs typeface="Arial"/>
-          <a:sym typeface="Arial"/>
+          <a:latin typeface="+mn-lt"/>
+          <a:ea typeface="+mn-ea"/>
+          <a:cs typeface="+mn-cs"/>
         </a:defRPr>
       </a:lvl3pPr>
-      <a:lvl4pPr marR="0" lvl="3" algn="l" rtl="0">
-        <a:lnSpc>
-          <a:spcPct val="100000"/>
-        </a:lnSpc>
-        <a:spcBef>
-          <a:spcPts val="0"/>
-        </a:spcBef>
-        <a:spcAft>
-          <a:spcPts val="0"/>
-        </a:spcAft>
-        <a:buClr>
-          <a:srgbClr val="000000"/>
-        </a:buClr>
-        <a:buFont typeface="Arial"/>
-        <a:defRPr sz="1400" b="0" i="0" u="none" strike="noStrike" cap="none">
+      <a:lvl4pPr marL="1371600" algn="l" defTabSz="914400" rtl="0" eaLnBrk="1" latinLnBrk="0" hangingPunct="1">
+        <a:defRPr sz="1800" kern="1200">
           <a:solidFill>
-            <a:srgbClr val="000000"/>
+            <a:schemeClr val="tx1"/>
           </a:solidFill>
-          <a:latin typeface="Arial"/>
-          <a:ea typeface="Arial"/>
-          <a:cs typeface="Arial"/>
-          <a:sym typeface="Arial"/>
+          <a:latin typeface="+mn-lt"/>
+          <a:ea typeface="+mn-ea"/>
+          <a:cs typeface="+mn-cs"/>
         </a:defRPr>
       </a:lvl4pPr>
-      <a:lvl5pPr marR="0" lvl="4" algn="l" rtl="0">
-        <a:lnSpc>
-          <a:spcPct val="100000"/>
-        </a:lnSpc>
-        <a:spcBef>
-          <a:spcPts val="0"/>
-        </a:spcBef>
-        <a:spcAft>
-          <a:spcPts val="0"/>
-        </a:spcAft>
-        <a:buClr>
-          <a:srgbClr val="000000"/>
-        </a:buClr>
-        <a:buFont typeface="Arial"/>
-        <a:defRPr sz="1400" b="0" i="0" u="none" strike="noStrike" cap="none">
+      <a:lvl5pPr marL="1828800" algn="l" defTabSz="914400" rtl="0" eaLnBrk="1" latinLnBrk="0" hangingPunct="1">
+        <a:defRPr sz="1800" kern="1200">
           <a:solidFill>
-            <a:srgbClr val="000000"/>
+            <a:schemeClr val="tx1"/>
           </a:solidFill>
-          <a:latin typeface="Arial"/>
-          <a:ea typeface="Arial"/>
-          <a:cs typeface="Arial"/>
-          <a:sym typeface="Arial"/>
+          <a:latin typeface="+mn-lt"/>
+          <a:ea typeface="+mn-ea"/>
+          <a:cs typeface="+mn-cs"/>
         </a:defRPr>
       </a:lvl5pPr>
-      <a:lvl6pPr marR="0" lvl="5" algn="l" rtl="0">
-        <a:lnSpc>
-          <a:spcPct val="100000"/>
-        </a:lnSpc>
-        <a:spcBef>
-          <a:spcPts val="0"/>
-        </a:spcBef>
-        <a:spcAft>
-          <a:spcPts val="0"/>
-        </a:spcAft>
-        <a:buClr>
-          <a:srgbClr val="000000"/>
-        </a:buClr>
-        <a:buFont typeface="Arial"/>
-        <a:defRPr sz="1400" b="0" i="0" u="none" strike="noStrike" cap="none">
+      <a:lvl6pPr marL="2286000" algn="l" defTabSz="914400" rtl="0" eaLnBrk="1" latinLnBrk="0" hangingPunct="1">
+        <a:defRPr sz="1800" kern="1200">
           <a:solidFill>
-            <a:srgbClr val="000000"/>
+            <a:schemeClr val="tx1"/>
           </a:solidFill>
-          <a:latin typeface="Arial"/>
-          <a:ea typeface="Arial"/>
-          <a:cs typeface="Arial"/>
-          <a:sym typeface="Arial"/>
+          <a:latin typeface="+mn-lt"/>
+          <a:ea typeface="+mn-ea"/>
+          <a:cs typeface="+mn-cs"/>
         </a:defRPr>
       </a:lvl6pPr>
-      <a:lvl7pPr marR="0" lvl="6" algn="l" rtl="0">
-        <a:lnSpc>
-          <a:spcPct val="100000"/>
-        </a:lnSpc>
-        <a:spcBef>
-          <a:spcPts val="0"/>
-        </a:spcBef>
-        <a:spcAft>
-          <a:spcPts val="0"/>
-        </a:spcAft>
-        <a:buClr>
-          <a:srgbClr val="000000"/>
-        </a:buClr>
-        <a:buFont typeface="Arial"/>
-        <a:defRPr sz="1400" b="0" i="0" u="none" strike="noStrike" cap="none">
+      <a:lvl7pPr marL="2743200" algn="l" defTabSz="914400" rtl="0" eaLnBrk="1" latinLnBrk="0" hangingPunct="1">
+        <a:defRPr sz="1800" kern="1200">
           <a:solidFill>
-            <a:srgbClr val="000000"/>
+            <a:schemeClr val="tx1"/>
           </a:solidFill>
-          <a:latin typeface="Arial"/>
-          <a:ea typeface="Arial"/>
-          <a:cs typeface="Arial"/>
-          <a:sym typeface="Arial"/>
+          <a:latin typeface="+mn-lt"/>
+          <a:ea typeface="+mn-ea"/>
+          <a:cs typeface="+mn-cs"/>
         </a:defRPr>
       </a:lvl7pPr>
-      <a:lvl8pPr marR="0" lvl="7" algn="l" rtl="0">
-        <a:lnSpc>
-          <a:spcPct val="100000"/>
-        </a:lnSpc>
-        <a:spcBef>
-          <a:spcPts val="0"/>
-        </a:spcBef>
-        <a:spcAft>
-          <a:spcPts val="0"/>
-        </a:spcAft>
-        <a:buClr>
-          <a:srgbClr val="000000"/>
-        </a:buClr>
-        <a:buFont typeface="Arial"/>
-        <a:defRPr sz="1400" b="0" i="0" u="none" strike="noStrike" cap="none">
+      <a:lvl8pPr marL="3200400" algn="l" defTabSz="914400" rtl="0" eaLnBrk="1" latinLnBrk="0" hangingPunct="1">
+        <a:defRPr sz="1800" kern="1200">
           <a:solidFill>
-            <a:srgbClr val="000000"/>
+            <a:schemeClr val="tx1"/>
           </a:solidFill>
-          <a:latin typeface="Arial"/>
-          <a:ea typeface="Arial"/>
-          <a:cs typeface="Arial"/>
-          <a:sym typeface="Arial"/>
+          <a:latin typeface="+mn-lt"/>
+          <a:ea typeface="+mn-ea"/>
+          <a:cs typeface="+mn-cs"/>
         </a:defRPr>
       </a:lvl8pPr>
-      <a:lvl9pPr marR="0" lvl="8" algn="l" rtl="0">
-        <a:lnSpc>
-          <a:spcPct val="100000"/>
-        </a:lnSpc>
-        <a:spcBef>
-          <a:spcPts val="0"/>
-        </a:spcBef>
-        <a:spcAft>
-          <a:spcPts val="0"/>
-        </a:spcAft>
-        <a:buClr>
-          <a:srgbClr val="000000"/>
-        </a:buClr>
-        <a:buFont typeface="Arial"/>
-        <a:defRPr sz="1400" b="0" i="0" u="none" strike="noStrike" cap="none">
+      <a:lvl9pPr marL="3657600" algn="l" defTabSz="914400" rtl="0" eaLnBrk="1" latinLnBrk="0" hangingPunct="1">
+        <a:defRPr sz="1800" kern="1200">
           <a:solidFill>
-            <a:srgbClr val="000000"/>
+            <a:schemeClr val="tx1"/>
           </a:solidFill>
-          <a:latin typeface="Arial"/>
-          <a:ea typeface="Arial"/>
-          <a:cs typeface="Arial"/>
-          <a:sym typeface="Arial"/>
+          <a:latin typeface="+mn-lt"/>
+          <a:ea typeface="+mn-ea"/>
+          <a:cs typeface="+mn-cs"/>
         </a:defRPr>
       </a:lvl9pPr>
     </p:otherStyle>
@@ -13330,10 +14029,6 @@
           </p:nvPr>
         </p:nvSpPr>
         <p:spPr>
-          <a:xfrm>
-            <a:off x="6283842" y="1987420"/>
-            <a:ext cx="4911633" cy="1789855"/>
-          </a:xfrm>
           <a:prstGeom prst="rect">
             <a:avLst/>
           </a:prstGeom>
@@ -13456,10 +14151,6 @@
           <a:stretch/>
         </p:blipFill>
         <p:spPr>
-          <a:xfrm>
-            <a:off x="1683398" y="860944"/>
-            <a:ext cx="4428523" cy="5137089"/>
-          </a:xfrm>
           <a:prstGeom prst="rect">
             <a:avLst/>
           </a:prstGeom>
@@ -13606,114 +14297,6 @@
       </p:grpSpPr>
       <p:sp>
         <p:nvSpPr>
-          <p:cNvPr id="146" name="Google Shape;146;p5"/>
-          <p:cNvSpPr txBox="1">
-            <a:spLocks noGrp="1"/>
-          </p:cNvSpPr>
-          <p:nvPr>
-            <p:ph type="ftr" idx="11"/>
-          </p:nvPr>
-        </p:nvSpPr>
-        <p:spPr>
-          <a:xfrm>
-            <a:off x="338530" y="6356350"/>
-            <a:ext cx="4114800" cy="365125"/>
-          </a:xfrm>
-          <a:prstGeom prst="rect">
-            <a:avLst/>
-          </a:prstGeom>
-          <a:noFill/>
-          <a:ln>
-            <a:noFill/>
-          </a:ln>
-        </p:spPr>
-        <p:txBody>
-          <a:bodyPr spcFirstLastPara="1" wrap="square" lIns="91425" tIns="45700" rIns="91425" bIns="45700" anchor="ctr" anchorCtr="0">
-            <a:noAutofit/>
-          </a:bodyPr>
-          <a:lstStyle/>
-          <a:p>
-            <a:pPr marL="0" lvl="0" indent="0" algn="l" rtl="0">
-              <a:lnSpc>
-                <a:spcPct val="100000"/>
-              </a:lnSpc>
-              <a:spcBef>
-                <a:spcPts val="0"/>
-              </a:spcBef>
-              <a:spcAft>
-                <a:spcPts val="0"/>
-              </a:spcAft>
-              <a:buSzPts val="1400"/>
-              <a:buNone/>
-            </a:pPr>
-            <a:r>
-              <a:rPr lang="en-US">
-                <a:solidFill>
-                  <a:srgbClr val="9E9E9E"/>
-                </a:solidFill>
-              </a:rPr>
-              <a:t>©2022 SyncMonk Technologies | SyncESMC</a:t>
-            </a:r>
-            <a:endParaRPr/>
-          </a:p>
-        </p:txBody>
-      </p:sp>
-      <p:sp>
-        <p:nvSpPr>
-          <p:cNvPr id="147" name="Google Shape;147;p5"/>
-          <p:cNvSpPr txBox="1">
-            <a:spLocks noGrp="1"/>
-          </p:cNvSpPr>
-          <p:nvPr>
-            <p:ph type="title"/>
-          </p:nvPr>
-        </p:nvSpPr>
-        <p:spPr>
-          <a:xfrm>
-            <a:off x="518678" y="209028"/>
-            <a:ext cx="8333222" cy="1147969"/>
-          </a:xfrm>
-          <a:prstGeom prst="rect">
-            <a:avLst/>
-          </a:prstGeom>
-          <a:noFill/>
-          <a:ln>
-            <a:noFill/>
-          </a:ln>
-        </p:spPr>
-        <p:txBody>
-          <a:bodyPr spcFirstLastPara="1" wrap="square" lIns="91425" tIns="45700" rIns="91425" bIns="0" anchor="b" anchorCtr="0">
-            <a:normAutofit/>
-          </a:bodyPr>
-          <a:lstStyle/>
-          <a:p>
-            <a:pPr marL="0" lvl="0" indent="0" algn="l" rtl="0">
-              <a:lnSpc>
-                <a:spcPct val="90000"/>
-              </a:lnSpc>
-              <a:spcBef>
-                <a:spcPts val="0"/>
-              </a:spcBef>
-              <a:spcAft>
-                <a:spcPts val="0"/>
-              </a:spcAft>
-              <a:buClr>
-                <a:schemeClr val="accent1"/>
-              </a:buClr>
-              <a:buSzPts val="4400"/>
-              <a:buFont typeface="Calibri"/>
-              <a:buNone/>
-            </a:pPr>
-            <a:r>
-              <a:rPr lang="en-US"/>
-              <a:t>Packet Engine</a:t>
-            </a:r>
-            <a:endParaRPr/>
-          </a:p>
-        </p:txBody>
-      </p:sp>
-      <p:sp>
-        <p:nvSpPr>
           <p:cNvPr id="148" name="Google Shape;148;p5"/>
           <p:cNvSpPr txBox="1">
             <a:spLocks noGrp="1"/>
@@ -14092,6 +14675,106 @@
               <a:buFont typeface="Arial"/>
               <a:buNone/>
             </a:pPr>
+            <a:endParaRPr/>
+          </a:p>
+        </p:txBody>
+      </p:sp>
+      <p:sp>
+        <p:nvSpPr>
+          <p:cNvPr id="146" name="Google Shape;146;p5"/>
+          <p:cNvSpPr txBox="1">
+            <a:spLocks noGrp="1"/>
+          </p:cNvSpPr>
+          <p:nvPr>
+            <p:ph type="ftr" idx="11"/>
+          </p:nvPr>
+        </p:nvSpPr>
+        <p:spPr>
+          <a:prstGeom prst="rect">
+            <a:avLst/>
+          </a:prstGeom>
+          <a:noFill/>
+          <a:ln>
+            <a:noFill/>
+          </a:ln>
+        </p:spPr>
+        <p:txBody>
+          <a:bodyPr spcFirstLastPara="1" wrap="square" lIns="91425" tIns="45700" rIns="91425" bIns="45700" anchor="ctr" anchorCtr="0">
+            <a:noAutofit/>
+          </a:bodyPr>
+          <a:lstStyle/>
+          <a:p>
+            <a:pPr marL="0" lvl="0" indent="0" algn="l" rtl="0">
+              <a:lnSpc>
+                <a:spcPct val="100000"/>
+              </a:lnSpc>
+              <a:spcBef>
+                <a:spcPts val="0"/>
+              </a:spcBef>
+              <a:spcAft>
+                <a:spcPts val="0"/>
+              </a:spcAft>
+              <a:buSzPts val="1400"/>
+              <a:buNone/>
+            </a:pPr>
+            <a:r>
+              <a:rPr lang="en-US">
+                <a:solidFill>
+                  <a:srgbClr val="9E9E9E"/>
+                </a:solidFill>
+              </a:rPr>
+              <a:t>©2022 SyncMonk Technologies | SyncESMC</a:t>
+            </a:r>
+            <a:endParaRPr/>
+          </a:p>
+        </p:txBody>
+      </p:sp>
+      <p:sp>
+        <p:nvSpPr>
+          <p:cNvPr id="147" name="Google Shape;147;p5"/>
+          <p:cNvSpPr txBox="1">
+            <a:spLocks noGrp="1"/>
+          </p:cNvSpPr>
+          <p:nvPr>
+            <p:ph type="title"/>
+          </p:nvPr>
+        </p:nvSpPr>
+        <p:spPr>
+          <a:prstGeom prst="rect">
+            <a:avLst/>
+          </a:prstGeom>
+          <a:noFill/>
+          <a:ln>
+            <a:noFill/>
+          </a:ln>
+        </p:spPr>
+        <p:txBody>
+          <a:bodyPr spcFirstLastPara="1" wrap="square" lIns="91425" tIns="45700" rIns="91425" bIns="0" anchor="b" anchorCtr="0">
+            <a:normAutofit/>
+          </a:bodyPr>
+          <a:lstStyle/>
+          <a:p>
+            <a:pPr marL="0" lvl="0" indent="0" algn="l" rtl="0">
+              <a:lnSpc>
+                <a:spcPct val="90000"/>
+              </a:lnSpc>
+              <a:spcBef>
+                <a:spcPts val="0"/>
+              </a:spcBef>
+              <a:spcAft>
+                <a:spcPts val="0"/>
+              </a:spcAft>
+              <a:buClr>
+                <a:schemeClr val="accent1"/>
+              </a:buClr>
+              <a:buSzPts val="4400"/>
+              <a:buFont typeface="Calibri"/>
+              <a:buNone/>
+            </a:pPr>
+            <a:r>
+              <a:rPr lang="en-US"/>
+              <a:t>Packet Engine</a:t>
+            </a:r>
             <a:endParaRPr/>
           </a:p>
         </p:txBody>
@@ -14826,114 +15509,6 @@
       </p:grpSpPr>
       <p:sp>
         <p:nvSpPr>
-          <p:cNvPr id="168" name="Google Shape;168;p6"/>
-          <p:cNvSpPr txBox="1">
-            <a:spLocks noGrp="1"/>
-          </p:cNvSpPr>
-          <p:nvPr>
-            <p:ph type="ftr" idx="11"/>
-          </p:nvPr>
-        </p:nvSpPr>
-        <p:spPr>
-          <a:xfrm>
-            <a:off x="338530" y="6356350"/>
-            <a:ext cx="4114800" cy="365125"/>
-          </a:xfrm>
-          <a:prstGeom prst="rect">
-            <a:avLst/>
-          </a:prstGeom>
-          <a:noFill/>
-          <a:ln>
-            <a:noFill/>
-          </a:ln>
-        </p:spPr>
-        <p:txBody>
-          <a:bodyPr spcFirstLastPara="1" wrap="square" lIns="91425" tIns="45700" rIns="91425" bIns="45700" anchor="ctr" anchorCtr="0">
-            <a:noAutofit/>
-          </a:bodyPr>
-          <a:lstStyle/>
-          <a:p>
-            <a:pPr marL="0" lvl="0" indent="0" algn="l" rtl="0">
-              <a:lnSpc>
-                <a:spcPct val="100000"/>
-              </a:lnSpc>
-              <a:spcBef>
-                <a:spcPts val="0"/>
-              </a:spcBef>
-              <a:spcAft>
-                <a:spcPts val="0"/>
-              </a:spcAft>
-              <a:buSzPts val="1400"/>
-              <a:buNone/>
-            </a:pPr>
-            <a:r>
-              <a:rPr lang="en-US">
-                <a:solidFill>
-                  <a:srgbClr val="9E9E9E"/>
-                </a:solidFill>
-              </a:rPr>
-              <a:t>©2022 SyncMonk Technologies | SyncESMC</a:t>
-            </a:r>
-            <a:endParaRPr/>
-          </a:p>
-        </p:txBody>
-      </p:sp>
-      <p:sp>
-        <p:nvSpPr>
-          <p:cNvPr id="169" name="Google Shape;169;p6"/>
-          <p:cNvSpPr txBox="1">
-            <a:spLocks noGrp="1"/>
-          </p:cNvSpPr>
-          <p:nvPr>
-            <p:ph type="title"/>
-          </p:nvPr>
-        </p:nvSpPr>
-        <p:spPr>
-          <a:xfrm>
-            <a:off x="518678" y="209028"/>
-            <a:ext cx="8333222" cy="1147969"/>
-          </a:xfrm>
-          <a:prstGeom prst="rect">
-            <a:avLst/>
-          </a:prstGeom>
-          <a:noFill/>
-          <a:ln>
-            <a:noFill/>
-          </a:ln>
-        </p:spPr>
-        <p:txBody>
-          <a:bodyPr spcFirstLastPara="1" wrap="square" lIns="91425" tIns="45700" rIns="91425" bIns="0" anchor="b" anchorCtr="0">
-            <a:normAutofit/>
-          </a:bodyPr>
-          <a:lstStyle/>
-          <a:p>
-            <a:pPr marL="0" lvl="0" indent="0" algn="l" rtl="0">
-              <a:lnSpc>
-                <a:spcPct val="90000"/>
-              </a:lnSpc>
-              <a:spcBef>
-                <a:spcPts val="0"/>
-              </a:spcBef>
-              <a:spcAft>
-                <a:spcPts val="0"/>
-              </a:spcAft>
-              <a:buClr>
-                <a:schemeClr val="accent1"/>
-              </a:buClr>
-              <a:buSzPts val="4400"/>
-              <a:buFont typeface="Calibri"/>
-              <a:buNone/>
-            </a:pPr>
-            <a:r>
-              <a:rPr lang="en-US"/>
-              <a:t>ESMC State Machine</a:t>
-            </a:r>
-            <a:endParaRPr/>
-          </a:p>
-        </p:txBody>
-      </p:sp>
-      <p:sp>
-        <p:nvSpPr>
           <p:cNvPr id="170" name="Google Shape;170;p6"/>
           <p:cNvSpPr txBox="1">
             <a:spLocks noGrp="1"/>
@@ -15117,6 +15692,106 @@
               <a:buFont typeface="Arial"/>
               <a:buNone/>
             </a:pPr>
+            <a:endParaRPr/>
+          </a:p>
+        </p:txBody>
+      </p:sp>
+      <p:sp>
+        <p:nvSpPr>
+          <p:cNvPr id="168" name="Google Shape;168;p6"/>
+          <p:cNvSpPr txBox="1">
+            <a:spLocks noGrp="1"/>
+          </p:cNvSpPr>
+          <p:nvPr>
+            <p:ph type="ftr" idx="11"/>
+          </p:nvPr>
+        </p:nvSpPr>
+        <p:spPr>
+          <a:prstGeom prst="rect">
+            <a:avLst/>
+          </a:prstGeom>
+          <a:noFill/>
+          <a:ln>
+            <a:noFill/>
+          </a:ln>
+        </p:spPr>
+        <p:txBody>
+          <a:bodyPr spcFirstLastPara="1" wrap="square" lIns="91425" tIns="45700" rIns="91425" bIns="45700" anchor="ctr" anchorCtr="0">
+            <a:noAutofit/>
+          </a:bodyPr>
+          <a:lstStyle/>
+          <a:p>
+            <a:pPr marL="0" lvl="0" indent="0" algn="l" rtl="0">
+              <a:lnSpc>
+                <a:spcPct val="100000"/>
+              </a:lnSpc>
+              <a:spcBef>
+                <a:spcPts val="0"/>
+              </a:spcBef>
+              <a:spcAft>
+                <a:spcPts val="0"/>
+              </a:spcAft>
+              <a:buSzPts val="1400"/>
+              <a:buNone/>
+            </a:pPr>
+            <a:r>
+              <a:rPr lang="en-US">
+                <a:solidFill>
+                  <a:srgbClr val="9E9E9E"/>
+                </a:solidFill>
+              </a:rPr>
+              <a:t>©2022 SyncMonk Technologies | SyncESMC</a:t>
+            </a:r>
+            <a:endParaRPr/>
+          </a:p>
+        </p:txBody>
+      </p:sp>
+      <p:sp>
+        <p:nvSpPr>
+          <p:cNvPr id="169" name="Google Shape;169;p6"/>
+          <p:cNvSpPr txBox="1">
+            <a:spLocks noGrp="1"/>
+          </p:cNvSpPr>
+          <p:nvPr>
+            <p:ph type="title"/>
+          </p:nvPr>
+        </p:nvSpPr>
+        <p:spPr>
+          <a:prstGeom prst="rect">
+            <a:avLst/>
+          </a:prstGeom>
+          <a:noFill/>
+          <a:ln>
+            <a:noFill/>
+          </a:ln>
+        </p:spPr>
+        <p:txBody>
+          <a:bodyPr spcFirstLastPara="1" wrap="square" lIns="91425" tIns="45700" rIns="91425" bIns="0" anchor="b" anchorCtr="0">
+            <a:normAutofit/>
+          </a:bodyPr>
+          <a:lstStyle/>
+          <a:p>
+            <a:pPr marL="0" lvl="0" indent="0" algn="l" rtl="0">
+              <a:lnSpc>
+                <a:spcPct val="90000"/>
+              </a:lnSpc>
+              <a:spcBef>
+                <a:spcPts val="0"/>
+              </a:spcBef>
+              <a:spcAft>
+                <a:spcPts val="0"/>
+              </a:spcAft>
+              <a:buClr>
+                <a:schemeClr val="accent1"/>
+              </a:buClr>
+              <a:buSzPts val="4400"/>
+              <a:buFont typeface="Calibri"/>
+              <a:buNone/>
+            </a:pPr>
+            <a:r>
+              <a:rPr lang="en-US"/>
+              <a:t>ESMC State Machine</a:t>
+            </a:r>
             <a:endParaRPr/>
           </a:p>
         </p:txBody>
@@ -17196,113 +17871,6 @@
       </p:grpSpPr>
       <p:sp>
         <p:nvSpPr>
-          <p:cNvPr id="206" name="Google Shape;206;g12055b0ce30_0_9"/>
-          <p:cNvSpPr txBox="1">
-            <a:spLocks noGrp="1"/>
-          </p:cNvSpPr>
-          <p:nvPr>
-            <p:ph type="ftr" idx="11"/>
-          </p:nvPr>
-        </p:nvSpPr>
-        <p:spPr>
-          <a:xfrm>
-            <a:off x="338530" y="6356350"/>
-            <a:ext cx="4114800" cy="365125"/>
-          </a:xfrm>
-          <a:prstGeom prst="rect">
-            <a:avLst/>
-          </a:prstGeom>
-          <a:noFill/>
-          <a:ln>
-            <a:noFill/>
-          </a:ln>
-        </p:spPr>
-        <p:txBody>
-          <a:bodyPr spcFirstLastPara="1" wrap="square" lIns="91425" tIns="45700" rIns="91425" bIns="45700" anchor="ctr" anchorCtr="0">
-            <a:noAutofit/>
-          </a:bodyPr>
-          <a:lstStyle/>
-          <a:p>
-            <a:pPr marL="0" lvl="0" indent="0" algn="l" rtl="0">
-              <a:lnSpc>
-                <a:spcPct val="100000"/>
-              </a:lnSpc>
-              <a:spcBef>
-                <a:spcPts val="0"/>
-              </a:spcBef>
-              <a:spcAft>
-                <a:spcPts val="0"/>
-              </a:spcAft>
-              <a:buSzPts val="1400"/>
-              <a:buNone/>
-            </a:pPr>
-            <a:r>
-              <a:rPr lang="en-US">
-                <a:solidFill>
-                  <a:srgbClr val="9E9E9E"/>
-                </a:solidFill>
-              </a:rPr>
-              <a:t>©2022 SyncMonk Technologies | SyncESMC</a:t>
-            </a:r>
-            <a:endParaRPr/>
-          </a:p>
-        </p:txBody>
-      </p:sp>
-      <p:sp>
-        <p:nvSpPr>
-          <p:cNvPr id="207" name="Google Shape;207;g12055b0ce30_0_9"/>
-          <p:cNvSpPr txBox="1">
-            <a:spLocks noGrp="1"/>
-          </p:cNvSpPr>
-          <p:nvPr>
-            <p:ph type="title"/>
-          </p:nvPr>
-        </p:nvSpPr>
-        <p:spPr>
-          <a:xfrm>
-            <a:off x="518678" y="209028"/>
-            <a:ext cx="8333222" cy="1147969"/>
-          </a:xfrm>
-          <a:prstGeom prst="rect">
-            <a:avLst/>
-          </a:prstGeom>
-          <a:noFill/>
-          <a:ln>
-            <a:noFill/>
-          </a:ln>
-        </p:spPr>
-        <p:txBody>
-          <a:bodyPr spcFirstLastPara="1" wrap="square" lIns="91425" tIns="45700" rIns="91425" bIns="0" anchor="b" anchorCtr="0">
-            <a:normAutofit fontScale="90000"/>
-          </a:bodyPr>
-          <a:lstStyle/>
-          <a:p>
-            <a:pPr marL="228600" lvl="0" indent="0" algn="l" rtl="0">
-              <a:lnSpc>
-                <a:spcPct val="90000"/>
-              </a:lnSpc>
-              <a:spcBef>
-                <a:spcPts val="0"/>
-              </a:spcBef>
-              <a:spcAft>
-                <a:spcPts val="0"/>
-              </a:spcAft>
-              <a:buClr>
-                <a:srgbClr val="C00000"/>
-              </a:buClr>
-              <a:buSzPct val="111111"/>
-              <a:buNone/>
-            </a:pPr>
-            <a:r>
-              <a:rPr lang="en-US"/>
-              <a:t>External MUX for Input Signals</a:t>
-            </a:r>
-            <a:endParaRPr/>
-          </a:p>
-        </p:txBody>
-      </p:sp>
-      <p:sp>
-        <p:nvSpPr>
           <p:cNvPr id="208" name="Google Shape;208;g12055b0ce30_0_9"/>
           <p:cNvSpPr txBox="1">
             <a:spLocks noGrp="1"/>
@@ -17398,6 +17966,105 @@
             <a:r>
               <a:rPr lang="en-US"/>
               <a:t>Works with any of the available hardware where the number of inputs to PLL is more than the number of sources available. For e.g Broadcom XGS chips for Data Center switches</a:t>
+            </a:r>
+            <a:endParaRPr/>
+          </a:p>
+        </p:txBody>
+      </p:sp>
+      <p:sp>
+        <p:nvSpPr>
+          <p:cNvPr id="206" name="Google Shape;206;g12055b0ce30_0_9"/>
+          <p:cNvSpPr txBox="1">
+            <a:spLocks noGrp="1"/>
+          </p:cNvSpPr>
+          <p:nvPr>
+            <p:ph type="ftr" idx="11"/>
+          </p:nvPr>
+        </p:nvSpPr>
+        <p:spPr>
+          <a:prstGeom prst="rect">
+            <a:avLst/>
+          </a:prstGeom>
+          <a:noFill/>
+          <a:ln>
+            <a:noFill/>
+          </a:ln>
+        </p:spPr>
+        <p:txBody>
+          <a:bodyPr spcFirstLastPara="1" wrap="square" lIns="91425" tIns="45700" rIns="91425" bIns="45700" anchor="ctr" anchorCtr="0">
+            <a:noAutofit/>
+          </a:bodyPr>
+          <a:lstStyle/>
+          <a:p>
+            <a:pPr marL="0" lvl="0" indent="0" algn="l" rtl="0">
+              <a:lnSpc>
+                <a:spcPct val="100000"/>
+              </a:lnSpc>
+              <a:spcBef>
+                <a:spcPts val="0"/>
+              </a:spcBef>
+              <a:spcAft>
+                <a:spcPts val="0"/>
+              </a:spcAft>
+              <a:buSzPts val="1400"/>
+              <a:buNone/>
+            </a:pPr>
+            <a:r>
+              <a:rPr lang="en-US">
+                <a:solidFill>
+                  <a:srgbClr val="9E9E9E"/>
+                </a:solidFill>
+              </a:rPr>
+              <a:t>©2022 SyncMonk Technologies | SyncESMC</a:t>
+            </a:r>
+            <a:endParaRPr/>
+          </a:p>
+        </p:txBody>
+      </p:sp>
+      <p:sp>
+        <p:nvSpPr>
+          <p:cNvPr id="207" name="Google Shape;207;g12055b0ce30_0_9"/>
+          <p:cNvSpPr txBox="1">
+            <a:spLocks noGrp="1"/>
+          </p:cNvSpPr>
+          <p:nvPr>
+            <p:ph type="title"/>
+          </p:nvPr>
+        </p:nvSpPr>
+        <p:spPr>
+          <a:prstGeom prst="rect">
+            <a:avLst/>
+          </a:prstGeom>
+          <a:noFill/>
+          <a:ln>
+            <a:noFill/>
+          </a:ln>
+        </p:spPr>
+        <p:txBody>
+          <a:bodyPr spcFirstLastPara="1" wrap="square" lIns="91425" tIns="45700" rIns="91425" bIns="0" anchor="b" anchorCtr="0">
+            <a:normAutofit fontScale="90000"/>
+          </a:bodyPr>
+          <a:lstStyle/>
+          <a:p>
+            <a:pPr marL="228600" lvl="0" indent="0" algn="l" rtl="0">
+              <a:lnSpc>
+                <a:spcPct val="90000"/>
+              </a:lnSpc>
+              <a:spcBef>
+                <a:spcPts val="0"/>
+              </a:spcBef>
+              <a:spcAft>
+                <a:spcPts val="0"/>
+              </a:spcAft>
+              <a:buClr>
+                <a:srgbClr val="C00000"/>
+              </a:buClr>
+              <a:buSzPct val="111111"/>
+              <a:buNone/>
+            </a:pPr>
+            <a:r>
+              <a:rPr lang="en-US"/>
+              <a:t>External MUX for Input Signals</a:t>
             </a:r>
             <a:endParaRPr/>
           </a:p>
@@ -18094,114 +18761,6 @@
       </p:grpSpPr>
       <p:sp>
         <p:nvSpPr>
-          <p:cNvPr id="224" name="Google Shape;224;p35"/>
-          <p:cNvSpPr txBox="1">
-            <a:spLocks noGrp="1"/>
-          </p:cNvSpPr>
-          <p:nvPr>
-            <p:ph type="ftr" idx="11"/>
-          </p:nvPr>
-        </p:nvSpPr>
-        <p:spPr>
-          <a:xfrm>
-            <a:off x="338530" y="6356350"/>
-            <a:ext cx="4114800" cy="365125"/>
-          </a:xfrm>
-          <a:prstGeom prst="rect">
-            <a:avLst/>
-          </a:prstGeom>
-          <a:noFill/>
-          <a:ln>
-            <a:noFill/>
-          </a:ln>
-        </p:spPr>
-        <p:txBody>
-          <a:bodyPr spcFirstLastPara="1" wrap="square" lIns="91425" tIns="45700" rIns="91425" bIns="45700" anchor="ctr" anchorCtr="0">
-            <a:noAutofit/>
-          </a:bodyPr>
-          <a:lstStyle/>
-          <a:p>
-            <a:pPr marL="0" lvl="0" indent="0" algn="l" rtl="0">
-              <a:lnSpc>
-                <a:spcPct val="100000"/>
-              </a:lnSpc>
-              <a:spcBef>
-                <a:spcPts val="0"/>
-              </a:spcBef>
-              <a:spcAft>
-                <a:spcPts val="0"/>
-              </a:spcAft>
-              <a:buSzPts val="1400"/>
-              <a:buNone/>
-            </a:pPr>
-            <a:r>
-              <a:rPr lang="en-US">
-                <a:solidFill>
-                  <a:srgbClr val="9E9E9E"/>
-                </a:solidFill>
-              </a:rPr>
-              <a:t>©2022 SyncMonk Technologies | SyncESMC</a:t>
-            </a:r>
-            <a:endParaRPr/>
-          </a:p>
-        </p:txBody>
-      </p:sp>
-      <p:sp>
-        <p:nvSpPr>
-          <p:cNvPr id="225" name="Google Shape;225;p35"/>
-          <p:cNvSpPr txBox="1">
-            <a:spLocks noGrp="1"/>
-          </p:cNvSpPr>
-          <p:nvPr>
-            <p:ph type="title"/>
-          </p:nvPr>
-        </p:nvSpPr>
-        <p:spPr>
-          <a:xfrm>
-            <a:off x="518678" y="209028"/>
-            <a:ext cx="8333222" cy="1147969"/>
-          </a:xfrm>
-          <a:prstGeom prst="rect">
-            <a:avLst/>
-          </a:prstGeom>
-          <a:noFill/>
-          <a:ln>
-            <a:noFill/>
-          </a:ln>
-        </p:spPr>
-        <p:txBody>
-          <a:bodyPr spcFirstLastPara="1" wrap="square" lIns="91425" tIns="45700" rIns="91425" bIns="0" anchor="b" anchorCtr="0">
-            <a:normAutofit/>
-          </a:bodyPr>
-          <a:lstStyle/>
-          <a:p>
-            <a:pPr marL="0" lvl="0" indent="0" algn="l" rtl="0">
-              <a:lnSpc>
-                <a:spcPct val="90000"/>
-              </a:lnSpc>
-              <a:spcBef>
-                <a:spcPts val="0"/>
-              </a:spcBef>
-              <a:spcAft>
-                <a:spcPts val="0"/>
-              </a:spcAft>
-              <a:buClr>
-                <a:schemeClr val="accent1"/>
-              </a:buClr>
-              <a:buSzPts val="4400"/>
-              <a:buFont typeface="Calibri"/>
-              <a:buNone/>
-            </a:pPr>
-            <a:r>
-              <a:rPr lang="en-US"/>
-              <a:t>Hardware Abstraction Layer</a:t>
-            </a:r>
-            <a:endParaRPr/>
-          </a:p>
-        </p:txBody>
-      </p:sp>
-      <p:sp>
-        <p:nvSpPr>
           <p:cNvPr id="226" name="Google Shape;226;p35"/>
           <p:cNvSpPr txBox="1">
             <a:spLocks noGrp="1"/>
@@ -18365,6 +18924,106 @@
               <a:buSzPts val="2000"/>
               <a:buNone/>
             </a:pPr>
+            <a:endParaRPr/>
+          </a:p>
+        </p:txBody>
+      </p:sp>
+      <p:sp>
+        <p:nvSpPr>
+          <p:cNvPr id="224" name="Google Shape;224;p35"/>
+          <p:cNvSpPr txBox="1">
+            <a:spLocks noGrp="1"/>
+          </p:cNvSpPr>
+          <p:nvPr>
+            <p:ph type="ftr" idx="11"/>
+          </p:nvPr>
+        </p:nvSpPr>
+        <p:spPr>
+          <a:prstGeom prst="rect">
+            <a:avLst/>
+          </a:prstGeom>
+          <a:noFill/>
+          <a:ln>
+            <a:noFill/>
+          </a:ln>
+        </p:spPr>
+        <p:txBody>
+          <a:bodyPr spcFirstLastPara="1" wrap="square" lIns="91425" tIns="45700" rIns="91425" bIns="45700" anchor="ctr" anchorCtr="0">
+            <a:noAutofit/>
+          </a:bodyPr>
+          <a:lstStyle/>
+          <a:p>
+            <a:pPr marL="0" lvl="0" indent="0" algn="l" rtl="0">
+              <a:lnSpc>
+                <a:spcPct val="100000"/>
+              </a:lnSpc>
+              <a:spcBef>
+                <a:spcPts val="0"/>
+              </a:spcBef>
+              <a:spcAft>
+                <a:spcPts val="0"/>
+              </a:spcAft>
+              <a:buSzPts val="1400"/>
+              <a:buNone/>
+            </a:pPr>
+            <a:r>
+              <a:rPr lang="en-US">
+                <a:solidFill>
+                  <a:srgbClr val="9E9E9E"/>
+                </a:solidFill>
+              </a:rPr>
+              <a:t>©2022 SyncMonk Technologies | SyncESMC</a:t>
+            </a:r>
+            <a:endParaRPr/>
+          </a:p>
+        </p:txBody>
+      </p:sp>
+      <p:sp>
+        <p:nvSpPr>
+          <p:cNvPr id="225" name="Google Shape;225;p35"/>
+          <p:cNvSpPr txBox="1">
+            <a:spLocks noGrp="1"/>
+          </p:cNvSpPr>
+          <p:nvPr>
+            <p:ph type="title"/>
+          </p:nvPr>
+        </p:nvSpPr>
+        <p:spPr>
+          <a:prstGeom prst="rect">
+            <a:avLst/>
+          </a:prstGeom>
+          <a:noFill/>
+          <a:ln>
+            <a:noFill/>
+          </a:ln>
+        </p:spPr>
+        <p:txBody>
+          <a:bodyPr spcFirstLastPara="1" wrap="square" lIns="91425" tIns="45700" rIns="91425" bIns="0" anchor="b" anchorCtr="0">
+            <a:normAutofit/>
+          </a:bodyPr>
+          <a:lstStyle/>
+          <a:p>
+            <a:pPr marL="0" lvl="0" indent="0" algn="l" rtl="0">
+              <a:lnSpc>
+                <a:spcPct val="90000"/>
+              </a:lnSpc>
+              <a:spcBef>
+                <a:spcPts val="0"/>
+              </a:spcBef>
+              <a:spcAft>
+                <a:spcPts val="0"/>
+              </a:spcAft>
+              <a:buClr>
+                <a:schemeClr val="accent1"/>
+              </a:buClr>
+              <a:buSzPts val="4400"/>
+              <a:buFont typeface="Calibri"/>
+              <a:buNone/>
+            </a:pPr>
+            <a:r>
+              <a:rPr lang="en-US"/>
+              <a:t>Hardware Abstraction Layer</a:t>
+            </a:r>
             <a:endParaRPr/>
           </a:p>
         </p:txBody>
@@ -18957,114 +19616,6 @@
       </p:grpSpPr>
       <p:sp>
         <p:nvSpPr>
-          <p:cNvPr id="243" name="Google Shape;243;p7"/>
-          <p:cNvSpPr txBox="1">
-            <a:spLocks noGrp="1"/>
-          </p:cNvSpPr>
-          <p:nvPr>
-            <p:ph type="ftr" idx="11"/>
-          </p:nvPr>
-        </p:nvSpPr>
-        <p:spPr>
-          <a:xfrm>
-            <a:off x="338530" y="6356350"/>
-            <a:ext cx="4114800" cy="365125"/>
-          </a:xfrm>
-          <a:prstGeom prst="rect">
-            <a:avLst/>
-          </a:prstGeom>
-          <a:noFill/>
-          <a:ln>
-            <a:noFill/>
-          </a:ln>
-        </p:spPr>
-        <p:txBody>
-          <a:bodyPr spcFirstLastPara="1" wrap="square" lIns="91425" tIns="45700" rIns="91425" bIns="45700" anchor="ctr" anchorCtr="0">
-            <a:noAutofit/>
-          </a:bodyPr>
-          <a:lstStyle/>
-          <a:p>
-            <a:pPr marL="0" lvl="0" indent="0" algn="l" rtl="0">
-              <a:lnSpc>
-                <a:spcPct val="100000"/>
-              </a:lnSpc>
-              <a:spcBef>
-                <a:spcPts val="0"/>
-              </a:spcBef>
-              <a:spcAft>
-                <a:spcPts val="0"/>
-              </a:spcAft>
-              <a:buSzPts val="1400"/>
-              <a:buNone/>
-            </a:pPr>
-            <a:r>
-              <a:rPr lang="en-US">
-                <a:solidFill>
-                  <a:srgbClr val="9E9E9E"/>
-                </a:solidFill>
-              </a:rPr>
-              <a:t>©2022 SyncMonk Technologies | SyncESMC</a:t>
-            </a:r>
-            <a:endParaRPr/>
-          </a:p>
-        </p:txBody>
-      </p:sp>
-      <p:sp>
-        <p:nvSpPr>
-          <p:cNvPr id="244" name="Google Shape;244;p7"/>
-          <p:cNvSpPr txBox="1">
-            <a:spLocks noGrp="1"/>
-          </p:cNvSpPr>
-          <p:nvPr>
-            <p:ph type="title"/>
-          </p:nvPr>
-        </p:nvSpPr>
-        <p:spPr>
-          <a:xfrm>
-            <a:off x="518678" y="209028"/>
-            <a:ext cx="8333222" cy="1147969"/>
-          </a:xfrm>
-          <a:prstGeom prst="rect">
-            <a:avLst/>
-          </a:prstGeom>
-          <a:noFill/>
-          <a:ln>
-            <a:noFill/>
-          </a:ln>
-        </p:spPr>
-        <p:txBody>
-          <a:bodyPr spcFirstLastPara="1" wrap="square" lIns="91425" tIns="45700" rIns="91425" bIns="0" anchor="b" anchorCtr="0">
-            <a:normAutofit/>
-          </a:bodyPr>
-          <a:lstStyle/>
-          <a:p>
-            <a:pPr marL="0" lvl="0" indent="0" algn="l" rtl="0">
-              <a:lnSpc>
-                <a:spcPct val="90000"/>
-              </a:lnSpc>
-              <a:spcBef>
-                <a:spcPts val="0"/>
-              </a:spcBef>
-              <a:spcAft>
-                <a:spcPts val="0"/>
-              </a:spcAft>
-              <a:buClr>
-                <a:schemeClr val="accent1"/>
-              </a:buClr>
-              <a:buSzPts val="4400"/>
-              <a:buFont typeface="Calibri"/>
-              <a:buNone/>
-            </a:pPr>
-            <a:r>
-              <a:rPr lang="en-US"/>
-              <a:t>External Interface</a:t>
-            </a:r>
-            <a:endParaRPr/>
-          </a:p>
-        </p:txBody>
-      </p:sp>
-      <p:sp>
-        <p:nvSpPr>
           <p:cNvPr id="245" name="Google Shape;245;p7"/>
           <p:cNvSpPr txBox="1">
             <a:spLocks noGrp="1"/>
@@ -19279,6 +19830,106 @@
             <a:r>
               <a:rPr lang="en-US"/>
               <a:t>	</a:t>
+            </a:r>
+            <a:endParaRPr/>
+          </a:p>
+        </p:txBody>
+      </p:sp>
+      <p:sp>
+        <p:nvSpPr>
+          <p:cNvPr id="243" name="Google Shape;243;p7"/>
+          <p:cNvSpPr txBox="1">
+            <a:spLocks noGrp="1"/>
+          </p:cNvSpPr>
+          <p:nvPr>
+            <p:ph type="ftr" idx="11"/>
+          </p:nvPr>
+        </p:nvSpPr>
+        <p:spPr>
+          <a:prstGeom prst="rect">
+            <a:avLst/>
+          </a:prstGeom>
+          <a:noFill/>
+          <a:ln>
+            <a:noFill/>
+          </a:ln>
+        </p:spPr>
+        <p:txBody>
+          <a:bodyPr spcFirstLastPara="1" wrap="square" lIns="91425" tIns="45700" rIns="91425" bIns="45700" anchor="ctr" anchorCtr="0">
+            <a:noAutofit/>
+          </a:bodyPr>
+          <a:lstStyle/>
+          <a:p>
+            <a:pPr marL="0" lvl="0" indent="0" algn="l" rtl="0">
+              <a:lnSpc>
+                <a:spcPct val="100000"/>
+              </a:lnSpc>
+              <a:spcBef>
+                <a:spcPts val="0"/>
+              </a:spcBef>
+              <a:spcAft>
+                <a:spcPts val="0"/>
+              </a:spcAft>
+              <a:buSzPts val="1400"/>
+              <a:buNone/>
+            </a:pPr>
+            <a:r>
+              <a:rPr lang="en-US">
+                <a:solidFill>
+                  <a:srgbClr val="9E9E9E"/>
+                </a:solidFill>
+              </a:rPr>
+              <a:t>©2022 SyncMonk Technologies | SyncESMC</a:t>
+            </a:r>
+            <a:endParaRPr/>
+          </a:p>
+        </p:txBody>
+      </p:sp>
+      <p:sp>
+        <p:nvSpPr>
+          <p:cNvPr id="244" name="Google Shape;244;p7"/>
+          <p:cNvSpPr txBox="1">
+            <a:spLocks noGrp="1"/>
+          </p:cNvSpPr>
+          <p:nvPr>
+            <p:ph type="title"/>
+          </p:nvPr>
+        </p:nvSpPr>
+        <p:spPr>
+          <a:prstGeom prst="rect">
+            <a:avLst/>
+          </a:prstGeom>
+          <a:noFill/>
+          <a:ln>
+            <a:noFill/>
+          </a:ln>
+        </p:spPr>
+        <p:txBody>
+          <a:bodyPr spcFirstLastPara="1" wrap="square" lIns="91425" tIns="45700" rIns="91425" bIns="0" anchor="b" anchorCtr="0">
+            <a:normAutofit/>
+          </a:bodyPr>
+          <a:lstStyle/>
+          <a:p>
+            <a:pPr marL="0" lvl="0" indent="0" algn="l" rtl="0">
+              <a:lnSpc>
+                <a:spcPct val="90000"/>
+              </a:lnSpc>
+              <a:spcBef>
+                <a:spcPts val="0"/>
+              </a:spcBef>
+              <a:spcAft>
+                <a:spcPts val="0"/>
+              </a:spcAft>
+              <a:buClr>
+                <a:schemeClr val="accent1"/>
+              </a:buClr>
+              <a:buSzPts val="4400"/>
+              <a:buFont typeface="Calibri"/>
+              <a:buNone/>
+            </a:pPr>
+            <a:r>
+              <a:rPr lang="en-US"/>
+              <a:t>External Interface</a:t>
             </a:r>
             <a:endParaRPr/>
           </a:p>
@@ -19934,10 +20585,6 @@
           </p:nvPr>
         </p:nvSpPr>
         <p:spPr>
-          <a:xfrm>
-            <a:off x="338530" y="6356350"/>
-            <a:ext cx="4114800" cy="365125"/>
-          </a:xfrm>
           <a:prstGeom prst="rect">
             <a:avLst/>
           </a:prstGeom>
@@ -19988,10 +20635,6 @@
           </p:nvPr>
         </p:nvSpPr>
         <p:spPr>
-          <a:xfrm>
-            <a:off x="518678" y="209028"/>
-            <a:ext cx="8333222" cy="1147969"/>
-          </a:xfrm>
           <a:prstGeom prst="rect">
             <a:avLst/>
           </a:prstGeom>
@@ -20094,10 +20737,6 @@
           </p:nvPr>
         </p:nvSpPr>
         <p:spPr>
-          <a:xfrm>
-            <a:off x="338530" y="6356350"/>
-            <a:ext cx="4114800" cy="365125"/>
-          </a:xfrm>
           <a:prstGeom prst="rect">
             <a:avLst/>
           </a:prstGeom>
@@ -20148,10 +20787,6 @@
           </p:nvPr>
         </p:nvSpPr>
         <p:spPr>
-          <a:xfrm>
-            <a:off x="518678" y="209028"/>
-            <a:ext cx="8333222" cy="1147969"/>
-          </a:xfrm>
           <a:prstGeom prst="rect">
             <a:avLst/>
           </a:prstGeom>
@@ -20254,10 +20889,6 @@
           </p:nvPr>
         </p:nvSpPr>
         <p:spPr>
-          <a:xfrm>
-            <a:off x="338530" y="6356350"/>
-            <a:ext cx="4114800" cy="365125"/>
-          </a:xfrm>
           <a:prstGeom prst="rect">
             <a:avLst/>
           </a:prstGeom>
@@ -20308,10 +20939,6 @@
           </p:nvPr>
         </p:nvSpPr>
         <p:spPr>
-          <a:xfrm>
-            <a:off x="518678" y="209028"/>
-            <a:ext cx="8333222" cy="1147969"/>
-          </a:xfrm>
           <a:prstGeom prst="rect">
             <a:avLst/>
           </a:prstGeom>
@@ -20414,10 +21041,6 @@
           </p:nvPr>
         </p:nvSpPr>
         <p:spPr>
-          <a:xfrm>
-            <a:off x="338530" y="6356350"/>
-            <a:ext cx="4114800" cy="365125"/>
-          </a:xfrm>
           <a:prstGeom prst="rect">
             <a:avLst/>
           </a:prstGeom>
@@ -20468,10 +21091,6 @@
           </p:nvPr>
         </p:nvSpPr>
         <p:spPr>
-          <a:xfrm>
-            <a:off x="518678" y="209028"/>
-            <a:ext cx="8333222" cy="1147969"/>
-          </a:xfrm>
           <a:prstGeom prst="rect">
             <a:avLst/>
           </a:prstGeom>
@@ -20565,66 +21184,12 @@
       </p:grpSpPr>
       <p:sp>
         <p:nvSpPr>
-          <p:cNvPr id="76" name="Google Shape;76;p33"/>
-          <p:cNvSpPr txBox="1">
-            <a:spLocks noGrp="1"/>
-          </p:cNvSpPr>
-          <p:nvPr>
-            <p:ph type="title"/>
-          </p:nvPr>
-        </p:nvSpPr>
-        <p:spPr>
-          <a:xfrm>
-            <a:off x="518678" y="209028"/>
-            <a:ext cx="8333222" cy="1147969"/>
-          </a:xfrm>
-          <a:prstGeom prst="rect">
-            <a:avLst/>
-          </a:prstGeom>
-          <a:noFill/>
-          <a:ln>
-            <a:noFill/>
-          </a:ln>
-        </p:spPr>
-        <p:txBody>
-          <a:bodyPr spcFirstLastPara="1" wrap="square" lIns="91425" tIns="45700" rIns="91425" bIns="0" anchor="b" anchorCtr="0">
-            <a:normAutofit/>
-          </a:bodyPr>
-          <a:lstStyle/>
-          <a:p>
-            <a:pPr marL="0" lvl="0" indent="0" algn="l" rtl="0">
-              <a:lnSpc>
-                <a:spcPct val="90000"/>
-              </a:lnSpc>
-              <a:spcBef>
-                <a:spcPts val="0"/>
-              </a:spcBef>
-              <a:spcAft>
-                <a:spcPts val="0"/>
-              </a:spcAft>
-              <a:buClr>
-                <a:schemeClr val="accent1"/>
-              </a:buClr>
-              <a:buSzPts val="4400"/>
-              <a:buFont typeface="Calibri"/>
-              <a:buNone/>
-            </a:pPr>
-            <a:r>
-              <a:rPr lang="en-US"/>
-              <a:t>Introduction</a:t>
-            </a:r>
-            <a:endParaRPr/>
-          </a:p>
-        </p:txBody>
-      </p:sp>
-      <p:sp>
-        <p:nvSpPr>
           <p:cNvPr id="77" name="Google Shape;77;p33"/>
           <p:cNvSpPr txBox="1">
             <a:spLocks noGrp="1"/>
           </p:cNvSpPr>
           <p:nvPr>
-            <p:ph type="body" idx="2"/>
+            <p:ph type="body" idx="1"/>
           </p:nvPr>
         </p:nvSpPr>
         <p:spPr>
@@ -20940,10 +21505,6 @@
           </p:nvPr>
         </p:nvSpPr>
         <p:spPr>
-          <a:xfrm>
-            <a:off x="338530" y="6356350"/>
-            <a:ext cx="4114800" cy="365125"/>
-          </a:xfrm>
           <a:prstGeom prst="rect">
             <a:avLst/>
           </a:prstGeom>
@@ -20978,6 +21539,56 @@
                 </a:solidFill>
               </a:rPr>
               <a:t>©2022 SyncMonk Technologies | SyncESMC</a:t>
+            </a:r>
+            <a:endParaRPr/>
+          </a:p>
+        </p:txBody>
+      </p:sp>
+      <p:sp>
+        <p:nvSpPr>
+          <p:cNvPr id="76" name="Google Shape;76;p33"/>
+          <p:cNvSpPr txBox="1">
+            <a:spLocks noGrp="1"/>
+          </p:cNvSpPr>
+          <p:nvPr>
+            <p:ph type="title"/>
+          </p:nvPr>
+        </p:nvSpPr>
+        <p:spPr>
+          <a:prstGeom prst="rect">
+            <a:avLst/>
+          </a:prstGeom>
+          <a:noFill/>
+          <a:ln>
+            <a:noFill/>
+          </a:ln>
+        </p:spPr>
+        <p:txBody>
+          <a:bodyPr spcFirstLastPara="1" wrap="square" lIns="91425" tIns="45700" rIns="91425" bIns="0" anchor="b" anchorCtr="0">
+            <a:normAutofit/>
+          </a:bodyPr>
+          <a:lstStyle/>
+          <a:p>
+            <a:pPr marL="0" lvl="0" indent="0" algn="l" rtl="0">
+              <a:lnSpc>
+                <a:spcPct val="90000"/>
+              </a:lnSpc>
+              <a:spcBef>
+                <a:spcPts val="0"/>
+              </a:spcBef>
+              <a:spcAft>
+                <a:spcPts val="0"/>
+              </a:spcAft>
+              <a:buClr>
+                <a:schemeClr val="accent1"/>
+              </a:buClr>
+              <a:buSzPts val="4400"/>
+              <a:buFont typeface="Calibri"/>
+              <a:buNone/>
+            </a:pPr>
+            <a:r>
+              <a:rPr lang="en-US"/>
+              <a:t>Introduction</a:t>
             </a:r>
             <a:endParaRPr/>
           </a:p>
@@ -21077,10 +21688,6 @@
           </p:nvPr>
         </p:nvSpPr>
         <p:spPr>
-          <a:xfrm>
-            <a:off x="338530" y="6356350"/>
-            <a:ext cx="4114800" cy="365125"/>
-          </a:xfrm>
           <a:prstGeom prst="rect">
             <a:avLst/>
           </a:prstGeom>
@@ -21131,10 +21738,6 @@
           </p:nvPr>
         </p:nvSpPr>
         <p:spPr>
-          <a:xfrm>
-            <a:off x="518678" y="209028"/>
-            <a:ext cx="8333222" cy="1147969"/>
-          </a:xfrm>
           <a:prstGeom prst="rect">
             <a:avLst/>
           </a:prstGeom>
@@ -21191,888 +21794,6 @@
           <a:xfrm>
             <a:off x="518678" y="1776199"/>
             <a:ext cx="11296160" cy="1652801"/>
-          </a:xfrm>
-          <a:prstGeom prst="rect">
-            <a:avLst/>
-          </a:prstGeom>
-          <a:noFill/>
-          <a:ln>
-            <a:noFill/>
-          </a:ln>
-        </p:spPr>
-      </p:pic>
-    </p:spTree>
-  </p:cSld>
-  <p:clrMapOvr>
-    <a:masterClrMapping/>
-  </p:clrMapOvr>
-</p:sld>
-</file>
-
-<file path=ppt/slides/slide21.xml><?xml version="1.0" encoding="utf-8"?>
-<p:sld xmlns:a="http://schemas.openxmlformats.org/drawingml/2006/main" xmlns:r="http://schemas.openxmlformats.org/officeDocument/2006/relationships" xmlns:p="http://schemas.openxmlformats.org/presentationml/2006/main">
-  <p:cSld>
-    <p:spTree>
-      <p:nvGrpSpPr>
-        <p:cNvPr id="1" name="Shape 305"/>
-        <p:cNvGrpSpPr/>
-        <p:nvPr/>
-      </p:nvGrpSpPr>
-      <p:grpSpPr>
-        <a:xfrm>
-          <a:off x="0" y="0"/>
-          <a:ext cx="0" cy="0"/>
-          <a:chOff x="0" y="0"/>
-          <a:chExt cx="0" cy="0"/>
-        </a:xfrm>
-      </p:grpSpPr>
-      <p:sp>
-        <p:nvSpPr>
-          <p:cNvPr id="306" name="Google Shape;306;p42"/>
-          <p:cNvSpPr txBox="1">
-            <a:spLocks noGrp="1"/>
-          </p:cNvSpPr>
-          <p:nvPr>
-            <p:ph type="ftr" idx="11"/>
-          </p:nvPr>
-        </p:nvSpPr>
-        <p:spPr>
-          <a:xfrm>
-            <a:off x="338530" y="6356350"/>
-            <a:ext cx="4114800" cy="365125"/>
-          </a:xfrm>
-          <a:prstGeom prst="rect">
-            <a:avLst/>
-          </a:prstGeom>
-          <a:noFill/>
-          <a:ln>
-            <a:noFill/>
-          </a:ln>
-        </p:spPr>
-        <p:txBody>
-          <a:bodyPr spcFirstLastPara="1" wrap="square" lIns="91425" tIns="45700" rIns="91425" bIns="45700" anchor="ctr" anchorCtr="0">
-            <a:noAutofit/>
-          </a:bodyPr>
-          <a:lstStyle/>
-          <a:p>
-            <a:pPr marL="0" lvl="0" indent="0" algn="l" rtl="0">
-              <a:lnSpc>
-                <a:spcPct val="100000"/>
-              </a:lnSpc>
-              <a:spcBef>
-                <a:spcPts val="0"/>
-              </a:spcBef>
-              <a:spcAft>
-                <a:spcPts val="0"/>
-              </a:spcAft>
-              <a:buSzPts val="1400"/>
-              <a:buNone/>
-            </a:pPr>
-            <a:r>
-              <a:rPr lang="en-US">
-                <a:solidFill>
-                  <a:srgbClr val="9E9E9E"/>
-                </a:solidFill>
-              </a:rPr>
-              <a:t>©2022 SyncMonk Technologies</a:t>
-            </a:r>
-            <a:endParaRPr/>
-          </a:p>
-        </p:txBody>
-      </p:sp>
-      <p:pic>
-        <p:nvPicPr>
-          <p:cNvPr id="307" name="Google Shape;307;p42" title="SyncESMC - ESMC Stack from SyncMonk"/>
-          <p:cNvPicPr preferRelativeResize="0"/>
-          <p:nvPr/>
-        </p:nvPicPr>
-        <p:blipFill rotWithShape="1">
-          <a:blip r:embed="rId3">
-            <a:alphaModFix/>
-          </a:blip>
-          <a:srcRect/>
-          <a:stretch/>
-        </p:blipFill>
-        <p:spPr>
-          <a:xfrm>
-            <a:off x="338530" y="583311"/>
-            <a:ext cx="10073235" cy="5691378"/>
-          </a:xfrm>
-          <a:prstGeom prst="rect">
-            <a:avLst/>
-          </a:prstGeom>
-          <a:noFill/>
-          <a:ln>
-            <a:noFill/>
-          </a:ln>
-        </p:spPr>
-      </p:pic>
-    </p:spTree>
-  </p:cSld>
-  <p:clrMapOvr>
-    <a:masterClrMapping/>
-  </p:clrMapOvr>
-  <p:timing>
-    <p:tnLst>
-      <p:par>
-        <p:cTn id="1" dur="indefinite" restart="never" nodeType="tmRoot">
-          <p:childTnLst>
-            <p:seq concurrent="1" nextAc="seek">
-              <p:cTn id="2" dur="indefinite" nodeType="mainSeq">
-                <p:childTnLst>
-                  <p:par>
-                    <p:cTn id="3" fill="hold">
-                      <p:stCondLst>
-                        <p:cond delay="indefinite"/>
-                      </p:stCondLst>
-                      <p:childTnLst>
-                        <p:par>
-                          <p:cTn id="4" fill="hold">
-                            <p:stCondLst>
-                              <p:cond delay="0"/>
-                            </p:stCondLst>
-                            <p:childTnLst>
-                              <p:par>
-                                <p:cTn id="5" presetID="10" presetClass="entr" presetSubtype="0" fill="hold" nodeType="clickEffect">
-                                  <p:stCondLst>
-                                    <p:cond delay="0"/>
-                                  </p:stCondLst>
-                                  <p:childTnLst>
-                                    <p:set>
-                                      <p:cBhvr>
-                                        <p:cTn id="6" dur="1" fill="hold">
-                                          <p:stCondLst>
-                                            <p:cond delay="0"/>
-                                          </p:stCondLst>
-                                        </p:cTn>
-                                        <p:tgtEl>
-                                          <p:spTgt spid="307"/>
-                                        </p:tgtEl>
-                                        <p:attrNameLst>
-                                          <p:attrName>style.visibility</p:attrName>
-                                        </p:attrNameLst>
-                                      </p:cBhvr>
-                                      <p:to>
-                                        <p:strVal val="visible"/>
-                                      </p:to>
-                                    </p:set>
-                                    <p:animEffect transition="in" filter="fade">
-                                      <p:cBhvr>
-                                        <p:cTn id="7" dur="1"/>
-                                        <p:tgtEl>
-                                          <p:spTgt spid="307"/>
-                                        </p:tgtEl>
-                                      </p:cBhvr>
-                                    </p:animEffect>
-                                  </p:childTnLst>
-                                </p:cTn>
-                              </p:par>
-                            </p:childTnLst>
-                          </p:cTn>
-                        </p:par>
-                      </p:childTnLst>
-                    </p:cTn>
-                  </p:par>
-                </p:childTnLst>
-              </p:cTn>
-              <p:prevCondLst>
-                <p:cond evt="onPrev" delay="0">
-                  <p:tgtEl>
-                    <p:sldTgt/>
-                  </p:tgtEl>
-                </p:cond>
-              </p:prevCondLst>
-              <p:nextCondLst>
-                <p:cond evt="onNext" delay="0">
-                  <p:tgtEl>
-                    <p:sldTgt/>
-                  </p:tgtEl>
-                </p:cond>
-              </p:nextCondLst>
-            </p:seq>
-          </p:childTnLst>
-        </p:cTn>
-      </p:par>
-    </p:tnLst>
-  </p:timing>
-</p:sld>
-</file>
-
-<file path=ppt/slides/slide22.xml><?xml version="1.0" encoding="utf-8"?>
-<p:sld xmlns:a="http://schemas.openxmlformats.org/drawingml/2006/main" xmlns:r="http://schemas.openxmlformats.org/officeDocument/2006/relationships" xmlns:p="http://schemas.openxmlformats.org/presentationml/2006/main">
-  <p:cSld>
-    <p:spTree>
-      <p:nvGrpSpPr>
-        <p:cNvPr id="1" name="Shape 312"/>
-        <p:cNvGrpSpPr/>
-        <p:nvPr/>
-      </p:nvGrpSpPr>
-      <p:grpSpPr>
-        <a:xfrm>
-          <a:off x="0" y="0"/>
-          <a:ext cx="0" cy="0"/>
-          <a:chOff x="0" y="0"/>
-          <a:chExt cx="0" cy="0"/>
-        </a:xfrm>
-      </p:grpSpPr>
-      <p:pic>
-        <p:nvPicPr>
-          <p:cNvPr id="313" name="Google Shape;313;p43"/>
-          <p:cNvPicPr preferRelativeResize="0"/>
-          <p:nvPr/>
-        </p:nvPicPr>
-        <p:blipFill rotWithShape="1">
-          <a:blip r:embed="rId3">
-            <a:alphaModFix/>
-          </a:blip>
-          <a:srcRect/>
-          <a:stretch/>
-        </p:blipFill>
-        <p:spPr>
-          <a:xfrm>
-            <a:off x="0" y="0"/>
-            <a:ext cx="12192000" cy="8867513"/>
-          </a:xfrm>
-          <a:prstGeom prst="rect">
-            <a:avLst/>
-          </a:prstGeom>
-          <a:noFill/>
-          <a:ln>
-            <a:noFill/>
-          </a:ln>
-        </p:spPr>
-      </p:pic>
-      <p:graphicFrame>
-        <p:nvGraphicFramePr>
-          <p:cNvPr id="314" name="Google Shape;314;p43"/>
-          <p:cNvGraphicFramePr/>
-          <p:nvPr/>
-        </p:nvGraphicFramePr>
-        <p:xfrm>
-          <a:off x="475669" y="5351927"/>
-          <a:ext cx="3000000" cy="3000000"/>
-        </p:xfrm>
-        <a:graphic>
-          <a:graphicData uri="http://schemas.openxmlformats.org/drawingml/2006/table">
-            <a:tbl>
-              <a:tblPr firstRow="1" bandRow="1">
-                <a:noFill/>
-                <a:tableStyleId>{C464A7BF-1DC4-4BED-9C83-273346A54F64}</a:tableStyleId>
-              </a:tblPr>
-              <a:tblGrid>
-                <a:gridCol w="3925450">
-                  <a:extLst>
-                    <a:ext uri="{9D8B030D-6E8A-4147-A177-3AD203B41FA5}">
-                      <a16:colId xmlns:a16="http://schemas.microsoft.com/office/drawing/2014/main" val="20000"/>
-                    </a:ext>
-                  </a:extLst>
-                </a:gridCol>
-                <a:gridCol w="3590225">
-                  <a:extLst>
-                    <a:ext uri="{9D8B030D-6E8A-4147-A177-3AD203B41FA5}">
-                      <a16:colId xmlns:a16="http://schemas.microsoft.com/office/drawing/2014/main" val="20001"/>
-                    </a:ext>
-                  </a:extLst>
-                </a:gridCol>
-                <a:gridCol w="3724975">
-                  <a:extLst>
-                    <a:ext uri="{9D8B030D-6E8A-4147-A177-3AD203B41FA5}">
-                      <a16:colId xmlns:a16="http://schemas.microsoft.com/office/drawing/2014/main" val="20002"/>
-                    </a:ext>
-                  </a:extLst>
-                </a:gridCol>
-              </a:tblGrid>
-              <a:tr h="1148250">
-                <a:tc>
-                  <a:txBody>
-                    <a:bodyPr/>
-                    <a:lstStyle/>
-                    <a:p>
-                      <a:pPr marL="0" marR="0" lvl="0" indent="0" algn="l" rtl="0">
-                        <a:lnSpc>
-                          <a:spcPct val="100000"/>
-                        </a:lnSpc>
-                        <a:spcBef>
-                          <a:spcPts val="0"/>
-                        </a:spcBef>
-                        <a:spcAft>
-                          <a:spcPts val="0"/>
-                        </a:spcAft>
-                        <a:buNone/>
-                      </a:pPr>
-                      <a:endParaRPr sz="1400" u="none" strike="noStrike" cap="none">
-                        <a:solidFill>
-                          <a:schemeClr val="lt1"/>
-                        </a:solidFill>
-                      </a:endParaRPr>
-                    </a:p>
-                  </a:txBody>
-                  <a:tcPr marL="91450" marR="91450" marT="45725" marB="45725">
-                    <a:lnL w="9525" cap="flat" cmpd="sng">
-                      <a:solidFill>
-                        <a:srgbClr val="000000">
-                          <a:alpha val="0"/>
-                        </a:srgbClr>
-                      </a:solidFill>
-                      <a:prstDash val="solid"/>
-                      <a:round/>
-                      <a:headEnd type="none" w="sm" len="sm"/>
-                      <a:tailEnd type="none" w="sm" len="sm"/>
-                    </a:lnL>
-                    <a:lnR w="9525" cap="flat" cmpd="sng">
-                      <a:solidFill>
-                        <a:srgbClr val="000000">
-                          <a:alpha val="0"/>
-                        </a:srgbClr>
-                      </a:solidFill>
-                      <a:prstDash val="solid"/>
-                      <a:round/>
-                      <a:headEnd type="none" w="sm" len="sm"/>
-                      <a:tailEnd type="none" w="sm" len="sm"/>
-                    </a:lnR>
-                    <a:lnT w="9525" cap="flat" cmpd="sng">
-                      <a:solidFill>
-                        <a:srgbClr val="000000">
-                          <a:alpha val="0"/>
-                        </a:srgbClr>
-                      </a:solidFill>
-                      <a:prstDash val="solid"/>
-                      <a:round/>
-                      <a:headEnd type="none" w="sm" len="sm"/>
-                      <a:tailEnd type="none" w="sm" len="sm"/>
-                    </a:lnT>
-                    <a:lnB w="9525" cap="flat" cmpd="sng">
-                      <a:solidFill>
-                        <a:srgbClr val="000000">
-                          <a:alpha val="0"/>
-                        </a:srgbClr>
-                      </a:solidFill>
-                      <a:prstDash val="solid"/>
-                      <a:round/>
-                      <a:headEnd type="none" w="sm" len="sm"/>
-                      <a:tailEnd type="none" w="sm" len="sm"/>
-                    </a:lnB>
-                  </a:tcPr>
-                </a:tc>
-                <a:tc>
-                  <a:txBody>
-                    <a:bodyPr/>
-                    <a:lstStyle/>
-                    <a:p>
-                      <a:pPr marL="0" marR="0" lvl="0" indent="0" algn="l" rtl="0">
-                        <a:lnSpc>
-                          <a:spcPct val="100000"/>
-                        </a:lnSpc>
-                        <a:spcBef>
-                          <a:spcPts val="0"/>
-                        </a:spcBef>
-                        <a:spcAft>
-                          <a:spcPts val="0"/>
-                        </a:spcAft>
-                        <a:buNone/>
-                      </a:pPr>
-                      <a:r>
-                        <a:rPr lang="en-US" sz="1400" u="none" strike="noStrike" cap="none">
-                          <a:solidFill>
-                            <a:srgbClr val="C00000"/>
-                          </a:solidFill>
-                          <a:latin typeface="Calibri"/>
-                          <a:ea typeface="Calibri"/>
-                          <a:cs typeface="Calibri"/>
-                          <a:sym typeface="Calibri"/>
-                        </a:rPr>
-                        <a:t>Contact Us</a:t>
-                      </a:r>
-                      <a:r>
-                        <a:rPr lang="en-US" sz="1400" u="none" strike="noStrike" cap="none">
-                          <a:solidFill>
-                            <a:schemeClr val="dk1"/>
-                          </a:solidFill>
-                          <a:latin typeface="Calibri"/>
-                          <a:ea typeface="Calibri"/>
-                          <a:cs typeface="Calibri"/>
-                          <a:sym typeface="Calibri"/>
-                        </a:rPr>
-                        <a:t>          </a:t>
-                      </a:r>
-                      <a:endParaRPr sz="1400" u="none" strike="noStrike" cap="none">
-                        <a:solidFill>
-                          <a:schemeClr val="dk1"/>
-                        </a:solidFill>
-                      </a:endParaRPr>
-                    </a:p>
-                    <a:p>
-                      <a:pPr marL="0" marR="0" lvl="0" indent="0" algn="l" rtl="0">
-                        <a:lnSpc>
-                          <a:spcPct val="100000"/>
-                        </a:lnSpc>
-                        <a:spcBef>
-                          <a:spcPts val="0"/>
-                        </a:spcBef>
-                        <a:spcAft>
-                          <a:spcPts val="0"/>
-                        </a:spcAft>
-                        <a:buNone/>
-                      </a:pPr>
-                      <a:r>
-                        <a:rPr lang="en-US" sz="1400" b="0" i="0" u="none" strike="noStrike" cap="none">
-                          <a:solidFill>
-                            <a:schemeClr val="dk1"/>
-                          </a:solidFill>
-                          <a:latin typeface="Calibri"/>
-                          <a:ea typeface="Calibri"/>
-                          <a:cs typeface="Calibri"/>
-                          <a:sym typeface="Calibri"/>
-                        </a:rPr>
-                        <a:t>Phone [+91] 984-441-9796</a:t>
-                      </a:r>
-                      <a:endParaRPr/>
-                    </a:p>
-                    <a:p>
-                      <a:pPr marL="0" marR="0" lvl="0" indent="0" algn="l" rtl="0">
-                        <a:lnSpc>
-                          <a:spcPct val="100000"/>
-                        </a:lnSpc>
-                        <a:spcBef>
-                          <a:spcPts val="0"/>
-                        </a:spcBef>
-                        <a:spcAft>
-                          <a:spcPts val="0"/>
-                        </a:spcAft>
-                        <a:buNone/>
-                      </a:pPr>
-                      <a:r>
-                        <a:rPr lang="en-US" sz="1400" b="0" i="0" u="none" strike="noStrike" cap="none">
-                          <a:solidFill>
-                            <a:schemeClr val="dk1"/>
-                          </a:solidFill>
-                          <a:latin typeface="Calibri"/>
-                          <a:ea typeface="Calibri"/>
-                          <a:cs typeface="Calibri"/>
-                          <a:sym typeface="Calibri"/>
-                        </a:rPr>
-                        <a:t>mail: info@syncmonk.net </a:t>
-                      </a:r>
-                      <a:endParaRPr/>
-                    </a:p>
-                    <a:p>
-                      <a:pPr marL="0" marR="0" lvl="0" indent="0" algn="l" rtl="0">
-                        <a:lnSpc>
-                          <a:spcPct val="100000"/>
-                        </a:lnSpc>
-                        <a:spcBef>
-                          <a:spcPts val="0"/>
-                        </a:spcBef>
-                        <a:spcAft>
-                          <a:spcPts val="0"/>
-                        </a:spcAft>
-                        <a:buNone/>
-                      </a:pPr>
-                      <a:r>
-                        <a:rPr lang="en-US" sz="1400" b="0" i="0" u="sng" strike="noStrike" cap="none">
-                          <a:solidFill>
-                            <a:schemeClr val="dk1"/>
-                          </a:solidFill>
-                          <a:latin typeface="Calibri"/>
-                          <a:ea typeface="Calibri"/>
-                          <a:cs typeface="Calibri"/>
-                          <a:sym typeface="Calibri"/>
-                          <a:hlinkClick r:id="rId4">
-                            <a:extLst>
-                              <a:ext uri="{A12FA001-AC4F-418D-AE19-62706E023703}">
-                                <ahyp:hlinkClr xmlns:ahyp="http://schemas.microsoft.com/office/drawing/2018/hyperlinkcolor" val="tx"/>
-                              </a:ext>
-                            </a:extLst>
-                          </a:hlinkClick>
-                        </a:rPr>
-                        <a:t>www.syncmonk.net</a:t>
-                      </a:r>
-                      <a:endParaRPr sz="1400" b="0" i="0" u="none" strike="noStrike" cap="none">
-                        <a:solidFill>
-                          <a:schemeClr val="dk1"/>
-                        </a:solidFill>
-                        <a:latin typeface="Calibri"/>
-                        <a:ea typeface="Calibri"/>
-                        <a:cs typeface="Calibri"/>
-                        <a:sym typeface="Calibri"/>
-                      </a:endParaRPr>
-                    </a:p>
-                    <a:p>
-                      <a:pPr marL="0" marR="0" lvl="0" indent="0" algn="l" rtl="0">
-                        <a:lnSpc>
-                          <a:spcPct val="100000"/>
-                        </a:lnSpc>
-                        <a:spcBef>
-                          <a:spcPts val="0"/>
-                        </a:spcBef>
-                        <a:spcAft>
-                          <a:spcPts val="0"/>
-                        </a:spcAft>
-                        <a:buNone/>
-                      </a:pPr>
-                      <a:r>
-                        <a:rPr lang="en-US" sz="1400" b="0" i="0" u="none" strike="noStrike" cap="none">
-                          <a:solidFill>
-                            <a:schemeClr val="dk1"/>
-                          </a:solidFill>
-                          <a:latin typeface="Calibri"/>
-                          <a:ea typeface="Calibri"/>
-                          <a:cs typeface="Calibri"/>
-                          <a:sym typeface="Calibri"/>
-                        </a:rPr>
-                        <a:t>Bangalore-560035</a:t>
-                      </a:r>
-                      <a:endParaRPr sz="1400" u="none" strike="noStrike" cap="none">
-                        <a:solidFill>
-                          <a:schemeClr val="dk1"/>
-                        </a:solidFill>
-                        <a:latin typeface="Calibri"/>
-                        <a:ea typeface="Calibri"/>
-                        <a:cs typeface="Calibri"/>
-                        <a:sym typeface="Calibri"/>
-                      </a:endParaRPr>
-                    </a:p>
-                  </a:txBody>
-                  <a:tcPr marL="91450" marR="91450" marT="45725" marB="45725">
-                    <a:lnL w="9525" cap="flat" cmpd="sng">
-                      <a:solidFill>
-                        <a:srgbClr val="000000">
-                          <a:alpha val="0"/>
-                        </a:srgbClr>
-                      </a:solidFill>
-                      <a:prstDash val="solid"/>
-                      <a:round/>
-                      <a:headEnd type="none" w="sm" len="sm"/>
-                      <a:tailEnd type="none" w="sm" len="sm"/>
-                    </a:lnL>
-                    <a:lnR w="9525" cap="flat" cmpd="sng">
-                      <a:solidFill>
-                        <a:srgbClr val="000000">
-                          <a:alpha val="0"/>
-                        </a:srgbClr>
-                      </a:solidFill>
-                      <a:prstDash val="solid"/>
-                      <a:round/>
-                      <a:headEnd type="none" w="sm" len="sm"/>
-                      <a:tailEnd type="none" w="sm" len="sm"/>
-                    </a:lnR>
-                    <a:lnT w="9525" cap="flat" cmpd="sng">
-                      <a:solidFill>
-                        <a:srgbClr val="000000">
-                          <a:alpha val="0"/>
-                        </a:srgbClr>
-                      </a:solidFill>
-                      <a:prstDash val="solid"/>
-                      <a:round/>
-                      <a:headEnd type="none" w="sm" len="sm"/>
-                      <a:tailEnd type="none" w="sm" len="sm"/>
-                    </a:lnT>
-                    <a:lnB w="9525" cap="flat" cmpd="sng">
-                      <a:solidFill>
-                        <a:srgbClr val="000000">
-                          <a:alpha val="0"/>
-                        </a:srgbClr>
-                      </a:solidFill>
-                      <a:prstDash val="solid"/>
-                      <a:round/>
-                      <a:headEnd type="none" w="sm" len="sm"/>
-                      <a:tailEnd type="none" w="sm" len="sm"/>
-                    </a:lnB>
-                  </a:tcPr>
-                </a:tc>
-                <a:tc>
-                  <a:txBody>
-                    <a:bodyPr/>
-                    <a:lstStyle/>
-                    <a:p>
-                      <a:pPr marL="0" marR="0" lvl="0" indent="0" algn="l" rtl="0">
-                        <a:lnSpc>
-                          <a:spcPct val="100000"/>
-                        </a:lnSpc>
-                        <a:spcBef>
-                          <a:spcPts val="0"/>
-                        </a:spcBef>
-                        <a:spcAft>
-                          <a:spcPts val="0"/>
-                        </a:spcAft>
-                        <a:buNone/>
-                      </a:pPr>
-                      <a:r>
-                        <a:rPr lang="en-US" sz="1400" u="none" strike="noStrike" cap="none">
-                          <a:solidFill>
-                            <a:srgbClr val="C00000"/>
-                          </a:solidFill>
-                          <a:latin typeface="Calibri"/>
-                          <a:ea typeface="Calibri"/>
-                          <a:cs typeface="Calibri"/>
-                          <a:sym typeface="Calibri"/>
-                        </a:rPr>
-                        <a:t>© 2023 SyncMonk Technologies</a:t>
-                      </a:r>
-                      <a:endParaRPr/>
-                    </a:p>
-                    <a:p>
-                      <a:pPr marL="0" marR="0" lvl="0" indent="0" algn="l" rtl="0">
-                        <a:lnSpc>
-                          <a:spcPct val="100000"/>
-                        </a:lnSpc>
-                        <a:spcBef>
-                          <a:spcPts val="0"/>
-                        </a:spcBef>
-                        <a:spcAft>
-                          <a:spcPts val="0"/>
-                        </a:spcAft>
-                        <a:buNone/>
-                      </a:pPr>
-                      <a:r>
-                        <a:rPr lang="en-US" sz="1400" b="0" u="none" strike="noStrike" cap="none">
-                          <a:solidFill>
-                            <a:schemeClr val="dk1"/>
-                          </a:solidFill>
-                          <a:latin typeface="Calibri"/>
-                          <a:ea typeface="Calibri"/>
-                          <a:cs typeface="Calibri"/>
-                          <a:sym typeface="Calibri"/>
-                        </a:rPr>
-                        <a:t>Product specification and description in this document are subject to change without notice. For latest copy please write us to info@syncmonk.net</a:t>
-                      </a:r>
-                      <a:endParaRPr/>
-                    </a:p>
-                  </a:txBody>
-                  <a:tcPr marL="91450" marR="91450" marT="45725" marB="45725">
-                    <a:lnL w="9525" cap="flat" cmpd="sng">
-                      <a:solidFill>
-                        <a:srgbClr val="000000">
-                          <a:alpha val="0"/>
-                        </a:srgbClr>
-                      </a:solidFill>
-                      <a:prstDash val="solid"/>
-                      <a:round/>
-                      <a:headEnd type="none" w="sm" len="sm"/>
-                      <a:tailEnd type="none" w="sm" len="sm"/>
-                    </a:lnL>
-                    <a:lnR w="9525" cap="flat" cmpd="sng">
-                      <a:solidFill>
-                        <a:srgbClr val="000000">
-                          <a:alpha val="0"/>
-                        </a:srgbClr>
-                      </a:solidFill>
-                      <a:prstDash val="solid"/>
-                      <a:round/>
-                      <a:headEnd type="none" w="sm" len="sm"/>
-                      <a:tailEnd type="none" w="sm" len="sm"/>
-                    </a:lnR>
-                    <a:lnT w="9525" cap="flat" cmpd="sng">
-                      <a:solidFill>
-                        <a:srgbClr val="000000">
-                          <a:alpha val="0"/>
-                        </a:srgbClr>
-                      </a:solidFill>
-                      <a:prstDash val="solid"/>
-                      <a:round/>
-                      <a:headEnd type="none" w="sm" len="sm"/>
-                      <a:tailEnd type="none" w="sm" len="sm"/>
-                    </a:lnT>
-                    <a:lnB w="9525" cap="flat" cmpd="sng">
-                      <a:solidFill>
-                        <a:srgbClr val="000000">
-                          <a:alpha val="0"/>
-                        </a:srgbClr>
-                      </a:solidFill>
-                      <a:prstDash val="solid"/>
-                      <a:round/>
-                      <a:headEnd type="none" w="sm" len="sm"/>
-                      <a:tailEnd type="none" w="sm" len="sm"/>
-                    </a:lnB>
-                  </a:tcPr>
-                </a:tc>
-                <a:extLst>
-                  <a:ext uri="{0D108BD9-81ED-4DB2-BD59-A6C34878D82A}">
-                    <a16:rowId xmlns:a16="http://schemas.microsoft.com/office/drawing/2014/main" val="10000"/>
-                  </a:ext>
-                </a:extLst>
-              </a:tr>
-            </a:tbl>
-          </a:graphicData>
-        </a:graphic>
-      </p:graphicFrame>
-      <p:pic>
-        <p:nvPicPr>
-          <p:cNvPr id="315" name="Google Shape;315;p43"/>
-          <p:cNvPicPr preferRelativeResize="0"/>
-          <p:nvPr/>
-        </p:nvPicPr>
-        <p:blipFill rotWithShape="1">
-          <a:blip r:embed="rId5">
-            <a:alphaModFix/>
-          </a:blip>
-          <a:srcRect/>
-          <a:stretch/>
-        </p:blipFill>
-        <p:spPr>
-          <a:xfrm>
-            <a:off x="475669" y="5668365"/>
-            <a:ext cx="2837807" cy="644956"/>
-          </a:xfrm>
-          <a:prstGeom prst="rect">
-            <a:avLst/>
-          </a:prstGeom>
-          <a:noFill/>
-          <a:ln>
-            <a:noFill/>
-          </a:ln>
-        </p:spPr>
-      </p:pic>
-      <p:cxnSp>
-        <p:nvCxnSpPr>
-          <p:cNvPr id="316" name="Google Shape;316;p43"/>
-          <p:cNvCxnSpPr/>
-          <p:nvPr/>
-        </p:nvCxnSpPr>
-        <p:spPr>
-          <a:xfrm>
-            <a:off x="340914" y="5005138"/>
-            <a:ext cx="11510169" cy="0"/>
-          </a:xfrm>
-          <a:prstGeom prst="straightConnector1">
-            <a:avLst/>
-          </a:prstGeom>
-          <a:noFill/>
-          <a:ln w="28575" cap="flat" cmpd="sng">
-            <a:solidFill>
-              <a:srgbClr val="C00000"/>
-            </a:solidFill>
-            <a:prstDash val="solid"/>
-            <a:round/>
-            <a:headEnd type="none" w="sm" len="sm"/>
-            <a:tailEnd type="none" w="sm" len="sm"/>
-          </a:ln>
-        </p:spPr>
-      </p:cxnSp>
-      <p:pic>
-        <p:nvPicPr>
-          <p:cNvPr id="317" name="Google Shape;317;p43"/>
-          <p:cNvPicPr preferRelativeResize="0"/>
-          <p:nvPr/>
-        </p:nvPicPr>
-        <p:blipFill rotWithShape="1">
-          <a:blip r:embed="rId6">
-            <a:alphaModFix/>
-          </a:blip>
-          <a:srcRect/>
-          <a:stretch/>
-        </p:blipFill>
-        <p:spPr>
-          <a:xfrm>
-            <a:off x="328750" y="-107585"/>
-            <a:ext cx="4008234" cy="3747424"/>
-          </a:xfrm>
-          <a:prstGeom prst="rect">
-            <a:avLst/>
-          </a:prstGeom>
-          <a:noFill/>
-          <a:ln>
-            <a:noFill/>
-          </a:ln>
-        </p:spPr>
-      </p:pic>
-      <p:sp>
-        <p:nvSpPr>
-          <p:cNvPr id="318" name="Google Shape;318;p43"/>
-          <p:cNvSpPr txBox="1"/>
-          <p:nvPr/>
-        </p:nvSpPr>
-        <p:spPr>
-          <a:xfrm>
-            <a:off x="733438" y="3566351"/>
-            <a:ext cx="3198857" cy="923330"/>
-          </a:xfrm>
-          <a:prstGeom prst="rect">
-            <a:avLst/>
-          </a:prstGeom>
-          <a:noFill/>
-          <a:ln>
-            <a:noFill/>
-          </a:ln>
-        </p:spPr>
-        <p:txBody>
-          <a:bodyPr spcFirstLastPara="1" wrap="square" lIns="91425" tIns="45700" rIns="91425" bIns="45700" anchor="t" anchorCtr="0">
-            <a:spAutoFit/>
-          </a:bodyPr>
-          <a:lstStyle/>
-          <a:p>
-            <a:pPr marL="0" marR="0" lvl="0" indent="0" algn="ctr" rtl="0">
-              <a:lnSpc>
-                <a:spcPct val="100000"/>
-              </a:lnSpc>
-              <a:spcBef>
-                <a:spcPts val="0"/>
-              </a:spcBef>
-              <a:spcAft>
-                <a:spcPts val="0"/>
-              </a:spcAft>
-              <a:buNone/>
-            </a:pPr>
-            <a:r>
-              <a:rPr lang="en-US" sz="5400" b="0" i="0" u="none" strike="noStrike" cap="none">
-                <a:solidFill>
-                  <a:srgbClr val="000000"/>
-                </a:solidFill>
-                <a:latin typeface="Courgette"/>
-                <a:ea typeface="Courgette"/>
-                <a:cs typeface="Courgette"/>
-                <a:sym typeface="Courgette"/>
-              </a:rPr>
-              <a:t>Thank you</a:t>
-            </a:r>
-            <a:endParaRPr/>
-          </a:p>
-        </p:txBody>
-      </p:sp>
-      <p:pic>
-        <p:nvPicPr>
-          <p:cNvPr id="319" name="Google Shape;319;p43" descr="Startup India : A govt. initiative for startups to grow | Studentigiri"/>
-          <p:cNvPicPr preferRelativeResize="0"/>
-          <p:nvPr/>
-        </p:nvPicPr>
-        <p:blipFill rotWithShape="1">
-          <a:blip r:embed="rId7">
-            <a:alphaModFix/>
-          </a:blip>
-          <a:srcRect/>
-          <a:stretch/>
-        </p:blipFill>
-        <p:spPr>
-          <a:xfrm>
-            <a:off x="6766561" y="740602"/>
-            <a:ext cx="4864106" cy="2536555"/>
-          </a:xfrm>
-          <a:prstGeom prst="rect">
-            <a:avLst/>
-          </a:prstGeom>
-          <a:noFill/>
-          <a:ln>
-            <a:noFill/>
-          </a:ln>
-        </p:spPr>
-      </p:pic>
-      <p:pic>
-        <p:nvPicPr>
-          <p:cNvPr id="320" name="Google Shape;320;p43" descr="Startup Karnataka (@Startup_Kar) / Twitter"/>
-          <p:cNvPicPr preferRelativeResize="0"/>
-          <p:nvPr/>
-        </p:nvPicPr>
-        <p:blipFill rotWithShape="1">
-          <a:blip r:embed="rId8">
-            <a:alphaModFix/>
-          </a:blip>
-          <a:srcRect/>
-          <a:stretch/>
-        </p:blipFill>
-        <p:spPr>
-          <a:xfrm>
-            <a:off x="8395080" y="2110738"/>
-            <a:ext cx="1074107" cy="1074107"/>
           </a:xfrm>
           <a:prstGeom prst="rect">
             <a:avLst/>
@@ -22447,10 +22168,6 @@
           </p:nvPr>
         </p:nvSpPr>
         <p:spPr>
-          <a:xfrm>
-            <a:off x="338530" y="6356350"/>
-            <a:ext cx="4114800" cy="365125"/>
-          </a:xfrm>
           <a:prstGeom prst="rect">
             <a:avLst/>
           </a:prstGeom>
@@ -22602,66 +22319,12 @@
       </p:grpSpPr>
       <p:sp>
         <p:nvSpPr>
-          <p:cNvPr id="93" name="Google Shape;93;p1"/>
-          <p:cNvSpPr txBox="1">
-            <a:spLocks noGrp="1"/>
-          </p:cNvSpPr>
-          <p:nvPr>
-            <p:ph type="title"/>
-          </p:nvPr>
-        </p:nvSpPr>
-        <p:spPr>
-          <a:xfrm>
-            <a:off x="518678" y="209028"/>
-            <a:ext cx="8333222" cy="1147969"/>
-          </a:xfrm>
-          <a:prstGeom prst="rect">
-            <a:avLst/>
-          </a:prstGeom>
-          <a:noFill/>
-          <a:ln>
-            <a:noFill/>
-          </a:ln>
-        </p:spPr>
-        <p:txBody>
-          <a:bodyPr spcFirstLastPara="1" wrap="square" lIns="91425" tIns="45700" rIns="91425" bIns="0" anchor="b" anchorCtr="0">
-            <a:normAutofit/>
-          </a:bodyPr>
-          <a:lstStyle/>
-          <a:p>
-            <a:pPr marL="0" lvl="0" indent="0" algn="l" rtl="0">
-              <a:lnSpc>
-                <a:spcPct val="90000"/>
-              </a:lnSpc>
-              <a:spcBef>
-                <a:spcPts val="0"/>
-              </a:spcBef>
-              <a:spcAft>
-                <a:spcPts val="0"/>
-              </a:spcAft>
-              <a:buClr>
-                <a:schemeClr val="accent1"/>
-              </a:buClr>
-              <a:buSzPts val="4400"/>
-              <a:buFont typeface="Calibri"/>
-              <a:buNone/>
-            </a:pPr>
-            <a:r>
-              <a:rPr lang="en-US"/>
-              <a:t>Overview</a:t>
-            </a:r>
-            <a:endParaRPr/>
-          </a:p>
-        </p:txBody>
-      </p:sp>
-      <p:sp>
-        <p:nvSpPr>
           <p:cNvPr id="94" name="Google Shape;94;p1"/>
           <p:cNvSpPr txBox="1">
             <a:spLocks noGrp="1"/>
           </p:cNvSpPr>
           <p:nvPr>
-            <p:ph type="body" idx="2"/>
+            <p:ph type="body" idx="1"/>
           </p:nvPr>
         </p:nvSpPr>
         <p:spPr>
@@ -22791,10 +22454,6 @@
           </p:nvPr>
         </p:nvSpPr>
         <p:spPr>
-          <a:xfrm>
-            <a:off x="338530" y="6356350"/>
-            <a:ext cx="4114800" cy="365125"/>
-          </a:xfrm>
           <a:prstGeom prst="rect">
             <a:avLst/>
           </a:prstGeom>
@@ -22829,6 +22488,56 @@
                 </a:solidFill>
               </a:rPr>
               <a:t>©2022 SyncMonk Technologies | SyncESMC</a:t>
+            </a:r>
+            <a:endParaRPr/>
+          </a:p>
+        </p:txBody>
+      </p:sp>
+      <p:sp>
+        <p:nvSpPr>
+          <p:cNvPr id="93" name="Google Shape;93;p1"/>
+          <p:cNvSpPr txBox="1">
+            <a:spLocks noGrp="1"/>
+          </p:cNvSpPr>
+          <p:nvPr>
+            <p:ph type="title"/>
+          </p:nvPr>
+        </p:nvSpPr>
+        <p:spPr>
+          <a:prstGeom prst="rect">
+            <a:avLst/>
+          </a:prstGeom>
+          <a:noFill/>
+          <a:ln>
+            <a:noFill/>
+          </a:ln>
+        </p:spPr>
+        <p:txBody>
+          <a:bodyPr spcFirstLastPara="1" wrap="square" lIns="91425" tIns="45700" rIns="91425" bIns="0" anchor="b" anchorCtr="0">
+            <a:normAutofit/>
+          </a:bodyPr>
+          <a:lstStyle/>
+          <a:p>
+            <a:pPr marL="0" lvl="0" indent="0" algn="l" rtl="0">
+              <a:lnSpc>
+                <a:spcPct val="90000"/>
+              </a:lnSpc>
+              <a:spcBef>
+                <a:spcPts val="0"/>
+              </a:spcBef>
+              <a:spcAft>
+                <a:spcPts val="0"/>
+              </a:spcAft>
+              <a:buClr>
+                <a:schemeClr val="accent1"/>
+              </a:buClr>
+              <a:buSzPts val="4400"/>
+              <a:buFont typeface="Calibri"/>
+              <a:buNone/>
+            </a:pPr>
+            <a:r>
+              <a:rPr lang="en-US"/>
+              <a:t>Overview</a:t>
             </a:r>
             <a:endParaRPr/>
           </a:p>
@@ -23013,10 +22722,6 @@
           </p:nvPr>
         </p:nvSpPr>
         <p:spPr>
-          <a:xfrm>
-            <a:off x="338530" y="6356350"/>
-            <a:ext cx="4114800" cy="365125"/>
-          </a:xfrm>
           <a:prstGeom prst="rect">
             <a:avLst/>
           </a:prstGeom>
@@ -23168,120 +22873,12 @@
       </p:grpSpPr>
       <p:sp>
         <p:nvSpPr>
-          <p:cNvPr id="110" name="Google Shape;110;p10"/>
-          <p:cNvSpPr txBox="1">
-            <a:spLocks noGrp="1"/>
-          </p:cNvSpPr>
-          <p:nvPr>
-            <p:ph type="ftr" idx="11"/>
-          </p:nvPr>
-        </p:nvSpPr>
-        <p:spPr>
-          <a:xfrm>
-            <a:off x="338530" y="6356350"/>
-            <a:ext cx="4114800" cy="365125"/>
-          </a:xfrm>
-          <a:prstGeom prst="rect">
-            <a:avLst/>
-          </a:prstGeom>
-          <a:noFill/>
-          <a:ln>
-            <a:noFill/>
-          </a:ln>
-        </p:spPr>
-        <p:txBody>
-          <a:bodyPr spcFirstLastPara="1" wrap="square" lIns="91425" tIns="45700" rIns="91425" bIns="45700" anchor="ctr" anchorCtr="0">
-            <a:noAutofit/>
-          </a:bodyPr>
-          <a:lstStyle/>
-          <a:p>
-            <a:pPr marL="0" lvl="0" indent="0" algn="l" rtl="0">
-              <a:lnSpc>
-                <a:spcPct val="100000"/>
-              </a:lnSpc>
-              <a:spcBef>
-                <a:spcPts val="0"/>
-              </a:spcBef>
-              <a:spcAft>
-                <a:spcPts val="0"/>
-              </a:spcAft>
-              <a:buSzPts val="1400"/>
-              <a:buNone/>
-            </a:pPr>
-            <a:r>
-              <a:rPr lang="en-US">
-                <a:solidFill>
-                  <a:srgbClr val="9E9E9E"/>
-                </a:solidFill>
-              </a:rPr>
-              <a:t>©2022 SyncMonk Technologies | SyncESMC</a:t>
-            </a:r>
-            <a:endParaRPr/>
-          </a:p>
-        </p:txBody>
-      </p:sp>
-      <p:sp>
-        <p:nvSpPr>
-          <p:cNvPr id="111" name="Google Shape;111;p10"/>
-          <p:cNvSpPr txBox="1">
-            <a:spLocks noGrp="1"/>
-          </p:cNvSpPr>
-          <p:nvPr>
-            <p:ph type="title"/>
-          </p:nvPr>
-        </p:nvSpPr>
-        <p:spPr>
-          <a:xfrm>
-            <a:off x="518678" y="209028"/>
-            <a:ext cx="8333222" cy="1147969"/>
-          </a:xfrm>
-          <a:prstGeom prst="rect">
-            <a:avLst/>
-          </a:prstGeom>
-          <a:noFill/>
-          <a:ln>
-            <a:noFill/>
-          </a:ln>
-        </p:spPr>
-        <p:txBody>
-          <a:bodyPr spcFirstLastPara="1" wrap="square" lIns="91425" tIns="45700" rIns="91425" bIns="0" anchor="b" anchorCtr="0">
-            <a:normAutofit/>
-          </a:bodyPr>
-          <a:lstStyle/>
-          <a:p>
-            <a:pPr marL="0" lvl="0" indent="0" algn="l" rtl="0">
-              <a:lnSpc>
-                <a:spcPct val="90000"/>
-              </a:lnSpc>
-              <a:spcBef>
-                <a:spcPts val="0"/>
-              </a:spcBef>
-              <a:spcAft>
-                <a:spcPts val="0"/>
-              </a:spcAft>
-              <a:buClr>
-                <a:schemeClr val="accent1"/>
-              </a:buClr>
-              <a:buSzPts val="4400"/>
-              <a:buFont typeface="Calibri"/>
-              <a:buNone/>
-            </a:pPr>
-            <a:r>
-              <a:rPr lang="en-US"/>
-              <a:t>Why SyncESMC</a:t>
-            </a:r>
-            <a:endParaRPr/>
-          </a:p>
-        </p:txBody>
-      </p:sp>
-      <p:sp>
-        <p:nvSpPr>
           <p:cNvPr id="112" name="Google Shape;112;p10"/>
           <p:cNvSpPr txBox="1">
             <a:spLocks noGrp="1"/>
           </p:cNvSpPr>
           <p:nvPr>
-            <p:ph type="body" idx="2"/>
+            <p:ph type="body" idx="1"/>
           </p:nvPr>
         </p:nvSpPr>
         <p:spPr>
@@ -23488,6 +23085,106 @@
               <a:buFont typeface="Arial"/>
               <a:buNone/>
             </a:pPr>
+            <a:endParaRPr/>
+          </a:p>
+        </p:txBody>
+      </p:sp>
+      <p:sp>
+        <p:nvSpPr>
+          <p:cNvPr id="110" name="Google Shape;110;p10"/>
+          <p:cNvSpPr txBox="1">
+            <a:spLocks noGrp="1"/>
+          </p:cNvSpPr>
+          <p:nvPr>
+            <p:ph type="ftr" idx="11"/>
+          </p:nvPr>
+        </p:nvSpPr>
+        <p:spPr>
+          <a:prstGeom prst="rect">
+            <a:avLst/>
+          </a:prstGeom>
+          <a:noFill/>
+          <a:ln>
+            <a:noFill/>
+          </a:ln>
+        </p:spPr>
+        <p:txBody>
+          <a:bodyPr spcFirstLastPara="1" wrap="square" lIns="91425" tIns="45700" rIns="91425" bIns="45700" anchor="ctr" anchorCtr="0">
+            <a:noAutofit/>
+          </a:bodyPr>
+          <a:lstStyle/>
+          <a:p>
+            <a:pPr marL="0" lvl="0" indent="0" algn="l" rtl="0">
+              <a:lnSpc>
+                <a:spcPct val="100000"/>
+              </a:lnSpc>
+              <a:spcBef>
+                <a:spcPts val="0"/>
+              </a:spcBef>
+              <a:spcAft>
+                <a:spcPts val="0"/>
+              </a:spcAft>
+              <a:buSzPts val="1400"/>
+              <a:buNone/>
+            </a:pPr>
+            <a:r>
+              <a:rPr lang="en-US">
+                <a:solidFill>
+                  <a:srgbClr val="9E9E9E"/>
+                </a:solidFill>
+              </a:rPr>
+              <a:t>©2022 SyncMonk Technologies | SyncESMC</a:t>
+            </a:r>
+            <a:endParaRPr/>
+          </a:p>
+        </p:txBody>
+      </p:sp>
+      <p:sp>
+        <p:nvSpPr>
+          <p:cNvPr id="111" name="Google Shape;111;p10"/>
+          <p:cNvSpPr txBox="1">
+            <a:spLocks noGrp="1"/>
+          </p:cNvSpPr>
+          <p:nvPr>
+            <p:ph type="title"/>
+          </p:nvPr>
+        </p:nvSpPr>
+        <p:spPr>
+          <a:prstGeom prst="rect">
+            <a:avLst/>
+          </a:prstGeom>
+          <a:noFill/>
+          <a:ln>
+            <a:noFill/>
+          </a:ln>
+        </p:spPr>
+        <p:txBody>
+          <a:bodyPr spcFirstLastPara="1" wrap="square" lIns="91425" tIns="45700" rIns="91425" bIns="0" anchor="b" anchorCtr="0">
+            <a:normAutofit/>
+          </a:bodyPr>
+          <a:lstStyle/>
+          <a:p>
+            <a:pPr marL="0" lvl="0" indent="0" algn="l" rtl="0">
+              <a:lnSpc>
+                <a:spcPct val="90000"/>
+              </a:lnSpc>
+              <a:spcBef>
+                <a:spcPts val="0"/>
+              </a:spcBef>
+              <a:spcAft>
+                <a:spcPts val="0"/>
+              </a:spcAft>
+              <a:buClr>
+                <a:schemeClr val="accent1"/>
+              </a:buClr>
+              <a:buSzPts val="4400"/>
+              <a:buFont typeface="Calibri"/>
+              <a:buNone/>
+            </a:pPr>
+            <a:r>
+              <a:rPr lang="en-US"/>
+              <a:t>Why SyncESMC</a:t>
+            </a:r>
             <a:endParaRPr/>
           </a:p>
         </p:txBody>
@@ -23606,10 +23303,6 @@
           </p:nvPr>
         </p:nvSpPr>
         <p:spPr>
-          <a:xfrm>
-            <a:off x="338530" y="6356350"/>
-            <a:ext cx="4114800" cy="365125"/>
-          </a:xfrm>
           <a:prstGeom prst="rect">
             <a:avLst/>
           </a:prstGeom>
@@ -23660,10 +23353,6 @@
           </p:nvPr>
         </p:nvSpPr>
         <p:spPr>
-          <a:xfrm>
-            <a:off x="518678" y="209028"/>
-            <a:ext cx="8333222" cy="1147969"/>
-          </a:xfrm>
           <a:prstGeom prst="rect">
             <a:avLst/>
           </a:prstGeom>
@@ -23815,120 +23504,12 @@
       </p:grpSpPr>
       <p:sp>
         <p:nvSpPr>
-          <p:cNvPr id="127" name="Google Shape;127;g12156dc2b05_0_0"/>
-          <p:cNvSpPr txBox="1">
-            <a:spLocks noGrp="1"/>
-          </p:cNvSpPr>
-          <p:nvPr>
-            <p:ph type="ftr" idx="11"/>
-          </p:nvPr>
-        </p:nvSpPr>
-        <p:spPr>
-          <a:xfrm>
-            <a:off x="338530" y="6356350"/>
-            <a:ext cx="4114800" cy="365125"/>
-          </a:xfrm>
-          <a:prstGeom prst="rect">
-            <a:avLst/>
-          </a:prstGeom>
-          <a:noFill/>
-          <a:ln>
-            <a:noFill/>
-          </a:ln>
-        </p:spPr>
-        <p:txBody>
-          <a:bodyPr spcFirstLastPara="1" wrap="square" lIns="91425" tIns="45700" rIns="91425" bIns="45700" anchor="ctr" anchorCtr="0">
-            <a:noAutofit/>
-          </a:bodyPr>
-          <a:lstStyle/>
-          <a:p>
-            <a:pPr marL="0" lvl="0" indent="0" algn="l" rtl="0">
-              <a:lnSpc>
-                <a:spcPct val="100000"/>
-              </a:lnSpc>
-              <a:spcBef>
-                <a:spcPts val="0"/>
-              </a:spcBef>
-              <a:spcAft>
-                <a:spcPts val="0"/>
-              </a:spcAft>
-              <a:buSzPts val="1400"/>
-              <a:buNone/>
-            </a:pPr>
-            <a:r>
-              <a:rPr lang="en-US">
-                <a:solidFill>
-                  <a:srgbClr val="9E9E9E"/>
-                </a:solidFill>
-              </a:rPr>
-              <a:t>©2022 SyncMonk Technologies | SyncESMC</a:t>
-            </a:r>
-            <a:endParaRPr/>
-          </a:p>
-        </p:txBody>
-      </p:sp>
-      <p:sp>
-        <p:nvSpPr>
-          <p:cNvPr id="128" name="Google Shape;128;g12156dc2b05_0_0"/>
-          <p:cNvSpPr txBox="1">
-            <a:spLocks noGrp="1"/>
-          </p:cNvSpPr>
-          <p:nvPr>
-            <p:ph type="title"/>
-          </p:nvPr>
-        </p:nvSpPr>
-        <p:spPr>
-          <a:xfrm>
-            <a:off x="518678" y="209028"/>
-            <a:ext cx="8333222" cy="1147969"/>
-          </a:xfrm>
-          <a:prstGeom prst="rect">
-            <a:avLst/>
-          </a:prstGeom>
-          <a:noFill/>
-          <a:ln>
-            <a:noFill/>
-          </a:ln>
-        </p:spPr>
-        <p:txBody>
-          <a:bodyPr spcFirstLastPara="1" wrap="square" lIns="91425" tIns="45700" rIns="91425" bIns="0" anchor="b" anchorCtr="0">
-            <a:normAutofit/>
-          </a:bodyPr>
-          <a:lstStyle/>
-          <a:p>
-            <a:pPr marL="0" lvl="0" indent="0" algn="l" rtl="0">
-              <a:lnSpc>
-                <a:spcPct val="90000"/>
-              </a:lnSpc>
-              <a:spcBef>
-                <a:spcPts val="0"/>
-              </a:spcBef>
-              <a:spcAft>
-                <a:spcPts val="0"/>
-              </a:spcAft>
-              <a:buClr>
-                <a:schemeClr val="accent1"/>
-              </a:buClr>
-              <a:buSzPts val="4400"/>
-              <a:buFont typeface="Calibri"/>
-              <a:buNone/>
-            </a:pPr>
-            <a:r>
-              <a:rPr lang="en-US"/>
-              <a:t>Design GOALS</a:t>
-            </a:r>
-            <a:endParaRPr/>
-          </a:p>
-        </p:txBody>
-      </p:sp>
-      <p:sp>
-        <p:nvSpPr>
           <p:cNvPr id="129" name="Google Shape;129;g12156dc2b05_0_0"/>
           <p:cNvSpPr txBox="1">
             <a:spLocks noGrp="1"/>
           </p:cNvSpPr>
           <p:nvPr>
-            <p:ph type="body" idx="2"/>
+            <p:ph type="body" idx="1"/>
           </p:nvPr>
         </p:nvSpPr>
         <p:spPr>
@@ -24138,6 +23719,106 @@
             <a:r>
               <a:rPr lang="en-US"/>
               <a:t>Micro Service compatible for SONiC </a:t>
+            </a:r>
+            <a:endParaRPr/>
+          </a:p>
+        </p:txBody>
+      </p:sp>
+      <p:sp>
+        <p:nvSpPr>
+          <p:cNvPr id="127" name="Google Shape;127;g12156dc2b05_0_0"/>
+          <p:cNvSpPr txBox="1">
+            <a:spLocks noGrp="1"/>
+          </p:cNvSpPr>
+          <p:nvPr>
+            <p:ph type="ftr" idx="11"/>
+          </p:nvPr>
+        </p:nvSpPr>
+        <p:spPr>
+          <a:prstGeom prst="rect">
+            <a:avLst/>
+          </a:prstGeom>
+          <a:noFill/>
+          <a:ln>
+            <a:noFill/>
+          </a:ln>
+        </p:spPr>
+        <p:txBody>
+          <a:bodyPr spcFirstLastPara="1" wrap="square" lIns="91425" tIns="45700" rIns="91425" bIns="45700" anchor="ctr" anchorCtr="0">
+            <a:noAutofit/>
+          </a:bodyPr>
+          <a:lstStyle/>
+          <a:p>
+            <a:pPr marL="0" lvl="0" indent="0" algn="l" rtl="0">
+              <a:lnSpc>
+                <a:spcPct val="100000"/>
+              </a:lnSpc>
+              <a:spcBef>
+                <a:spcPts val="0"/>
+              </a:spcBef>
+              <a:spcAft>
+                <a:spcPts val="0"/>
+              </a:spcAft>
+              <a:buSzPts val="1400"/>
+              <a:buNone/>
+            </a:pPr>
+            <a:r>
+              <a:rPr lang="en-US">
+                <a:solidFill>
+                  <a:srgbClr val="9E9E9E"/>
+                </a:solidFill>
+              </a:rPr>
+              <a:t>©2022 SyncMonk Technologies | SyncESMC</a:t>
+            </a:r>
+            <a:endParaRPr/>
+          </a:p>
+        </p:txBody>
+      </p:sp>
+      <p:sp>
+        <p:nvSpPr>
+          <p:cNvPr id="128" name="Google Shape;128;g12156dc2b05_0_0"/>
+          <p:cNvSpPr txBox="1">
+            <a:spLocks noGrp="1"/>
+          </p:cNvSpPr>
+          <p:nvPr>
+            <p:ph type="title"/>
+          </p:nvPr>
+        </p:nvSpPr>
+        <p:spPr>
+          <a:prstGeom prst="rect">
+            <a:avLst/>
+          </a:prstGeom>
+          <a:noFill/>
+          <a:ln>
+            <a:noFill/>
+          </a:ln>
+        </p:spPr>
+        <p:txBody>
+          <a:bodyPr spcFirstLastPara="1" wrap="square" lIns="91425" tIns="45700" rIns="91425" bIns="0" anchor="b" anchorCtr="0">
+            <a:normAutofit/>
+          </a:bodyPr>
+          <a:lstStyle/>
+          <a:p>
+            <a:pPr marL="0" lvl="0" indent="0" algn="l" rtl="0">
+              <a:lnSpc>
+                <a:spcPct val="90000"/>
+              </a:lnSpc>
+              <a:spcBef>
+                <a:spcPts val="0"/>
+              </a:spcBef>
+              <a:spcAft>
+                <a:spcPts val="0"/>
+              </a:spcAft>
+              <a:buClr>
+                <a:schemeClr val="accent1"/>
+              </a:buClr>
+              <a:buSzPts val="4400"/>
+              <a:buFont typeface="Calibri"/>
+              <a:buNone/>
+            </a:pPr>
+            <a:r>
+              <a:rPr lang="en-US"/>
+              <a:t>Design GOALS</a:t>
             </a:r>
             <a:endParaRPr/>
           </a:p>
@@ -24248,114 +23929,6 @@
       </p:grpSpPr>
       <p:sp>
         <p:nvSpPr>
-          <p:cNvPr id="136" name="Google Shape;136;g12055b0ce30_0_16"/>
-          <p:cNvSpPr txBox="1">
-            <a:spLocks noGrp="1"/>
-          </p:cNvSpPr>
-          <p:nvPr>
-            <p:ph type="ftr" idx="11"/>
-          </p:nvPr>
-        </p:nvSpPr>
-        <p:spPr>
-          <a:xfrm>
-            <a:off x="338530" y="6356350"/>
-            <a:ext cx="4114800" cy="365125"/>
-          </a:xfrm>
-          <a:prstGeom prst="rect">
-            <a:avLst/>
-          </a:prstGeom>
-          <a:noFill/>
-          <a:ln>
-            <a:noFill/>
-          </a:ln>
-        </p:spPr>
-        <p:txBody>
-          <a:bodyPr spcFirstLastPara="1" wrap="square" lIns="91425" tIns="45700" rIns="91425" bIns="45700" anchor="ctr" anchorCtr="0">
-            <a:noAutofit/>
-          </a:bodyPr>
-          <a:lstStyle/>
-          <a:p>
-            <a:pPr marL="0" lvl="0" indent="0" algn="l" rtl="0">
-              <a:lnSpc>
-                <a:spcPct val="100000"/>
-              </a:lnSpc>
-              <a:spcBef>
-                <a:spcPts val="0"/>
-              </a:spcBef>
-              <a:spcAft>
-                <a:spcPts val="0"/>
-              </a:spcAft>
-              <a:buSzPts val="1400"/>
-              <a:buNone/>
-            </a:pPr>
-            <a:r>
-              <a:rPr lang="en-US">
-                <a:solidFill>
-                  <a:srgbClr val="9E9E9E"/>
-                </a:solidFill>
-              </a:rPr>
-              <a:t>©2022 SyncMonk Technologies | SyncESMC</a:t>
-            </a:r>
-            <a:endParaRPr/>
-          </a:p>
-        </p:txBody>
-      </p:sp>
-      <p:sp>
-        <p:nvSpPr>
-          <p:cNvPr id="137" name="Google Shape;137;g12055b0ce30_0_16"/>
-          <p:cNvSpPr txBox="1">
-            <a:spLocks noGrp="1"/>
-          </p:cNvSpPr>
-          <p:nvPr>
-            <p:ph type="title"/>
-          </p:nvPr>
-        </p:nvSpPr>
-        <p:spPr>
-          <a:xfrm>
-            <a:off x="518678" y="209028"/>
-            <a:ext cx="8333222" cy="1147969"/>
-          </a:xfrm>
-          <a:prstGeom prst="rect">
-            <a:avLst/>
-          </a:prstGeom>
-          <a:noFill/>
-          <a:ln>
-            <a:noFill/>
-          </a:ln>
-        </p:spPr>
-        <p:txBody>
-          <a:bodyPr spcFirstLastPara="1" wrap="square" lIns="91425" tIns="45700" rIns="91425" bIns="0" anchor="b" anchorCtr="0">
-            <a:normAutofit/>
-          </a:bodyPr>
-          <a:lstStyle/>
-          <a:p>
-            <a:pPr marL="0" lvl="0" indent="0" algn="l" rtl="0">
-              <a:lnSpc>
-                <a:spcPct val="90000"/>
-              </a:lnSpc>
-              <a:spcBef>
-                <a:spcPts val="0"/>
-              </a:spcBef>
-              <a:spcAft>
-                <a:spcPts val="0"/>
-              </a:spcAft>
-              <a:buClr>
-                <a:schemeClr val="accent1"/>
-              </a:buClr>
-              <a:buSzPts val="4400"/>
-              <a:buFont typeface="Calibri"/>
-              <a:buNone/>
-            </a:pPr>
-            <a:r>
-              <a:rPr lang="en-US"/>
-              <a:t>Configuration</a:t>
-            </a:r>
-            <a:endParaRPr/>
-          </a:p>
-        </p:txBody>
-      </p:sp>
-      <p:sp>
-        <p:nvSpPr>
           <p:cNvPr id="138" name="Google Shape;138;g12055b0ce30_0_16"/>
           <p:cNvSpPr txBox="1">
             <a:spLocks noGrp="1"/>
@@ -24741,6 +24314,106 @@
               <a:buFont typeface="Arial"/>
               <a:buNone/>
             </a:pPr>
+            <a:endParaRPr/>
+          </a:p>
+        </p:txBody>
+      </p:sp>
+      <p:sp>
+        <p:nvSpPr>
+          <p:cNvPr id="136" name="Google Shape;136;g12055b0ce30_0_16"/>
+          <p:cNvSpPr txBox="1">
+            <a:spLocks noGrp="1"/>
+          </p:cNvSpPr>
+          <p:nvPr>
+            <p:ph type="ftr" idx="11"/>
+          </p:nvPr>
+        </p:nvSpPr>
+        <p:spPr>
+          <a:prstGeom prst="rect">
+            <a:avLst/>
+          </a:prstGeom>
+          <a:noFill/>
+          <a:ln>
+            <a:noFill/>
+          </a:ln>
+        </p:spPr>
+        <p:txBody>
+          <a:bodyPr spcFirstLastPara="1" wrap="square" lIns="91425" tIns="45700" rIns="91425" bIns="45700" anchor="ctr" anchorCtr="0">
+            <a:noAutofit/>
+          </a:bodyPr>
+          <a:lstStyle/>
+          <a:p>
+            <a:pPr marL="0" lvl="0" indent="0" algn="l" rtl="0">
+              <a:lnSpc>
+                <a:spcPct val="100000"/>
+              </a:lnSpc>
+              <a:spcBef>
+                <a:spcPts val="0"/>
+              </a:spcBef>
+              <a:spcAft>
+                <a:spcPts val="0"/>
+              </a:spcAft>
+              <a:buSzPts val="1400"/>
+              <a:buNone/>
+            </a:pPr>
+            <a:r>
+              <a:rPr lang="en-US">
+                <a:solidFill>
+                  <a:srgbClr val="9E9E9E"/>
+                </a:solidFill>
+              </a:rPr>
+              <a:t>©2022 SyncMonk Technologies | SyncESMC</a:t>
+            </a:r>
+            <a:endParaRPr/>
+          </a:p>
+        </p:txBody>
+      </p:sp>
+      <p:sp>
+        <p:nvSpPr>
+          <p:cNvPr id="137" name="Google Shape;137;g12055b0ce30_0_16"/>
+          <p:cNvSpPr txBox="1">
+            <a:spLocks noGrp="1"/>
+          </p:cNvSpPr>
+          <p:nvPr>
+            <p:ph type="title"/>
+          </p:nvPr>
+        </p:nvSpPr>
+        <p:spPr>
+          <a:prstGeom prst="rect">
+            <a:avLst/>
+          </a:prstGeom>
+          <a:noFill/>
+          <a:ln>
+            <a:noFill/>
+          </a:ln>
+        </p:spPr>
+        <p:txBody>
+          <a:bodyPr spcFirstLastPara="1" wrap="square" lIns="91425" tIns="45700" rIns="91425" bIns="0" anchor="b" anchorCtr="0">
+            <a:normAutofit/>
+          </a:bodyPr>
+          <a:lstStyle/>
+          <a:p>
+            <a:pPr marL="0" lvl="0" indent="0" algn="l" rtl="0">
+              <a:lnSpc>
+                <a:spcPct val="90000"/>
+              </a:lnSpc>
+              <a:spcBef>
+                <a:spcPts val="0"/>
+              </a:spcBef>
+              <a:spcAft>
+                <a:spcPts val="0"/>
+              </a:spcAft>
+              <a:buClr>
+                <a:schemeClr val="accent1"/>
+              </a:buClr>
+              <a:buSzPts val="4400"/>
+              <a:buFont typeface="Calibri"/>
+              <a:buNone/>
+            </a:pPr>
+            <a:r>
+              <a:rPr lang="en-US"/>
+              <a:t>Configuration</a:t>
+            </a:r>
             <a:endParaRPr/>
           </a:p>
         </p:txBody>
@@ -24866,54 +24539,54 @@
 </file>
 
 <file path=ppt/theme/theme1.xml><?xml version="1.0" encoding="utf-8"?>
-<a:theme xmlns:a="http://schemas.openxmlformats.org/drawingml/2006/main" name="Office Theme">
+<a:theme xmlns:a="http://schemas.openxmlformats.org/drawingml/2006/main" name="Тема Office">
   <a:themeElements>
-    <a:clrScheme name="Custom 6">
+    <a:clrScheme name="Стандартная">
       <a:dk1>
-        <a:srgbClr val="3F3F3F"/>
+        <a:sysClr val="windowText" lastClr="000000"/>
       </a:dk1>
       <a:lt1>
-        <a:srgbClr val="FFFFFF"/>
+        <a:sysClr val="window" lastClr="FFFFFF"/>
       </a:lt1>
       <a:dk2>
-        <a:srgbClr val="F2F2F2"/>
+        <a:srgbClr val="44546A"/>
       </a:dk2>
       <a:lt2>
-        <a:srgbClr val="A5A5A5"/>
+        <a:srgbClr val="E7E6E6"/>
       </a:lt2>
       <a:accent1>
-        <a:srgbClr val="3F3F3F"/>
+        <a:srgbClr val="4472C4"/>
       </a:accent1>
       <a:accent2>
-        <a:srgbClr val="C00000"/>
+        <a:srgbClr val="ED7D31"/>
       </a:accent2>
       <a:accent3>
-        <a:srgbClr val="F2F2F2"/>
+        <a:srgbClr val="A5A5A5"/>
       </a:accent3>
       <a:accent4>
-        <a:srgbClr val="954F72"/>
+        <a:srgbClr val="FFC000"/>
       </a:accent4>
       <a:accent5>
-        <a:srgbClr val="00843B"/>
+        <a:srgbClr val="5B9BD5"/>
       </a:accent5>
       <a:accent6>
-        <a:srgbClr val="3F3F3F"/>
+        <a:srgbClr val="70AD47"/>
       </a:accent6>
       <a:hlink>
-        <a:srgbClr val="3F3F3F"/>
+        <a:srgbClr val="0563C1"/>
       </a:hlink>
       <a:folHlink>
         <a:srgbClr val="954F72"/>
       </a:folHlink>
     </a:clrScheme>
-    <a:fontScheme name="Office">
+    <a:fontScheme name="Стандартная">
       <a:majorFont>
-        <a:latin typeface="Arial"/>
+        <a:latin typeface="Calibri Light" panose="020F0302020204030204"/>
         <a:ea typeface=""/>
         <a:cs typeface=""/>
-        <a:font script="Jpan" typeface="ＭＳ Ｐゴシック"/>
+        <a:font script="Jpan" typeface="游ゴシック Light"/>
         <a:font script="Hang" typeface="맑은 고딕"/>
-        <a:font script="Hans" typeface="宋体"/>
+        <a:font script="Hans" typeface="等线 Light"/>
         <a:font script="Hant" typeface="新細明體"/>
         <a:font script="Arab" typeface="Times New Roman"/>
         <a:font script="Hebr" typeface="Times New Roman"/>
@@ -24941,14 +24614,31 @@
         <a:font script="Viet" typeface="Times New Roman"/>
         <a:font script="Uigh" typeface="Microsoft Uighur"/>
         <a:font script="Geor" typeface="Sylfaen"/>
+        <a:font script="Armn" typeface="Arial"/>
+        <a:font script="Bugi" typeface="Leelawadee UI"/>
+        <a:font script="Bopo" typeface="Microsoft JhengHei"/>
+        <a:font script="Java" typeface="Javanese Text"/>
+        <a:font script="Lisu" typeface="Segoe UI"/>
+        <a:font script="Mymr" typeface="Myanmar Text"/>
+        <a:font script="Nkoo" typeface="Ebrima"/>
+        <a:font script="Olck" typeface="Nirmala UI"/>
+        <a:font script="Osma" typeface="Ebrima"/>
+        <a:font script="Phag" typeface="Phagspa"/>
+        <a:font script="Syrn" typeface="Estrangelo Edessa"/>
+        <a:font script="Syrj" typeface="Estrangelo Edessa"/>
+        <a:font script="Syre" typeface="Estrangelo Edessa"/>
+        <a:font script="Sora" typeface="Nirmala UI"/>
+        <a:font script="Tale" typeface="Microsoft Tai Le"/>
+        <a:font script="Talu" typeface="Microsoft New Tai Lue"/>
+        <a:font script="Tfng" typeface="Ebrima"/>
       </a:majorFont>
       <a:minorFont>
-        <a:latin typeface="Arial"/>
+        <a:latin typeface="Calibri" panose="020F0502020204030204"/>
         <a:ea typeface=""/>
         <a:cs typeface=""/>
-        <a:font script="Jpan" typeface="ＭＳ Ｐゴシック"/>
+        <a:font script="Jpan" typeface="游ゴシック"/>
         <a:font script="Hang" typeface="맑은 고딕"/>
-        <a:font script="Hans" typeface="宋体"/>
+        <a:font script="Hans" typeface="等线"/>
         <a:font script="Hant" typeface="新細明體"/>
         <a:font script="Arab" typeface="Arial"/>
         <a:font script="Hebr" typeface="Arial"/>
@@ -24976,9 +24666,26 @@
         <a:font script="Viet" typeface="Arial"/>
         <a:font script="Uigh" typeface="Microsoft Uighur"/>
         <a:font script="Geor" typeface="Sylfaen"/>
+        <a:font script="Armn" typeface="Arial"/>
+        <a:font script="Bugi" typeface="Leelawadee UI"/>
+        <a:font script="Bopo" typeface="Microsoft JhengHei"/>
+        <a:font script="Java" typeface="Javanese Text"/>
+        <a:font script="Lisu" typeface="Segoe UI"/>
+        <a:font script="Mymr" typeface="Myanmar Text"/>
+        <a:font script="Nkoo" typeface="Ebrima"/>
+        <a:font script="Olck" typeface="Nirmala UI"/>
+        <a:font script="Osma" typeface="Ebrima"/>
+        <a:font script="Phag" typeface="Phagspa"/>
+        <a:font script="Syrn" typeface="Estrangelo Edessa"/>
+        <a:font script="Syrj" typeface="Estrangelo Edessa"/>
+        <a:font script="Syre" typeface="Estrangelo Edessa"/>
+        <a:font script="Sora" typeface="Nirmala UI"/>
+        <a:font script="Tale" typeface="Microsoft Tai Le"/>
+        <a:font script="Talu" typeface="Microsoft New Tai Lue"/>
+        <a:font script="Tfng" typeface="Ebrima"/>
       </a:minorFont>
     </a:fontScheme>
-    <a:fmtScheme name="Office">
+    <a:fmtScheme name="Стандартная">
       <a:fillStyleLst>
         <a:solidFill>
           <a:schemeClr val="phClr"/>
@@ -24987,162 +24694,142 @@
           <a:gsLst>
             <a:gs pos="0">
               <a:schemeClr val="phClr">
-                <a:tint val="50000"/>
-                <a:satMod val="300000"/>
+                <a:lumMod val="110000"/>
+                <a:satMod val="105000"/>
+                <a:tint val="67000"/>
               </a:schemeClr>
             </a:gs>
-            <a:gs pos="35000">
+            <a:gs pos="50000">
               <a:schemeClr val="phClr">
-                <a:tint val="37000"/>
-                <a:satMod val="300000"/>
+                <a:lumMod val="105000"/>
+                <a:satMod val="103000"/>
+                <a:tint val="73000"/>
               </a:schemeClr>
             </a:gs>
             <a:gs pos="100000">
               <a:schemeClr val="phClr">
-                <a:tint val="15000"/>
-                <a:satMod val="350000"/>
+                <a:lumMod val="105000"/>
+                <a:satMod val="109000"/>
+                <a:tint val="81000"/>
               </a:schemeClr>
             </a:gs>
           </a:gsLst>
-          <a:lin ang="16200000" scaled="1"/>
+          <a:lin ang="5400000" scaled="0"/>
         </a:gradFill>
         <a:gradFill rotWithShape="1">
           <a:gsLst>
             <a:gs pos="0">
               <a:schemeClr val="phClr">
-                <a:tint val="100000"/>
+                <a:satMod val="103000"/>
+                <a:lumMod val="102000"/>
+                <a:tint val="94000"/>
+              </a:schemeClr>
+            </a:gs>
+            <a:gs pos="50000">
+              <a:schemeClr val="phClr">
+                <a:satMod val="110000"/>
+                <a:lumMod val="100000"/>
                 <a:shade val="100000"/>
-                <a:satMod val="130000"/>
               </a:schemeClr>
             </a:gs>
             <a:gs pos="100000">
               <a:schemeClr val="phClr">
-                <a:tint val="50000"/>
-                <a:shade val="100000"/>
-                <a:satMod val="350000"/>
+                <a:lumMod val="99000"/>
+                <a:satMod val="120000"/>
+                <a:shade val="78000"/>
               </a:schemeClr>
             </a:gs>
           </a:gsLst>
-          <a:lin ang="16200000" scaled="0"/>
+          <a:lin ang="5400000" scaled="0"/>
         </a:gradFill>
       </a:fillStyleLst>
       <a:lnStyleLst>
-        <a:ln w="9525" cap="flat" cmpd="sng" algn="ctr">
-          <a:solidFill>
-            <a:schemeClr val="phClr">
-              <a:shade val="95000"/>
-              <a:satMod val="105000"/>
-            </a:schemeClr>
-          </a:solidFill>
-          <a:prstDash val="solid"/>
-        </a:ln>
-        <a:ln w="25400" cap="flat" cmpd="sng" algn="ctr">
+        <a:ln w="6350" cap="flat" cmpd="sng" algn="ctr">
           <a:solidFill>
             <a:schemeClr val="phClr"/>
           </a:solidFill>
           <a:prstDash val="solid"/>
+          <a:miter lim="800000"/>
         </a:ln>
-        <a:ln w="38100" cap="flat" cmpd="sng" algn="ctr">
+        <a:ln w="12700" cap="flat" cmpd="sng" algn="ctr">
           <a:solidFill>
             <a:schemeClr val="phClr"/>
           </a:solidFill>
           <a:prstDash val="solid"/>
+          <a:miter lim="800000"/>
+        </a:ln>
+        <a:ln w="19050" cap="flat" cmpd="sng" algn="ctr">
+          <a:solidFill>
+            <a:schemeClr val="phClr"/>
+          </a:solidFill>
+          <a:prstDash val="solid"/>
+          <a:miter lim="800000"/>
         </a:ln>
       </a:lnStyleLst>
       <a:effectStyleLst>
         <a:effectStyle>
+          <a:effectLst/>
+        </a:effectStyle>
+        <a:effectStyle>
+          <a:effectLst/>
+        </a:effectStyle>
+        <a:effectStyle>
           <a:effectLst>
-            <a:outerShdw blurRad="40000" dist="20000" dir="5400000" rotWithShape="0">
+            <a:outerShdw blurRad="57150" dist="19050" dir="5400000" algn="ctr" rotWithShape="0">
               <a:srgbClr val="000000">
-                <a:alpha val="38000"/>
+                <a:alpha val="63000"/>
               </a:srgbClr>
             </a:outerShdw>
           </a:effectLst>
-        </a:effectStyle>
-        <a:effectStyle>
-          <a:effectLst>
-            <a:outerShdw blurRad="40000" dist="23000" dir="5400000" rotWithShape="0">
-              <a:srgbClr val="000000">
-                <a:alpha val="35000"/>
-              </a:srgbClr>
-            </a:outerShdw>
-          </a:effectLst>
-        </a:effectStyle>
-        <a:effectStyle>
-          <a:effectLst>
-            <a:outerShdw blurRad="40000" dist="23000" dir="5400000" rotWithShape="0">
-              <a:srgbClr val="000000">
-                <a:alpha val="35000"/>
-              </a:srgbClr>
-            </a:outerShdw>
-          </a:effectLst>
-          <a:scene3d>
-            <a:camera prst="orthographicFront">
-              <a:rot lat="0" lon="0" rev="0"/>
-            </a:camera>
-            <a:lightRig rig="threePt" dir="t">
-              <a:rot lat="0" lon="0" rev="1200000"/>
-            </a:lightRig>
-          </a:scene3d>
-          <a:sp3d>
-            <a:bevelT w="63500" h="25400"/>
-          </a:sp3d>
         </a:effectStyle>
       </a:effectStyleLst>
       <a:bgFillStyleLst>
         <a:solidFill>
           <a:schemeClr val="phClr"/>
         </a:solidFill>
+        <a:solidFill>
+          <a:schemeClr val="phClr">
+            <a:tint val="95000"/>
+            <a:satMod val="170000"/>
+          </a:schemeClr>
+        </a:solidFill>
         <a:gradFill rotWithShape="1">
           <a:gsLst>
             <a:gs pos="0">
               <a:schemeClr val="phClr">
-                <a:tint val="40000"/>
-                <a:satMod val="350000"/>
+                <a:tint val="93000"/>
+                <a:satMod val="150000"/>
+                <a:shade val="98000"/>
+                <a:lumMod val="102000"/>
               </a:schemeClr>
             </a:gs>
-            <a:gs pos="40000">
+            <a:gs pos="50000">
               <a:schemeClr val="phClr">
-                <a:tint val="45000"/>
-                <a:shade val="99000"/>
-                <a:satMod val="350000"/>
+                <a:tint val="98000"/>
+                <a:satMod val="130000"/>
+                <a:shade val="90000"/>
+                <a:lumMod val="103000"/>
               </a:schemeClr>
             </a:gs>
             <a:gs pos="100000">
               <a:schemeClr val="phClr">
-                <a:shade val="20000"/>
-                <a:satMod val="255000"/>
+                <a:shade val="63000"/>
+                <a:satMod val="120000"/>
               </a:schemeClr>
             </a:gs>
           </a:gsLst>
-          <a:path path="circle">
-            <a:fillToRect l="50000" t="-80000" r="50000" b="180000"/>
-          </a:path>
-        </a:gradFill>
-        <a:gradFill rotWithShape="1">
-          <a:gsLst>
-            <a:gs pos="0">
-              <a:schemeClr val="phClr">
-                <a:tint val="80000"/>
-                <a:satMod val="300000"/>
-              </a:schemeClr>
-            </a:gs>
-            <a:gs pos="100000">
-              <a:schemeClr val="phClr">
-                <a:shade val="30000"/>
-                <a:satMod val="200000"/>
-              </a:schemeClr>
-            </a:gs>
-          </a:gsLst>
-          <a:path path="circle">
-            <a:fillToRect l="50000" t="50000" r="50000" b="50000"/>
-          </a:path>
+          <a:lin ang="5400000" scaled="0"/>
         </a:gradFill>
       </a:bgFillStyleLst>
     </a:fmtScheme>
   </a:themeElements>
   <a:objectDefaults/>
   <a:extraClrSchemeLst/>
+  <a:extLst>
+    <a:ext uri="{05A4C25C-085E-4340-85A3-A5531E510DB2}">
+      <thm15:themeFamily xmlns:thm15="http://schemas.microsoft.com/office/thememl/2012/main" name="Office Theme" id="{62F939B6-93AF-4DB8-9C6B-D6C7DFDC589F}" vid="{4A3C46E8-61CC-4603-A589-7422A47A8E4A}"/>
+    </a:ext>
+  </a:extLst>
 </a:theme>
 </file>
 

--- a/Time-Card/ДОКУМЕНТЫ/МАТЕРИАЛ СТАТЬИ/#65-SyncESMC - an ITU-T G.781 Multi-Clock ESMC Implementation.pptx
+++ b/Time-Card/ДОКУМЕНТЫ/МАТЕРИАЛ СТАТЬИ/#65-SyncESMC - an ITU-T G.781 Multi-Clock ESMC Implementation.pptx
@@ -5,7 +5,7 @@
     <p:sldMasterId id="2147483654" r:id="rId1"/>
   </p:sldMasterIdLst>
   <p:notesMasterIdLst>
-    <p:notesMasterId r:id="rId22"/>
+    <p:notesMasterId r:id="rId21"/>
   </p:notesMasterIdLst>
   <p:sldIdLst>
     <p:sldId id="256" r:id="rId2"/>
@@ -22,27 +22,26 @@
     <p:sldId id="267" r:id="rId13"/>
     <p:sldId id="268" r:id="rId14"/>
     <p:sldId id="269" r:id="rId15"/>
-    <p:sldId id="270" r:id="rId16"/>
-    <p:sldId id="271" r:id="rId17"/>
-    <p:sldId id="272" r:id="rId18"/>
-    <p:sldId id="273" r:id="rId19"/>
-    <p:sldId id="274" r:id="rId20"/>
-    <p:sldId id="275" r:id="rId21"/>
+    <p:sldId id="271" r:id="rId16"/>
+    <p:sldId id="272" r:id="rId17"/>
+    <p:sldId id="273" r:id="rId18"/>
+    <p:sldId id="274" r:id="rId19"/>
+    <p:sldId id="275" r:id="rId20"/>
   </p:sldIdLst>
   <p:sldSz cx="12192000" cy="6858000"/>
   <p:notesSz cx="6858000" cy="9144000"/>
   <p:embeddedFontLst>
     <p:embeddedFont>
       <p:font typeface="Calibri" panose="020F0502020204030204" pitchFamily="34" charset="0"/>
-      <p:regular r:id="rId23"/>
-      <p:bold r:id="rId24"/>
-      <p:italic r:id="rId25"/>
-      <p:boldItalic r:id="rId26"/>
+      <p:regular r:id="rId22"/>
+      <p:bold r:id="rId23"/>
+      <p:italic r:id="rId24"/>
+      <p:boldItalic r:id="rId25"/>
     </p:embeddedFont>
     <p:embeddedFont>
       <p:font typeface="Calibri Light" panose="020F0302020204030204" pitchFamily="34" charset="0"/>
-      <p:regular r:id="rId27"/>
-      <p:italic r:id="rId28"/>
+      <p:regular r:id="rId26"/>
+      <p:italic r:id="rId27"/>
     </p:embeddedFont>
   </p:embeddedFontLst>
   <p:defaultTextStyle>
@@ -161,7 +160,7 @@
       </p15:sldGuideLst>
     </p:ext>
     <p:ext uri="GoogleSlidesCustomDataVersion2">
-      <go:slidesCustomData xmlns="" xmlns:mc="http://schemas.openxmlformats.org/markup-compatibility/2006" xmlns:mv="urn:schemas-microsoft-com:mac:vml" xmlns:c="http://schemas.openxmlformats.org/drawingml/2006/chart" xmlns:dgm="http://schemas.openxmlformats.org/drawingml/2006/diagram" xmlns:o="urn:schemas-microsoft-com:office:office" xmlns:v="urn:schemas-microsoft-com:vml" xmlns:pvml="urn:schemas-microsoft-com:office:powerpoint" xmlns:com="http://schemas.openxmlformats.org/drawingml/2006/compatibility" xmlns:p14="http://schemas.microsoft.com/office/powerpoint/2010/main" xmlns:p15="http://schemas.microsoft.com/office/powerpoint/2012/main" xmlns:ahyp="http://schemas.microsoft.com/office/drawing/2018/hyperlinkcolor" xmlns:go="http://customooxmlschemas.google.com/" r:id="rId30" roundtripDataSignature="AMtx7miTBu1ULPuT3dlB6yz1A+ak4y09TQ=="/>
+      <go:slidesCustomData xmlns:go="http://customooxmlschemas.google.com/" xmlns:ahyp="http://schemas.microsoft.com/office/drawing/2018/hyperlinkcolor" xmlns:p15="http://schemas.microsoft.com/office/powerpoint/2012/main" xmlns:p14="http://schemas.microsoft.com/office/powerpoint/2010/main" xmlns:com="http://schemas.openxmlformats.org/drawingml/2006/compatibility" xmlns:pvml="urn:schemas-microsoft-com:office:powerpoint" xmlns:v="urn:schemas-microsoft-com:vml" xmlns:o="urn:schemas-microsoft-com:office:office" xmlns:dgm="http://schemas.openxmlformats.org/drawingml/2006/diagram" xmlns:c="http://schemas.openxmlformats.org/drawingml/2006/chart" xmlns:mv="urn:schemas-microsoft-com:mac:vml" xmlns:mc="http://schemas.openxmlformats.org/markup-compatibility/2006" xmlns="" r:id="rId30" roundtripDataSignature="AMtx7miTBu1ULPuT3dlB6yz1A+ak4y09TQ=="/>
     </p:ext>
   </p:extLst>
 </p:presentation>
@@ -2249,110 +2248,6 @@
   <p:cSld>
     <p:spTree>
       <p:nvGrpSpPr>
-        <p:cNvPr id="1" name="Shape 255"/>
-        <p:cNvGrpSpPr/>
-        <p:nvPr/>
-      </p:nvGrpSpPr>
-      <p:grpSpPr>
-        <a:xfrm>
-          <a:off x="0" y="0"/>
-          <a:ext cx="0" cy="0"/>
-          <a:chOff x="0" y="0"/>
-          <a:chExt cx="0" cy="0"/>
-        </a:xfrm>
-      </p:grpSpPr>
-      <p:sp>
-        <p:nvSpPr>
-          <p:cNvPr id="256" name="Google Shape;256;p36:notes"/>
-          <p:cNvSpPr txBox="1">
-            <a:spLocks noGrp="1"/>
-          </p:cNvSpPr>
-          <p:nvPr>
-            <p:ph type="body" idx="1"/>
-          </p:nvPr>
-        </p:nvSpPr>
-        <p:spPr>
-          <a:xfrm>
-            <a:off x="685800" y="4400550"/>
-            <a:ext cx="5486400" cy="3600450"/>
-          </a:xfrm>
-          <a:prstGeom prst="rect">
-            <a:avLst/>
-          </a:prstGeom>
-        </p:spPr>
-        <p:txBody>
-          <a:bodyPr spcFirstLastPara="1" wrap="square" lIns="91425" tIns="45700" rIns="91425" bIns="45700" anchor="t" anchorCtr="0">
-            <a:noAutofit/>
-          </a:bodyPr>
-          <a:lstStyle/>
-          <a:p>
-            <a:pPr marL="0" lvl="0" indent="0" algn="l" rtl="0">
-              <a:spcBef>
-                <a:spcPts val="0"/>
-              </a:spcBef>
-              <a:spcAft>
-                <a:spcPts val="0"/>
-              </a:spcAft>
-              <a:buNone/>
-            </a:pPr>
-            <a:endParaRPr/>
-          </a:p>
-        </p:txBody>
-      </p:sp>
-      <p:sp>
-        <p:nvSpPr>
-          <p:cNvPr id="257" name="Google Shape;257;p36:notes"/>
-          <p:cNvSpPr>
-            <a:spLocks noGrp="1" noRot="1" noChangeAspect="1"/>
-          </p:cNvSpPr>
-          <p:nvPr>
-            <p:ph type="sldImg" idx="2"/>
-          </p:nvPr>
-        </p:nvSpPr>
-        <p:spPr>
-          <a:xfrm>
-            <a:off x="685800" y="1143000"/>
-            <a:ext cx="5486400" cy="3086100"/>
-          </a:xfrm>
-          <a:custGeom>
-            <a:avLst/>
-            <a:gdLst/>
-            <a:ahLst/>
-            <a:cxnLst/>
-            <a:rect l="l" t="t" r="r" b="b"/>
-            <a:pathLst>
-              <a:path w="120000" h="120000" extrusionOk="0">
-                <a:moveTo>
-                  <a:pt x="0" y="0"/>
-                </a:moveTo>
-                <a:lnTo>
-                  <a:pt x="120000" y="0"/>
-                </a:lnTo>
-                <a:lnTo>
-                  <a:pt x="120000" y="120000"/>
-                </a:lnTo>
-                <a:lnTo>
-                  <a:pt x="0" y="120000"/>
-                </a:lnTo>
-                <a:close/>
-              </a:path>
-            </a:pathLst>
-          </a:custGeom>
-        </p:spPr>
-      </p:sp>
-    </p:spTree>
-  </p:cSld>
-  <p:clrMapOvr>
-    <a:masterClrMapping/>
-  </p:clrMapOvr>
-</p:notes>
-</file>
-
-<file path=ppt/notesSlides/notesSlide16.xml><?xml version="1.0" encoding="utf-8"?>
-<p:notes xmlns:a="http://schemas.openxmlformats.org/drawingml/2006/main" xmlns:r="http://schemas.openxmlformats.org/officeDocument/2006/relationships" xmlns:p="http://schemas.openxmlformats.org/presentationml/2006/main" showMasterSp="0" showMasterPhAnim="0">
-  <p:cSld>
-    <p:spTree>
-      <p:nvGrpSpPr>
         <p:cNvPr id="1" name="Shape 262"/>
         <p:cNvGrpSpPr/>
         <p:nvPr/>
@@ -2522,7 +2417,7 @@
                 <a:cs typeface="Calibri"/>
                 <a:sym typeface="Calibri"/>
               </a:rPr>
-              <a:t>16</a:t>
+              <a:t>15</a:t>
             </a:fld>
             <a:endParaRPr sz="1200" b="0" i="0" u="none" strike="noStrike" cap="none">
               <a:solidFill>
@@ -2544,7 +2439,7 @@
 </p:notes>
 </file>
 
-<file path=ppt/notesSlides/notesSlide17.xml><?xml version="1.0" encoding="utf-8"?>
+<file path=ppt/notesSlides/notesSlide16.xml><?xml version="1.0" encoding="utf-8"?>
 <p:notes xmlns:a="http://schemas.openxmlformats.org/drawingml/2006/main" xmlns:r="http://schemas.openxmlformats.org/officeDocument/2006/relationships" xmlns:p="http://schemas.openxmlformats.org/presentationml/2006/main" showMasterSp="0" showMasterPhAnim="0">
   <p:cSld>
     <p:spTree>
@@ -2718,7 +2613,7 @@
                 <a:cs typeface="Calibri"/>
                 <a:sym typeface="Calibri"/>
               </a:rPr>
-              <a:t>17</a:t>
+              <a:t>16</a:t>
             </a:fld>
             <a:endParaRPr sz="1200" b="0" i="0" u="none" strike="noStrike" cap="none">
               <a:solidFill>
@@ -2740,7 +2635,7 @@
 </p:notes>
 </file>
 
-<file path=ppt/notesSlides/notesSlide18.xml><?xml version="1.0" encoding="utf-8"?>
+<file path=ppt/notesSlides/notesSlide17.xml><?xml version="1.0" encoding="utf-8"?>
 <p:notes xmlns:a="http://schemas.openxmlformats.org/drawingml/2006/main" xmlns:r="http://schemas.openxmlformats.org/officeDocument/2006/relationships" xmlns:p="http://schemas.openxmlformats.org/presentationml/2006/main" showMasterSp="0" showMasterPhAnim="0">
   <p:cSld>
     <p:spTree>
@@ -2914,7 +2809,7 @@
                 <a:cs typeface="Calibri"/>
                 <a:sym typeface="Calibri"/>
               </a:rPr>
-              <a:t>18</a:t>
+              <a:t>17</a:t>
             </a:fld>
             <a:endParaRPr sz="1200" b="0" i="0" u="none" strike="noStrike" cap="none">
               <a:solidFill>
@@ -2936,7 +2831,7 @@
 </p:notes>
 </file>
 
-<file path=ppt/notesSlides/notesSlide19.xml><?xml version="1.0" encoding="utf-8"?>
+<file path=ppt/notesSlides/notesSlide18.xml><?xml version="1.0" encoding="utf-8"?>
 <p:notes xmlns:a="http://schemas.openxmlformats.org/drawingml/2006/main" xmlns:r="http://schemas.openxmlformats.org/officeDocument/2006/relationships" xmlns:p="http://schemas.openxmlformats.org/presentationml/2006/main" showMasterSp="0" showMasterPhAnim="0">
   <p:cSld>
     <p:spTree>
@@ -3110,7 +3005,7 @@
                 <a:cs typeface="Calibri"/>
                 <a:sym typeface="Calibri"/>
               </a:rPr>
-              <a:t>19</a:t>
+              <a:t>18</a:t>
             </a:fld>
             <a:endParaRPr sz="1200" b="0" i="0" u="none" strike="noStrike" cap="none">
               <a:solidFill>
@@ -3132,111 +3027,7 @@
 </p:notes>
 </file>
 
-<file path=ppt/notesSlides/notesSlide2.xml><?xml version="1.0" encoding="utf-8"?>
-<p:notes xmlns:a="http://schemas.openxmlformats.org/drawingml/2006/main" xmlns:r="http://schemas.openxmlformats.org/officeDocument/2006/relationships" xmlns:p="http://schemas.openxmlformats.org/presentationml/2006/main" showMasterSp="0" showMasterPhAnim="0">
-  <p:cSld>
-    <p:spTree>
-      <p:nvGrpSpPr>
-        <p:cNvPr id="1" name="Shape 72"/>
-        <p:cNvGrpSpPr/>
-        <p:nvPr/>
-      </p:nvGrpSpPr>
-      <p:grpSpPr>
-        <a:xfrm>
-          <a:off x="0" y="0"/>
-          <a:ext cx="0" cy="0"/>
-          <a:chOff x="0" y="0"/>
-          <a:chExt cx="0" cy="0"/>
-        </a:xfrm>
-      </p:grpSpPr>
-      <p:sp>
-        <p:nvSpPr>
-          <p:cNvPr id="73" name="Google Shape;73;p33:notes"/>
-          <p:cNvSpPr txBox="1">
-            <a:spLocks noGrp="1"/>
-          </p:cNvSpPr>
-          <p:nvPr>
-            <p:ph type="body" idx="1"/>
-          </p:nvPr>
-        </p:nvSpPr>
-        <p:spPr>
-          <a:xfrm>
-            <a:off x="685800" y="4400550"/>
-            <a:ext cx="5486400" cy="3600450"/>
-          </a:xfrm>
-          <a:prstGeom prst="rect">
-            <a:avLst/>
-          </a:prstGeom>
-        </p:spPr>
-        <p:txBody>
-          <a:bodyPr spcFirstLastPara="1" wrap="square" lIns="91425" tIns="45700" rIns="91425" bIns="45700" anchor="t" anchorCtr="0">
-            <a:noAutofit/>
-          </a:bodyPr>
-          <a:lstStyle/>
-          <a:p>
-            <a:pPr marL="0" lvl="0" indent="0" algn="l" rtl="0">
-              <a:spcBef>
-                <a:spcPts val="0"/>
-              </a:spcBef>
-              <a:spcAft>
-                <a:spcPts val="0"/>
-              </a:spcAft>
-              <a:buNone/>
-            </a:pPr>
-            <a:endParaRPr/>
-          </a:p>
-        </p:txBody>
-      </p:sp>
-      <p:sp>
-        <p:nvSpPr>
-          <p:cNvPr id="74" name="Google Shape;74;p33:notes"/>
-          <p:cNvSpPr>
-            <a:spLocks noGrp="1" noRot="1" noChangeAspect="1"/>
-          </p:cNvSpPr>
-          <p:nvPr>
-            <p:ph type="sldImg" idx="2"/>
-          </p:nvPr>
-        </p:nvSpPr>
-        <p:spPr>
-          <a:xfrm>
-            <a:off x="685800" y="1143000"/>
-            <a:ext cx="5486400" cy="3086100"/>
-          </a:xfrm>
-          <a:custGeom>
-            <a:avLst/>
-            <a:gdLst/>
-            <a:ahLst/>
-            <a:cxnLst/>
-            <a:rect l="l" t="t" r="r" b="b"/>
-            <a:pathLst>
-              <a:path w="120000" h="120000" extrusionOk="0">
-                <a:moveTo>
-                  <a:pt x="0" y="0"/>
-                </a:moveTo>
-                <a:lnTo>
-                  <a:pt x="120000" y="0"/>
-                </a:lnTo>
-                <a:lnTo>
-                  <a:pt x="120000" y="120000"/>
-                </a:lnTo>
-                <a:lnTo>
-                  <a:pt x="0" y="120000"/>
-                </a:lnTo>
-                <a:close/>
-              </a:path>
-            </a:pathLst>
-          </a:custGeom>
-        </p:spPr>
-      </p:sp>
-    </p:spTree>
-  </p:cSld>
-  <p:clrMapOvr>
-    <a:masterClrMapping/>
-  </p:clrMapOvr>
-</p:notes>
-</file>
-
-<file path=ppt/notesSlides/notesSlide20.xml><?xml version="1.0" encoding="utf-8"?>
+<file path=ppt/notesSlides/notesSlide19.xml><?xml version="1.0" encoding="utf-8"?>
 <p:notes xmlns:a="http://schemas.openxmlformats.org/drawingml/2006/main" xmlns:r="http://schemas.openxmlformats.org/officeDocument/2006/relationships" xmlns:p="http://schemas.openxmlformats.org/presentationml/2006/main" showMasterSp="0" showMasterPhAnim="0">
   <p:cSld>
     <p:spTree>
@@ -3410,7 +3201,7 @@
                 <a:cs typeface="Calibri"/>
                 <a:sym typeface="Calibri"/>
               </a:rPr>
-              <a:t>20</a:t>
+              <a:t>19</a:t>
             </a:fld>
             <a:endParaRPr sz="1200" b="0" i="0" u="none" strike="noStrike" cap="none">
               <a:solidFill>
@@ -3423,6 +3214,110 @@
             </a:endParaRPr>
           </a:p>
         </p:txBody>
+      </p:sp>
+    </p:spTree>
+  </p:cSld>
+  <p:clrMapOvr>
+    <a:masterClrMapping/>
+  </p:clrMapOvr>
+</p:notes>
+</file>
+
+<file path=ppt/notesSlides/notesSlide2.xml><?xml version="1.0" encoding="utf-8"?>
+<p:notes xmlns:a="http://schemas.openxmlformats.org/drawingml/2006/main" xmlns:r="http://schemas.openxmlformats.org/officeDocument/2006/relationships" xmlns:p="http://schemas.openxmlformats.org/presentationml/2006/main" showMasterSp="0" showMasterPhAnim="0">
+  <p:cSld>
+    <p:spTree>
+      <p:nvGrpSpPr>
+        <p:cNvPr id="1" name="Shape 72"/>
+        <p:cNvGrpSpPr/>
+        <p:nvPr/>
+      </p:nvGrpSpPr>
+      <p:grpSpPr>
+        <a:xfrm>
+          <a:off x="0" y="0"/>
+          <a:ext cx="0" cy="0"/>
+          <a:chOff x="0" y="0"/>
+          <a:chExt cx="0" cy="0"/>
+        </a:xfrm>
+      </p:grpSpPr>
+      <p:sp>
+        <p:nvSpPr>
+          <p:cNvPr id="73" name="Google Shape;73;p33:notes"/>
+          <p:cNvSpPr txBox="1">
+            <a:spLocks noGrp="1"/>
+          </p:cNvSpPr>
+          <p:nvPr>
+            <p:ph type="body" idx="1"/>
+          </p:nvPr>
+        </p:nvSpPr>
+        <p:spPr>
+          <a:xfrm>
+            <a:off x="685800" y="4400550"/>
+            <a:ext cx="5486400" cy="3600450"/>
+          </a:xfrm>
+          <a:prstGeom prst="rect">
+            <a:avLst/>
+          </a:prstGeom>
+        </p:spPr>
+        <p:txBody>
+          <a:bodyPr spcFirstLastPara="1" wrap="square" lIns="91425" tIns="45700" rIns="91425" bIns="45700" anchor="t" anchorCtr="0">
+            <a:noAutofit/>
+          </a:bodyPr>
+          <a:lstStyle/>
+          <a:p>
+            <a:pPr marL="0" lvl="0" indent="0" algn="l" rtl="0">
+              <a:spcBef>
+                <a:spcPts val="0"/>
+              </a:spcBef>
+              <a:spcAft>
+                <a:spcPts val="0"/>
+              </a:spcAft>
+              <a:buNone/>
+            </a:pPr>
+            <a:endParaRPr/>
+          </a:p>
+        </p:txBody>
+      </p:sp>
+      <p:sp>
+        <p:nvSpPr>
+          <p:cNvPr id="74" name="Google Shape;74;p33:notes"/>
+          <p:cNvSpPr>
+            <a:spLocks noGrp="1" noRot="1" noChangeAspect="1"/>
+          </p:cNvSpPr>
+          <p:nvPr>
+            <p:ph type="sldImg" idx="2"/>
+          </p:nvPr>
+        </p:nvSpPr>
+        <p:spPr>
+          <a:xfrm>
+            <a:off x="685800" y="1143000"/>
+            <a:ext cx="5486400" cy="3086100"/>
+          </a:xfrm>
+          <a:custGeom>
+            <a:avLst/>
+            <a:gdLst/>
+            <a:ahLst/>
+            <a:cxnLst/>
+            <a:rect l="l" t="t" r="r" b="b"/>
+            <a:pathLst>
+              <a:path w="120000" h="120000" extrusionOk="0">
+                <a:moveTo>
+                  <a:pt x="0" y="0"/>
+                </a:moveTo>
+                <a:lnTo>
+                  <a:pt x="120000" y="0"/>
+                </a:lnTo>
+                <a:lnTo>
+                  <a:pt x="120000" y="120000"/>
+                </a:lnTo>
+                <a:lnTo>
+                  <a:pt x="0" y="120000"/>
+                </a:lnTo>
+                <a:close/>
+              </a:path>
+            </a:pathLst>
+          </a:custGeom>
+        </p:spPr>
       </p:sp>
     </p:spTree>
   </p:cSld>
@@ -4307,7 +4202,7 @@
           <a:p>
             <a:fld id="{A1276BF3-0615-4C23-85FE-653C1A8C5BC2}" type="datetimeFigureOut">
               <a:rPr lang="ru-RU" smtClean="0"/>
-              <a:t>13.06.2024</a:t>
+              <a:t>14.06.2024</a:t>
             </a:fld>
             <a:endParaRPr lang="ru-RU"/>
           </a:p>
@@ -4515,7 +4410,7 @@
           <a:p>
             <a:fld id="{A1276BF3-0615-4C23-85FE-653C1A8C5BC2}" type="datetimeFigureOut">
               <a:rPr lang="ru-RU" smtClean="0"/>
-              <a:t>13.06.2024</a:t>
+              <a:t>14.06.2024</a:t>
             </a:fld>
             <a:endParaRPr lang="ru-RU"/>
           </a:p>
@@ -4733,7 +4628,7 @@
           <a:p>
             <a:fld id="{A1276BF3-0615-4C23-85FE-653C1A8C5BC2}" type="datetimeFigureOut">
               <a:rPr lang="ru-RU" smtClean="0"/>
-              <a:t>13.06.2024</a:t>
+              <a:t>14.06.2024</a:t>
             </a:fld>
             <a:endParaRPr lang="ru-RU"/>
           </a:p>
@@ -11460,7 +11355,7 @@
           <a:p>
             <a:fld id="{A1276BF3-0615-4C23-85FE-653C1A8C5BC2}" type="datetimeFigureOut">
               <a:rPr lang="ru-RU" smtClean="0"/>
-              <a:t>13.06.2024</a:t>
+              <a:t>14.06.2024</a:t>
             </a:fld>
             <a:endParaRPr lang="ru-RU"/>
           </a:p>
@@ -11745,7 +11640,7 @@
           <a:p>
             <a:fld id="{A1276BF3-0615-4C23-85FE-653C1A8C5BC2}" type="datetimeFigureOut">
               <a:rPr lang="ru-RU" smtClean="0"/>
-              <a:t>13.06.2024</a:t>
+              <a:t>14.06.2024</a:t>
             </a:fld>
             <a:endParaRPr lang="ru-RU"/>
           </a:p>
@@ -12020,7 +11915,7 @@
           <a:p>
             <a:fld id="{A1276BF3-0615-4C23-85FE-653C1A8C5BC2}" type="datetimeFigureOut">
               <a:rPr lang="ru-RU" smtClean="0"/>
-              <a:t>13.06.2024</a:t>
+              <a:t>14.06.2024</a:t>
             </a:fld>
             <a:endParaRPr lang="ru-RU"/>
           </a:p>
@@ -12442,7 +12337,7 @@
           <a:p>
             <a:fld id="{A1276BF3-0615-4C23-85FE-653C1A8C5BC2}" type="datetimeFigureOut">
               <a:rPr lang="ru-RU" smtClean="0"/>
-              <a:t>13.06.2024</a:t>
+              <a:t>14.06.2024</a:t>
             </a:fld>
             <a:endParaRPr lang="ru-RU"/>
           </a:p>
@@ -12593,7 +12488,7 @@
           <a:p>
             <a:fld id="{A1276BF3-0615-4C23-85FE-653C1A8C5BC2}" type="datetimeFigureOut">
               <a:rPr lang="ru-RU" smtClean="0"/>
-              <a:t>13.06.2024</a:t>
+              <a:t>14.06.2024</a:t>
             </a:fld>
             <a:endParaRPr lang="ru-RU"/>
           </a:p>
@@ -12716,7 +12611,7 @@
           <a:p>
             <a:fld id="{A1276BF3-0615-4C23-85FE-653C1A8C5BC2}" type="datetimeFigureOut">
               <a:rPr lang="ru-RU" smtClean="0"/>
-              <a:t>13.06.2024</a:t>
+              <a:t>14.06.2024</a:t>
             </a:fld>
             <a:endParaRPr lang="ru-RU"/>
           </a:p>
@@ -13037,7 +12932,7 @@
           <a:p>
             <a:fld id="{A1276BF3-0615-4C23-85FE-653C1A8C5BC2}" type="datetimeFigureOut">
               <a:rPr lang="ru-RU" smtClean="0"/>
-              <a:t>13.06.2024</a:t>
+              <a:t>14.06.2024</a:t>
             </a:fld>
             <a:endParaRPr lang="ru-RU"/>
           </a:p>
@@ -13335,7 +13230,7 @@
           <a:p>
             <a:fld id="{A1276BF3-0615-4C23-85FE-653C1A8C5BC2}" type="datetimeFigureOut">
               <a:rPr lang="ru-RU" smtClean="0"/>
-              <a:t>13.06.2024</a:t>
+              <a:t>14.06.2024</a:t>
             </a:fld>
             <a:endParaRPr lang="ru-RU"/>
           </a:p>
@@ -13586,7 +13481,7 @@
           <a:p>
             <a:fld id="{A1276BF3-0615-4C23-85FE-653C1A8C5BC2}" type="datetimeFigureOut">
               <a:rPr lang="ru-RU" smtClean="0"/>
-              <a:t>13.06.2024</a:t>
+              <a:t>14.06.2024</a:t>
             </a:fld>
             <a:endParaRPr lang="ru-RU"/>
           </a:p>
@@ -14173,103 +14068,6 @@
           </a:effectLst>
         </p:spPr>
       </p:pic>
-      <p:sp>
-        <p:nvSpPr>
-          <p:cNvPr id="71" name="Google Shape;71;p2"/>
-          <p:cNvSpPr txBox="1"/>
-          <p:nvPr/>
-        </p:nvSpPr>
-        <p:spPr>
-          <a:xfrm>
-            <a:off x="5766032" y="6282765"/>
-            <a:ext cx="6425968" cy="365125"/>
-          </a:xfrm>
-          <a:prstGeom prst="rect">
-            <a:avLst/>
-          </a:prstGeom>
-          <a:noFill/>
-          <a:ln>
-            <a:noFill/>
-          </a:ln>
-        </p:spPr>
-        <p:txBody>
-          <a:bodyPr spcFirstLastPara="1" wrap="square" lIns="91425" tIns="45700" rIns="91425" bIns="45700" anchor="ctr" anchorCtr="0">
-            <a:noAutofit/>
-          </a:bodyPr>
-          <a:lstStyle/>
-          <a:p>
-            <a:pPr marL="0" marR="0" lvl="0" indent="0" algn="r" rtl="0">
-              <a:lnSpc>
-                <a:spcPct val="100000"/>
-              </a:lnSpc>
-              <a:spcBef>
-                <a:spcPts val="0"/>
-              </a:spcBef>
-              <a:spcAft>
-                <a:spcPts val="0"/>
-              </a:spcAft>
-              <a:buClr>
-                <a:srgbClr val="000000"/>
-              </a:buClr>
-              <a:buSzPts val="1400"/>
-              <a:buFont typeface="Arial"/>
-              <a:buNone/>
-            </a:pPr>
-            <a:r>
-              <a:rPr lang="en-US" sz="1200" b="0" i="0" u="none" strike="noStrike" cap="none">
-                <a:solidFill>
-                  <a:srgbClr val="9E9E9E"/>
-                </a:solidFill>
-                <a:latin typeface="Calibri"/>
-                <a:ea typeface="Calibri"/>
-                <a:cs typeface="Calibri"/>
-                <a:sym typeface="Calibri"/>
-              </a:rPr>
-              <a:t>©2022 SyncMonk Technologies | </a:t>
-            </a:r>
-            <a:r>
-              <a:rPr lang="en-US" sz="1200" b="0" i="0" u="sng" strike="noStrike" cap="none">
-                <a:solidFill>
-                  <a:srgbClr val="9E9E9E"/>
-                </a:solidFill>
-                <a:latin typeface="Calibri"/>
-                <a:ea typeface="Calibri"/>
-                <a:cs typeface="Calibri"/>
-                <a:sym typeface="Calibri"/>
-                <a:hlinkClick r:id="rId4">
-                  <a:extLst>
-                    <a:ext uri="{A12FA001-AC4F-418D-AE19-62706E023703}">
-                      <ahyp:hlinkClr xmlns:ahyp="http://schemas.microsoft.com/office/drawing/2018/hyperlinkcolor" val="tx"/>
-                    </a:ext>
-                  </a:extLst>
-                </a:hlinkClick>
-              </a:rPr>
-              <a:t>www.syncmonk.net</a:t>
-            </a:r>
-            <a:r>
-              <a:rPr lang="en-US" sz="1200" b="0" i="0" u="none" strike="noStrike" cap="none">
-                <a:solidFill>
-                  <a:srgbClr val="9E9E9E"/>
-                </a:solidFill>
-                <a:latin typeface="Calibri"/>
-                <a:ea typeface="Calibri"/>
-                <a:cs typeface="Calibri"/>
-                <a:sym typeface="Calibri"/>
-              </a:rPr>
-              <a:t> |  info@syncmonk.net</a:t>
-            </a:r>
-            <a:endParaRPr sz="1200" b="0" i="0" u="none" strike="noStrike" cap="none">
-              <a:solidFill>
-                <a:srgbClr val="9E9E9E"/>
-              </a:solidFill>
-              <a:latin typeface="Calibri"/>
-              <a:ea typeface="Calibri"/>
-              <a:cs typeface="Calibri"/>
-              <a:sym typeface="Calibri"/>
-            </a:endParaRPr>
-          </a:p>
-        </p:txBody>
-      </p:sp>
     </p:spTree>
   </p:cSld>
   <p:clrMapOvr>
@@ -14341,10 +14139,10 @@
               <a:buNone/>
             </a:pPr>
             <a:r>
-              <a:rPr lang="en-US"/>
+              <a:rPr lang="en-US" dirty="0"/>
               <a:t>Packet Engine is involved with the interface-related activity.</a:t>
             </a:r>
-            <a:endParaRPr/>
+            <a:endParaRPr dirty="0"/>
           </a:p>
           <a:p>
             <a:pPr marL="571500" lvl="0" indent="-342900" algn="l" rtl="0">
@@ -14365,10 +14163,10 @@
               <a:buChar char="•"/>
             </a:pPr>
             <a:r>
-              <a:rPr lang="en-US"/>
+              <a:rPr lang="en-US" dirty="0"/>
               <a:t>Packet RX</a:t>
             </a:r>
-            <a:endParaRPr/>
+            <a:endParaRPr dirty="0"/>
           </a:p>
           <a:p>
             <a:pPr marL="571500" lvl="0" indent="-342900" algn="l" rtl="0">
@@ -14389,10 +14187,10 @@
               <a:buChar char="•"/>
             </a:pPr>
             <a:r>
-              <a:rPr lang="en-US"/>
+              <a:rPr lang="en-US" dirty="0"/>
               <a:t>Packet TX</a:t>
             </a:r>
-            <a:endParaRPr/>
+            <a:endParaRPr dirty="0"/>
           </a:p>
           <a:p>
             <a:pPr marL="571500" lvl="0" indent="-342900" algn="l" rtl="0">
@@ -14413,10 +14211,10 @@
               <a:buChar char="•"/>
             </a:pPr>
             <a:r>
-              <a:rPr lang="en-US"/>
+              <a:rPr lang="en-US" dirty="0"/>
               <a:t>Port Link up/ Link down Events (Network Link)</a:t>
             </a:r>
-            <a:endParaRPr/>
+            <a:endParaRPr dirty="0"/>
           </a:p>
           <a:p>
             <a:pPr marL="571500" lvl="0" indent="-342900" algn="l" rtl="0">
@@ -14437,10 +14235,10 @@
               <a:buChar char="•"/>
             </a:pPr>
             <a:r>
-              <a:rPr lang="en-US"/>
+              <a:rPr lang="en-US" dirty="0"/>
               <a:t>Packet filtering</a:t>
             </a:r>
-            <a:endParaRPr/>
+            <a:endParaRPr dirty="0"/>
           </a:p>
           <a:p>
             <a:pPr marL="228600" lvl="0" indent="0" algn="l" rtl="0">
@@ -14459,7 +14257,7 @@
               <a:buSzPts val="2000"/>
               <a:buNone/>
             </a:pPr>
-            <a:endParaRPr/>
+            <a:endParaRPr dirty="0"/>
           </a:p>
           <a:p>
             <a:pPr marL="228600" lvl="0" indent="0" algn="l" rtl="0">
@@ -14479,10 +14277,10 @@
               <a:buNone/>
             </a:pPr>
             <a:r>
-              <a:rPr lang="en-US"/>
+              <a:rPr lang="en-US" dirty="0"/>
               <a:t>Different types of Sockets and interface types are </a:t>
             </a:r>
-            <a:endParaRPr/>
+            <a:endParaRPr dirty="0"/>
           </a:p>
           <a:p>
             <a:pPr marL="228600" lvl="0" indent="0" algn="l" rtl="0">
@@ -14502,10 +14300,10 @@
               <a:buNone/>
             </a:pPr>
             <a:r>
-              <a:rPr lang="en-US"/>
+              <a:rPr lang="en-US" dirty="0"/>
               <a:t>Separated using packet engine library.</a:t>
             </a:r>
-            <a:endParaRPr/>
+            <a:endParaRPr dirty="0"/>
           </a:p>
           <a:p>
             <a:pPr marL="571500" lvl="0" indent="-342900" algn="l" rtl="0">
@@ -14526,10 +14324,10 @@
               <a:buChar char="•"/>
             </a:pPr>
             <a:r>
-              <a:rPr lang="en-US"/>
+              <a:rPr lang="en-US" dirty="0"/>
               <a:t>Raw Socket</a:t>
             </a:r>
-            <a:endParaRPr/>
+            <a:endParaRPr dirty="0"/>
           </a:p>
           <a:p>
             <a:pPr marL="571500" lvl="0" indent="-342900" algn="l" rtl="0">
@@ -14550,10 +14348,10 @@
               <a:buChar char="•"/>
             </a:pPr>
             <a:r>
-              <a:rPr lang="en-US"/>
+              <a:rPr lang="en-US" dirty="0"/>
               <a:t>UDS Socket</a:t>
             </a:r>
-            <a:endParaRPr/>
+            <a:endParaRPr dirty="0"/>
           </a:p>
           <a:p>
             <a:pPr marL="571500" lvl="0" indent="-342900" algn="l" rtl="0">
@@ -14574,10 +14372,10 @@
               <a:buChar char="•"/>
             </a:pPr>
             <a:r>
-              <a:rPr lang="en-US"/>
+              <a:rPr lang="en-US" dirty="0"/>
               <a:t>APIs</a:t>
             </a:r>
-            <a:endParaRPr/>
+            <a:endParaRPr dirty="0"/>
           </a:p>
           <a:p>
             <a:pPr marL="571500" lvl="0" indent="-215900" algn="l" rtl="0">
@@ -14597,7 +14395,7 @@
               <a:buFont typeface="Arial"/>
               <a:buNone/>
             </a:pPr>
-            <a:endParaRPr/>
+            <a:endParaRPr dirty="0"/>
           </a:p>
           <a:p>
             <a:pPr marL="685800" lvl="1" indent="0" algn="l" rtl="0">
@@ -14616,7 +14414,7 @@
               <a:buSzPts val="2000"/>
               <a:buNone/>
             </a:pPr>
-            <a:endParaRPr/>
+            <a:endParaRPr dirty="0"/>
           </a:p>
           <a:p>
             <a:pPr marL="1028700" lvl="1" indent="-215900" algn="l" rtl="0">
@@ -14636,7 +14434,7 @@
               <a:buFont typeface="Arial"/>
               <a:buNone/>
             </a:pPr>
-            <a:endParaRPr/>
+            <a:endParaRPr dirty="0"/>
           </a:p>
           <a:p>
             <a:pPr marL="228600" lvl="0" indent="0" algn="l" rtl="0">
@@ -14655,7 +14453,7 @@
               <a:buSzPts val="2000"/>
               <a:buNone/>
             </a:pPr>
-            <a:endParaRPr/>
+            <a:endParaRPr dirty="0"/>
           </a:p>
           <a:p>
             <a:pPr marL="571500" lvl="0" indent="-215900" algn="l" rtl="0">
@@ -14675,57 +14473,7 @@
               <a:buFont typeface="Arial"/>
               <a:buNone/>
             </a:pPr>
-            <a:endParaRPr/>
-          </a:p>
-        </p:txBody>
-      </p:sp>
-      <p:sp>
-        <p:nvSpPr>
-          <p:cNvPr id="146" name="Google Shape;146;p5"/>
-          <p:cNvSpPr txBox="1">
-            <a:spLocks noGrp="1"/>
-          </p:cNvSpPr>
-          <p:nvPr>
-            <p:ph type="ftr" idx="11"/>
-          </p:nvPr>
-        </p:nvSpPr>
-        <p:spPr>
-          <a:prstGeom prst="rect">
-            <a:avLst/>
-          </a:prstGeom>
-          <a:noFill/>
-          <a:ln>
-            <a:noFill/>
-          </a:ln>
-        </p:spPr>
-        <p:txBody>
-          <a:bodyPr spcFirstLastPara="1" wrap="square" lIns="91425" tIns="45700" rIns="91425" bIns="45700" anchor="ctr" anchorCtr="0">
-            <a:noAutofit/>
-          </a:bodyPr>
-          <a:lstStyle/>
-          <a:p>
-            <a:pPr marL="0" lvl="0" indent="0" algn="l" rtl="0">
-              <a:lnSpc>
-                <a:spcPct val="100000"/>
-              </a:lnSpc>
-              <a:spcBef>
-                <a:spcPts val="0"/>
-              </a:spcBef>
-              <a:spcAft>
-                <a:spcPts val="0"/>
-              </a:spcAft>
-              <a:buSzPts val="1400"/>
-              <a:buNone/>
-            </a:pPr>
-            <a:r>
-              <a:rPr lang="en-US">
-                <a:solidFill>
-                  <a:srgbClr val="9E9E9E"/>
-                </a:solidFill>
-              </a:rPr>
-              <a:t>©2022 SyncMonk Technologies | SyncESMC</a:t>
-            </a:r>
-            <a:endParaRPr/>
+            <a:endParaRPr dirty="0"/>
           </a:p>
         </p:txBody>
       </p:sp>
@@ -15424,64 +15172,6 @@
           </p:txBody>
         </p:sp>
       </p:grpSp>
-      <p:sp>
-        <p:nvSpPr>
-          <p:cNvPr id="163" name="Google Shape;163;p5"/>
-          <p:cNvSpPr txBox="1"/>
-          <p:nvPr/>
-        </p:nvSpPr>
-        <p:spPr>
-          <a:xfrm>
-            <a:off x="7826678" y="6356349"/>
-            <a:ext cx="4114800" cy="365125"/>
-          </a:xfrm>
-          <a:prstGeom prst="rect">
-            <a:avLst/>
-          </a:prstGeom>
-          <a:noFill/>
-          <a:ln>
-            <a:noFill/>
-          </a:ln>
-        </p:spPr>
-        <p:txBody>
-          <a:bodyPr spcFirstLastPara="1" wrap="square" lIns="91425" tIns="45700" rIns="91425" bIns="45700" anchor="ctr" anchorCtr="0">
-            <a:noAutofit/>
-          </a:bodyPr>
-          <a:lstStyle/>
-          <a:p>
-            <a:pPr marL="0" marR="0" lvl="0" indent="0" algn="r" rtl="0">
-              <a:lnSpc>
-                <a:spcPct val="100000"/>
-              </a:lnSpc>
-              <a:spcBef>
-                <a:spcPts val="0"/>
-              </a:spcBef>
-              <a:spcAft>
-                <a:spcPts val="0"/>
-              </a:spcAft>
-              <a:buClr>
-                <a:srgbClr val="000000"/>
-              </a:buClr>
-              <a:buSzPts val="1400"/>
-              <a:buFont typeface="Arial"/>
-              <a:buNone/>
-            </a:pPr>
-            <a:r>
-              <a:rPr lang="en-US" sz="1200" b="0" i="0" u="none" strike="noStrike" cap="none">
-                <a:solidFill>
-                  <a:srgbClr val="9E9E9E"/>
-                </a:solidFill>
-                <a:latin typeface="Calibri"/>
-                <a:ea typeface="Calibri"/>
-                <a:cs typeface="Calibri"/>
-                <a:sym typeface="Calibri"/>
-              </a:rPr>
-              <a:t>www.syncmonk.net| info@syncmonk.net</a:t>
-            </a:r>
-            <a:endParaRPr/>
-          </a:p>
-        </p:txBody>
-      </p:sp>
     </p:spTree>
   </p:cSld>
   <p:clrMapOvr>
@@ -15692,56 +15382,6 @@
               <a:buFont typeface="Arial"/>
               <a:buNone/>
             </a:pPr>
-            <a:endParaRPr/>
-          </a:p>
-        </p:txBody>
-      </p:sp>
-      <p:sp>
-        <p:nvSpPr>
-          <p:cNvPr id="168" name="Google Shape;168;p6"/>
-          <p:cNvSpPr txBox="1">
-            <a:spLocks noGrp="1"/>
-          </p:cNvSpPr>
-          <p:nvPr>
-            <p:ph type="ftr" idx="11"/>
-          </p:nvPr>
-        </p:nvSpPr>
-        <p:spPr>
-          <a:prstGeom prst="rect">
-            <a:avLst/>
-          </a:prstGeom>
-          <a:noFill/>
-          <a:ln>
-            <a:noFill/>
-          </a:ln>
-        </p:spPr>
-        <p:txBody>
-          <a:bodyPr spcFirstLastPara="1" wrap="square" lIns="91425" tIns="45700" rIns="91425" bIns="45700" anchor="ctr" anchorCtr="0">
-            <a:noAutofit/>
-          </a:bodyPr>
-          <a:lstStyle/>
-          <a:p>
-            <a:pPr marL="0" lvl="0" indent="0" algn="l" rtl="0">
-              <a:lnSpc>
-                <a:spcPct val="100000"/>
-              </a:lnSpc>
-              <a:spcBef>
-                <a:spcPts val="0"/>
-              </a:spcBef>
-              <a:spcAft>
-                <a:spcPts val="0"/>
-              </a:spcAft>
-              <a:buSzPts val="1400"/>
-              <a:buNone/>
-            </a:pPr>
-            <a:r>
-              <a:rPr lang="en-US">
-                <a:solidFill>
-                  <a:srgbClr val="9E9E9E"/>
-                </a:solidFill>
-              </a:rPr>
-              <a:t>©2022 SyncMonk Technologies | SyncESMC</a:t>
-            </a:r>
             <a:endParaRPr/>
           </a:p>
         </p:txBody>
@@ -17786,64 +17426,6 @@
           </a:p>
         </p:txBody>
       </p:sp>
-      <p:sp>
-        <p:nvSpPr>
-          <p:cNvPr id="201" name="Google Shape;201;p6"/>
-          <p:cNvSpPr txBox="1"/>
-          <p:nvPr/>
-        </p:nvSpPr>
-        <p:spPr>
-          <a:xfrm>
-            <a:off x="7826678" y="6356349"/>
-            <a:ext cx="4114800" cy="365125"/>
-          </a:xfrm>
-          <a:prstGeom prst="rect">
-            <a:avLst/>
-          </a:prstGeom>
-          <a:noFill/>
-          <a:ln>
-            <a:noFill/>
-          </a:ln>
-        </p:spPr>
-        <p:txBody>
-          <a:bodyPr spcFirstLastPara="1" wrap="square" lIns="91425" tIns="45700" rIns="91425" bIns="45700" anchor="ctr" anchorCtr="0">
-            <a:noAutofit/>
-          </a:bodyPr>
-          <a:lstStyle/>
-          <a:p>
-            <a:pPr marL="0" marR="0" lvl="0" indent="0" algn="r" rtl="0">
-              <a:lnSpc>
-                <a:spcPct val="100000"/>
-              </a:lnSpc>
-              <a:spcBef>
-                <a:spcPts val="0"/>
-              </a:spcBef>
-              <a:spcAft>
-                <a:spcPts val="0"/>
-              </a:spcAft>
-              <a:buClr>
-                <a:srgbClr val="000000"/>
-              </a:buClr>
-              <a:buSzPts val="1400"/>
-              <a:buFont typeface="Arial"/>
-              <a:buNone/>
-            </a:pPr>
-            <a:r>
-              <a:rPr lang="en-US" sz="1200" b="0" i="0" u="none" strike="noStrike" cap="none">
-                <a:solidFill>
-                  <a:srgbClr val="9E9E9E"/>
-                </a:solidFill>
-                <a:latin typeface="Calibri"/>
-                <a:ea typeface="Calibri"/>
-                <a:cs typeface="Calibri"/>
-                <a:sym typeface="Calibri"/>
-              </a:rPr>
-              <a:t>www.syncmonk.net| info@syncmonk.net</a:t>
-            </a:r>
-            <a:endParaRPr/>
-          </a:p>
-        </p:txBody>
-      </p:sp>
     </p:spTree>
   </p:cSld>
   <p:clrMapOvr>
@@ -17973,56 +17555,6 @@
       </p:sp>
       <p:sp>
         <p:nvSpPr>
-          <p:cNvPr id="206" name="Google Shape;206;g12055b0ce30_0_9"/>
-          <p:cNvSpPr txBox="1">
-            <a:spLocks noGrp="1"/>
-          </p:cNvSpPr>
-          <p:nvPr>
-            <p:ph type="ftr" idx="11"/>
-          </p:nvPr>
-        </p:nvSpPr>
-        <p:spPr>
-          <a:prstGeom prst="rect">
-            <a:avLst/>
-          </a:prstGeom>
-          <a:noFill/>
-          <a:ln>
-            <a:noFill/>
-          </a:ln>
-        </p:spPr>
-        <p:txBody>
-          <a:bodyPr spcFirstLastPara="1" wrap="square" lIns="91425" tIns="45700" rIns="91425" bIns="45700" anchor="ctr" anchorCtr="0">
-            <a:noAutofit/>
-          </a:bodyPr>
-          <a:lstStyle/>
-          <a:p>
-            <a:pPr marL="0" lvl="0" indent="0" algn="l" rtl="0">
-              <a:lnSpc>
-                <a:spcPct val="100000"/>
-              </a:lnSpc>
-              <a:spcBef>
-                <a:spcPts val="0"/>
-              </a:spcBef>
-              <a:spcAft>
-                <a:spcPts val="0"/>
-              </a:spcAft>
-              <a:buSzPts val="1400"/>
-              <a:buNone/>
-            </a:pPr>
-            <a:r>
-              <a:rPr lang="en-US">
-                <a:solidFill>
-                  <a:srgbClr val="9E9E9E"/>
-                </a:solidFill>
-              </a:rPr>
-              <a:t>©2022 SyncMonk Technologies | SyncESMC</a:t>
-            </a:r>
-            <a:endParaRPr/>
-          </a:p>
-        </p:txBody>
-      </p:sp>
-      <p:sp>
-        <p:nvSpPr>
           <p:cNvPr id="207" name="Google Shape;207;g12055b0ce30_0_9"/>
           <p:cNvSpPr txBox="1">
             <a:spLocks noGrp="1"/>
@@ -18065,64 +17597,6 @@
             <a:r>
               <a:rPr lang="en-US"/>
               <a:t>External MUX for Input Signals</a:t>
-            </a:r>
-            <a:endParaRPr/>
-          </a:p>
-        </p:txBody>
-      </p:sp>
-      <p:sp>
-        <p:nvSpPr>
-          <p:cNvPr id="209" name="Google Shape;209;g12055b0ce30_0_9"/>
-          <p:cNvSpPr txBox="1"/>
-          <p:nvPr/>
-        </p:nvSpPr>
-        <p:spPr>
-          <a:xfrm>
-            <a:off x="7826678" y="6356349"/>
-            <a:ext cx="4114800" cy="365125"/>
-          </a:xfrm>
-          <a:prstGeom prst="rect">
-            <a:avLst/>
-          </a:prstGeom>
-          <a:noFill/>
-          <a:ln>
-            <a:noFill/>
-          </a:ln>
-        </p:spPr>
-        <p:txBody>
-          <a:bodyPr spcFirstLastPara="1" wrap="square" lIns="91425" tIns="45700" rIns="91425" bIns="45700" anchor="ctr" anchorCtr="0">
-            <a:noAutofit/>
-          </a:bodyPr>
-          <a:lstStyle/>
-          <a:p>
-            <a:pPr marL="0" marR="0" lvl="0" indent="0" algn="r" rtl="0">
-              <a:lnSpc>
-                <a:spcPct val="100000"/>
-              </a:lnSpc>
-              <a:spcBef>
-                <a:spcPts val="0"/>
-              </a:spcBef>
-              <a:spcAft>
-                <a:spcPts val="0"/>
-              </a:spcAft>
-              <a:buClr>
-                <a:srgbClr val="000000"/>
-              </a:buClr>
-              <a:buSzPts val="1400"/>
-              <a:buFont typeface="Arial"/>
-              <a:buNone/>
-            </a:pPr>
-            <a:r>
-              <a:rPr lang="en-US" sz="1200" b="0" i="0" u="none" strike="noStrike" cap="none">
-                <a:solidFill>
-                  <a:srgbClr val="9E9E9E"/>
-                </a:solidFill>
-                <a:latin typeface="Calibri"/>
-                <a:ea typeface="Calibri"/>
-                <a:cs typeface="Calibri"/>
-                <a:sym typeface="Calibri"/>
-              </a:rPr>
-              <a:t>www.syncmonk.net| info@syncmonk.net</a:t>
             </a:r>
             <a:endParaRPr/>
           </a:p>
@@ -18924,56 +18398,6 @@
               <a:buSzPts val="2000"/>
               <a:buNone/>
             </a:pPr>
-            <a:endParaRPr/>
-          </a:p>
-        </p:txBody>
-      </p:sp>
-      <p:sp>
-        <p:nvSpPr>
-          <p:cNvPr id="224" name="Google Shape;224;p35"/>
-          <p:cNvSpPr txBox="1">
-            <a:spLocks noGrp="1"/>
-          </p:cNvSpPr>
-          <p:nvPr>
-            <p:ph type="ftr" idx="11"/>
-          </p:nvPr>
-        </p:nvSpPr>
-        <p:spPr>
-          <a:prstGeom prst="rect">
-            <a:avLst/>
-          </a:prstGeom>
-          <a:noFill/>
-          <a:ln>
-            <a:noFill/>
-          </a:ln>
-        </p:spPr>
-        <p:txBody>
-          <a:bodyPr spcFirstLastPara="1" wrap="square" lIns="91425" tIns="45700" rIns="91425" bIns="45700" anchor="ctr" anchorCtr="0">
-            <a:noAutofit/>
-          </a:bodyPr>
-          <a:lstStyle/>
-          <a:p>
-            <a:pPr marL="0" lvl="0" indent="0" algn="l" rtl="0">
-              <a:lnSpc>
-                <a:spcPct val="100000"/>
-              </a:lnSpc>
-              <a:spcBef>
-                <a:spcPts val="0"/>
-              </a:spcBef>
-              <a:spcAft>
-                <a:spcPts val="0"/>
-              </a:spcAft>
-              <a:buSzPts val="1400"/>
-              <a:buNone/>
-            </a:pPr>
-            <a:r>
-              <a:rPr lang="en-US">
-                <a:solidFill>
-                  <a:srgbClr val="9E9E9E"/>
-                </a:solidFill>
-              </a:rPr>
-              <a:t>©2022 SyncMonk Technologies | SyncESMC</a:t>
-            </a:r>
             <a:endParaRPr/>
           </a:p>
         </p:txBody>
@@ -19531,64 +18955,6 @@
           </p:txBody>
         </p:sp>
       </p:grpSp>
-      <p:sp>
-        <p:nvSpPr>
-          <p:cNvPr id="238" name="Google Shape;238;p35"/>
-          <p:cNvSpPr txBox="1"/>
-          <p:nvPr/>
-        </p:nvSpPr>
-        <p:spPr>
-          <a:xfrm>
-            <a:off x="7826678" y="6356349"/>
-            <a:ext cx="4114800" cy="365125"/>
-          </a:xfrm>
-          <a:prstGeom prst="rect">
-            <a:avLst/>
-          </a:prstGeom>
-          <a:noFill/>
-          <a:ln>
-            <a:noFill/>
-          </a:ln>
-        </p:spPr>
-        <p:txBody>
-          <a:bodyPr spcFirstLastPara="1" wrap="square" lIns="91425" tIns="45700" rIns="91425" bIns="45700" anchor="ctr" anchorCtr="0">
-            <a:noAutofit/>
-          </a:bodyPr>
-          <a:lstStyle/>
-          <a:p>
-            <a:pPr marL="0" marR="0" lvl="0" indent="0" algn="r" rtl="0">
-              <a:lnSpc>
-                <a:spcPct val="100000"/>
-              </a:lnSpc>
-              <a:spcBef>
-                <a:spcPts val="0"/>
-              </a:spcBef>
-              <a:spcAft>
-                <a:spcPts val="0"/>
-              </a:spcAft>
-              <a:buClr>
-                <a:srgbClr val="000000"/>
-              </a:buClr>
-              <a:buSzPts val="1400"/>
-              <a:buFont typeface="Arial"/>
-              <a:buNone/>
-            </a:pPr>
-            <a:r>
-              <a:rPr lang="en-US" sz="1200" b="0" i="0" u="none" strike="noStrike" cap="none">
-                <a:solidFill>
-                  <a:srgbClr val="9E9E9E"/>
-                </a:solidFill>
-                <a:latin typeface="Calibri"/>
-                <a:ea typeface="Calibri"/>
-                <a:cs typeface="Calibri"/>
-                <a:sym typeface="Calibri"/>
-              </a:rPr>
-              <a:t>www.syncmonk.net| info@syncmonk.net</a:t>
-            </a:r>
-            <a:endParaRPr/>
-          </a:p>
-        </p:txBody>
-      </p:sp>
     </p:spTree>
   </p:cSld>
   <p:clrMapOvr>
@@ -19837,56 +19203,6 @@
       </p:sp>
       <p:sp>
         <p:nvSpPr>
-          <p:cNvPr id="243" name="Google Shape;243;p7"/>
-          <p:cNvSpPr txBox="1">
-            <a:spLocks noGrp="1"/>
-          </p:cNvSpPr>
-          <p:nvPr>
-            <p:ph type="ftr" idx="11"/>
-          </p:nvPr>
-        </p:nvSpPr>
-        <p:spPr>
-          <a:prstGeom prst="rect">
-            <a:avLst/>
-          </a:prstGeom>
-          <a:noFill/>
-          <a:ln>
-            <a:noFill/>
-          </a:ln>
-        </p:spPr>
-        <p:txBody>
-          <a:bodyPr spcFirstLastPara="1" wrap="square" lIns="91425" tIns="45700" rIns="91425" bIns="45700" anchor="ctr" anchorCtr="0">
-            <a:noAutofit/>
-          </a:bodyPr>
-          <a:lstStyle/>
-          <a:p>
-            <a:pPr marL="0" lvl="0" indent="0" algn="l" rtl="0">
-              <a:lnSpc>
-                <a:spcPct val="100000"/>
-              </a:lnSpc>
-              <a:spcBef>
-                <a:spcPts val="0"/>
-              </a:spcBef>
-              <a:spcAft>
-                <a:spcPts val="0"/>
-              </a:spcAft>
-              <a:buSzPts val="1400"/>
-              <a:buNone/>
-            </a:pPr>
-            <a:r>
-              <a:rPr lang="en-US">
-                <a:solidFill>
-                  <a:srgbClr val="9E9E9E"/>
-                </a:solidFill>
-              </a:rPr>
-              <a:t>©2022 SyncMonk Technologies | SyncESMC</a:t>
-            </a:r>
-            <a:endParaRPr/>
-          </a:p>
-        </p:txBody>
-      </p:sp>
-      <p:sp>
-        <p:nvSpPr>
           <p:cNvPr id="244" name="Google Shape;244;p7"/>
           <p:cNvSpPr txBox="1">
             <a:spLocks noGrp="1"/>
@@ -19930,64 +19246,6 @@
             <a:r>
               <a:rPr lang="en-US"/>
               <a:t>External Interface</a:t>
-            </a:r>
-            <a:endParaRPr/>
-          </a:p>
-        </p:txBody>
-      </p:sp>
-      <p:sp>
-        <p:nvSpPr>
-          <p:cNvPr id="246" name="Google Shape;246;p7"/>
-          <p:cNvSpPr txBox="1"/>
-          <p:nvPr/>
-        </p:nvSpPr>
-        <p:spPr>
-          <a:xfrm>
-            <a:off x="7826678" y="6356349"/>
-            <a:ext cx="4114800" cy="365125"/>
-          </a:xfrm>
-          <a:prstGeom prst="rect">
-            <a:avLst/>
-          </a:prstGeom>
-          <a:noFill/>
-          <a:ln>
-            <a:noFill/>
-          </a:ln>
-        </p:spPr>
-        <p:txBody>
-          <a:bodyPr spcFirstLastPara="1" wrap="square" lIns="91425" tIns="45700" rIns="91425" bIns="45700" anchor="ctr" anchorCtr="0">
-            <a:noAutofit/>
-          </a:bodyPr>
-          <a:lstStyle/>
-          <a:p>
-            <a:pPr marL="0" marR="0" lvl="0" indent="0" algn="r" rtl="0">
-              <a:lnSpc>
-                <a:spcPct val="100000"/>
-              </a:lnSpc>
-              <a:spcBef>
-                <a:spcPts val="0"/>
-              </a:spcBef>
-              <a:spcAft>
-                <a:spcPts val="0"/>
-              </a:spcAft>
-              <a:buClr>
-                <a:srgbClr val="000000"/>
-              </a:buClr>
-              <a:buSzPts val="1400"/>
-              <a:buFont typeface="Arial"/>
-              <a:buNone/>
-            </a:pPr>
-            <a:r>
-              <a:rPr lang="en-US" sz="1200" b="0" i="0" u="none" strike="noStrike" cap="none">
-                <a:solidFill>
-                  <a:srgbClr val="9E9E9E"/>
-                </a:solidFill>
-                <a:latin typeface="Calibri"/>
-                <a:ea typeface="Calibri"/>
-                <a:cs typeface="Calibri"/>
-                <a:sym typeface="Calibri"/>
-              </a:rPr>
-              <a:t>www.syncmonk.net| info@syncmonk.net</a:t>
             </a:r>
             <a:endParaRPr/>
           </a:p>
@@ -20430,138 +19688,6 @@
   <p:cSld>
     <p:spTree>
       <p:nvGrpSpPr>
-        <p:cNvPr id="1" name="Shape 258"/>
-        <p:cNvGrpSpPr/>
-        <p:nvPr/>
-      </p:nvGrpSpPr>
-      <p:grpSpPr>
-        <a:xfrm>
-          <a:off x="0" y="0"/>
-          <a:ext cx="0" cy="0"/>
-          <a:chOff x="0" y="0"/>
-          <a:chExt cx="0" cy="0"/>
-        </a:xfrm>
-      </p:grpSpPr>
-      <p:pic>
-        <p:nvPicPr>
-          <p:cNvPr id="259" name="Google Shape;259;p36"/>
-          <p:cNvPicPr preferRelativeResize="0"/>
-          <p:nvPr/>
-        </p:nvPicPr>
-        <p:blipFill rotWithShape="1">
-          <a:blip r:embed="rId3">
-            <a:alphaModFix/>
-          </a:blip>
-          <a:srcRect/>
-          <a:stretch/>
-        </p:blipFill>
-        <p:spPr>
-          <a:xfrm>
-            <a:off x="0" y="870857"/>
-            <a:ext cx="12192000" cy="5987143"/>
-          </a:xfrm>
-          <a:prstGeom prst="rect">
-            <a:avLst/>
-          </a:prstGeom>
-          <a:noFill/>
-          <a:ln>
-            <a:noFill/>
-          </a:ln>
-        </p:spPr>
-      </p:pic>
-      <p:pic>
-        <p:nvPicPr>
-          <p:cNvPr id="260" name="Google Shape;260;p36"/>
-          <p:cNvPicPr preferRelativeResize="0"/>
-          <p:nvPr/>
-        </p:nvPicPr>
-        <p:blipFill rotWithShape="1">
-          <a:blip r:embed="rId4">
-            <a:alphaModFix/>
-          </a:blip>
-          <a:srcRect/>
-          <a:stretch/>
-        </p:blipFill>
-        <p:spPr>
-          <a:xfrm>
-            <a:off x="4400550" y="2847975"/>
-            <a:ext cx="3390900" cy="1162050"/>
-          </a:xfrm>
-          <a:prstGeom prst="rect">
-            <a:avLst/>
-          </a:prstGeom>
-          <a:noFill/>
-          <a:ln>
-            <a:noFill/>
-          </a:ln>
-        </p:spPr>
-      </p:pic>
-      <p:sp>
-        <p:nvSpPr>
-          <p:cNvPr id="261" name="Google Shape;261;p36"/>
-          <p:cNvSpPr txBox="1"/>
-          <p:nvPr/>
-        </p:nvSpPr>
-        <p:spPr>
-          <a:xfrm>
-            <a:off x="3600450" y="4286250"/>
-            <a:ext cx="5800725" cy="830997"/>
-          </a:xfrm>
-          <a:prstGeom prst="rect">
-            <a:avLst/>
-          </a:prstGeom>
-          <a:noFill/>
-          <a:ln>
-            <a:noFill/>
-          </a:ln>
-        </p:spPr>
-        <p:txBody>
-          <a:bodyPr spcFirstLastPara="1" wrap="square" lIns="91425" tIns="45700" rIns="91425" bIns="45700" anchor="t" anchorCtr="0">
-            <a:spAutoFit/>
-          </a:bodyPr>
-          <a:lstStyle/>
-          <a:p>
-            <a:pPr marL="0" marR="0" lvl="0" indent="0" algn="ctr" rtl="0">
-              <a:lnSpc>
-                <a:spcPct val="100000"/>
-              </a:lnSpc>
-              <a:spcBef>
-                <a:spcPts val="0"/>
-              </a:spcBef>
-              <a:spcAft>
-                <a:spcPts val="0"/>
-              </a:spcAft>
-              <a:buNone/>
-            </a:pPr>
-            <a:r>
-              <a:rPr lang="en-US" sz="2400" b="1" i="0" u="none" strike="noStrike" cap="none">
-                <a:solidFill>
-                  <a:schemeClr val="lt1"/>
-                </a:solidFill>
-                <a:latin typeface="Calibri"/>
-                <a:ea typeface="Calibri"/>
-                <a:cs typeface="Calibri"/>
-                <a:sym typeface="Calibri"/>
-              </a:rPr>
-              <a:t>Analyze, Optimize and Monetize your Network</a:t>
-            </a:r>
-            <a:endParaRPr/>
-          </a:p>
-        </p:txBody>
-      </p:sp>
-    </p:spTree>
-  </p:cSld>
-  <p:clrMapOvr>
-    <a:masterClrMapping/>
-  </p:clrMapOvr>
-</p:sld>
-</file>
-
-<file path=ppt/slides/slide16.xml><?xml version="1.0" encoding="utf-8"?>
-<p:sld xmlns:a="http://schemas.openxmlformats.org/drawingml/2006/main" xmlns:r="http://schemas.openxmlformats.org/officeDocument/2006/relationships" xmlns:p="http://schemas.openxmlformats.org/presentationml/2006/main">
-  <p:cSld>
-    <p:spTree>
-      <p:nvGrpSpPr>
         <p:cNvPr id="1" name="Shape 266"/>
         <p:cNvGrpSpPr/>
         <p:nvPr/>
@@ -20574,56 +19700,6 @@
           <a:chExt cx="0" cy="0"/>
         </a:xfrm>
       </p:grpSpPr>
-      <p:sp>
-        <p:nvSpPr>
-          <p:cNvPr id="267" name="Google Shape;267;p37"/>
-          <p:cNvSpPr txBox="1">
-            <a:spLocks noGrp="1"/>
-          </p:cNvSpPr>
-          <p:nvPr>
-            <p:ph type="ftr" idx="11"/>
-          </p:nvPr>
-        </p:nvSpPr>
-        <p:spPr>
-          <a:prstGeom prst="rect">
-            <a:avLst/>
-          </a:prstGeom>
-          <a:noFill/>
-          <a:ln>
-            <a:noFill/>
-          </a:ln>
-        </p:spPr>
-        <p:txBody>
-          <a:bodyPr spcFirstLastPara="1" wrap="square" lIns="91425" tIns="45700" rIns="91425" bIns="45700" anchor="ctr" anchorCtr="0">
-            <a:noAutofit/>
-          </a:bodyPr>
-          <a:lstStyle/>
-          <a:p>
-            <a:pPr marL="0" lvl="0" indent="0" algn="l" rtl="0">
-              <a:lnSpc>
-                <a:spcPct val="100000"/>
-              </a:lnSpc>
-              <a:spcBef>
-                <a:spcPts val="0"/>
-              </a:spcBef>
-              <a:spcAft>
-                <a:spcPts val="0"/>
-              </a:spcAft>
-              <a:buSzPts val="1400"/>
-              <a:buNone/>
-            </a:pPr>
-            <a:r>
-              <a:rPr lang="en-US">
-                <a:solidFill>
-                  <a:srgbClr val="9E9E9E"/>
-                </a:solidFill>
-              </a:rPr>
-              <a:t>©2023 SyncMonk Technologies</a:t>
-            </a:r>
-            <a:endParaRPr/>
-          </a:p>
-        </p:txBody>
-      </p:sp>
       <p:sp>
         <p:nvSpPr>
           <p:cNvPr id="268" name="Google Shape;268;p37"/>
@@ -20709,7 +19785,7 @@
 </p:sld>
 </file>
 
-<file path=ppt/slides/slide17.xml><?xml version="1.0" encoding="utf-8"?>
+<file path=ppt/slides/slide16.xml><?xml version="1.0" encoding="utf-8"?>
 <p:sld xmlns:a="http://schemas.openxmlformats.org/drawingml/2006/main" xmlns:r="http://schemas.openxmlformats.org/officeDocument/2006/relationships" xmlns:p="http://schemas.openxmlformats.org/presentationml/2006/main">
   <p:cSld>
     <p:spTree>
@@ -20726,56 +19802,6 @@
           <a:chExt cx="0" cy="0"/>
         </a:xfrm>
       </p:grpSpPr>
-      <p:sp>
-        <p:nvSpPr>
-          <p:cNvPr id="275" name="Google Shape;275;p38"/>
-          <p:cNvSpPr txBox="1">
-            <a:spLocks noGrp="1"/>
-          </p:cNvSpPr>
-          <p:nvPr>
-            <p:ph type="ftr" idx="11"/>
-          </p:nvPr>
-        </p:nvSpPr>
-        <p:spPr>
-          <a:prstGeom prst="rect">
-            <a:avLst/>
-          </a:prstGeom>
-          <a:noFill/>
-          <a:ln>
-            <a:noFill/>
-          </a:ln>
-        </p:spPr>
-        <p:txBody>
-          <a:bodyPr spcFirstLastPara="1" wrap="square" lIns="91425" tIns="45700" rIns="91425" bIns="45700" anchor="ctr" anchorCtr="0">
-            <a:noAutofit/>
-          </a:bodyPr>
-          <a:lstStyle/>
-          <a:p>
-            <a:pPr marL="0" lvl="0" indent="0" algn="l" rtl="0">
-              <a:lnSpc>
-                <a:spcPct val="100000"/>
-              </a:lnSpc>
-              <a:spcBef>
-                <a:spcPts val="0"/>
-              </a:spcBef>
-              <a:spcAft>
-                <a:spcPts val="0"/>
-              </a:spcAft>
-              <a:buSzPts val="1400"/>
-              <a:buNone/>
-            </a:pPr>
-            <a:r>
-              <a:rPr lang="en-US">
-                <a:solidFill>
-                  <a:srgbClr val="9E9E9E"/>
-                </a:solidFill>
-              </a:rPr>
-              <a:t>©2023 SyncMonk Technologies</a:t>
-            </a:r>
-            <a:endParaRPr/>
-          </a:p>
-        </p:txBody>
-      </p:sp>
       <p:sp>
         <p:nvSpPr>
           <p:cNvPr id="276" name="Google Shape;276;p38"/>
@@ -20861,7 +19887,7 @@
 </p:sld>
 </file>
 
-<file path=ppt/slides/slide18.xml><?xml version="1.0" encoding="utf-8"?>
+<file path=ppt/slides/slide17.xml><?xml version="1.0" encoding="utf-8"?>
 <p:sld xmlns:a="http://schemas.openxmlformats.org/drawingml/2006/main" xmlns:r="http://schemas.openxmlformats.org/officeDocument/2006/relationships" xmlns:p="http://schemas.openxmlformats.org/presentationml/2006/main">
   <p:cSld>
     <p:spTree>
@@ -20878,56 +19904,6 @@
           <a:chExt cx="0" cy="0"/>
         </a:xfrm>
       </p:grpSpPr>
-      <p:sp>
-        <p:nvSpPr>
-          <p:cNvPr id="283" name="Google Shape;283;p39"/>
-          <p:cNvSpPr txBox="1">
-            <a:spLocks noGrp="1"/>
-          </p:cNvSpPr>
-          <p:nvPr>
-            <p:ph type="ftr" idx="11"/>
-          </p:nvPr>
-        </p:nvSpPr>
-        <p:spPr>
-          <a:prstGeom prst="rect">
-            <a:avLst/>
-          </a:prstGeom>
-          <a:noFill/>
-          <a:ln>
-            <a:noFill/>
-          </a:ln>
-        </p:spPr>
-        <p:txBody>
-          <a:bodyPr spcFirstLastPara="1" wrap="square" lIns="91425" tIns="45700" rIns="91425" bIns="45700" anchor="ctr" anchorCtr="0">
-            <a:noAutofit/>
-          </a:bodyPr>
-          <a:lstStyle/>
-          <a:p>
-            <a:pPr marL="0" lvl="0" indent="0" algn="l" rtl="0">
-              <a:lnSpc>
-                <a:spcPct val="100000"/>
-              </a:lnSpc>
-              <a:spcBef>
-                <a:spcPts val="0"/>
-              </a:spcBef>
-              <a:spcAft>
-                <a:spcPts val="0"/>
-              </a:spcAft>
-              <a:buSzPts val="1400"/>
-              <a:buNone/>
-            </a:pPr>
-            <a:r>
-              <a:rPr lang="en-US">
-                <a:solidFill>
-                  <a:srgbClr val="9E9E9E"/>
-                </a:solidFill>
-              </a:rPr>
-              <a:t>©2023 SyncMonk Technologies</a:t>
-            </a:r>
-            <a:endParaRPr/>
-          </a:p>
-        </p:txBody>
-      </p:sp>
       <p:sp>
         <p:nvSpPr>
           <p:cNvPr id="284" name="Google Shape;284;p39"/>
@@ -21013,7 +19989,7 @@
 </p:sld>
 </file>
 
-<file path=ppt/slides/slide19.xml><?xml version="1.0" encoding="utf-8"?>
+<file path=ppt/slides/slide18.xml><?xml version="1.0" encoding="utf-8"?>
 <p:sld xmlns:a="http://schemas.openxmlformats.org/drawingml/2006/main" xmlns:r="http://schemas.openxmlformats.org/officeDocument/2006/relationships" xmlns:p="http://schemas.openxmlformats.org/presentationml/2006/main">
   <p:cSld>
     <p:spTree>
@@ -21030,56 +20006,6 @@
           <a:chExt cx="0" cy="0"/>
         </a:xfrm>
       </p:grpSpPr>
-      <p:sp>
-        <p:nvSpPr>
-          <p:cNvPr id="291" name="Google Shape;291;p40"/>
-          <p:cNvSpPr txBox="1">
-            <a:spLocks noGrp="1"/>
-          </p:cNvSpPr>
-          <p:nvPr>
-            <p:ph type="ftr" idx="11"/>
-          </p:nvPr>
-        </p:nvSpPr>
-        <p:spPr>
-          <a:prstGeom prst="rect">
-            <a:avLst/>
-          </a:prstGeom>
-          <a:noFill/>
-          <a:ln>
-            <a:noFill/>
-          </a:ln>
-        </p:spPr>
-        <p:txBody>
-          <a:bodyPr spcFirstLastPara="1" wrap="square" lIns="91425" tIns="45700" rIns="91425" bIns="45700" anchor="ctr" anchorCtr="0">
-            <a:noAutofit/>
-          </a:bodyPr>
-          <a:lstStyle/>
-          <a:p>
-            <a:pPr marL="0" lvl="0" indent="0" algn="l" rtl="0">
-              <a:lnSpc>
-                <a:spcPct val="100000"/>
-              </a:lnSpc>
-              <a:spcBef>
-                <a:spcPts val="0"/>
-              </a:spcBef>
-              <a:spcAft>
-                <a:spcPts val="0"/>
-              </a:spcAft>
-              <a:buSzPts val="1400"/>
-              <a:buNone/>
-            </a:pPr>
-            <a:r>
-              <a:rPr lang="en-US">
-                <a:solidFill>
-                  <a:srgbClr val="9E9E9E"/>
-                </a:solidFill>
-              </a:rPr>
-              <a:t>©2023 SyncMonk Technologies</a:t>
-            </a:r>
-            <a:endParaRPr/>
-          </a:p>
-        </p:txBody>
-      </p:sp>
       <p:sp>
         <p:nvSpPr>
           <p:cNvPr id="292" name="Google Shape;292;p40"/>
@@ -21147,6 +20073,108 @@
           <a:xfrm>
             <a:off x="518678" y="1501254"/>
             <a:ext cx="11334792" cy="4855096"/>
+          </a:xfrm>
+          <a:prstGeom prst="rect">
+            <a:avLst/>
+          </a:prstGeom>
+          <a:noFill/>
+          <a:ln>
+            <a:noFill/>
+          </a:ln>
+        </p:spPr>
+      </p:pic>
+    </p:spTree>
+  </p:cSld>
+  <p:clrMapOvr>
+    <a:masterClrMapping/>
+  </p:clrMapOvr>
+</p:sld>
+</file>
+
+<file path=ppt/slides/slide19.xml><?xml version="1.0" encoding="utf-8"?>
+<p:sld xmlns:a="http://schemas.openxmlformats.org/drawingml/2006/main" xmlns:r="http://schemas.openxmlformats.org/officeDocument/2006/relationships" xmlns:p="http://schemas.openxmlformats.org/presentationml/2006/main">
+  <p:cSld>
+    <p:spTree>
+      <p:nvGrpSpPr>
+        <p:cNvPr id="1" name="Shape 298"/>
+        <p:cNvGrpSpPr/>
+        <p:nvPr/>
+      </p:nvGrpSpPr>
+      <p:grpSpPr>
+        <a:xfrm>
+          <a:off x="0" y="0"/>
+          <a:ext cx="0" cy="0"/>
+          <a:chOff x="0" y="0"/>
+          <a:chExt cx="0" cy="0"/>
+        </a:xfrm>
+      </p:grpSpPr>
+      <p:sp>
+        <p:nvSpPr>
+          <p:cNvPr id="300" name="Google Shape;300;p41"/>
+          <p:cNvSpPr txBox="1">
+            <a:spLocks noGrp="1"/>
+          </p:cNvSpPr>
+          <p:nvPr>
+            <p:ph type="title"/>
+          </p:nvPr>
+        </p:nvSpPr>
+        <p:spPr>
+          <a:prstGeom prst="rect">
+            <a:avLst/>
+          </a:prstGeom>
+          <a:noFill/>
+          <a:ln>
+            <a:noFill/>
+          </a:ln>
+        </p:spPr>
+        <p:txBody>
+          <a:bodyPr spcFirstLastPara="1" wrap="square" lIns="91425" tIns="45700" rIns="91425" bIns="0" anchor="b" anchorCtr="0">
+            <a:normAutofit/>
+          </a:bodyPr>
+          <a:lstStyle/>
+          <a:p>
+            <a:pPr marL="0" lvl="0" indent="0" algn="l" rtl="0">
+              <a:lnSpc>
+                <a:spcPct val="90000"/>
+              </a:lnSpc>
+              <a:spcBef>
+                <a:spcPts val="0"/>
+              </a:spcBef>
+              <a:spcAft>
+                <a:spcPts val="0"/>
+              </a:spcAft>
+              <a:buClr>
+                <a:schemeClr val="accent1"/>
+              </a:buClr>
+              <a:buSzPts val="4400"/>
+              <a:buFont typeface="Calibri"/>
+              <a:buNone/>
+            </a:pPr>
+            <a:r>
+              <a:rPr lang="en-US"/>
+              <a:t>Clock Details</a:t>
+            </a:r>
+            <a:endParaRPr/>
+          </a:p>
+        </p:txBody>
+      </p:sp>
+      <p:pic>
+        <p:nvPicPr>
+          <p:cNvPr id="301" name="Google Shape;301;p41"/>
+          <p:cNvPicPr preferRelativeResize="0"/>
+          <p:nvPr/>
+        </p:nvPicPr>
+        <p:blipFill rotWithShape="1">
+          <a:blip r:embed="rId3">
+            <a:alphaModFix/>
+          </a:blip>
+          <a:srcRect/>
+          <a:stretch/>
+        </p:blipFill>
+        <p:spPr>
+          <a:xfrm>
+            <a:off x="518678" y="1776199"/>
+            <a:ext cx="11296160" cy="1652801"/>
           </a:xfrm>
           <a:prstGeom prst="rect">
             <a:avLst/>
@@ -21226,7 +20254,7 @@
               <a:buChar char="•"/>
             </a:pPr>
             <a:r>
-              <a:rPr lang="en-US" b="1">
+              <a:rPr lang="en-US" b="0" i="0" dirty="0">
                 <a:solidFill>
                   <a:srgbClr val="222222"/>
                 </a:solidFill>
@@ -21235,10 +20263,145 @@
                 <a:cs typeface="Calibri"/>
                 <a:sym typeface="Calibri"/>
               </a:rPr>
-              <a:t>SyncMonk</a:t>
+              <a:t>Solutions offered by are:</a:t>
+            </a:r>
+            <a:endParaRPr dirty="0"/>
+          </a:p>
+          <a:p>
+            <a:pPr marL="1028700" lvl="1" indent="-342900" algn="l" rtl="0">
+              <a:lnSpc>
+                <a:spcPct val="90000"/>
+              </a:lnSpc>
+              <a:spcBef>
+                <a:spcPts val="500"/>
+              </a:spcBef>
+              <a:spcAft>
+                <a:spcPts val="0"/>
+              </a:spcAft>
+              <a:buSzPts val="2400"/>
+              <a:buFont typeface="Arial"/>
+              <a:buChar char="•"/>
+            </a:pPr>
+            <a:r>
+              <a:rPr lang="en-US" b="1" i="0" dirty="0" err="1">
+                <a:solidFill>
+                  <a:srgbClr val="222222"/>
+                </a:solidFill>
+                <a:latin typeface="Calibri"/>
+                <a:ea typeface="Calibri"/>
+                <a:cs typeface="Calibri"/>
+                <a:sym typeface="Calibri"/>
+              </a:rPr>
+              <a:t>SyncESMC</a:t>
             </a:r>
             <a:r>
-              <a:rPr lang="en-US" b="1" i="0">
+              <a:rPr lang="en-US" b="1" i="0" dirty="0">
+                <a:solidFill>
+                  <a:srgbClr val="222222"/>
+                </a:solidFill>
+                <a:latin typeface="Calibri"/>
+                <a:ea typeface="Calibri"/>
+                <a:cs typeface="Calibri"/>
+                <a:sym typeface="Calibri"/>
+              </a:rPr>
+              <a:t> v1.0</a:t>
+            </a:r>
+            <a:r>
+              <a:rPr lang="en-US" b="0" i="0" dirty="0">
+                <a:solidFill>
+                  <a:srgbClr val="222222"/>
+                </a:solidFill>
+                <a:latin typeface="Calibri"/>
+                <a:ea typeface="Calibri"/>
+                <a:cs typeface="Calibri"/>
+                <a:sym typeface="Calibri"/>
+              </a:rPr>
+              <a:t>  an ESMC implementation based on ITU-T standard, </a:t>
+            </a:r>
+            <a:endParaRPr dirty="0"/>
+          </a:p>
+          <a:p>
+            <a:pPr marL="1028700" lvl="1" indent="-342900" algn="l" rtl="0">
+              <a:lnSpc>
+                <a:spcPct val="90000"/>
+              </a:lnSpc>
+              <a:spcBef>
+                <a:spcPts val="500"/>
+              </a:spcBef>
+              <a:spcAft>
+                <a:spcPts val="0"/>
+              </a:spcAft>
+              <a:buSzPts val="2400"/>
+              <a:buFont typeface="Arial"/>
+              <a:buChar char="•"/>
+            </a:pPr>
+            <a:r>
+              <a:rPr lang="en-US" b="1" i="0" dirty="0" err="1">
+                <a:solidFill>
+                  <a:srgbClr val="222222"/>
+                </a:solidFill>
+                <a:latin typeface="Calibri"/>
+                <a:ea typeface="Calibri"/>
+                <a:cs typeface="Calibri"/>
+                <a:sym typeface="Calibri"/>
+              </a:rPr>
+              <a:t>FishEye</a:t>
+            </a:r>
+            <a:r>
+              <a:rPr lang="en-US" b="1" i="0" dirty="0">
+                <a:solidFill>
+                  <a:srgbClr val="222222"/>
+                </a:solidFill>
+                <a:latin typeface="Calibri"/>
+                <a:ea typeface="Calibri"/>
+                <a:cs typeface="Calibri"/>
+                <a:sym typeface="Calibri"/>
+              </a:rPr>
+              <a:t> - Set your Vision</a:t>
+            </a:r>
+            <a:r>
+              <a:rPr lang="en-US" b="0" i="0" dirty="0">
+                <a:solidFill>
+                  <a:srgbClr val="222222"/>
+                </a:solidFill>
+                <a:latin typeface="Calibri"/>
+                <a:ea typeface="Calibri"/>
+                <a:cs typeface="Calibri"/>
+                <a:sym typeface="Calibri"/>
+              </a:rPr>
+              <a:t> Clock Monitoring tool for sync and time services</a:t>
+            </a:r>
+            <a:endParaRPr dirty="0"/>
+          </a:p>
+          <a:p>
+            <a:pPr marL="1028700" lvl="1" indent="-342900" algn="l" rtl="0">
+              <a:lnSpc>
+                <a:spcPct val="90000"/>
+              </a:lnSpc>
+              <a:spcBef>
+                <a:spcPts val="500"/>
+              </a:spcBef>
+              <a:spcAft>
+                <a:spcPts val="0"/>
+              </a:spcAft>
+              <a:buSzPts val="2400"/>
+              <a:buFont typeface="Arial"/>
+              <a:buChar char="•"/>
+            </a:pPr>
+            <a:r>
+              <a:rPr lang="en-US" b="1" i="0" dirty="0" err="1">
+                <a:solidFill>
+                  <a:srgbClr val="222222"/>
+                </a:solidFill>
+                <a:latin typeface="Calibri"/>
+                <a:ea typeface="Calibri"/>
+                <a:cs typeface="Calibri"/>
+                <a:sym typeface="Calibri"/>
+              </a:rPr>
+              <a:t>SyncPTP</a:t>
+            </a:r>
+            <a:r>
+              <a:rPr lang="en-US" b="0" i="0" dirty="0">
                 <a:solidFill>
                   <a:srgbClr val="222222"/>
                 </a:solidFill>
@@ -21250,7 +20413,7 @@
               <a:t> </a:t>
             </a:r>
             <a:r>
-              <a:rPr lang="en-US" b="0" i="0">
+              <a:rPr lang="en-US" b="0" i="0" dirty="0" err="1">
                 <a:solidFill>
                   <a:srgbClr val="222222"/>
                 </a:solidFill>
@@ -21259,27 +20422,10 @@
                 <a:cs typeface="Calibri"/>
                 <a:sym typeface="Calibri"/>
               </a:rPr>
-              <a:t>is an early stage bootstrapped startup founded in 2020. We are based in Bangalore, India with main focus on time synchronization services and products. SyncMonk provides complete integration services to Telecom, Networking and Semiconductor companies. </a:t>
+              <a:t>ptp</a:t>
             </a:r>
-            <a:endParaRPr/>
-          </a:p>
-          <a:p>
-            <a:pPr marL="571500" lvl="0" indent="-342900" algn="l" rtl="0">
-              <a:lnSpc>
-                <a:spcPct val="90000"/>
-              </a:lnSpc>
-              <a:spcBef>
-                <a:spcPts val="1000"/>
-              </a:spcBef>
-              <a:spcAft>
-                <a:spcPts val="0"/>
-              </a:spcAft>
-              <a:buSzPts val="2400"/>
-              <a:buFont typeface="Arial"/>
-              <a:buChar char="•"/>
-            </a:pPr>
             <a:r>
-              <a:rPr lang="en-US" b="0" i="0">
+              <a:rPr lang="en-US" b="0" i="0" dirty="0">
                 <a:solidFill>
                   <a:srgbClr val="222222"/>
                 </a:solidFill>
@@ -21288,12 +20434,12 @@
                 <a:cs typeface="Calibri"/>
                 <a:sym typeface="Calibri"/>
               </a:rPr>
-              <a:t>SyncMonk believes in innovating things and is working on the Time Services portfolio including software  and hardware solutions. </a:t>
+              <a:t> stack optimized and in compliance with IEEE 1588-2019 standard and respective profiles. </a:t>
             </a:r>
-            <a:endParaRPr/>
-          </a:p>
-          <a:p>
-            <a:pPr marL="571500" lvl="0" indent="-342900" algn="l" rtl="0">
+            <a:endParaRPr dirty="0"/>
+          </a:p>
+          <a:p>
+            <a:pPr marL="571500" lvl="0" indent="-190500" algn="l" rtl="0">
               <a:lnSpc>
                 <a:spcPct val="90000"/>
               </a:lnSpc>
@@ -21303,244 +20449,18 @@
               <a:spcAft>
                 <a:spcPts val="0"/>
               </a:spcAft>
+              <a:buClr>
+                <a:srgbClr val="C00000"/>
+              </a:buClr>
               <a:buSzPts val="2400"/>
               <a:buFont typeface="Arial"/>
-              <a:buChar char="•"/>
+              <a:buNone/>
             </a:pPr>
-            <a:r>
-              <a:rPr lang="en-US" b="0" i="0">
-                <a:solidFill>
-                  <a:srgbClr val="222222"/>
-                </a:solidFill>
-                <a:latin typeface="Calibri"/>
-                <a:ea typeface="Calibri"/>
-                <a:cs typeface="Calibri"/>
-                <a:sym typeface="Calibri"/>
-              </a:rPr>
-              <a:t>Solutions offered by </a:t>
-            </a:r>
-            <a:r>
-              <a:rPr lang="en-US">
-                <a:solidFill>
-                  <a:srgbClr val="222222"/>
-                </a:solidFill>
-                <a:latin typeface="Calibri"/>
-                <a:ea typeface="Calibri"/>
-                <a:cs typeface="Calibri"/>
-                <a:sym typeface="Calibri"/>
-              </a:rPr>
-              <a:t>S</a:t>
-            </a:r>
-            <a:r>
-              <a:rPr lang="en-US" b="0" i="0">
-                <a:solidFill>
-                  <a:srgbClr val="222222"/>
-                </a:solidFill>
-                <a:latin typeface="Calibri"/>
-                <a:ea typeface="Calibri"/>
-                <a:cs typeface="Calibri"/>
-                <a:sym typeface="Calibri"/>
-              </a:rPr>
-              <a:t>yncMonk are:</a:t>
-            </a:r>
-            <a:endParaRPr/>
-          </a:p>
-          <a:p>
-            <a:pPr marL="1028700" lvl="1" indent="-342900" algn="l" rtl="0">
-              <a:lnSpc>
-                <a:spcPct val="90000"/>
-              </a:lnSpc>
-              <a:spcBef>
-                <a:spcPts val="500"/>
-              </a:spcBef>
-              <a:spcAft>
-                <a:spcPts val="0"/>
-              </a:spcAft>
-              <a:buSzPts val="2400"/>
-              <a:buFont typeface="Arial"/>
-              <a:buChar char="•"/>
-            </a:pPr>
-            <a:r>
-              <a:rPr lang="en-US" b="1" i="0">
-                <a:solidFill>
-                  <a:srgbClr val="222222"/>
-                </a:solidFill>
-                <a:latin typeface="Calibri"/>
-                <a:ea typeface="Calibri"/>
-                <a:cs typeface="Calibri"/>
-                <a:sym typeface="Calibri"/>
-              </a:rPr>
-              <a:t>SyncESMC v1.0</a:t>
-            </a:r>
-            <a:r>
-              <a:rPr lang="en-US" b="0" i="0">
-                <a:solidFill>
-                  <a:srgbClr val="222222"/>
-                </a:solidFill>
-                <a:latin typeface="Calibri"/>
-                <a:ea typeface="Calibri"/>
-                <a:cs typeface="Calibri"/>
-                <a:sym typeface="Calibri"/>
-              </a:rPr>
-              <a:t>  an ESMC implementation based on ITU-T standard, </a:t>
-            </a:r>
-            <a:endParaRPr/>
-          </a:p>
-          <a:p>
-            <a:pPr marL="1028700" lvl="1" indent="-342900" algn="l" rtl="0">
-              <a:lnSpc>
-                <a:spcPct val="90000"/>
-              </a:lnSpc>
-              <a:spcBef>
-                <a:spcPts val="500"/>
-              </a:spcBef>
-              <a:spcAft>
-                <a:spcPts val="0"/>
-              </a:spcAft>
-              <a:buSzPts val="2400"/>
-              <a:buFont typeface="Arial"/>
-              <a:buChar char="•"/>
-            </a:pPr>
-            <a:r>
-              <a:rPr lang="en-US" b="1" i="0">
-                <a:solidFill>
-                  <a:srgbClr val="222222"/>
-                </a:solidFill>
-                <a:latin typeface="Calibri"/>
-                <a:ea typeface="Calibri"/>
-                <a:cs typeface="Calibri"/>
-                <a:sym typeface="Calibri"/>
-              </a:rPr>
-              <a:t>FishEye - Set your Vision</a:t>
-            </a:r>
-            <a:r>
-              <a:rPr lang="en-US" b="0" i="0">
-                <a:solidFill>
-                  <a:srgbClr val="222222"/>
-                </a:solidFill>
-                <a:latin typeface="Calibri"/>
-                <a:ea typeface="Calibri"/>
-                <a:cs typeface="Calibri"/>
-                <a:sym typeface="Calibri"/>
-              </a:rPr>
-              <a:t> Clock Monitoring tool for sync and time services</a:t>
-            </a:r>
-            <a:endParaRPr/>
-          </a:p>
-          <a:p>
-            <a:pPr marL="1028700" lvl="1" indent="-342900" algn="l" rtl="0">
-              <a:lnSpc>
-                <a:spcPct val="90000"/>
-              </a:lnSpc>
-              <a:spcBef>
-                <a:spcPts val="500"/>
-              </a:spcBef>
-              <a:spcAft>
-                <a:spcPts val="0"/>
-              </a:spcAft>
-              <a:buSzPts val="2400"/>
-              <a:buFont typeface="Arial"/>
-              <a:buChar char="•"/>
-            </a:pPr>
-            <a:r>
-              <a:rPr lang="en-US" b="1" i="0">
-                <a:solidFill>
-                  <a:srgbClr val="222222"/>
-                </a:solidFill>
-                <a:latin typeface="Calibri"/>
-                <a:ea typeface="Calibri"/>
-                <a:cs typeface="Calibri"/>
-                <a:sym typeface="Calibri"/>
-              </a:rPr>
-              <a:t>SyncPTP</a:t>
-            </a:r>
-            <a:r>
-              <a:rPr lang="en-US" b="0" i="0">
-                <a:solidFill>
-                  <a:srgbClr val="222222"/>
-                </a:solidFill>
-                <a:latin typeface="Calibri"/>
-                <a:ea typeface="Calibri"/>
-                <a:cs typeface="Calibri"/>
-                <a:sym typeface="Calibri"/>
-              </a:rPr>
-              <a:t> ptp stack optimized and in compliance with IEEE 1588-2019 standard and respective profiles. </a:t>
-            </a:r>
-            <a:endParaRPr/>
-          </a:p>
-          <a:p>
-            <a:pPr marL="571500" lvl="0" indent="-190500" algn="l" rtl="0">
-              <a:lnSpc>
-                <a:spcPct val="90000"/>
-              </a:lnSpc>
-              <a:spcBef>
-                <a:spcPts val="1000"/>
-              </a:spcBef>
-              <a:spcAft>
-                <a:spcPts val="0"/>
-              </a:spcAft>
-              <a:buClr>
-                <a:srgbClr val="C00000"/>
-              </a:buClr>
-              <a:buSzPts val="2400"/>
-              <a:buFont typeface="Arial"/>
-              <a:buNone/>
-            </a:pPr>
-            <a:endParaRPr>
+            <a:endParaRPr dirty="0">
               <a:solidFill>
                 <a:schemeClr val="dk1"/>
               </a:solidFill>
             </a:endParaRPr>
-          </a:p>
-        </p:txBody>
-      </p:sp>
-      <p:sp>
-        <p:nvSpPr>
-          <p:cNvPr id="78" name="Google Shape;78;p33"/>
-          <p:cNvSpPr txBox="1">
-            <a:spLocks noGrp="1"/>
-          </p:cNvSpPr>
-          <p:nvPr>
-            <p:ph type="ftr" idx="11"/>
-          </p:nvPr>
-        </p:nvSpPr>
-        <p:spPr>
-          <a:prstGeom prst="rect">
-            <a:avLst/>
-          </a:prstGeom>
-          <a:noFill/>
-          <a:ln>
-            <a:noFill/>
-          </a:ln>
-        </p:spPr>
-        <p:txBody>
-          <a:bodyPr spcFirstLastPara="1" wrap="square" lIns="91425" tIns="45700" rIns="91425" bIns="45700" anchor="ctr" anchorCtr="0">
-            <a:noAutofit/>
-          </a:bodyPr>
-          <a:lstStyle/>
-          <a:p>
-            <a:pPr marL="0" lvl="0" indent="0" algn="l" rtl="0">
-              <a:lnSpc>
-                <a:spcPct val="100000"/>
-              </a:lnSpc>
-              <a:spcBef>
-                <a:spcPts val="0"/>
-              </a:spcBef>
-              <a:spcAft>
-                <a:spcPts val="0"/>
-              </a:spcAft>
-              <a:buSzPts val="1400"/>
-              <a:buNone/>
-            </a:pPr>
-            <a:r>
-              <a:rPr lang="en-US">
-                <a:solidFill>
-                  <a:srgbClr val="9E9E9E"/>
-                </a:solidFill>
-              </a:rPr>
-              <a:t>©2022 SyncMonk Technologies | SyncESMC</a:t>
-            </a:r>
-            <a:endParaRPr/>
           </a:p>
         </p:txBody>
       </p:sp>
@@ -21594,216 +20514,6 @@
           </a:p>
         </p:txBody>
       </p:sp>
-      <p:sp>
-        <p:nvSpPr>
-          <p:cNvPr id="79" name="Google Shape;79;p33"/>
-          <p:cNvSpPr txBox="1"/>
-          <p:nvPr/>
-        </p:nvSpPr>
-        <p:spPr>
-          <a:xfrm>
-            <a:off x="7826678" y="6356349"/>
-            <a:ext cx="4114800" cy="365125"/>
-          </a:xfrm>
-          <a:prstGeom prst="rect">
-            <a:avLst/>
-          </a:prstGeom>
-          <a:noFill/>
-          <a:ln>
-            <a:noFill/>
-          </a:ln>
-        </p:spPr>
-        <p:txBody>
-          <a:bodyPr spcFirstLastPara="1" wrap="square" lIns="91425" tIns="45700" rIns="91425" bIns="45700" anchor="ctr" anchorCtr="0">
-            <a:noAutofit/>
-          </a:bodyPr>
-          <a:lstStyle/>
-          <a:p>
-            <a:pPr marL="0" marR="0" lvl="0" indent="0" algn="r" rtl="0">
-              <a:lnSpc>
-                <a:spcPct val="100000"/>
-              </a:lnSpc>
-              <a:spcBef>
-                <a:spcPts val="0"/>
-              </a:spcBef>
-              <a:spcAft>
-                <a:spcPts val="0"/>
-              </a:spcAft>
-              <a:buClr>
-                <a:srgbClr val="000000"/>
-              </a:buClr>
-              <a:buSzPts val="1400"/>
-              <a:buFont typeface="Arial"/>
-              <a:buNone/>
-            </a:pPr>
-            <a:r>
-              <a:rPr lang="en-US" sz="1200" b="0" i="0" u="none" strike="noStrike" cap="none">
-                <a:solidFill>
-                  <a:srgbClr val="9E9E9E"/>
-                </a:solidFill>
-                <a:latin typeface="Calibri"/>
-                <a:ea typeface="Calibri"/>
-                <a:cs typeface="Calibri"/>
-                <a:sym typeface="Calibri"/>
-              </a:rPr>
-              <a:t>www.syncmonk.net| info@syncmonk.net</a:t>
-            </a:r>
-            <a:endParaRPr/>
-          </a:p>
-        </p:txBody>
-      </p:sp>
-    </p:spTree>
-  </p:cSld>
-  <p:clrMapOvr>
-    <a:masterClrMapping/>
-  </p:clrMapOvr>
-</p:sld>
-</file>
-
-<file path=ppt/slides/slide20.xml><?xml version="1.0" encoding="utf-8"?>
-<p:sld xmlns:a="http://schemas.openxmlformats.org/drawingml/2006/main" xmlns:r="http://schemas.openxmlformats.org/officeDocument/2006/relationships" xmlns:p="http://schemas.openxmlformats.org/presentationml/2006/main">
-  <p:cSld>
-    <p:spTree>
-      <p:nvGrpSpPr>
-        <p:cNvPr id="1" name="Shape 298"/>
-        <p:cNvGrpSpPr/>
-        <p:nvPr/>
-      </p:nvGrpSpPr>
-      <p:grpSpPr>
-        <a:xfrm>
-          <a:off x="0" y="0"/>
-          <a:ext cx="0" cy="0"/>
-          <a:chOff x="0" y="0"/>
-          <a:chExt cx="0" cy="0"/>
-        </a:xfrm>
-      </p:grpSpPr>
-      <p:sp>
-        <p:nvSpPr>
-          <p:cNvPr id="299" name="Google Shape;299;p41"/>
-          <p:cNvSpPr txBox="1">
-            <a:spLocks noGrp="1"/>
-          </p:cNvSpPr>
-          <p:nvPr>
-            <p:ph type="ftr" idx="11"/>
-          </p:nvPr>
-        </p:nvSpPr>
-        <p:spPr>
-          <a:prstGeom prst="rect">
-            <a:avLst/>
-          </a:prstGeom>
-          <a:noFill/>
-          <a:ln>
-            <a:noFill/>
-          </a:ln>
-        </p:spPr>
-        <p:txBody>
-          <a:bodyPr spcFirstLastPara="1" wrap="square" lIns="91425" tIns="45700" rIns="91425" bIns="45700" anchor="ctr" anchorCtr="0">
-            <a:noAutofit/>
-          </a:bodyPr>
-          <a:lstStyle/>
-          <a:p>
-            <a:pPr marL="0" lvl="0" indent="0" algn="l" rtl="0">
-              <a:lnSpc>
-                <a:spcPct val="100000"/>
-              </a:lnSpc>
-              <a:spcBef>
-                <a:spcPts val="0"/>
-              </a:spcBef>
-              <a:spcAft>
-                <a:spcPts val="0"/>
-              </a:spcAft>
-              <a:buSzPts val="1400"/>
-              <a:buNone/>
-            </a:pPr>
-            <a:r>
-              <a:rPr lang="en-US">
-                <a:solidFill>
-                  <a:srgbClr val="9E9E9E"/>
-                </a:solidFill>
-              </a:rPr>
-              <a:t>©2023 SyncMonk Technologies</a:t>
-            </a:r>
-            <a:endParaRPr/>
-          </a:p>
-        </p:txBody>
-      </p:sp>
-      <p:sp>
-        <p:nvSpPr>
-          <p:cNvPr id="300" name="Google Shape;300;p41"/>
-          <p:cNvSpPr txBox="1">
-            <a:spLocks noGrp="1"/>
-          </p:cNvSpPr>
-          <p:nvPr>
-            <p:ph type="title"/>
-          </p:nvPr>
-        </p:nvSpPr>
-        <p:spPr>
-          <a:prstGeom prst="rect">
-            <a:avLst/>
-          </a:prstGeom>
-          <a:noFill/>
-          <a:ln>
-            <a:noFill/>
-          </a:ln>
-        </p:spPr>
-        <p:txBody>
-          <a:bodyPr spcFirstLastPara="1" wrap="square" lIns="91425" tIns="45700" rIns="91425" bIns="0" anchor="b" anchorCtr="0">
-            <a:normAutofit/>
-          </a:bodyPr>
-          <a:lstStyle/>
-          <a:p>
-            <a:pPr marL="0" lvl="0" indent="0" algn="l" rtl="0">
-              <a:lnSpc>
-                <a:spcPct val="90000"/>
-              </a:lnSpc>
-              <a:spcBef>
-                <a:spcPts val="0"/>
-              </a:spcBef>
-              <a:spcAft>
-                <a:spcPts val="0"/>
-              </a:spcAft>
-              <a:buClr>
-                <a:schemeClr val="accent1"/>
-              </a:buClr>
-              <a:buSzPts val="4400"/>
-              <a:buFont typeface="Calibri"/>
-              <a:buNone/>
-            </a:pPr>
-            <a:r>
-              <a:rPr lang="en-US"/>
-              <a:t>Clock Details</a:t>
-            </a:r>
-            <a:endParaRPr/>
-          </a:p>
-        </p:txBody>
-      </p:sp>
-      <p:pic>
-        <p:nvPicPr>
-          <p:cNvPr id="301" name="Google Shape;301;p41"/>
-          <p:cNvPicPr preferRelativeResize="0"/>
-          <p:nvPr/>
-        </p:nvPicPr>
-        <p:blipFill rotWithShape="1">
-          <a:blip r:embed="rId3">
-            <a:alphaModFix/>
-          </a:blip>
-          <a:srcRect/>
-          <a:stretch/>
-        </p:blipFill>
-        <p:spPr>
-          <a:xfrm>
-            <a:off x="518678" y="1776199"/>
-            <a:ext cx="11296160" cy="1652801"/>
-          </a:xfrm>
-          <a:prstGeom prst="rect">
-            <a:avLst/>
-          </a:prstGeom>
-          <a:noFill/>
-          <a:ln>
-            <a:noFill/>
-          </a:ln>
-        </p:spPr>
-      </p:pic>
     </p:spTree>
   </p:cSld>
   <p:clrMapOvr>
@@ -22364,10 +21074,10 @@
               <a:buChar char="•"/>
             </a:pPr>
             <a:r>
-              <a:rPr lang="en-US"/>
+              <a:rPr lang="en-US" dirty="0"/>
               <a:t>ESMC is a Logical Channel which transmits SSM information.</a:t>
             </a:r>
-            <a:endParaRPr/>
+            <a:endParaRPr dirty="0"/>
           </a:p>
           <a:p>
             <a:pPr marL="571500" lvl="0" indent="-342900" algn="l" rtl="0">
@@ -22388,10 +21098,10 @@
               <a:buChar char="•"/>
             </a:pPr>
             <a:r>
-              <a:rPr lang="en-US"/>
+              <a:rPr lang="en-US" dirty="0"/>
               <a:t>The SSM information determines the Quality level of EEC.</a:t>
             </a:r>
-            <a:endParaRPr/>
+            <a:endParaRPr dirty="0"/>
           </a:p>
           <a:p>
             <a:pPr marL="571500" lvl="0" indent="-342900" algn="l" rtl="0">
@@ -22412,10 +21122,10 @@
               <a:buChar char="•"/>
             </a:pPr>
             <a:r>
-              <a:rPr lang="en-US"/>
+              <a:rPr lang="en-US" dirty="0"/>
               <a:t>It is based on ITU-T G.8264 (03/2018) and ITU-T G.781 (04/2020)</a:t>
             </a:r>
-            <a:endParaRPr/>
+            <a:endParaRPr dirty="0"/>
           </a:p>
           <a:p>
             <a:pPr marL="571500" lvl="0" indent="-342900" algn="l" rtl="0">
@@ -22436,10 +21146,10 @@
               <a:buChar char="•"/>
             </a:pPr>
             <a:r>
-              <a:rPr lang="en-US"/>
+              <a:rPr lang="en-US" dirty="0"/>
               <a:t>Ethernet SSM is ITU-T-defined Ethernet Slow Protocol.</a:t>
             </a:r>
-            <a:endParaRPr/>
+            <a:endParaRPr dirty="0"/>
           </a:p>
         </p:txBody>
       </p:sp>
@@ -22696,7 +21406,7 @@
               <a:buNone/>
             </a:pPr>
             <a:r>
-              <a:rPr lang="en-US" b="0" i="0">
+              <a:rPr lang="en-US" b="0" i="0" dirty="0">
                 <a:solidFill>
                   <a:srgbClr val="202122"/>
                 </a:solidFill>
@@ -22707,115 +21417,7 @@
               </a:rPr>
               <a:t>Synchronization Network Topology</a:t>
             </a:r>
-            <a:endParaRPr/>
-          </a:p>
-        </p:txBody>
-      </p:sp>
-      <p:sp>
-        <p:nvSpPr>
-          <p:cNvPr id="103" name="Google Shape;103;p34"/>
-          <p:cNvSpPr txBox="1">
-            <a:spLocks noGrp="1"/>
-          </p:cNvSpPr>
-          <p:nvPr>
-            <p:ph type="ftr" idx="11"/>
-          </p:nvPr>
-        </p:nvSpPr>
-        <p:spPr>
-          <a:prstGeom prst="rect">
-            <a:avLst/>
-          </a:prstGeom>
-          <a:noFill/>
-          <a:ln>
-            <a:noFill/>
-          </a:ln>
-        </p:spPr>
-        <p:txBody>
-          <a:bodyPr spcFirstLastPara="1" wrap="square" lIns="91425" tIns="45700" rIns="91425" bIns="45700" anchor="ctr" anchorCtr="0">
-            <a:noAutofit/>
-          </a:bodyPr>
-          <a:lstStyle/>
-          <a:p>
-            <a:pPr marL="0" lvl="0" indent="0" algn="l" rtl="0">
-              <a:lnSpc>
-                <a:spcPct val="100000"/>
-              </a:lnSpc>
-              <a:spcBef>
-                <a:spcPts val="0"/>
-              </a:spcBef>
-              <a:spcAft>
-                <a:spcPts val="0"/>
-              </a:spcAft>
-              <a:buSzPts val="1400"/>
-              <a:buNone/>
-            </a:pPr>
-            <a:r>
-              <a:rPr lang="en-US">
-                <a:solidFill>
-                  <a:srgbClr val="9E9E9E"/>
-                </a:solidFill>
-              </a:rPr>
-              <a:t>©2022 SyncMonk Technologies | SyncESMC</a:t>
-            </a:r>
-            <a:endParaRPr/>
-          </a:p>
-        </p:txBody>
-      </p:sp>
-      <p:sp>
-        <p:nvSpPr>
-          <p:cNvPr id="104" name="Google Shape;104;p34"/>
-          <p:cNvSpPr txBox="1"/>
-          <p:nvPr/>
-        </p:nvSpPr>
-        <p:spPr>
-          <a:xfrm>
-            <a:off x="7826678" y="6356349"/>
-            <a:ext cx="4114800" cy="365125"/>
-          </a:xfrm>
-          <a:prstGeom prst="rect">
-            <a:avLst/>
-          </a:prstGeom>
-          <a:noFill/>
-          <a:ln>
-            <a:noFill/>
-          </a:ln>
-        </p:spPr>
-        <p:txBody>
-          <a:bodyPr spcFirstLastPara="1" wrap="square" lIns="91425" tIns="45700" rIns="91425" bIns="45700" anchor="ctr" anchorCtr="0">
-            <a:noAutofit/>
-          </a:bodyPr>
-          <a:lstStyle/>
-          <a:p>
-            <a:pPr marL="0" marR="0" lvl="0" indent="0" algn="r" rtl="0">
-              <a:lnSpc>
-                <a:spcPct val="100000"/>
-              </a:lnSpc>
-              <a:spcBef>
-                <a:spcPts val="0"/>
-              </a:spcBef>
-              <a:spcAft>
-                <a:spcPts val="0"/>
-              </a:spcAft>
-              <a:buClr>
-                <a:srgbClr val="000000"/>
-              </a:buClr>
-              <a:buSzPts val="1400"/>
-              <a:buFont typeface="Arial"/>
-              <a:buNone/>
-            </a:pPr>
-            <a:r>
-              <a:rPr lang="en-US" sz="1200" b="0" i="0" u="none" strike="noStrike" cap="none">
-                <a:solidFill>
-                  <a:srgbClr val="9E9E9E"/>
-                </a:solidFill>
-                <a:latin typeface="Calibri"/>
-                <a:ea typeface="Calibri"/>
-                <a:cs typeface="Calibri"/>
-                <a:sym typeface="Calibri"/>
-              </a:rPr>
-              <a:t>www.syncmonk.net| info@syncmonk.net</a:t>
-            </a:r>
-            <a:endParaRPr/>
+            <a:endParaRPr dirty="0"/>
           </a:p>
         </p:txBody>
       </p:sp>
@@ -23091,56 +21693,6 @@
       </p:sp>
       <p:sp>
         <p:nvSpPr>
-          <p:cNvPr id="110" name="Google Shape;110;p10"/>
-          <p:cNvSpPr txBox="1">
-            <a:spLocks noGrp="1"/>
-          </p:cNvSpPr>
-          <p:nvPr>
-            <p:ph type="ftr" idx="11"/>
-          </p:nvPr>
-        </p:nvSpPr>
-        <p:spPr>
-          <a:prstGeom prst="rect">
-            <a:avLst/>
-          </a:prstGeom>
-          <a:noFill/>
-          <a:ln>
-            <a:noFill/>
-          </a:ln>
-        </p:spPr>
-        <p:txBody>
-          <a:bodyPr spcFirstLastPara="1" wrap="square" lIns="91425" tIns="45700" rIns="91425" bIns="45700" anchor="ctr" anchorCtr="0">
-            <a:noAutofit/>
-          </a:bodyPr>
-          <a:lstStyle/>
-          <a:p>
-            <a:pPr marL="0" lvl="0" indent="0" algn="l" rtl="0">
-              <a:lnSpc>
-                <a:spcPct val="100000"/>
-              </a:lnSpc>
-              <a:spcBef>
-                <a:spcPts val="0"/>
-              </a:spcBef>
-              <a:spcAft>
-                <a:spcPts val="0"/>
-              </a:spcAft>
-              <a:buSzPts val="1400"/>
-              <a:buNone/>
-            </a:pPr>
-            <a:r>
-              <a:rPr lang="en-US">
-                <a:solidFill>
-                  <a:srgbClr val="9E9E9E"/>
-                </a:solidFill>
-              </a:rPr>
-              <a:t>©2022 SyncMonk Technologies | SyncESMC</a:t>
-            </a:r>
-            <a:endParaRPr/>
-          </a:p>
-        </p:txBody>
-      </p:sp>
-      <p:sp>
-        <p:nvSpPr>
           <p:cNvPr id="111" name="Google Shape;111;p10"/>
           <p:cNvSpPr txBox="1">
             <a:spLocks noGrp="1"/>
@@ -23184,64 +21736,6 @@
             <a:r>
               <a:rPr lang="en-US"/>
               <a:t>Why SyncESMC</a:t>
-            </a:r>
-            <a:endParaRPr/>
-          </a:p>
-        </p:txBody>
-      </p:sp>
-      <p:sp>
-        <p:nvSpPr>
-          <p:cNvPr id="113" name="Google Shape;113;p10"/>
-          <p:cNvSpPr txBox="1"/>
-          <p:nvPr/>
-        </p:nvSpPr>
-        <p:spPr>
-          <a:xfrm>
-            <a:off x="7826678" y="6356349"/>
-            <a:ext cx="4114800" cy="365125"/>
-          </a:xfrm>
-          <a:prstGeom prst="rect">
-            <a:avLst/>
-          </a:prstGeom>
-          <a:noFill/>
-          <a:ln>
-            <a:noFill/>
-          </a:ln>
-        </p:spPr>
-        <p:txBody>
-          <a:bodyPr spcFirstLastPara="1" wrap="square" lIns="91425" tIns="45700" rIns="91425" bIns="45700" anchor="ctr" anchorCtr="0">
-            <a:noAutofit/>
-          </a:bodyPr>
-          <a:lstStyle/>
-          <a:p>
-            <a:pPr marL="0" marR="0" lvl="0" indent="0" algn="r" rtl="0">
-              <a:lnSpc>
-                <a:spcPct val="100000"/>
-              </a:lnSpc>
-              <a:spcBef>
-                <a:spcPts val="0"/>
-              </a:spcBef>
-              <a:spcAft>
-                <a:spcPts val="0"/>
-              </a:spcAft>
-              <a:buClr>
-                <a:srgbClr val="000000"/>
-              </a:buClr>
-              <a:buSzPts val="1400"/>
-              <a:buFont typeface="Arial"/>
-              <a:buNone/>
-            </a:pPr>
-            <a:r>
-              <a:rPr lang="en-US" sz="1200" b="0" i="0" u="none" strike="noStrike" cap="none">
-                <a:solidFill>
-                  <a:srgbClr val="9E9E9E"/>
-                </a:solidFill>
-                <a:latin typeface="Calibri"/>
-                <a:ea typeface="Calibri"/>
-                <a:cs typeface="Calibri"/>
-                <a:sym typeface="Calibri"/>
-              </a:rPr>
-              <a:t>www.syncmonk.net| info@syncmonk.net</a:t>
             </a:r>
             <a:endParaRPr/>
           </a:p>
@@ -23294,56 +21788,6 @@
       </p:grpSpPr>
       <p:sp>
         <p:nvSpPr>
-          <p:cNvPr id="119" name="Google Shape;119;p4"/>
-          <p:cNvSpPr txBox="1">
-            <a:spLocks noGrp="1"/>
-          </p:cNvSpPr>
-          <p:nvPr>
-            <p:ph type="ftr" idx="11"/>
-          </p:nvPr>
-        </p:nvSpPr>
-        <p:spPr>
-          <a:prstGeom prst="rect">
-            <a:avLst/>
-          </a:prstGeom>
-          <a:noFill/>
-          <a:ln>
-            <a:noFill/>
-          </a:ln>
-        </p:spPr>
-        <p:txBody>
-          <a:bodyPr spcFirstLastPara="1" wrap="square" lIns="91425" tIns="45700" rIns="91425" bIns="45700" anchor="ctr" anchorCtr="0">
-            <a:noAutofit/>
-          </a:bodyPr>
-          <a:lstStyle/>
-          <a:p>
-            <a:pPr marL="0" lvl="0" indent="0" algn="l" rtl="0">
-              <a:lnSpc>
-                <a:spcPct val="100000"/>
-              </a:lnSpc>
-              <a:spcBef>
-                <a:spcPts val="0"/>
-              </a:spcBef>
-              <a:spcAft>
-                <a:spcPts val="0"/>
-              </a:spcAft>
-              <a:buSzPts val="1400"/>
-              <a:buNone/>
-            </a:pPr>
-            <a:r>
-              <a:rPr lang="en-US">
-                <a:solidFill>
-                  <a:srgbClr val="9E9E9E"/>
-                </a:solidFill>
-              </a:rPr>
-              <a:t>©2022 SyncMonk Technologies | SyncESMC</a:t>
-            </a:r>
-            <a:endParaRPr/>
-          </a:p>
-        </p:txBody>
-      </p:sp>
-      <p:sp>
-        <p:nvSpPr>
           <p:cNvPr id="120" name="Google Shape;120;p4"/>
           <p:cNvSpPr txBox="1">
             <a:spLocks noGrp="1"/>
@@ -23387,64 +21831,6 @@
             <a:r>
               <a:rPr lang="en-US"/>
               <a:t>Architecture</a:t>
-            </a:r>
-            <a:endParaRPr/>
-          </a:p>
-        </p:txBody>
-      </p:sp>
-      <p:sp>
-        <p:nvSpPr>
-          <p:cNvPr id="121" name="Google Shape;121;p4"/>
-          <p:cNvSpPr txBox="1"/>
-          <p:nvPr/>
-        </p:nvSpPr>
-        <p:spPr>
-          <a:xfrm>
-            <a:off x="7826678" y="6356349"/>
-            <a:ext cx="4114800" cy="365125"/>
-          </a:xfrm>
-          <a:prstGeom prst="rect">
-            <a:avLst/>
-          </a:prstGeom>
-          <a:noFill/>
-          <a:ln>
-            <a:noFill/>
-          </a:ln>
-        </p:spPr>
-        <p:txBody>
-          <a:bodyPr spcFirstLastPara="1" wrap="square" lIns="91425" tIns="45700" rIns="91425" bIns="45700" anchor="ctr" anchorCtr="0">
-            <a:noAutofit/>
-          </a:bodyPr>
-          <a:lstStyle/>
-          <a:p>
-            <a:pPr marL="0" marR="0" lvl="0" indent="0" algn="r" rtl="0">
-              <a:lnSpc>
-                <a:spcPct val="100000"/>
-              </a:lnSpc>
-              <a:spcBef>
-                <a:spcPts val="0"/>
-              </a:spcBef>
-              <a:spcAft>
-                <a:spcPts val="0"/>
-              </a:spcAft>
-              <a:buClr>
-                <a:srgbClr val="000000"/>
-              </a:buClr>
-              <a:buSzPts val="1400"/>
-              <a:buFont typeface="Arial"/>
-              <a:buNone/>
-            </a:pPr>
-            <a:r>
-              <a:rPr lang="en-US" sz="1200" b="0" i="0" u="none" strike="noStrike" cap="none">
-                <a:solidFill>
-                  <a:srgbClr val="9E9E9E"/>
-                </a:solidFill>
-                <a:latin typeface="Calibri"/>
-                <a:ea typeface="Calibri"/>
-                <a:cs typeface="Calibri"/>
-                <a:sym typeface="Calibri"/>
-              </a:rPr>
-              <a:t>www.syncmonk.net| info@syncmonk.net</a:t>
             </a:r>
             <a:endParaRPr/>
           </a:p>
@@ -23726,56 +22112,6 @@
       </p:sp>
       <p:sp>
         <p:nvSpPr>
-          <p:cNvPr id="127" name="Google Shape;127;g12156dc2b05_0_0"/>
-          <p:cNvSpPr txBox="1">
-            <a:spLocks noGrp="1"/>
-          </p:cNvSpPr>
-          <p:nvPr>
-            <p:ph type="ftr" idx="11"/>
-          </p:nvPr>
-        </p:nvSpPr>
-        <p:spPr>
-          <a:prstGeom prst="rect">
-            <a:avLst/>
-          </a:prstGeom>
-          <a:noFill/>
-          <a:ln>
-            <a:noFill/>
-          </a:ln>
-        </p:spPr>
-        <p:txBody>
-          <a:bodyPr spcFirstLastPara="1" wrap="square" lIns="91425" tIns="45700" rIns="91425" bIns="45700" anchor="ctr" anchorCtr="0">
-            <a:noAutofit/>
-          </a:bodyPr>
-          <a:lstStyle/>
-          <a:p>
-            <a:pPr marL="0" lvl="0" indent="0" algn="l" rtl="0">
-              <a:lnSpc>
-                <a:spcPct val="100000"/>
-              </a:lnSpc>
-              <a:spcBef>
-                <a:spcPts val="0"/>
-              </a:spcBef>
-              <a:spcAft>
-                <a:spcPts val="0"/>
-              </a:spcAft>
-              <a:buSzPts val="1400"/>
-              <a:buNone/>
-            </a:pPr>
-            <a:r>
-              <a:rPr lang="en-US">
-                <a:solidFill>
-                  <a:srgbClr val="9E9E9E"/>
-                </a:solidFill>
-              </a:rPr>
-              <a:t>©2022 SyncMonk Technologies | SyncESMC</a:t>
-            </a:r>
-            <a:endParaRPr/>
-          </a:p>
-        </p:txBody>
-      </p:sp>
-      <p:sp>
-        <p:nvSpPr>
           <p:cNvPr id="128" name="Google Shape;128;g12156dc2b05_0_0"/>
           <p:cNvSpPr txBox="1">
             <a:spLocks noGrp="1"/>
@@ -23843,64 +22179,6 @@
             <a:noFill/>
           </a:ln>
         </p:spPr>
-      </p:sp>
-      <p:sp>
-        <p:nvSpPr>
-          <p:cNvPr id="131" name="Google Shape;131;g12156dc2b05_0_0"/>
-          <p:cNvSpPr txBox="1"/>
-          <p:nvPr/>
-        </p:nvSpPr>
-        <p:spPr>
-          <a:xfrm>
-            <a:off x="7826678" y="6356349"/>
-            <a:ext cx="4114800" cy="365125"/>
-          </a:xfrm>
-          <a:prstGeom prst="rect">
-            <a:avLst/>
-          </a:prstGeom>
-          <a:noFill/>
-          <a:ln>
-            <a:noFill/>
-          </a:ln>
-        </p:spPr>
-        <p:txBody>
-          <a:bodyPr spcFirstLastPara="1" wrap="square" lIns="91425" tIns="45700" rIns="91425" bIns="45700" anchor="ctr" anchorCtr="0">
-            <a:noAutofit/>
-          </a:bodyPr>
-          <a:lstStyle/>
-          <a:p>
-            <a:pPr marL="0" marR="0" lvl="0" indent="0" algn="r" rtl="0">
-              <a:lnSpc>
-                <a:spcPct val="100000"/>
-              </a:lnSpc>
-              <a:spcBef>
-                <a:spcPts val="0"/>
-              </a:spcBef>
-              <a:spcAft>
-                <a:spcPts val="0"/>
-              </a:spcAft>
-              <a:buClr>
-                <a:srgbClr val="000000"/>
-              </a:buClr>
-              <a:buSzPts val="1400"/>
-              <a:buFont typeface="Arial"/>
-              <a:buNone/>
-            </a:pPr>
-            <a:r>
-              <a:rPr lang="en-US" sz="1200" b="0" i="0" u="none" strike="noStrike" cap="none">
-                <a:solidFill>
-                  <a:srgbClr val="9E9E9E"/>
-                </a:solidFill>
-                <a:latin typeface="Calibri"/>
-                <a:ea typeface="Calibri"/>
-                <a:cs typeface="Calibri"/>
-                <a:sym typeface="Calibri"/>
-              </a:rPr>
-              <a:t>www.syncmonk.net| info@syncmonk.net</a:t>
-            </a:r>
-            <a:endParaRPr/>
-          </a:p>
-        </p:txBody>
       </p:sp>
     </p:spTree>
   </p:cSld>
@@ -24320,56 +22598,6 @@
       </p:sp>
       <p:sp>
         <p:nvSpPr>
-          <p:cNvPr id="136" name="Google Shape;136;g12055b0ce30_0_16"/>
-          <p:cNvSpPr txBox="1">
-            <a:spLocks noGrp="1"/>
-          </p:cNvSpPr>
-          <p:nvPr>
-            <p:ph type="ftr" idx="11"/>
-          </p:nvPr>
-        </p:nvSpPr>
-        <p:spPr>
-          <a:prstGeom prst="rect">
-            <a:avLst/>
-          </a:prstGeom>
-          <a:noFill/>
-          <a:ln>
-            <a:noFill/>
-          </a:ln>
-        </p:spPr>
-        <p:txBody>
-          <a:bodyPr spcFirstLastPara="1" wrap="square" lIns="91425" tIns="45700" rIns="91425" bIns="45700" anchor="ctr" anchorCtr="0">
-            <a:noAutofit/>
-          </a:bodyPr>
-          <a:lstStyle/>
-          <a:p>
-            <a:pPr marL="0" lvl="0" indent="0" algn="l" rtl="0">
-              <a:lnSpc>
-                <a:spcPct val="100000"/>
-              </a:lnSpc>
-              <a:spcBef>
-                <a:spcPts val="0"/>
-              </a:spcBef>
-              <a:spcAft>
-                <a:spcPts val="0"/>
-              </a:spcAft>
-              <a:buSzPts val="1400"/>
-              <a:buNone/>
-            </a:pPr>
-            <a:r>
-              <a:rPr lang="en-US">
-                <a:solidFill>
-                  <a:srgbClr val="9E9E9E"/>
-                </a:solidFill>
-              </a:rPr>
-              <a:t>©2022 SyncMonk Technologies | SyncESMC</a:t>
-            </a:r>
-            <a:endParaRPr/>
-          </a:p>
-        </p:txBody>
-      </p:sp>
-      <p:sp>
-        <p:nvSpPr>
           <p:cNvPr id="137" name="Google Shape;137;g12055b0ce30_0_16"/>
           <p:cNvSpPr txBox="1">
             <a:spLocks noGrp="1"/>
@@ -24413,64 +22641,6 @@
             <a:r>
               <a:rPr lang="en-US"/>
               <a:t>Configuration</a:t>
-            </a:r>
-            <a:endParaRPr/>
-          </a:p>
-        </p:txBody>
-      </p:sp>
-      <p:sp>
-        <p:nvSpPr>
-          <p:cNvPr id="139" name="Google Shape;139;g12055b0ce30_0_16"/>
-          <p:cNvSpPr txBox="1"/>
-          <p:nvPr/>
-        </p:nvSpPr>
-        <p:spPr>
-          <a:xfrm>
-            <a:off x="7826678" y="6356349"/>
-            <a:ext cx="4114800" cy="365125"/>
-          </a:xfrm>
-          <a:prstGeom prst="rect">
-            <a:avLst/>
-          </a:prstGeom>
-          <a:noFill/>
-          <a:ln>
-            <a:noFill/>
-          </a:ln>
-        </p:spPr>
-        <p:txBody>
-          <a:bodyPr spcFirstLastPara="1" wrap="square" lIns="91425" tIns="45700" rIns="91425" bIns="45700" anchor="ctr" anchorCtr="0">
-            <a:noAutofit/>
-          </a:bodyPr>
-          <a:lstStyle/>
-          <a:p>
-            <a:pPr marL="0" marR="0" lvl="0" indent="0" algn="r" rtl="0">
-              <a:lnSpc>
-                <a:spcPct val="100000"/>
-              </a:lnSpc>
-              <a:spcBef>
-                <a:spcPts val="0"/>
-              </a:spcBef>
-              <a:spcAft>
-                <a:spcPts val="0"/>
-              </a:spcAft>
-              <a:buClr>
-                <a:srgbClr val="000000"/>
-              </a:buClr>
-              <a:buSzPts val="1400"/>
-              <a:buFont typeface="Arial"/>
-              <a:buNone/>
-            </a:pPr>
-            <a:r>
-              <a:rPr lang="en-US" sz="1200" b="0" i="0" u="none" strike="noStrike" cap="none">
-                <a:solidFill>
-                  <a:srgbClr val="9E9E9E"/>
-                </a:solidFill>
-                <a:latin typeface="Calibri"/>
-                <a:ea typeface="Calibri"/>
-                <a:cs typeface="Calibri"/>
-                <a:sym typeface="Calibri"/>
-              </a:rPr>
-              <a:t>www.syncmonk.net| info@syncmonk.net</a:t>
             </a:r>
             <a:endParaRPr/>
           </a:p>

--- a/Time-Card/ДОКУМЕНТЫ/МАТЕРИАЛ СТАТЬИ/#65-SyncESMC - an ITU-T G.781 Multi-Clock ESMC Implementation.pptx
+++ b/Time-Card/ДОКУМЕНТЫ/МАТЕРИАЛ СТАТЬИ/#65-SyncESMC - an ITU-T G.781 Multi-Clock ESMC Implementation.pptx
@@ -160,7 +160,7 @@
       </p15:sldGuideLst>
     </p:ext>
     <p:ext uri="GoogleSlidesCustomDataVersion2">
-      <go:slidesCustomData xmlns:go="http://customooxmlschemas.google.com/" xmlns:ahyp="http://schemas.microsoft.com/office/drawing/2018/hyperlinkcolor" xmlns:p15="http://schemas.microsoft.com/office/powerpoint/2012/main" xmlns:p14="http://schemas.microsoft.com/office/powerpoint/2010/main" xmlns:com="http://schemas.openxmlformats.org/drawingml/2006/compatibility" xmlns:pvml="urn:schemas-microsoft-com:office:powerpoint" xmlns:v="urn:schemas-microsoft-com:vml" xmlns:o="urn:schemas-microsoft-com:office:office" xmlns:dgm="http://schemas.openxmlformats.org/drawingml/2006/diagram" xmlns:c="http://schemas.openxmlformats.org/drawingml/2006/chart" xmlns:mv="urn:schemas-microsoft-com:mac:vml" xmlns:mc="http://schemas.openxmlformats.org/markup-compatibility/2006" xmlns="" r:id="rId30" roundtripDataSignature="AMtx7miTBu1ULPuT3dlB6yz1A+ak4y09TQ=="/>
+      <go:slidesCustomData xmlns="" xmlns:mc="http://schemas.openxmlformats.org/markup-compatibility/2006" xmlns:mv="urn:schemas-microsoft-com:mac:vml" xmlns:c="http://schemas.openxmlformats.org/drawingml/2006/chart" xmlns:dgm="http://schemas.openxmlformats.org/drawingml/2006/diagram" xmlns:o="urn:schemas-microsoft-com:office:office" xmlns:v="urn:schemas-microsoft-com:vml" xmlns:pvml="urn:schemas-microsoft-com:office:powerpoint" xmlns:com="http://schemas.openxmlformats.org/drawingml/2006/compatibility" xmlns:p14="http://schemas.microsoft.com/office/powerpoint/2010/main" xmlns:p15="http://schemas.microsoft.com/office/powerpoint/2012/main" xmlns:ahyp="http://schemas.microsoft.com/office/drawing/2018/hyperlinkcolor" xmlns:go="http://customooxmlschemas.google.com/" r:id="rId30" roundtripDataSignature="AMtx7miTBu1ULPuT3dlB6yz1A+ak4y09TQ=="/>
     </p:ext>
   </p:extLst>
 </p:presentation>
@@ -13956,13 +13956,13 @@
               <a:buNone/>
             </a:pPr>
             <a:r>
-              <a:rPr lang="en-US"/>
+              <a:rPr lang="en-US" dirty="0" err="1"/>
               <a:t>SyncESMC</a:t>
             </a:r>
             <a:br>
-              <a:rPr lang="en-US"/>
+              <a:rPr lang="en-US" dirty="0"/>
             </a:br>
-            <a:endParaRPr/>
+            <a:endParaRPr dirty="0"/>
           </a:p>
         </p:txBody>
       </p:sp>
@@ -14013,7 +14013,7 @@
               <a:buNone/>
             </a:pPr>
             <a:r>
-              <a:rPr lang="en-US" b="0" i="0">
+              <a:rPr lang="en-US" b="0" i="0" dirty="0">
                 <a:solidFill>
                   <a:srgbClr val="222222"/>
                 </a:solidFill>
@@ -14024,7 +14024,7 @@
               </a:rPr>
               <a:t> ITU-T G.781 Multi-Clock ESMC Implementation</a:t>
             </a:r>
-            <a:endParaRPr/>
+            <a:endParaRPr dirty="0"/>
           </a:p>
         </p:txBody>
       </p:sp>
@@ -14046,6 +14046,10 @@
           <a:stretch/>
         </p:blipFill>
         <p:spPr>
+          <a:xfrm>
+            <a:off x="1522088" y="860455"/>
+            <a:ext cx="4428523" cy="5137089"/>
+          </a:xfrm>
           <a:prstGeom prst="rect">
             <a:avLst/>
           </a:prstGeom>
